--- a/DR_Direction/MG_Management/10_Point_Projet/2019_2020/2019 11 19.pptx
+++ b/DR_Direction/MG_Management/10_Point_Projet/2019_2020/2019 11 19.pptx
@@ -281,8 +281,11 @@
     </a:lvl9pPr>
   </p:defaultTextStyle>
   <p:extLst>
+    <p:ext uri="{EFAFB233-063F-42B5-8137-9DF3F51BA10A}">
+      <p15:sldGuideLst xmlns:p15="http://schemas.microsoft.com/office/powerpoint/2012/main"/>
+    </p:ext>
     <p:ext uri="http://customooxmlschemas.google.com/">
-      <go:slidesCustomData xmlns:go="http://customooxmlschemas.google.com/" xmlns:p15="http://schemas.microsoft.com/office/powerpoint/2012/main" xmlns:p14="http://schemas.microsoft.com/office/powerpoint/2010/main" xmlns:com="http://schemas.openxmlformats.org/drawingml/2006/compatibility" xmlns:pvml="urn:schemas-microsoft-com:office:powerpoint" xmlns:v="urn:schemas-microsoft-com:vml" xmlns:o="urn:schemas-microsoft-com:office:office" xmlns:dgm="http://schemas.openxmlformats.org/drawingml/2006/diagram" xmlns:c="http://schemas.openxmlformats.org/drawingml/2006/chart" xmlns:mv="urn:schemas-microsoft-com:mac:vml" xmlns:mc="http://schemas.openxmlformats.org/markup-compatibility/2006" xmlns="" r:id="rId29" roundtripDataSignature="AMtx7mj3Ym9K9ET1lOrYOj+iv5SeG6Sobg=="/>
+      <go:slidesCustomData xmlns="" xmlns:mc="http://schemas.openxmlformats.org/markup-compatibility/2006" xmlns:mv="urn:schemas-microsoft-com:mac:vml" xmlns:c="http://schemas.openxmlformats.org/drawingml/2006/chart" xmlns:dgm="http://schemas.openxmlformats.org/drawingml/2006/diagram" xmlns:o="urn:schemas-microsoft-com:office:office" xmlns:v="urn:schemas-microsoft-com:vml" xmlns:pvml="urn:schemas-microsoft-com:office:powerpoint" xmlns:com="http://schemas.openxmlformats.org/drawingml/2006/compatibility" xmlns:p14="http://schemas.microsoft.com/office/powerpoint/2010/main" xmlns:p15="http://schemas.microsoft.com/office/powerpoint/2012/main" xmlns:go="http://customooxmlschemas.google.com/" r:id="rId29" roundtripDataSignature="AMtx7mj3Ym9K9ET1lOrYOj+iv5SeG6Sobg=="/>
     </p:ext>
   </p:extLst>
 </p:presentation>
@@ -31394,7 +31397,7 @@
             </a:pPr>
             <a:r>
               <a:rPr lang="fr-FR" dirty="0"/>
-              <a:t>19 novembre 2019</a:t>
+              <a:t>19-20 novembre 2019</a:t>
             </a:r>
             <a:endParaRPr dirty="0"/>
           </a:p>
@@ -31409,7 +31412,7 @@
 </file>
 
 <file path=ppt/slides/slide10.xml><?xml version="1.0" encoding="utf-8"?>
-<p:sld xmlns:a="http://schemas.openxmlformats.org/drawingml/2006/main" xmlns:r="http://schemas.openxmlformats.org/officeDocument/2006/relationships" xmlns:p="http://schemas.openxmlformats.org/presentationml/2006/main" show="0">
+<p:sld xmlns:a="http://schemas.openxmlformats.org/drawingml/2006/main" xmlns:r="http://schemas.openxmlformats.org/officeDocument/2006/relationships" xmlns:p="http://schemas.openxmlformats.org/presentationml/2006/main">
   <p:cSld>
     <p:spTree>
       <p:nvGrpSpPr>
@@ -31541,11 +31544,17 @@
         <p:nvGraphicFramePr>
           <p:cNvPr id="260" name="Google Shape;260;p8"/>
           <p:cNvGraphicFramePr/>
-          <p:nvPr/>
+          <p:nvPr>
+            <p:extLst>
+              <p:ext uri="{D42A27DB-BD31-4B8C-83A1-F6EECF244321}">
+                <p14:modId xmlns:p14="http://schemas.microsoft.com/office/powerpoint/2010/main" val="1624593154"/>
+              </p:ext>
+            </p:extLst>
+          </p:nvPr>
         </p:nvGraphicFramePr>
         <p:xfrm>
           <a:off x="400500" y="1073150"/>
-          <a:ext cx="8343025" cy="3718460"/>
+          <a:ext cx="8343025" cy="3367950"/>
         </p:xfrm>
         <a:graphic>
           <a:graphicData uri="http://schemas.openxmlformats.org/drawingml/2006/table">
@@ -31772,7 +31781,7 @@
                         <a:buNone/>
                       </a:pPr>
                       <a:r>
-                        <a:rPr lang="fr-FR" sz="1400" b="1" u="none" strike="noStrike" cap="none">
+                        <a:rPr lang="fr-FR" sz="1400" b="1" u="none" strike="noStrike" cap="none" dirty="0">
                           <a:solidFill>
                             <a:schemeClr val="dk1"/>
                           </a:solidFill>
@@ -31784,9 +31793,9 @@
                           <a:cs typeface="Corbel"/>
                           <a:sym typeface="Corbel"/>
                         </a:rPr>
-                        <a:t>⬊➞⬈</a:t>
+                        <a:t>⬈</a:t>
                       </a:r>
-                      <a:endParaRPr sz="1400" b="1" u="none" strike="noStrike" cap="none">
+                      <a:endParaRPr sz="1400" b="1" u="none" strike="noStrike" cap="none" dirty="0">
                         <a:highlight>
                           <a:srgbClr val="FF0000"/>
                         </a:highlight>
@@ -31822,15 +31831,15 @@
                         <a:buNone/>
                       </a:pPr>
                       <a:r>
-                        <a:rPr lang="fr-FR" sz="1400" b="1" u="none" strike="noStrike" cap="none">
+                        <a:rPr lang="fr-FR" sz="1400" b="1" u="none" strike="noStrike" cap="none" dirty="0">
                           <a:latin typeface="Corbel"/>
                           <a:ea typeface="Corbel"/>
                           <a:cs typeface="Corbel"/>
                           <a:sym typeface="Corbel"/>
                         </a:rPr>
-                        <a:t>Pourquoi je suis dans cet état</a:t>
+                        <a:t>Conception en retard</a:t>
                       </a:r>
-                      <a:endParaRPr sz="1400" b="1" u="none" strike="noStrike" cap="none">
+                      <a:endParaRPr sz="1400" b="1" u="none" strike="noStrike" cap="none" dirty="0">
                         <a:latin typeface="Corbel"/>
                         <a:ea typeface="Corbel"/>
                         <a:cs typeface="Corbel"/>
@@ -31911,7 +31920,7 @@
                         <a:buNone/>
                       </a:pPr>
                       <a:r>
-                        <a:rPr lang="fr-FR" sz="1400" b="1" u="none" strike="noStrike" cap="none">
+                        <a:rPr lang="fr-FR" sz="1400" b="1" u="none" strike="noStrike" cap="none" dirty="0">
                           <a:solidFill>
                             <a:schemeClr val="dk1"/>
                           </a:solidFill>
@@ -31923,9 +31932,9 @@
                           <a:cs typeface="Corbel"/>
                           <a:sym typeface="Corbel"/>
                         </a:rPr>
-                        <a:t>⬊➞⬈</a:t>
+                        <a:t>⬈</a:t>
                       </a:r>
-                      <a:endParaRPr sz="1400" b="1" u="none" strike="noStrike" cap="none">
+                      <a:endParaRPr sz="1400" b="1" u="none" strike="noStrike" cap="none" dirty="0">
                         <a:highlight>
                           <a:srgbClr val="FFC000"/>
                         </a:highlight>
@@ -31960,7 +31969,16 @@
                         <a:buFont typeface="Calibri"/>
                         <a:buNone/>
                       </a:pPr>
-                      <a:endParaRPr sz="1400" b="1" u="none" strike="noStrike" cap="none">
+                      <a:r>
+                        <a:rPr lang="fr-FR" sz="1400" b="1" u="none" strike="noStrike" cap="none" dirty="0">
+                          <a:latin typeface="Corbel"/>
+                          <a:ea typeface="Corbel"/>
+                          <a:cs typeface="Corbel"/>
+                          <a:sym typeface="Corbel"/>
+                        </a:rPr>
+                        <a:t>Profil fait. Manque le dimensionnement</a:t>
+                      </a:r>
+                      <a:endParaRPr sz="1400" b="1" u="none" strike="noStrike" cap="none" dirty="0">
                         <a:latin typeface="Corbel"/>
                         <a:ea typeface="Corbel"/>
                         <a:cs typeface="Corbel"/>
@@ -32041,21 +32059,21 @@
                         <a:buNone/>
                       </a:pPr>
                       <a:r>
-                        <a:rPr lang="fr-FR" sz="1400" b="1" u="none" strike="noStrike" cap="none">
+                        <a:rPr lang="fr-FR" sz="1400" b="1" u="none" strike="noStrike" cap="none" dirty="0">
                           <a:solidFill>
                             <a:schemeClr val="dk1"/>
                           </a:solidFill>
                           <a:highlight>
-                            <a:srgbClr val="00B050"/>
+                            <a:srgbClr val="FF0000"/>
                           </a:highlight>
                           <a:latin typeface="Corbel"/>
                           <a:ea typeface="Corbel"/>
                           <a:cs typeface="Corbel"/>
                           <a:sym typeface="Corbel"/>
                         </a:rPr>
-                        <a:t>⬊➞⬈</a:t>
+                        <a:t>⬈</a:t>
                       </a:r>
-                      <a:endParaRPr sz="1400" b="1" u="none" strike="noStrike" cap="none">
+                      <a:endParaRPr sz="1400" b="1" u="none" strike="noStrike" cap="none" dirty="0">
                         <a:highlight>
                           <a:srgbClr val="00B050"/>
                         </a:highlight>
@@ -32090,7 +32108,16 @@
                         <a:buFont typeface="Calibri"/>
                         <a:buNone/>
                       </a:pPr>
-                      <a:endParaRPr sz="1400" b="1" u="none" strike="noStrike" cap="none">
+                      <a:r>
+                        <a:rPr lang="fr-FR" sz="1400" b="1" u="none" strike="noStrike" cap="none" dirty="0">
+                          <a:latin typeface="Corbel"/>
+                          <a:ea typeface="Corbel"/>
+                          <a:cs typeface="Corbel"/>
+                          <a:sym typeface="Corbel"/>
+                        </a:rPr>
+                        <a:t>Trop de temps passé sur les simus</a:t>
+                      </a:r>
+                      <a:endParaRPr sz="1400" b="1" u="none" strike="noStrike" cap="none" dirty="0">
                         <a:latin typeface="Corbel"/>
                         <a:ea typeface="Corbel"/>
                         <a:cs typeface="Corbel"/>
@@ -32130,15 +32157,15 @@
                         <a:buNone/>
                       </a:pPr>
                       <a:r>
-                        <a:rPr lang="fr-FR" sz="1400" b="1" u="none" strike="noStrike" cap="none">
+                        <a:rPr lang="fr-FR" sz="1400" b="1" u="none" strike="noStrike" cap="none" dirty="0">
                           <a:latin typeface="Corbel"/>
                           <a:ea typeface="Corbel"/>
                           <a:cs typeface="Corbel"/>
                           <a:sym typeface="Corbel"/>
                         </a:rPr>
-                        <a:t>Engine</a:t>
+                        <a:t>Echappement</a:t>
                       </a:r>
-                      <a:endParaRPr sz="1400" b="1" u="none" strike="noStrike" cap="none">
+                      <a:endParaRPr sz="1400" b="1" u="none" strike="noStrike" cap="none" dirty="0">
                         <a:latin typeface="Corbel"/>
                         <a:ea typeface="Corbel"/>
                         <a:cs typeface="Corbel"/>
@@ -32171,18 +32198,21 @@
                         <a:buNone/>
                       </a:pPr>
                       <a:r>
-                        <a:rPr lang="fr-FR" sz="1400" b="1" u="none" strike="noStrike" cap="none">
+                        <a:rPr lang="fr-FR" sz="1400" b="1" u="none" strike="noStrike" cap="none" dirty="0">
                           <a:solidFill>
                             <a:schemeClr val="dk1"/>
                           </a:solidFill>
+                          <a:highlight>
+                            <a:srgbClr val="00B050"/>
+                          </a:highlight>
                           <a:latin typeface="Corbel"/>
                           <a:ea typeface="Corbel"/>
                           <a:cs typeface="Corbel"/>
                           <a:sym typeface="Corbel"/>
                         </a:rPr>
-                        <a:t>⬊➞⬈</a:t>
+                        <a:t>➞</a:t>
                       </a:r>
-                      <a:endParaRPr sz="1400" b="1" u="none" strike="noStrike" cap="none">
+                      <a:endParaRPr sz="1400" b="1" u="none" strike="noStrike" cap="none" dirty="0">
                         <a:latin typeface="Corbel"/>
                         <a:ea typeface="Corbel"/>
                         <a:cs typeface="Corbel"/>
@@ -32214,131 +32244,16 @@
                         <a:buFont typeface="Calibri"/>
                         <a:buNone/>
                       </a:pPr>
-                      <a:endParaRPr sz="1400" b="1" u="none" strike="noStrike" cap="none">
-                        <a:latin typeface="Corbel"/>
-                        <a:ea typeface="Corbel"/>
-                        <a:cs typeface="Corbel"/>
-                        <a:sym typeface="Corbel"/>
-                      </a:endParaRPr>
-                    </a:p>
-                  </a:txBody>
-                  <a:tcPr marL="68575" marR="68575" marT="68575" marB="68575"/>
-                </a:tc>
-                <a:extLst>
-                  <a:ext uri="{0D108BD9-81ED-4DB2-BD59-A6C34878D82A}">
-                    <a16:rowId xmlns:a16="http://schemas.microsoft.com/office/drawing/2014/main" val="10004"/>
-                  </a:ext>
-                </a:extLst>
-              </a:tr>
-              <a:tr h="342875">
-                <a:tc>
-                  <a:txBody>
-                    <a:bodyPr/>
-                    <a:lstStyle/>
-                    <a:p>
-                      <a:pPr marL="0" marR="0" lvl="0" indent="0" algn="l" rtl="0">
-                        <a:lnSpc>
-                          <a:spcPct val="100000"/>
-                        </a:lnSpc>
-                        <a:spcBef>
-                          <a:spcPts val="0"/>
-                        </a:spcBef>
-                        <a:spcAft>
-                          <a:spcPts val="0"/>
-                        </a:spcAft>
-                        <a:buClr>
-                          <a:schemeClr val="dk1"/>
-                        </a:buClr>
-                        <a:buSzPts val="1400"/>
-                        <a:buFont typeface="Corbel"/>
-                        <a:buNone/>
-                      </a:pPr>
                       <a:r>
-                        <a:rPr lang="fr-FR" sz="1400" b="1" u="none" strike="noStrike" cap="none">
+                        <a:rPr lang="fr-FR" sz="1400" b="1" u="none" strike="noStrike" cap="none" dirty="0">
                           <a:latin typeface="Corbel"/>
                           <a:ea typeface="Corbel"/>
                           <a:cs typeface="Corbel"/>
                           <a:sym typeface="Corbel"/>
                         </a:rPr>
-                        <a:t>Echappement</a:t>
+                        <a:t>Reprise de celui d’Optimus</a:t>
                       </a:r>
-                      <a:endParaRPr sz="1400" b="1" u="none" strike="noStrike" cap="none">
-                        <a:latin typeface="Corbel"/>
-                        <a:ea typeface="Corbel"/>
-                        <a:cs typeface="Corbel"/>
-                        <a:sym typeface="Corbel"/>
-                      </a:endParaRPr>
-                    </a:p>
-                  </a:txBody>
-                  <a:tcPr marL="68575" marR="68575" marT="68575" marB="68575"/>
-                </a:tc>
-                <a:tc>
-                  <a:txBody>
-                    <a:bodyPr/>
-                    <a:lstStyle/>
-                    <a:p>
-                      <a:pPr marL="0" marR="0" lvl="0" indent="0" algn="ctr" rtl="0">
-                        <a:lnSpc>
-                          <a:spcPct val="100000"/>
-                        </a:lnSpc>
-                        <a:spcBef>
-                          <a:spcPts val="0"/>
-                        </a:spcBef>
-                        <a:spcAft>
-                          <a:spcPts val="0"/>
-                        </a:spcAft>
-                        <a:buClr>
-                          <a:schemeClr val="dk1"/>
-                        </a:buClr>
-                        <a:buSzPts val="1400"/>
-                        <a:buFont typeface="Corbel"/>
-                        <a:buNone/>
-                      </a:pPr>
-                      <a:r>
-                        <a:rPr lang="fr-FR" sz="1400" b="1" u="none" strike="noStrike" cap="none">
-                          <a:solidFill>
-                            <a:schemeClr val="dk1"/>
-                          </a:solidFill>
-                          <a:latin typeface="Corbel"/>
-                          <a:ea typeface="Corbel"/>
-                          <a:cs typeface="Corbel"/>
-                          <a:sym typeface="Corbel"/>
-                        </a:rPr>
-                        <a:t>⬊➞⬈</a:t>
-                      </a:r>
-                      <a:endParaRPr sz="1400" b="1" u="none" strike="noStrike" cap="none">
-                        <a:latin typeface="Corbel"/>
-                        <a:ea typeface="Corbel"/>
-                        <a:cs typeface="Corbel"/>
-                        <a:sym typeface="Corbel"/>
-                      </a:endParaRPr>
-                    </a:p>
-                  </a:txBody>
-                  <a:tcPr marL="68575" marR="68575" marT="68575" marB="68575"/>
-                </a:tc>
-                <a:tc>
-                  <a:txBody>
-                    <a:bodyPr/>
-                    <a:lstStyle/>
-                    <a:p>
-                      <a:pPr marL="0" marR="0" lvl="0" indent="0" algn="l" rtl="0">
-                        <a:lnSpc>
-                          <a:spcPct val="100000"/>
-                        </a:lnSpc>
-                        <a:spcBef>
-                          <a:spcPts val="0"/>
-                        </a:spcBef>
-                        <a:spcAft>
-                          <a:spcPts val="0"/>
-                        </a:spcAft>
-                        <a:buClr>
-                          <a:schemeClr val="dk1"/>
-                        </a:buClr>
-                        <a:buSzPts val="1400"/>
-                        <a:buFont typeface="Calibri"/>
-                        <a:buNone/>
-                      </a:pPr>
-                      <a:endParaRPr sz="1400" b="1" u="none" strike="noStrike" cap="none">
+                      <a:endParaRPr sz="1400" b="1" u="none" strike="noStrike" cap="none" dirty="0">
                         <a:latin typeface="Corbel"/>
                         <a:ea typeface="Corbel"/>
                         <a:cs typeface="Corbel"/>
@@ -32419,18 +32334,21 @@
                         <a:buNone/>
                       </a:pPr>
                       <a:r>
-                        <a:rPr lang="fr-FR" sz="1400" b="1" u="none" strike="noStrike" cap="none">
+                        <a:rPr lang="fr-FR" sz="1400" b="1" u="none" strike="noStrike" cap="none" dirty="0">
                           <a:solidFill>
                             <a:schemeClr val="dk1"/>
                           </a:solidFill>
+                          <a:highlight>
+                            <a:srgbClr val="FFC000"/>
+                          </a:highlight>
                           <a:latin typeface="Corbel"/>
                           <a:ea typeface="Corbel"/>
                           <a:cs typeface="Corbel"/>
                           <a:sym typeface="Corbel"/>
                         </a:rPr>
-                        <a:t>⬊➞⬈</a:t>
+                        <a:t>⬈</a:t>
                       </a:r>
-                      <a:endParaRPr sz="1400" b="1" u="none" strike="noStrike" cap="none">
+                      <a:endParaRPr sz="1400" b="1" u="none" strike="noStrike" cap="none" dirty="0">
                         <a:latin typeface="Corbel"/>
                         <a:ea typeface="Corbel"/>
                         <a:cs typeface="Corbel"/>
@@ -32462,7 +32380,16 @@
                         <a:buFont typeface="Calibri"/>
                         <a:buNone/>
                       </a:pPr>
-                      <a:endParaRPr sz="1400" b="1" u="none" strike="noStrike" cap="none">
+                      <a:r>
+                        <a:rPr lang="fr-FR" sz="1400" b="1" u="none" strike="noStrike" cap="none" dirty="0">
+                          <a:latin typeface="Corbel"/>
+                          <a:ea typeface="Corbel"/>
+                          <a:cs typeface="Corbel"/>
+                          <a:sym typeface="Corbel"/>
+                        </a:rPr>
+                        <a:t>Reste à fixer</a:t>
+                      </a:r>
+                      <a:endParaRPr sz="1400" b="1" u="none" strike="noStrike" cap="none" dirty="0">
                         <a:latin typeface="Corbel"/>
                         <a:ea typeface="Corbel"/>
                         <a:cs typeface="Corbel"/>
@@ -32502,15 +32429,15 @@
                         <a:buNone/>
                       </a:pPr>
                       <a:r>
-                        <a:rPr lang="fr-FR" sz="1400" b="1" u="none" strike="noStrike" cap="none">
+                        <a:rPr lang="fr-FR" sz="1400" b="1" u="none" strike="noStrike" cap="none" dirty="0">
                           <a:latin typeface="Corbel"/>
                           <a:ea typeface="Corbel"/>
                           <a:cs typeface="Corbel"/>
                           <a:sym typeface="Corbel"/>
                         </a:rPr>
-                        <a:t>Circuit de carburant</a:t>
+                        <a:t>Circuit d’essence</a:t>
                       </a:r>
-                      <a:endParaRPr sz="1400" b="1" u="none" strike="noStrike" cap="none">
+                      <a:endParaRPr sz="1400" b="1" u="none" strike="noStrike" cap="none" dirty="0">
                         <a:latin typeface="Corbel"/>
                         <a:ea typeface="Corbel"/>
                         <a:cs typeface="Corbel"/>
@@ -32542,7 +32469,22 @@
                         <a:buFont typeface="Calibri"/>
                         <a:buNone/>
                       </a:pPr>
-                      <a:endParaRPr sz="1400" b="1" u="none" strike="noStrike" cap="none">
+                      <a:r>
+                        <a:rPr lang="fr-FR" sz="1400" b="1" u="none" strike="noStrike" cap="none" dirty="0">
+                          <a:solidFill>
+                            <a:schemeClr val="dk1"/>
+                          </a:solidFill>
+                          <a:highlight>
+                            <a:srgbClr val="FF0000"/>
+                          </a:highlight>
+                          <a:latin typeface="Corbel"/>
+                          <a:ea typeface="Corbel"/>
+                          <a:cs typeface="Corbel"/>
+                          <a:sym typeface="Corbel"/>
+                        </a:rPr>
+                        <a:t>⬈</a:t>
+                      </a:r>
+                      <a:endParaRPr sz="1400" b="1" u="none" strike="noStrike" cap="none" dirty="0">
                         <a:solidFill>
                           <a:schemeClr val="dk1"/>
                         </a:solidFill>
@@ -32577,7 +32519,16 @@
                         <a:buFont typeface="Calibri"/>
                         <a:buNone/>
                       </a:pPr>
-                      <a:endParaRPr sz="1400" b="1" u="none" strike="noStrike" cap="none">
+                      <a:r>
+                        <a:rPr lang="fr-FR" sz="1400" b="1" u="none" strike="noStrike" cap="none" dirty="0">
+                          <a:latin typeface="Corbel"/>
+                          <a:ea typeface="Corbel"/>
+                          <a:cs typeface="Corbel"/>
+                          <a:sym typeface="Corbel"/>
+                        </a:rPr>
+                        <a:t>Ebauche de réservoir</a:t>
+                      </a:r>
+                      <a:endParaRPr sz="1400" b="1" u="none" strike="noStrike" cap="none" dirty="0">
                         <a:latin typeface="Corbel"/>
                         <a:ea typeface="Corbel"/>
                         <a:cs typeface="Corbel"/>
@@ -32657,7 +32608,22 @@
                         <a:buFont typeface="Calibri"/>
                         <a:buNone/>
                       </a:pPr>
-                      <a:endParaRPr sz="1400" b="1" u="none" strike="noStrike" cap="none">
+                      <a:r>
+                        <a:rPr lang="fr-FR" sz="1400" b="1" u="none" strike="noStrike" cap="none" dirty="0">
+                          <a:solidFill>
+                            <a:schemeClr val="dk1"/>
+                          </a:solidFill>
+                          <a:highlight>
+                            <a:srgbClr val="FFC000"/>
+                          </a:highlight>
+                          <a:latin typeface="Corbel"/>
+                          <a:ea typeface="Corbel"/>
+                          <a:cs typeface="Corbel"/>
+                          <a:sym typeface="Corbel"/>
+                        </a:rPr>
+                        <a:t>⬈</a:t>
+                      </a:r>
+                      <a:endParaRPr sz="1400" b="1" u="none" strike="noStrike" cap="none" dirty="0">
                         <a:solidFill>
                           <a:schemeClr val="dk1"/>
                         </a:solidFill>
@@ -32692,7 +32658,16 @@
                         <a:buFont typeface="Calibri"/>
                         <a:buNone/>
                       </a:pPr>
-                      <a:endParaRPr sz="1400" b="1" u="none" strike="noStrike" cap="none">
+                      <a:r>
+                        <a:rPr lang="fr-FR" sz="1400" b="1" u="none" strike="noStrike" cap="none" dirty="0">
+                          <a:latin typeface="Corbel"/>
+                          <a:ea typeface="Corbel"/>
+                          <a:cs typeface="Corbel"/>
+                          <a:sym typeface="Corbel"/>
+                        </a:rPr>
+                        <a:t>Reste à placer sur la maquette</a:t>
+                      </a:r>
+                      <a:endParaRPr sz="1400" b="1" u="none" strike="noStrike" cap="none" dirty="0">
                         <a:latin typeface="Corbel"/>
                         <a:ea typeface="Corbel"/>
                         <a:cs typeface="Corbel"/>
@@ -32772,7 +32747,22 @@
                         <a:buFont typeface="Calibri"/>
                         <a:buNone/>
                       </a:pPr>
-                      <a:endParaRPr sz="1400" b="1" u="none" strike="noStrike" cap="none">
+                      <a:r>
+                        <a:rPr lang="fr-FR" sz="1400" b="1" u="none" strike="noStrike" cap="none" dirty="0">
+                          <a:solidFill>
+                            <a:schemeClr val="dk1"/>
+                          </a:solidFill>
+                          <a:highlight>
+                            <a:srgbClr val="00B050"/>
+                          </a:highlight>
+                          <a:latin typeface="Corbel"/>
+                          <a:ea typeface="Corbel"/>
+                          <a:cs typeface="Corbel"/>
+                          <a:sym typeface="Corbel"/>
+                        </a:rPr>
+                        <a:t>➞</a:t>
+                      </a:r>
+                      <a:endParaRPr sz="1400" b="1" u="none" strike="noStrike" cap="none" dirty="0">
                         <a:solidFill>
                           <a:schemeClr val="dk1"/>
                         </a:solidFill>
@@ -32807,7 +32797,16 @@
                         <a:buFont typeface="Calibri"/>
                         <a:buNone/>
                       </a:pPr>
-                      <a:endParaRPr sz="1400" b="1" u="none" strike="noStrike" cap="none">
+                      <a:r>
+                        <a:rPr lang="fr-FR" sz="1400" b="1" u="none" strike="noStrike" cap="none" dirty="0">
+                          <a:latin typeface="Corbel"/>
+                          <a:ea typeface="Corbel"/>
+                          <a:cs typeface="Corbel"/>
+                          <a:sym typeface="Corbel"/>
+                        </a:rPr>
+                        <a:t>On time</a:t>
+                      </a:r>
+                      <a:endParaRPr sz="1400" b="1" u="none" strike="noStrike" cap="none" dirty="0">
                         <a:latin typeface="Corbel"/>
                         <a:ea typeface="Corbel"/>
                         <a:cs typeface="Corbel"/>
@@ -32836,7 +32835,7 @@
 </file>
 
 <file path=ppt/slides/slide11.xml><?xml version="1.0" encoding="utf-8"?>
-<p:sld xmlns:a="http://schemas.openxmlformats.org/drawingml/2006/main" xmlns:r="http://schemas.openxmlformats.org/officeDocument/2006/relationships" xmlns:p="http://schemas.openxmlformats.org/presentationml/2006/main" show="0">
+<p:sld xmlns:a="http://schemas.openxmlformats.org/drawingml/2006/main" xmlns:r="http://schemas.openxmlformats.org/officeDocument/2006/relationships" xmlns:p="http://schemas.openxmlformats.org/presentationml/2006/main">
   <p:cSld>
     <p:spTree>
       <p:nvGrpSpPr>
@@ -32968,11 +32967,17 @@
         <p:nvGraphicFramePr>
           <p:cNvPr id="267" name="Google Shape;267;p9"/>
           <p:cNvGraphicFramePr/>
-          <p:nvPr/>
+          <p:nvPr>
+            <p:extLst>
+              <p:ext uri="{D42A27DB-BD31-4B8C-83A1-F6EECF244321}">
+                <p14:modId xmlns:p14="http://schemas.microsoft.com/office/powerpoint/2010/main" val="2407445138"/>
+              </p:ext>
+            </p:extLst>
+          </p:nvPr>
         </p:nvGraphicFramePr>
         <p:xfrm>
           <a:off x="584784" y="1073150"/>
-          <a:ext cx="7974450" cy="3017440"/>
+          <a:ext cx="7974450" cy="2666930"/>
         </p:xfrm>
         <a:graphic>
           <a:graphicData uri="http://schemas.openxmlformats.org/drawingml/2006/table">
@@ -33028,7 +33033,7 @@
                         <a:buNone/>
                       </a:pPr>
                       <a:r>
-                        <a:rPr lang="fr-FR" sz="1400" b="1" u="none" strike="noStrike" cap="none">
+                        <a:rPr lang="fr-FR" sz="1400" b="1" u="none" strike="noStrike" cap="none" dirty="0">
                           <a:latin typeface="Corbel"/>
                           <a:ea typeface="Corbel"/>
                           <a:cs typeface="Corbel"/>
@@ -33036,7 +33041,7 @@
                         </a:rPr>
                         <a:t>Sous-système</a:t>
                       </a:r>
-                      <a:endParaRPr sz="1400" b="1" u="none" strike="noStrike" cap="none">
+                      <a:endParaRPr sz="1400" b="1" u="none" strike="noStrike" cap="none" dirty="0">
                         <a:latin typeface="Corbel"/>
                         <a:ea typeface="Corbel"/>
                         <a:cs typeface="Corbel"/>
@@ -33069,7 +33074,7 @@
                         <a:buNone/>
                       </a:pPr>
                       <a:r>
-                        <a:rPr lang="fr-FR" sz="1400" b="1" u="none" strike="noStrike" cap="none">
+                        <a:rPr lang="fr-FR" sz="1400" b="1" u="none" strike="noStrike" cap="none" dirty="0">
                           <a:latin typeface="Corbel"/>
                           <a:ea typeface="Corbel"/>
                           <a:cs typeface="Corbel"/>
@@ -33077,7 +33082,7 @@
                         </a:rPr>
                         <a:t>Etat</a:t>
                       </a:r>
-                      <a:endParaRPr sz="1400" b="1" u="none" strike="noStrike" cap="none">
+                      <a:endParaRPr sz="1400" b="1" u="none" strike="noStrike" cap="none" dirty="0">
                         <a:latin typeface="Corbel"/>
                         <a:ea typeface="Corbel"/>
                         <a:cs typeface="Corbel"/>
@@ -33158,15 +33163,15 @@
                         <a:buNone/>
                       </a:pPr>
                       <a:r>
-                        <a:rPr lang="fr-FR" sz="1400" b="1" u="none" strike="noStrike" cap="none">
+                        <a:rPr lang="fr-FR" sz="1400" b="1" u="none" strike="noStrike" cap="none" dirty="0">
                           <a:latin typeface="Corbel"/>
                           <a:ea typeface="Corbel"/>
                           <a:cs typeface="Corbel"/>
                           <a:sym typeface="Corbel"/>
                         </a:rPr>
-                        <a:t>Faisceau LV</a:t>
+                        <a:t>Faisceau</a:t>
                       </a:r>
-                      <a:endParaRPr sz="1400" b="1" u="none" strike="noStrike" cap="none">
+                      <a:endParaRPr sz="1400" b="1" u="none" strike="noStrike" cap="none" dirty="0">
                         <a:latin typeface="Corbel"/>
                         <a:ea typeface="Corbel"/>
                         <a:cs typeface="Corbel"/>
@@ -33199,21 +33204,30 @@
                         <a:buNone/>
                       </a:pPr>
                       <a:r>
-                        <a:rPr lang="fr-FR" sz="1400" b="1" u="none" strike="noStrike" cap="none">
+                        <a:rPr kumimoji="0" lang="fr-FR" sz="1400" b="1" i="0" u="none" strike="noStrike" kern="0" cap="none" spc="0" normalizeH="0" baseline="0" noProof="0" dirty="0">
+                          <a:ln>
+                            <a:noFill/>
+                          </a:ln>
                           <a:solidFill>
-                            <a:schemeClr val="dk1"/>
+                            <a:srgbClr val="000000"/>
                           </a:solidFill>
+                          <a:effectLst/>
                           <a:highlight>
-                            <a:srgbClr val="FF0000"/>
+                            <a:srgbClr val="FFC000"/>
                           </a:highlight>
+                          <a:uLnTx/>
+                          <a:uFillTx/>
                           <a:latin typeface="Corbel"/>
                           <a:ea typeface="Corbel"/>
                           <a:cs typeface="Corbel"/>
                           <a:sym typeface="Corbel"/>
                         </a:rPr>
-                        <a:t>⬊➞⬈</a:t>
+                        <a:t>⬈</a:t>
                       </a:r>
-                      <a:endParaRPr sz="1400" b="1" u="none" strike="noStrike" cap="none">
+                      <a:endParaRPr lang="fr-FR" sz="1400" b="1" u="none" strike="noStrike" cap="none" dirty="0">
+                        <a:solidFill>
+                          <a:schemeClr val="dk1"/>
+                        </a:solidFill>
                         <a:highlight>
                           <a:srgbClr val="FF0000"/>
                         </a:highlight>
@@ -33249,15 +33263,15 @@
                         <a:buNone/>
                       </a:pPr>
                       <a:r>
-                        <a:rPr lang="fr-FR" sz="1400" b="1" u="none" strike="noStrike" cap="none">
+                        <a:rPr lang="fr-FR" sz="1400" b="1" u="none" strike="noStrike" cap="none" dirty="0">
                           <a:latin typeface="Corbel"/>
                           <a:ea typeface="Corbel"/>
                           <a:cs typeface="Corbel"/>
                           <a:sym typeface="Corbel"/>
                         </a:rPr>
-                        <a:t>Pourquoi je suis dans cet état</a:t>
+                        <a:t>En cours. Prise de retard à cause des commandes</a:t>
                       </a:r>
-                      <a:endParaRPr sz="1400" b="1" u="none" strike="noStrike" cap="none">
+                      <a:endParaRPr sz="1400" b="1" u="none" strike="noStrike" cap="none" dirty="0">
                         <a:latin typeface="Corbel"/>
                         <a:ea typeface="Corbel"/>
                         <a:cs typeface="Corbel"/>
@@ -33273,7 +33287,7 @@
                   </a:ext>
                 </a:extLst>
               </a:tr>
-              <a:tr h="342875">
+              <a:tr h="438753">
                 <a:tc>
                   <a:txBody>
                     <a:bodyPr/>
@@ -33297,15 +33311,15 @@
                         <a:buNone/>
                       </a:pPr>
                       <a:r>
-                        <a:rPr lang="fr-FR" sz="1400" b="1" u="none" strike="noStrike" cap="none">
+                        <a:rPr lang="fr-FR" sz="1400" b="1" u="none" strike="noStrike" cap="none" dirty="0">
                           <a:latin typeface="Corbel"/>
                           <a:ea typeface="Corbel"/>
                           <a:cs typeface="Corbel"/>
                           <a:sym typeface="Corbel"/>
                         </a:rPr>
-                        <a:t>Faisceau HP</a:t>
+                        <a:t>Acquisition de données</a:t>
                       </a:r>
-                      <a:endParaRPr sz="1400" b="1" u="none" strike="noStrike" cap="none">
+                      <a:endParaRPr sz="1400" b="1" u="none" strike="noStrike" cap="none" dirty="0">
                         <a:latin typeface="Corbel"/>
                         <a:ea typeface="Corbel"/>
                         <a:cs typeface="Corbel"/>
@@ -33338,7 +33352,7 @@
                         <a:buNone/>
                       </a:pPr>
                       <a:r>
-                        <a:rPr lang="fr-FR" sz="1400" b="1" u="none" strike="noStrike" cap="none">
+                        <a:rPr lang="fr-FR" sz="1400" b="1" u="none" strike="noStrike" cap="none" dirty="0">
                           <a:solidFill>
                             <a:schemeClr val="dk1"/>
                           </a:solidFill>
@@ -33350,9 +33364,9 @@
                           <a:cs typeface="Corbel"/>
                           <a:sym typeface="Corbel"/>
                         </a:rPr>
-                        <a:t>⬊➞⬈</a:t>
+                        <a:t>➞</a:t>
                       </a:r>
-                      <a:endParaRPr sz="1400" b="1" u="none" strike="noStrike" cap="none">
+                      <a:endParaRPr sz="1400" b="1" u="none" strike="noStrike" cap="none" dirty="0">
                         <a:highlight>
                           <a:srgbClr val="FFC000"/>
                         </a:highlight>
@@ -33387,137 +33401,7 @@
                         <a:buFont typeface="Calibri"/>
                         <a:buNone/>
                       </a:pPr>
-                      <a:endParaRPr sz="1400" b="1" u="none" strike="noStrike" cap="none">
-                        <a:latin typeface="Corbel"/>
-                        <a:ea typeface="Corbel"/>
-                        <a:cs typeface="Corbel"/>
-                        <a:sym typeface="Corbel"/>
-                      </a:endParaRPr>
-                    </a:p>
-                  </a:txBody>
-                  <a:tcPr marL="68575" marR="68575" marT="68575" marB="68575"/>
-                </a:tc>
-                <a:extLst>
-                  <a:ext uri="{0D108BD9-81ED-4DB2-BD59-A6C34878D82A}">
-                    <a16:rowId xmlns:a16="http://schemas.microsoft.com/office/drawing/2014/main" val="10002"/>
-                  </a:ext>
-                </a:extLst>
-              </a:tr>
-              <a:tr h="342875">
-                <a:tc>
-                  <a:txBody>
-                    <a:bodyPr/>
-                    <a:lstStyle/>
-                    <a:p>
-                      <a:pPr marL="0" marR="0" lvl="0" indent="0" algn="l" rtl="0">
-                        <a:lnSpc>
-                          <a:spcPct val="100000"/>
-                        </a:lnSpc>
-                        <a:spcBef>
-                          <a:spcPts val="0"/>
-                        </a:spcBef>
-                        <a:spcAft>
-                          <a:spcPts val="0"/>
-                        </a:spcAft>
-                        <a:buClr>
-                          <a:schemeClr val="dk1"/>
-                        </a:buClr>
-                        <a:buSzPts val="1400"/>
-                        <a:buFont typeface="Corbel"/>
-                        <a:buNone/>
-                      </a:pPr>
-                      <a:r>
-                        <a:rPr lang="fr-FR" sz="1400" b="1" u="none" strike="noStrike" cap="none">
-                          <a:latin typeface="Corbel"/>
-                          <a:ea typeface="Corbel"/>
-                          <a:cs typeface="Corbel"/>
-                          <a:sym typeface="Corbel"/>
-                        </a:rPr>
-                        <a:t>Acquisition de données</a:t>
-                      </a:r>
-                      <a:endParaRPr sz="1400" b="1" u="none" strike="noStrike" cap="none">
-                        <a:latin typeface="Corbel"/>
-                        <a:ea typeface="Corbel"/>
-                        <a:cs typeface="Corbel"/>
-                        <a:sym typeface="Corbel"/>
-                      </a:endParaRPr>
-                    </a:p>
-                  </a:txBody>
-                  <a:tcPr marL="68575" marR="68575" marT="68575" marB="68575"/>
-                </a:tc>
-                <a:tc>
-                  <a:txBody>
-                    <a:bodyPr/>
-                    <a:lstStyle/>
-                    <a:p>
-                      <a:pPr marL="0" marR="0" lvl="0" indent="0" algn="ctr" rtl="0">
-                        <a:lnSpc>
-                          <a:spcPct val="100000"/>
-                        </a:lnSpc>
-                        <a:spcBef>
-                          <a:spcPts val="0"/>
-                        </a:spcBef>
-                        <a:spcAft>
-                          <a:spcPts val="0"/>
-                        </a:spcAft>
-                        <a:buClr>
-                          <a:schemeClr val="dk1"/>
-                        </a:buClr>
-                        <a:buSzPts val="1400"/>
-                        <a:buFont typeface="Corbel"/>
-                        <a:buNone/>
-                      </a:pPr>
-                      <a:r>
-                        <a:rPr lang="fr-FR" sz="1400" b="1" u="none" strike="noStrike" cap="none">
-                          <a:solidFill>
-                            <a:schemeClr val="dk1"/>
-                          </a:solidFill>
-                          <a:highlight>
-                            <a:srgbClr val="00B050"/>
-                          </a:highlight>
-                          <a:latin typeface="Corbel"/>
-                          <a:ea typeface="Corbel"/>
-                          <a:cs typeface="Corbel"/>
-                          <a:sym typeface="Corbel"/>
-                        </a:rPr>
-                        <a:t>⬊➞⬈</a:t>
-                      </a:r>
-                      <a:endParaRPr sz="1400" b="1" u="none" strike="noStrike" cap="none">
-                        <a:highlight>
-                          <a:srgbClr val="00B050"/>
-                        </a:highlight>
-                        <a:latin typeface="Corbel"/>
-                        <a:ea typeface="Corbel"/>
-                        <a:cs typeface="Corbel"/>
-                        <a:sym typeface="Corbel"/>
-                      </a:endParaRPr>
-                    </a:p>
-                  </a:txBody>
-                  <a:tcPr marL="68575" marR="68575" marT="68575" marB="68575"/>
-                </a:tc>
-                <a:tc>
-                  <a:txBody>
-                    <a:bodyPr/>
-                    <a:lstStyle/>
-                    <a:p>
-                      <a:pPr marL="0" marR="0" lvl="0" indent="0" algn="l" rtl="0">
-                        <a:lnSpc>
-                          <a:spcPct val="100000"/>
-                        </a:lnSpc>
-                        <a:spcBef>
-                          <a:spcPts val="0"/>
-                        </a:spcBef>
-                        <a:spcAft>
-                          <a:spcPts val="0"/>
-                        </a:spcAft>
-                        <a:buClr>
-                          <a:schemeClr val="dk1"/>
-                        </a:buClr>
-                        <a:buSzPts val="1400"/>
-                        <a:buFont typeface="Calibri"/>
-                        <a:buNone/>
-                      </a:pPr>
-                      <a:endParaRPr sz="1400" b="1" u="none" strike="noStrike" cap="none">
+                      <a:endParaRPr sz="1400" b="1" u="none" strike="noStrike" cap="none" dirty="0">
                         <a:latin typeface="Corbel"/>
                         <a:ea typeface="Corbel"/>
                         <a:cs typeface="Corbel"/>
@@ -33557,7 +33441,7 @@
                         <a:buNone/>
                       </a:pPr>
                       <a:r>
-                        <a:rPr lang="fr-FR" sz="1400" b="1" u="none" strike="noStrike" cap="none">
+                        <a:rPr lang="fr-FR" sz="1400" b="1" u="none" strike="noStrike" cap="none" dirty="0">
                           <a:latin typeface="Corbel"/>
                           <a:ea typeface="Corbel"/>
                           <a:cs typeface="Corbel"/>
@@ -33565,7 +33449,7 @@
                         </a:rPr>
                         <a:t>Tableau de bord</a:t>
                       </a:r>
-                      <a:endParaRPr sz="1400" b="1" u="none" strike="noStrike" cap="none">
+                      <a:endParaRPr sz="1400" b="1" u="none" strike="noStrike" cap="none" dirty="0">
                         <a:latin typeface="Corbel"/>
                         <a:ea typeface="Corbel"/>
                         <a:cs typeface="Corbel"/>
@@ -33598,18 +33482,24 @@
                         <a:buNone/>
                       </a:pPr>
                       <a:r>
-                        <a:rPr lang="fr-FR" sz="1400" b="1" u="none" strike="noStrike" cap="none">
+                        <a:rPr lang="fr-FR" sz="1400" b="1" u="none" strike="noStrike" cap="none" dirty="0">
                           <a:solidFill>
                             <a:schemeClr val="dk1"/>
                           </a:solidFill>
+                          <a:highlight>
+                            <a:srgbClr val="00B050"/>
+                          </a:highlight>
                           <a:latin typeface="Corbel"/>
                           <a:ea typeface="Corbel"/>
                           <a:cs typeface="Corbel"/>
                           <a:sym typeface="Corbel"/>
                         </a:rPr>
-                        <a:t>⬊➞⬈</a:t>
+                        <a:t>➞</a:t>
                       </a:r>
-                      <a:endParaRPr sz="1400" b="1" u="none" strike="noStrike" cap="none">
+                      <a:endParaRPr sz="1400" b="1" u="none" strike="noStrike" cap="none" dirty="0">
+                        <a:highlight>
+                          <a:srgbClr val="00B050"/>
+                        </a:highlight>
                         <a:latin typeface="Corbel"/>
                         <a:ea typeface="Corbel"/>
                         <a:cs typeface="Corbel"/>
@@ -33641,7 +33531,16 @@
                         <a:buFont typeface="Calibri"/>
                         <a:buNone/>
                       </a:pPr>
-                      <a:endParaRPr sz="1400" b="1" u="none" strike="noStrike" cap="none">
+                      <a:r>
+                        <a:rPr lang="fr-FR" sz="1400" b="1" u="none" strike="noStrike" cap="none" dirty="0">
+                          <a:latin typeface="Corbel"/>
+                          <a:ea typeface="Corbel"/>
+                          <a:cs typeface="Corbel"/>
+                          <a:sym typeface="Corbel"/>
+                        </a:rPr>
+                        <a:t>Dessiné. Reste des ajustements</a:t>
+                      </a:r>
+                      <a:endParaRPr sz="1400" b="1" u="none" strike="noStrike" cap="none" dirty="0">
                         <a:latin typeface="Corbel"/>
                         <a:ea typeface="Corbel"/>
                         <a:cs typeface="Corbel"/>
@@ -33681,15 +33580,15 @@
                         <a:buNone/>
                       </a:pPr>
                       <a:r>
-                        <a:rPr lang="fr-FR" sz="1400" b="1" u="none" strike="noStrike" cap="none">
+                        <a:rPr lang="fr-FR" sz="1400" b="1" u="none" strike="noStrike" cap="none" dirty="0">
                           <a:latin typeface="Corbel"/>
                           <a:ea typeface="Corbel"/>
                           <a:cs typeface="Corbel"/>
                           <a:sym typeface="Corbel"/>
                         </a:rPr>
-                        <a:t>Contrôle de TdB</a:t>
+                        <a:t>Carte avant</a:t>
                       </a:r>
-                      <a:endParaRPr sz="1400" b="1" u="none" strike="noStrike" cap="none">
+                      <a:endParaRPr sz="1400" b="1" u="none" strike="noStrike" cap="none" dirty="0">
                         <a:latin typeface="Corbel"/>
                         <a:ea typeface="Corbel"/>
                         <a:cs typeface="Corbel"/>
@@ -33704,7 +33603,7 @@
                     <a:bodyPr/>
                     <a:lstStyle/>
                     <a:p>
-                      <a:pPr marL="0" marR="0" lvl="0" indent="0" algn="ctr" rtl="0">
+                      <a:pPr marL="0" marR="0" lvl="0" indent="0" algn="ctr" defTabSz="914400" rtl="0" eaLnBrk="1" fontAlgn="auto" latinLnBrk="0" hangingPunct="1">
                         <a:lnSpc>
                           <a:spcPct val="100000"/>
                         </a:lnSpc>
@@ -33715,25 +33614,33 @@
                           <a:spcPts val="0"/>
                         </a:spcAft>
                         <a:buClr>
-                          <a:schemeClr val="dk1"/>
+                          <a:srgbClr val="000000"/>
                         </a:buClr>
-                        <a:buSzPts val="1400"/>
-                        <a:buFont typeface="Corbel"/>
+                        <a:buSzTx/>
+                        <a:buFont typeface="Arial"/>
                         <a:buNone/>
+                        <a:tabLst/>
+                        <a:defRPr/>
                       </a:pPr>
                       <a:r>
-                        <a:rPr lang="fr-FR" sz="1400" b="1" u="none" strike="noStrike" cap="none">
+                        <a:rPr lang="fr-FR" sz="1400" b="1" u="none" strike="noStrike" cap="none" dirty="0">
                           <a:solidFill>
                             <a:schemeClr val="dk1"/>
                           </a:solidFill>
+                          <a:highlight>
+                            <a:srgbClr val="00B050"/>
+                          </a:highlight>
                           <a:latin typeface="Corbel"/>
                           <a:ea typeface="Corbel"/>
                           <a:cs typeface="Corbel"/>
                           <a:sym typeface="Corbel"/>
                         </a:rPr>
-                        <a:t>⬊➞⬈</a:t>
+                        <a:t>➞</a:t>
                       </a:r>
-                      <a:endParaRPr sz="1400" b="1" u="none" strike="noStrike" cap="none">
+                      <a:endParaRPr lang="fr-FR" sz="1400" b="1" u="none" strike="noStrike" cap="none" dirty="0">
+                        <a:highlight>
+                          <a:srgbClr val="00B050"/>
+                        </a:highlight>
                         <a:latin typeface="Corbel"/>
                         <a:ea typeface="Corbel"/>
                         <a:cs typeface="Corbel"/>
@@ -33765,7 +33672,16 @@
                         <a:buFont typeface="Calibri"/>
                         <a:buNone/>
                       </a:pPr>
-                      <a:endParaRPr sz="1400" b="1" u="none" strike="noStrike" cap="none">
+                      <a:r>
+                        <a:rPr lang="fr-FR" sz="1400" b="1" u="none" strike="noStrike" cap="none" dirty="0">
+                          <a:latin typeface="Corbel"/>
+                          <a:ea typeface="Corbel"/>
+                          <a:cs typeface="Corbel"/>
+                          <a:sym typeface="Corbel"/>
+                        </a:rPr>
+                        <a:t>Code bien avancé</a:t>
+                      </a:r>
+                      <a:endParaRPr sz="1400" b="1" u="none" strike="noStrike" cap="none" dirty="0">
                         <a:latin typeface="Corbel"/>
                         <a:ea typeface="Corbel"/>
                         <a:cs typeface="Corbel"/>
@@ -33805,15 +33721,33 @@
                         <a:buNone/>
                       </a:pPr>
                       <a:r>
-                        <a:rPr lang="fr-FR" sz="1400" b="1" u="none" strike="noStrike" cap="none">
+                        <a:rPr lang="fr-FR" sz="1400" b="1" u="none" strike="noStrike" cap="none" dirty="0" err="1">
                           <a:latin typeface="Corbel"/>
                           <a:ea typeface="Corbel"/>
                           <a:cs typeface="Corbel"/>
                           <a:sym typeface="Corbel"/>
                         </a:rPr>
-                        <a:t>Commande de boîte</a:t>
+                        <a:t>Shifter</a:t>
                       </a:r>
-                      <a:endParaRPr sz="1400" b="1" u="none" strike="noStrike" cap="none">
+                      <a:r>
+                        <a:rPr lang="fr-FR" sz="1400" b="1" u="none" strike="noStrike" cap="none" dirty="0">
+                          <a:latin typeface="Corbel"/>
+                          <a:ea typeface="Corbel"/>
+                          <a:cs typeface="Corbel"/>
+                          <a:sym typeface="Corbel"/>
+                        </a:rPr>
+                        <a:t>, </a:t>
+                      </a:r>
+                      <a:r>
+                        <a:rPr lang="fr-FR" sz="1400" b="1" u="none" strike="noStrike" cap="none" dirty="0" err="1">
+                          <a:latin typeface="Corbel"/>
+                          <a:ea typeface="Corbel"/>
+                          <a:cs typeface="Corbel"/>
+                          <a:sym typeface="Corbel"/>
+                        </a:rPr>
+                        <a:t>shields</a:t>
+                      </a:r>
+                      <a:endParaRPr sz="1400" b="1" u="none" strike="noStrike" cap="none" dirty="0">
                         <a:latin typeface="Corbel"/>
                         <a:ea typeface="Corbel"/>
                         <a:cs typeface="Corbel"/>
@@ -33846,18 +33780,21 @@
                         <a:buNone/>
                       </a:pPr>
                       <a:r>
-                        <a:rPr lang="fr-FR" sz="1400" b="1" u="none" strike="noStrike" cap="none">
+                        <a:rPr lang="fr-FR" sz="1400" b="1" u="none" strike="noStrike" cap="none" dirty="0">
                           <a:solidFill>
                             <a:schemeClr val="dk1"/>
                           </a:solidFill>
+                          <a:highlight>
+                            <a:srgbClr val="00B050"/>
+                          </a:highlight>
                           <a:latin typeface="Corbel"/>
                           <a:ea typeface="Corbel"/>
                           <a:cs typeface="Corbel"/>
                           <a:sym typeface="Corbel"/>
                         </a:rPr>
-                        <a:t>⬊➞⬈</a:t>
+                        <a:t>➞</a:t>
                       </a:r>
-                      <a:endParaRPr sz="1400" b="1" u="none" strike="noStrike" cap="none">
+                      <a:endParaRPr sz="1400" b="1" u="none" strike="noStrike" cap="none" dirty="0">
                         <a:latin typeface="Corbel"/>
                         <a:ea typeface="Corbel"/>
                         <a:cs typeface="Corbel"/>
@@ -33889,7 +33826,16 @@
                         <a:buFont typeface="Calibri"/>
                         <a:buNone/>
                       </a:pPr>
-                      <a:endParaRPr sz="1400" b="1" u="none" strike="noStrike" cap="none">
+                      <a:r>
+                        <a:rPr lang="fr-FR" sz="1400" b="1" u="none" strike="noStrike" cap="none" dirty="0">
+                          <a:latin typeface="Corbel"/>
+                          <a:ea typeface="Corbel"/>
+                          <a:cs typeface="Corbel"/>
+                          <a:sym typeface="Corbel"/>
+                        </a:rPr>
+                        <a:t>Finis</a:t>
+                      </a:r>
+                      <a:endParaRPr sz="1400" b="1" u="none" strike="noStrike" cap="none" dirty="0">
                         <a:latin typeface="Corbel"/>
                         <a:ea typeface="Corbel"/>
                         <a:cs typeface="Corbel"/>
@@ -33929,15 +33875,15 @@
                         <a:buNone/>
                       </a:pPr>
                       <a:r>
-                        <a:rPr lang="fr-FR" sz="1400" b="1" u="none" strike="noStrike" cap="none">
+                        <a:rPr lang="fr-FR" sz="1400" b="1" u="none" strike="noStrike" cap="none" dirty="0">
                           <a:latin typeface="Corbel"/>
                           <a:ea typeface="Corbel"/>
                           <a:cs typeface="Corbel"/>
                           <a:sym typeface="Corbel"/>
                         </a:rPr>
-                        <a:t>BSPD</a:t>
+                        <a:t>Commande de boite</a:t>
                       </a:r>
-                      <a:endParaRPr sz="1400" b="1" u="none" strike="noStrike" cap="none">
+                      <a:endParaRPr sz="1400" b="1" u="none" strike="noStrike" cap="none" dirty="0">
                         <a:latin typeface="Corbel"/>
                         <a:ea typeface="Corbel"/>
                         <a:cs typeface="Corbel"/>
@@ -33966,13 +33912,25 @@
                           <a:schemeClr val="dk1"/>
                         </a:buClr>
                         <a:buSzPts val="1400"/>
-                        <a:buFont typeface="Calibri"/>
+                        <a:buFont typeface="Corbel"/>
                         <a:buNone/>
                       </a:pPr>
-                      <a:endParaRPr sz="1400" b="1" u="none" strike="noStrike" cap="none">
-                        <a:solidFill>
-                          <a:schemeClr val="dk1"/>
-                        </a:solidFill>
+                      <a:r>
+                        <a:rPr lang="fr-FR" sz="1400" b="1" u="none" strike="noStrike" cap="none" dirty="0">
+                          <a:solidFill>
+                            <a:schemeClr val="dk1"/>
+                          </a:solidFill>
+                          <a:highlight>
+                            <a:srgbClr val="FFC000"/>
+                          </a:highlight>
+                          <a:latin typeface="Corbel"/>
+                          <a:ea typeface="Corbel"/>
+                          <a:cs typeface="Corbel"/>
+                          <a:sym typeface="Corbel"/>
+                        </a:rPr>
+                        <a:t>➞</a:t>
+                      </a:r>
+                      <a:endParaRPr sz="1400" b="1" u="none" strike="noStrike" cap="none" dirty="0">
                         <a:latin typeface="Corbel"/>
                         <a:ea typeface="Corbel"/>
                         <a:cs typeface="Corbel"/>
@@ -34004,7 +33962,16 @@
                         <a:buFont typeface="Calibri"/>
                         <a:buNone/>
                       </a:pPr>
-                      <a:endParaRPr sz="1400" b="1" u="none" strike="noStrike" cap="none">
+                      <a:r>
+                        <a:rPr lang="fr-FR" sz="1400" b="1" u="none" strike="noStrike" cap="none" dirty="0">
+                          <a:latin typeface="Corbel"/>
+                          <a:ea typeface="Corbel"/>
+                          <a:cs typeface="Corbel"/>
+                          <a:sym typeface="Corbel"/>
+                        </a:rPr>
+                        <a:t>Reprise du code existant</a:t>
+                      </a:r>
+                      <a:endParaRPr sz="1400" b="1" u="none" strike="noStrike" cap="none" dirty="0">
                         <a:latin typeface="Corbel"/>
                         <a:ea typeface="Corbel"/>
                         <a:cs typeface="Corbel"/>
@@ -34016,7 +33983,7 @@
                 </a:tc>
                 <a:extLst>
                   <a:ext uri="{0D108BD9-81ED-4DB2-BD59-A6C34878D82A}">
-                    <a16:rowId xmlns:a16="http://schemas.microsoft.com/office/drawing/2014/main" val="10007"/>
+                    <a16:rowId xmlns:a16="http://schemas.microsoft.com/office/drawing/2014/main" val="863374894"/>
                   </a:ext>
                 </a:extLst>
               </a:tr>
@@ -34149,10 +34116,10 @@
               <a:buChar char="•"/>
             </a:pPr>
             <a:r>
-              <a:rPr lang="fr-FR"/>
+              <a:rPr lang="fr-FR" dirty="0"/>
               <a:t>Durée totale : 5 min</a:t>
             </a:r>
-            <a:endParaRPr/>
+            <a:endParaRPr dirty="0"/>
           </a:p>
           <a:p>
             <a:pPr marL="171450" lvl="0" indent="-171450" algn="l" rtl="0">
@@ -34172,10 +34139,10 @@
               <a:buChar char="•"/>
             </a:pPr>
             <a:r>
-              <a:rPr lang="fr-FR"/>
+              <a:rPr lang="fr-FR" dirty="0"/>
               <a:t>Debout, pas d’ordis ni de téléphone</a:t>
             </a:r>
-            <a:endParaRPr/>
+            <a:endParaRPr dirty="0"/>
           </a:p>
           <a:p>
             <a:pPr marL="171450" lvl="0" indent="-171450" algn="l" rtl="0">
@@ -34195,10 +34162,10 @@
               <a:buChar char="•"/>
             </a:pPr>
             <a:r>
-              <a:rPr lang="fr-FR"/>
+              <a:rPr lang="fr-FR" dirty="0"/>
               <a:t>Chacun parle de :</a:t>
             </a:r>
-            <a:endParaRPr/>
+            <a:endParaRPr dirty="0"/>
           </a:p>
           <a:p>
             <a:pPr marL="514350" lvl="1" indent="-171450" algn="l" rtl="0">
@@ -34218,10 +34185,10 @@
               <a:buChar char="•"/>
             </a:pPr>
             <a:r>
-              <a:rPr lang="fr-FR"/>
+              <a:rPr lang="fr-FR" dirty="0"/>
               <a:t>Ce qu’il a fait depuis la dernière fois</a:t>
             </a:r>
-            <a:endParaRPr/>
+            <a:endParaRPr dirty="0"/>
           </a:p>
           <a:p>
             <a:pPr marL="514350" lvl="1" indent="-171450" algn="l" rtl="0">
@@ -34241,10 +34208,14 @@
               <a:buChar char="•"/>
             </a:pPr>
             <a:r>
-              <a:rPr lang="fr-FR"/>
-              <a:t>Ce qu’il va faire ajd</a:t>
+              <a:rPr lang="fr-FR" dirty="0"/>
+              <a:t>Ce qu’il va faire </a:t>
             </a:r>
-            <a:endParaRPr/>
+            <a:r>
+              <a:rPr lang="fr-FR" dirty="0" err="1"/>
+              <a:t>ajd</a:t>
+            </a:r>
+            <a:endParaRPr dirty="0"/>
           </a:p>
           <a:p>
             <a:pPr marL="514350" lvl="1" indent="-171450" algn="l" rtl="0">
@@ -34264,10 +34235,10 @@
               <a:buChar char="•"/>
             </a:pPr>
             <a:r>
-              <a:rPr lang="fr-FR"/>
-              <a:t>Les problèmes qu’il va rencontrer</a:t>
+              <a:rPr lang="fr-FR" dirty="0"/>
+              <a:t>Les problèmes qu’il a rencontré</a:t>
             </a:r>
-            <a:endParaRPr/>
+            <a:endParaRPr dirty="0"/>
           </a:p>
         </p:txBody>
       </p:sp>
@@ -34757,7 +34728,7 @@
 </file>
 
 <file path=ppt/slides/slide4.xml><?xml version="1.0" encoding="utf-8"?>
-<p:sld xmlns:a="http://schemas.openxmlformats.org/drawingml/2006/main" xmlns:r="http://schemas.openxmlformats.org/officeDocument/2006/relationships" xmlns:p="http://schemas.openxmlformats.org/presentationml/2006/main">
+<p:sld xmlns:a="http://schemas.openxmlformats.org/drawingml/2006/main" xmlns:r="http://schemas.openxmlformats.org/officeDocument/2006/relationships" xmlns:p="http://schemas.openxmlformats.org/presentationml/2006/main" show="0">
   <p:cSld>
     <p:spTree>
       <p:nvGrpSpPr>
@@ -35214,7 +35185,7 @@
                     </a:lnB>
                     <a:extLst>
                       <a:ext uri="http://customooxmlschemas.google.com/">
-                        <go:slidesCustomData xmlns:go="http://customooxmlschemas.google.com/" xmlns:p15="http://schemas.microsoft.com/office/powerpoint/2012/main" xmlns:p14="http://schemas.microsoft.com/office/powerpoint/2010/main" xmlns:com="http://schemas.openxmlformats.org/drawingml/2006/compatibility" xmlns:pvml="urn:schemas-microsoft-com:office:powerpoint" xmlns:v="urn:schemas-microsoft-com:vml" xmlns:o="urn:schemas-microsoft-com:office:office" xmlns:dgm="http://schemas.openxmlformats.org/drawingml/2006/diagram" xmlns:c="http://schemas.openxmlformats.org/drawingml/2006/chart" xmlns:mv="urn:schemas-microsoft-com:mac:vml" xmlns:mc="http://schemas.openxmlformats.org/markup-compatibility/2006" xmlns="" cellId="224:0:0"/>
+                        <go:slidesCustomData xmlns="" xmlns:mc="http://schemas.openxmlformats.org/markup-compatibility/2006" xmlns:mv="urn:schemas-microsoft-com:mac:vml" xmlns:c="http://schemas.openxmlformats.org/drawingml/2006/chart" xmlns:dgm="http://schemas.openxmlformats.org/drawingml/2006/diagram" xmlns:o="urn:schemas-microsoft-com:office:office" xmlns:v="urn:schemas-microsoft-com:vml" xmlns:pvml="urn:schemas-microsoft-com:office:powerpoint" xmlns:com="http://schemas.openxmlformats.org/drawingml/2006/compatibility" xmlns:p14="http://schemas.microsoft.com/office/powerpoint/2010/main" xmlns:p15="http://schemas.microsoft.com/office/powerpoint/2012/main" xmlns:go="http://customooxmlschemas.google.com/" cellId="224:0:0"/>
                       </a:ext>
                     </a:extLst>
                   </a:tcPr>
@@ -35328,7 +35299,7 @@
                     </a:solidFill>
                     <a:extLst>
                       <a:ext uri="http://customooxmlschemas.google.com/">
-                        <go:slidesCustomData xmlns:go="http://customooxmlschemas.google.com/" xmlns:p15="http://schemas.microsoft.com/office/powerpoint/2012/main" xmlns:p14="http://schemas.microsoft.com/office/powerpoint/2010/main" xmlns:com="http://schemas.openxmlformats.org/drawingml/2006/compatibility" xmlns:pvml="urn:schemas-microsoft-com:office:powerpoint" xmlns:v="urn:schemas-microsoft-com:vml" xmlns:o="urn:schemas-microsoft-com:office:office" xmlns:dgm="http://schemas.openxmlformats.org/drawingml/2006/diagram" xmlns:c="http://schemas.openxmlformats.org/drawingml/2006/chart" xmlns:mv="urn:schemas-microsoft-com:mac:vml" xmlns:mc="http://schemas.openxmlformats.org/markup-compatibility/2006" xmlns="" cellId="224:0:4"/>
+                        <go:slidesCustomData xmlns="" xmlns:mc="http://schemas.openxmlformats.org/markup-compatibility/2006" xmlns:mv="urn:schemas-microsoft-com:mac:vml" xmlns:c="http://schemas.openxmlformats.org/drawingml/2006/chart" xmlns:dgm="http://schemas.openxmlformats.org/drawingml/2006/diagram" xmlns:o="urn:schemas-microsoft-com:office:office" xmlns:v="urn:schemas-microsoft-com:vml" xmlns:pvml="urn:schemas-microsoft-com:office:powerpoint" xmlns:com="http://schemas.openxmlformats.org/drawingml/2006/compatibility" xmlns:p14="http://schemas.microsoft.com/office/powerpoint/2010/main" xmlns:p15="http://schemas.microsoft.com/office/powerpoint/2012/main" xmlns:go="http://customooxmlschemas.google.com/" cellId="224:0:4"/>
                       </a:ext>
                     </a:extLst>
                   </a:tcPr>
@@ -35439,7 +35410,7 @@
                     </a:solidFill>
                     <a:extLst>
                       <a:ext uri="http://customooxmlschemas.google.com/">
-                        <go:slidesCustomData xmlns:go="http://customooxmlschemas.google.com/" xmlns:p15="http://schemas.microsoft.com/office/powerpoint/2012/main" xmlns:p14="http://schemas.microsoft.com/office/powerpoint/2010/main" xmlns:com="http://schemas.openxmlformats.org/drawingml/2006/compatibility" xmlns:pvml="urn:schemas-microsoft-com:office:powerpoint" xmlns:v="urn:schemas-microsoft-com:vml" xmlns:o="urn:schemas-microsoft-com:office:office" xmlns:dgm="http://schemas.openxmlformats.org/drawingml/2006/diagram" xmlns:c="http://schemas.openxmlformats.org/drawingml/2006/chart" xmlns:mv="urn:schemas-microsoft-com:mac:vml" xmlns:mc="http://schemas.openxmlformats.org/markup-compatibility/2006" xmlns="" cellId="224:1:0"/>
+                        <go:slidesCustomData xmlns="" xmlns:mc="http://schemas.openxmlformats.org/markup-compatibility/2006" xmlns:mv="urn:schemas-microsoft-com:mac:vml" xmlns:c="http://schemas.openxmlformats.org/drawingml/2006/chart" xmlns:dgm="http://schemas.openxmlformats.org/drawingml/2006/diagram" xmlns:o="urn:schemas-microsoft-com:office:office" xmlns:v="urn:schemas-microsoft-com:vml" xmlns:pvml="urn:schemas-microsoft-com:office:powerpoint" xmlns:com="http://schemas.openxmlformats.org/drawingml/2006/compatibility" xmlns:p14="http://schemas.microsoft.com/office/powerpoint/2010/main" xmlns:p15="http://schemas.microsoft.com/office/powerpoint/2012/main" xmlns:go="http://customooxmlschemas.google.com/" cellId="224:1:0"/>
                       </a:ext>
                     </a:extLst>
                   </a:tcPr>
@@ -35523,7 +35494,7 @@
                     </a:solidFill>
                     <a:extLst>
                       <a:ext uri="http://customooxmlschemas.google.com/">
-                        <go:slidesCustomData xmlns:go="http://customooxmlschemas.google.com/" xmlns:p15="http://schemas.microsoft.com/office/powerpoint/2012/main" xmlns:p14="http://schemas.microsoft.com/office/powerpoint/2010/main" xmlns:com="http://schemas.openxmlformats.org/drawingml/2006/compatibility" xmlns:pvml="urn:schemas-microsoft-com:office:powerpoint" xmlns:v="urn:schemas-microsoft-com:vml" xmlns:o="urn:schemas-microsoft-com:office:office" xmlns:dgm="http://schemas.openxmlformats.org/drawingml/2006/diagram" xmlns:c="http://schemas.openxmlformats.org/drawingml/2006/chart" xmlns:mv="urn:schemas-microsoft-com:mac:vml" xmlns:mc="http://schemas.openxmlformats.org/markup-compatibility/2006" xmlns="" cellId="224:1:1"/>
+                        <go:slidesCustomData xmlns="" xmlns:mc="http://schemas.openxmlformats.org/markup-compatibility/2006" xmlns:mv="urn:schemas-microsoft-com:mac:vml" xmlns:c="http://schemas.openxmlformats.org/drawingml/2006/chart" xmlns:dgm="http://schemas.openxmlformats.org/drawingml/2006/diagram" xmlns:o="urn:schemas-microsoft-com:office:office" xmlns:v="urn:schemas-microsoft-com:vml" xmlns:pvml="urn:schemas-microsoft-com:office:powerpoint" xmlns:com="http://schemas.openxmlformats.org/drawingml/2006/compatibility" xmlns:p14="http://schemas.microsoft.com/office/powerpoint/2010/main" xmlns:p15="http://schemas.microsoft.com/office/powerpoint/2012/main" xmlns:go="http://customooxmlschemas.google.com/" cellId="224:1:1"/>
                       </a:ext>
                     </a:extLst>
                   </a:tcPr>
@@ -35607,7 +35578,7 @@
                     </a:solidFill>
                     <a:extLst>
                       <a:ext uri="http://customooxmlschemas.google.com/">
-                        <go:slidesCustomData xmlns:go="http://customooxmlschemas.google.com/" xmlns:p15="http://schemas.microsoft.com/office/powerpoint/2012/main" xmlns:p14="http://schemas.microsoft.com/office/powerpoint/2010/main" xmlns:com="http://schemas.openxmlformats.org/drawingml/2006/compatibility" xmlns:pvml="urn:schemas-microsoft-com:office:powerpoint" xmlns:v="urn:schemas-microsoft-com:vml" xmlns:o="urn:schemas-microsoft-com:office:office" xmlns:dgm="http://schemas.openxmlformats.org/drawingml/2006/diagram" xmlns:c="http://schemas.openxmlformats.org/drawingml/2006/chart" xmlns:mv="urn:schemas-microsoft-com:mac:vml" xmlns:mc="http://schemas.openxmlformats.org/markup-compatibility/2006" xmlns="" cellId="224:1:2"/>
+                        <go:slidesCustomData xmlns="" xmlns:mc="http://schemas.openxmlformats.org/markup-compatibility/2006" xmlns:mv="urn:schemas-microsoft-com:mac:vml" xmlns:c="http://schemas.openxmlformats.org/drawingml/2006/chart" xmlns:dgm="http://schemas.openxmlformats.org/drawingml/2006/diagram" xmlns:o="urn:schemas-microsoft-com:office:office" xmlns:v="urn:schemas-microsoft-com:vml" xmlns:pvml="urn:schemas-microsoft-com:office:powerpoint" xmlns:com="http://schemas.openxmlformats.org/drawingml/2006/compatibility" xmlns:p14="http://schemas.microsoft.com/office/powerpoint/2010/main" xmlns:p15="http://schemas.microsoft.com/office/powerpoint/2012/main" xmlns:go="http://customooxmlschemas.google.com/" cellId="224:1:2"/>
                       </a:ext>
                     </a:extLst>
                   </a:tcPr>
@@ -35691,7 +35662,7 @@
                     </a:solidFill>
                     <a:extLst>
                       <a:ext uri="http://customooxmlschemas.google.com/">
-                        <go:slidesCustomData xmlns:go="http://customooxmlschemas.google.com/" xmlns:p15="http://schemas.microsoft.com/office/powerpoint/2012/main" xmlns:p14="http://schemas.microsoft.com/office/powerpoint/2010/main" xmlns:com="http://schemas.openxmlformats.org/drawingml/2006/compatibility" xmlns:pvml="urn:schemas-microsoft-com:office:powerpoint" xmlns:v="urn:schemas-microsoft-com:vml" xmlns:o="urn:schemas-microsoft-com:office:office" xmlns:dgm="http://schemas.openxmlformats.org/drawingml/2006/diagram" xmlns:c="http://schemas.openxmlformats.org/drawingml/2006/chart" xmlns:mv="urn:schemas-microsoft-com:mac:vml" xmlns:mc="http://schemas.openxmlformats.org/markup-compatibility/2006" xmlns="" cellId="224:1:3"/>
+                        <go:slidesCustomData xmlns="" xmlns:mc="http://schemas.openxmlformats.org/markup-compatibility/2006" xmlns:mv="urn:schemas-microsoft-com:mac:vml" xmlns:c="http://schemas.openxmlformats.org/drawingml/2006/chart" xmlns:dgm="http://schemas.openxmlformats.org/drawingml/2006/diagram" xmlns:o="urn:schemas-microsoft-com:office:office" xmlns:v="urn:schemas-microsoft-com:vml" xmlns:pvml="urn:schemas-microsoft-com:office:powerpoint" xmlns:com="http://schemas.openxmlformats.org/drawingml/2006/compatibility" xmlns:p14="http://schemas.microsoft.com/office/powerpoint/2010/main" xmlns:p15="http://schemas.microsoft.com/office/powerpoint/2012/main" xmlns:go="http://customooxmlschemas.google.com/" cellId="224:1:3"/>
                       </a:ext>
                     </a:extLst>
                   </a:tcPr>
@@ -35775,7 +35746,7 @@
                     </a:solidFill>
                     <a:extLst>
                       <a:ext uri="http://customooxmlschemas.google.com/">
-                        <go:slidesCustomData xmlns:go="http://customooxmlschemas.google.com/" xmlns:p15="http://schemas.microsoft.com/office/powerpoint/2012/main" xmlns:p14="http://schemas.microsoft.com/office/powerpoint/2010/main" xmlns:com="http://schemas.openxmlformats.org/drawingml/2006/compatibility" xmlns:pvml="urn:schemas-microsoft-com:office:powerpoint" xmlns:v="urn:schemas-microsoft-com:vml" xmlns:o="urn:schemas-microsoft-com:office:office" xmlns:dgm="http://schemas.openxmlformats.org/drawingml/2006/diagram" xmlns:c="http://schemas.openxmlformats.org/drawingml/2006/chart" xmlns:mv="urn:schemas-microsoft-com:mac:vml" xmlns:mc="http://schemas.openxmlformats.org/markup-compatibility/2006" xmlns="" cellId="224:1:4"/>
+                        <go:slidesCustomData xmlns="" xmlns:mc="http://schemas.openxmlformats.org/markup-compatibility/2006" xmlns:mv="urn:schemas-microsoft-com:mac:vml" xmlns:c="http://schemas.openxmlformats.org/drawingml/2006/chart" xmlns:dgm="http://schemas.openxmlformats.org/drawingml/2006/diagram" xmlns:o="urn:schemas-microsoft-com:office:office" xmlns:v="urn:schemas-microsoft-com:vml" xmlns:pvml="urn:schemas-microsoft-com:office:powerpoint" xmlns:com="http://schemas.openxmlformats.org/drawingml/2006/compatibility" xmlns:p14="http://schemas.microsoft.com/office/powerpoint/2010/main" xmlns:p15="http://schemas.microsoft.com/office/powerpoint/2012/main" xmlns:go="http://customooxmlschemas.google.com/" cellId="224:1:4"/>
                       </a:ext>
                     </a:extLst>
                   </a:tcPr>
@@ -35859,7 +35830,7 @@
                     </a:solidFill>
                     <a:extLst>
                       <a:ext uri="http://customooxmlschemas.google.com/">
-                        <go:slidesCustomData xmlns:go="http://customooxmlschemas.google.com/" xmlns:p15="http://schemas.microsoft.com/office/powerpoint/2012/main" xmlns:p14="http://schemas.microsoft.com/office/powerpoint/2010/main" xmlns:com="http://schemas.openxmlformats.org/drawingml/2006/compatibility" xmlns:pvml="urn:schemas-microsoft-com:office:powerpoint" xmlns:v="urn:schemas-microsoft-com:vml" xmlns:o="urn:schemas-microsoft-com:office:office" xmlns:dgm="http://schemas.openxmlformats.org/drawingml/2006/diagram" xmlns:c="http://schemas.openxmlformats.org/drawingml/2006/chart" xmlns:mv="urn:schemas-microsoft-com:mac:vml" xmlns:mc="http://schemas.openxmlformats.org/markup-compatibility/2006" xmlns="" cellId="224:1:5"/>
+                        <go:slidesCustomData xmlns="" xmlns:mc="http://schemas.openxmlformats.org/markup-compatibility/2006" xmlns:mv="urn:schemas-microsoft-com:mac:vml" xmlns:c="http://schemas.openxmlformats.org/drawingml/2006/chart" xmlns:dgm="http://schemas.openxmlformats.org/drawingml/2006/diagram" xmlns:o="urn:schemas-microsoft-com:office:office" xmlns:v="urn:schemas-microsoft-com:vml" xmlns:pvml="urn:schemas-microsoft-com:office:powerpoint" xmlns:com="http://schemas.openxmlformats.org/drawingml/2006/compatibility" xmlns:p14="http://schemas.microsoft.com/office/powerpoint/2010/main" xmlns:p15="http://schemas.microsoft.com/office/powerpoint/2012/main" xmlns:go="http://customooxmlschemas.google.com/" cellId="224:1:5"/>
                       </a:ext>
                     </a:extLst>
                   </a:tcPr>
@@ -35943,7 +35914,7 @@
                     </a:solidFill>
                     <a:extLst>
                       <a:ext uri="http://customooxmlschemas.google.com/">
-                        <go:slidesCustomData xmlns:go="http://customooxmlschemas.google.com/" xmlns:p15="http://schemas.microsoft.com/office/powerpoint/2012/main" xmlns:p14="http://schemas.microsoft.com/office/powerpoint/2010/main" xmlns:com="http://schemas.openxmlformats.org/drawingml/2006/compatibility" xmlns:pvml="urn:schemas-microsoft-com:office:powerpoint" xmlns:v="urn:schemas-microsoft-com:vml" xmlns:o="urn:schemas-microsoft-com:office:office" xmlns:dgm="http://schemas.openxmlformats.org/drawingml/2006/diagram" xmlns:c="http://schemas.openxmlformats.org/drawingml/2006/chart" xmlns:mv="urn:schemas-microsoft-com:mac:vml" xmlns:mc="http://schemas.openxmlformats.org/markup-compatibility/2006" xmlns="" cellId="224:1:6"/>
+                        <go:slidesCustomData xmlns="" xmlns:mc="http://schemas.openxmlformats.org/markup-compatibility/2006" xmlns:mv="urn:schemas-microsoft-com:mac:vml" xmlns:c="http://schemas.openxmlformats.org/drawingml/2006/chart" xmlns:dgm="http://schemas.openxmlformats.org/drawingml/2006/diagram" xmlns:o="urn:schemas-microsoft-com:office:office" xmlns:v="urn:schemas-microsoft-com:vml" xmlns:pvml="urn:schemas-microsoft-com:office:powerpoint" xmlns:com="http://schemas.openxmlformats.org/drawingml/2006/compatibility" xmlns:p14="http://schemas.microsoft.com/office/powerpoint/2010/main" xmlns:p15="http://schemas.microsoft.com/office/powerpoint/2012/main" xmlns:go="http://customooxmlschemas.google.com/" cellId="224:1:6"/>
                       </a:ext>
                     </a:extLst>
                   </a:tcPr>
@@ -36034,7 +36005,7 @@
                     </a:solidFill>
                     <a:extLst>
                       <a:ext uri="http://customooxmlschemas.google.com/">
-                        <go:slidesCustomData xmlns:go="http://customooxmlschemas.google.com/" xmlns:p15="http://schemas.microsoft.com/office/powerpoint/2012/main" xmlns:p14="http://schemas.microsoft.com/office/powerpoint/2010/main" xmlns:com="http://schemas.openxmlformats.org/drawingml/2006/compatibility" xmlns:pvml="urn:schemas-microsoft-com:office:powerpoint" xmlns:v="urn:schemas-microsoft-com:vml" xmlns:o="urn:schemas-microsoft-com:office:office" xmlns:dgm="http://schemas.openxmlformats.org/drawingml/2006/diagram" xmlns:c="http://schemas.openxmlformats.org/drawingml/2006/chart" xmlns:mv="urn:schemas-microsoft-com:mac:vml" xmlns:mc="http://schemas.openxmlformats.org/markup-compatibility/2006" xmlns="" cellId="224:2:0"/>
+                        <go:slidesCustomData xmlns="" xmlns:mc="http://schemas.openxmlformats.org/markup-compatibility/2006" xmlns:mv="urn:schemas-microsoft-com:mac:vml" xmlns:c="http://schemas.openxmlformats.org/drawingml/2006/chart" xmlns:dgm="http://schemas.openxmlformats.org/drawingml/2006/diagram" xmlns:o="urn:schemas-microsoft-com:office:office" xmlns:v="urn:schemas-microsoft-com:vml" xmlns:pvml="urn:schemas-microsoft-com:office:powerpoint" xmlns:com="http://schemas.openxmlformats.org/drawingml/2006/compatibility" xmlns:p14="http://schemas.microsoft.com/office/powerpoint/2010/main" xmlns:p15="http://schemas.microsoft.com/office/powerpoint/2012/main" xmlns:go="http://customooxmlschemas.google.com/" cellId="224:2:0"/>
                       </a:ext>
                     </a:extLst>
                   </a:tcPr>
@@ -36118,7 +36089,7 @@
                     </a:solidFill>
                     <a:extLst>
                       <a:ext uri="http://customooxmlschemas.google.com/">
-                        <go:slidesCustomData xmlns:go="http://customooxmlschemas.google.com/" xmlns:p15="http://schemas.microsoft.com/office/powerpoint/2012/main" xmlns:p14="http://schemas.microsoft.com/office/powerpoint/2010/main" xmlns:com="http://schemas.openxmlformats.org/drawingml/2006/compatibility" xmlns:pvml="urn:schemas-microsoft-com:office:powerpoint" xmlns:v="urn:schemas-microsoft-com:vml" xmlns:o="urn:schemas-microsoft-com:office:office" xmlns:dgm="http://schemas.openxmlformats.org/drawingml/2006/diagram" xmlns:c="http://schemas.openxmlformats.org/drawingml/2006/chart" xmlns:mv="urn:schemas-microsoft-com:mac:vml" xmlns:mc="http://schemas.openxmlformats.org/markup-compatibility/2006" xmlns="" cellId="224:2:1"/>
+                        <go:slidesCustomData xmlns="" xmlns:mc="http://schemas.openxmlformats.org/markup-compatibility/2006" xmlns:mv="urn:schemas-microsoft-com:mac:vml" xmlns:c="http://schemas.openxmlformats.org/drawingml/2006/chart" xmlns:dgm="http://schemas.openxmlformats.org/drawingml/2006/diagram" xmlns:o="urn:schemas-microsoft-com:office:office" xmlns:v="urn:schemas-microsoft-com:vml" xmlns:pvml="urn:schemas-microsoft-com:office:powerpoint" xmlns:com="http://schemas.openxmlformats.org/drawingml/2006/compatibility" xmlns:p14="http://schemas.microsoft.com/office/powerpoint/2010/main" xmlns:p15="http://schemas.microsoft.com/office/powerpoint/2012/main" xmlns:go="http://customooxmlschemas.google.com/" cellId="224:2:1"/>
                       </a:ext>
                     </a:extLst>
                   </a:tcPr>
@@ -36202,7 +36173,7 @@
                     </a:solidFill>
                     <a:extLst>
                       <a:ext uri="http://customooxmlschemas.google.com/">
-                        <go:slidesCustomData xmlns:go="http://customooxmlschemas.google.com/" xmlns:p15="http://schemas.microsoft.com/office/powerpoint/2012/main" xmlns:p14="http://schemas.microsoft.com/office/powerpoint/2010/main" xmlns:com="http://schemas.openxmlformats.org/drawingml/2006/compatibility" xmlns:pvml="urn:schemas-microsoft-com:office:powerpoint" xmlns:v="urn:schemas-microsoft-com:vml" xmlns:o="urn:schemas-microsoft-com:office:office" xmlns:dgm="http://schemas.openxmlformats.org/drawingml/2006/diagram" xmlns:c="http://schemas.openxmlformats.org/drawingml/2006/chart" xmlns:mv="urn:schemas-microsoft-com:mac:vml" xmlns:mc="http://schemas.openxmlformats.org/markup-compatibility/2006" xmlns="" cellId="224:2:2"/>
+                        <go:slidesCustomData xmlns="" xmlns:mc="http://schemas.openxmlformats.org/markup-compatibility/2006" xmlns:mv="urn:schemas-microsoft-com:mac:vml" xmlns:c="http://schemas.openxmlformats.org/drawingml/2006/chart" xmlns:dgm="http://schemas.openxmlformats.org/drawingml/2006/diagram" xmlns:o="urn:schemas-microsoft-com:office:office" xmlns:v="urn:schemas-microsoft-com:vml" xmlns:pvml="urn:schemas-microsoft-com:office:powerpoint" xmlns:com="http://schemas.openxmlformats.org/drawingml/2006/compatibility" xmlns:p14="http://schemas.microsoft.com/office/powerpoint/2010/main" xmlns:p15="http://schemas.microsoft.com/office/powerpoint/2012/main" xmlns:go="http://customooxmlschemas.google.com/" cellId="224:2:2"/>
                       </a:ext>
                     </a:extLst>
                   </a:tcPr>
@@ -36286,7 +36257,7 @@
                     </a:solidFill>
                     <a:extLst>
                       <a:ext uri="http://customooxmlschemas.google.com/">
-                        <go:slidesCustomData xmlns:go="http://customooxmlschemas.google.com/" xmlns:p15="http://schemas.microsoft.com/office/powerpoint/2012/main" xmlns:p14="http://schemas.microsoft.com/office/powerpoint/2010/main" xmlns:com="http://schemas.openxmlformats.org/drawingml/2006/compatibility" xmlns:pvml="urn:schemas-microsoft-com:office:powerpoint" xmlns:v="urn:schemas-microsoft-com:vml" xmlns:o="urn:schemas-microsoft-com:office:office" xmlns:dgm="http://schemas.openxmlformats.org/drawingml/2006/diagram" xmlns:c="http://schemas.openxmlformats.org/drawingml/2006/chart" xmlns:mv="urn:schemas-microsoft-com:mac:vml" xmlns:mc="http://schemas.openxmlformats.org/markup-compatibility/2006" xmlns="" cellId="224:2:3"/>
+                        <go:slidesCustomData xmlns="" xmlns:mc="http://schemas.openxmlformats.org/markup-compatibility/2006" xmlns:mv="urn:schemas-microsoft-com:mac:vml" xmlns:c="http://schemas.openxmlformats.org/drawingml/2006/chart" xmlns:dgm="http://schemas.openxmlformats.org/drawingml/2006/diagram" xmlns:o="urn:schemas-microsoft-com:office:office" xmlns:v="urn:schemas-microsoft-com:vml" xmlns:pvml="urn:schemas-microsoft-com:office:powerpoint" xmlns:com="http://schemas.openxmlformats.org/drawingml/2006/compatibility" xmlns:p14="http://schemas.microsoft.com/office/powerpoint/2010/main" xmlns:p15="http://schemas.microsoft.com/office/powerpoint/2012/main" xmlns:go="http://customooxmlschemas.google.com/" cellId="224:2:3"/>
                       </a:ext>
                     </a:extLst>
                   </a:tcPr>
@@ -36370,7 +36341,7 @@
                     </a:solidFill>
                     <a:extLst>
                       <a:ext uri="http://customooxmlschemas.google.com/">
-                        <go:slidesCustomData xmlns:go="http://customooxmlschemas.google.com/" xmlns:p15="http://schemas.microsoft.com/office/powerpoint/2012/main" xmlns:p14="http://schemas.microsoft.com/office/powerpoint/2010/main" xmlns:com="http://schemas.openxmlformats.org/drawingml/2006/compatibility" xmlns:pvml="urn:schemas-microsoft-com:office:powerpoint" xmlns:v="urn:schemas-microsoft-com:vml" xmlns:o="urn:schemas-microsoft-com:office:office" xmlns:dgm="http://schemas.openxmlformats.org/drawingml/2006/diagram" xmlns:c="http://schemas.openxmlformats.org/drawingml/2006/chart" xmlns:mv="urn:schemas-microsoft-com:mac:vml" xmlns:mc="http://schemas.openxmlformats.org/markup-compatibility/2006" xmlns="" cellId="224:2:4"/>
+                        <go:slidesCustomData xmlns="" xmlns:mc="http://schemas.openxmlformats.org/markup-compatibility/2006" xmlns:mv="urn:schemas-microsoft-com:mac:vml" xmlns:c="http://schemas.openxmlformats.org/drawingml/2006/chart" xmlns:dgm="http://schemas.openxmlformats.org/drawingml/2006/diagram" xmlns:o="urn:schemas-microsoft-com:office:office" xmlns:v="urn:schemas-microsoft-com:vml" xmlns:pvml="urn:schemas-microsoft-com:office:powerpoint" xmlns:com="http://schemas.openxmlformats.org/drawingml/2006/compatibility" xmlns:p14="http://schemas.microsoft.com/office/powerpoint/2010/main" xmlns:p15="http://schemas.microsoft.com/office/powerpoint/2012/main" xmlns:go="http://customooxmlschemas.google.com/" cellId="224:2:4"/>
                       </a:ext>
                     </a:extLst>
                   </a:tcPr>
@@ -36454,7 +36425,7 @@
                     </a:solidFill>
                     <a:extLst>
                       <a:ext uri="http://customooxmlschemas.google.com/">
-                        <go:slidesCustomData xmlns:go="http://customooxmlschemas.google.com/" xmlns:p15="http://schemas.microsoft.com/office/powerpoint/2012/main" xmlns:p14="http://schemas.microsoft.com/office/powerpoint/2010/main" xmlns:com="http://schemas.openxmlformats.org/drawingml/2006/compatibility" xmlns:pvml="urn:schemas-microsoft-com:office:powerpoint" xmlns:v="urn:schemas-microsoft-com:vml" xmlns:o="urn:schemas-microsoft-com:office:office" xmlns:dgm="http://schemas.openxmlformats.org/drawingml/2006/diagram" xmlns:c="http://schemas.openxmlformats.org/drawingml/2006/chart" xmlns:mv="urn:schemas-microsoft-com:mac:vml" xmlns:mc="http://schemas.openxmlformats.org/markup-compatibility/2006" xmlns="" cellId="224:2:5"/>
+                        <go:slidesCustomData xmlns="" xmlns:mc="http://schemas.openxmlformats.org/markup-compatibility/2006" xmlns:mv="urn:schemas-microsoft-com:mac:vml" xmlns:c="http://schemas.openxmlformats.org/drawingml/2006/chart" xmlns:dgm="http://schemas.openxmlformats.org/drawingml/2006/diagram" xmlns:o="urn:schemas-microsoft-com:office:office" xmlns:v="urn:schemas-microsoft-com:vml" xmlns:pvml="urn:schemas-microsoft-com:office:powerpoint" xmlns:com="http://schemas.openxmlformats.org/drawingml/2006/compatibility" xmlns:p14="http://schemas.microsoft.com/office/powerpoint/2010/main" xmlns:p15="http://schemas.microsoft.com/office/powerpoint/2012/main" xmlns:go="http://customooxmlschemas.google.com/" cellId="224:2:5"/>
                       </a:ext>
                     </a:extLst>
                   </a:tcPr>
@@ -36538,7 +36509,7 @@
                     </a:solidFill>
                     <a:extLst>
                       <a:ext uri="http://customooxmlschemas.google.com/">
-                        <go:slidesCustomData xmlns:go="http://customooxmlschemas.google.com/" xmlns:p15="http://schemas.microsoft.com/office/powerpoint/2012/main" xmlns:p14="http://schemas.microsoft.com/office/powerpoint/2010/main" xmlns:com="http://schemas.openxmlformats.org/drawingml/2006/compatibility" xmlns:pvml="urn:schemas-microsoft-com:office:powerpoint" xmlns:v="urn:schemas-microsoft-com:vml" xmlns:o="urn:schemas-microsoft-com:office:office" xmlns:dgm="http://schemas.openxmlformats.org/drawingml/2006/diagram" xmlns:c="http://schemas.openxmlformats.org/drawingml/2006/chart" xmlns:mv="urn:schemas-microsoft-com:mac:vml" xmlns:mc="http://schemas.openxmlformats.org/markup-compatibility/2006" xmlns="" cellId="224:2:6"/>
+                        <go:slidesCustomData xmlns="" xmlns:mc="http://schemas.openxmlformats.org/markup-compatibility/2006" xmlns:mv="urn:schemas-microsoft-com:mac:vml" xmlns:c="http://schemas.openxmlformats.org/drawingml/2006/chart" xmlns:dgm="http://schemas.openxmlformats.org/drawingml/2006/diagram" xmlns:o="urn:schemas-microsoft-com:office:office" xmlns:v="urn:schemas-microsoft-com:vml" xmlns:pvml="urn:schemas-microsoft-com:office:powerpoint" xmlns:com="http://schemas.openxmlformats.org/drawingml/2006/compatibility" xmlns:p14="http://schemas.microsoft.com/office/powerpoint/2010/main" xmlns:p15="http://schemas.microsoft.com/office/powerpoint/2012/main" xmlns:go="http://customooxmlschemas.google.com/" cellId="224:2:6"/>
                       </a:ext>
                     </a:extLst>
                   </a:tcPr>
@@ -36629,7 +36600,7 @@
                     </a:solidFill>
                     <a:extLst>
                       <a:ext uri="http://customooxmlschemas.google.com/">
-                        <go:slidesCustomData xmlns:go="http://customooxmlschemas.google.com/" xmlns:p15="http://schemas.microsoft.com/office/powerpoint/2012/main" xmlns:p14="http://schemas.microsoft.com/office/powerpoint/2010/main" xmlns:com="http://schemas.openxmlformats.org/drawingml/2006/compatibility" xmlns:pvml="urn:schemas-microsoft-com:office:powerpoint" xmlns:v="urn:schemas-microsoft-com:vml" xmlns:o="urn:schemas-microsoft-com:office:office" xmlns:dgm="http://schemas.openxmlformats.org/drawingml/2006/diagram" xmlns:c="http://schemas.openxmlformats.org/drawingml/2006/chart" xmlns:mv="urn:schemas-microsoft-com:mac:vml" xmlns:mc="http://schemas.openxmlformats.org/markup-compatibility/2006" xmlns="" cellId="224:3:0"/>
+                        <go:slidesCustomData xmlns="" xmlns:mc="http://schemas.openxmlformats.org/markup-compatibility/2006" xmlns:mv="urn:schemas-microsoft-com:mac:vml" xmlns:c="http://schemas.openxmlformats.org/drawingml/2006/chart" xmlns:dgm="http://schemas.openxmlformats.org/drawingml/2006/diagram" xmlns:o="urn:schemas-microsoft-com:office:office" xmlns:v="urn:schemas-microsoft-com:vml" xmlns:pvml="urn:schemas-microsoft-com:office:powerpoint" xmlns:com="http://schemas.openxmlformats.org/drawingml/2006/compatibility" xmlns:p14="http://schemas.microsoft.com/office/powerpoint/2010/main" xmlns:p15="http://schemas.microsoft.com/office/powerpoint/2012/main" xmlns:go="http://customooxmlschemas.google.com/" cellId="224:3:0"/>
                       </a:ext>
                     </a:extLst>
                   </a:tcPr>
@@ -36701,7 +36672,7 @@
                     </a:solidFill>
                     <a:extLst>
                       <a:ext uri="http://customooxmlschemas.google.com/">
-                        <go:slidesCustomData xmlns:go="http://customooxmlschemas.google.com/" xmlns:p15="http://schemas.microsoft.com/office/powerpoint/2012/main" xmlns:p14="http://schemas.microsoft.com/office/powerpoint/2010/main" xmlns:com="http://schemas.openxmlformats.org/drawingml/2006/compatibility" xmlns:pvml="urn:schemas-microsoft-com:office:powerpoint" xmlns:v="urn:schemas-microsoft-com:vml" xmlns:o="urn:schemas-microsoft-com:office:office" xmlns:dgm="http://schemas.openxmlformats.org/drawingml/2006/diagram" xmlns:c="http://schemas.openxmlformats.org/drawingml/2006/chart" xmlns:mv="urn:schemas-microsoft-com:mac:vml" xmlns:mc="http://schemas.openxmlformats.org/markup-compatibility/2006" xmlns="" cellId="224:3:1"/>
+                        <go:slidesCustomData xmlns="" xmlns:mc="http://schemas.openxmlformats.org/markup-compatibility/2006" xmlns:mv="urn:schemas-microsoft-com:mac:vml" xmlns:c="http://schemas.openxmlformats.org/drawingml/2006/chart" xmlns:dgm="http://schemas.openxmlformats.org/drawingml/2006/diagram" xmlns:o="urn:schemas-microsoft-com:office:office" xmlns:v="urn:schemas-microsoft-com:vml" xmlns:pvml="urn:schemas-microsoft-com:office:powerpoint" xmlns:com="http://schemas.openxmlformats.org/drawingml/2006/compatibility" xmlns:p14="http://schemas.microsoft.com/office/powerpoint/2010/main" xmlns:p15="http://schemas.microsoft.com/office/powerpoint/2012/main" xmlns:go="http://customooxmlschemas.google.com/" cellId="224:3:1"/>
                       </a:ext>
                     </a:extLst>
                   </a:tcPr>
@@ -36773,7 +36744,7 @@
                     </a:solidFill>
                     <a:extLst>
                       <a:ext uri="http://customooxmlschemas.google.com/">
-                        <go:slidesCustomData xmlns:go="http://customooxmlschemas.google.com/" xmlns:p15="http://schemas.microsoft.com/office/powerpoint/2012/main" xmlns:p14="http://schemas.microsoft.com/office/powerpoint/2010/main" xmlns:com="http://schemas.openxmlformats.org/drawingml/2006/compatibility" xmlns:pvml="urn:schemas-microsoft-com:office:powerpoint" xmlns:v="urn:schemas-microsoft-com:vml" xmlns:o="urn:schemas-microsoft-com:office:office" xmlns:dgm="http://schemas.openxmlformats.org/drawingml/2006/diagram" xmlns:c="http://schemas.openxmlformats.org/drawingml/2006/chart" xmlns:mv="urn:schemas-microsoft-com:mac:vml" xmlns:mc="http://schemas.openxmlformats.org/markup-compatibility/2006" xmlns="" cellId="224:3:2"/>
+                        <go:slidesCustomData xmlns="" xmlns:mc="http://schemas.openxmlformats.org/markup-compatibility/2006" xmlns:mv="urn:schemas-microsoft-com:mac:vml" xmlns:c="http://schemas.openxmlformats.org/drawingml/2006/chart" xmlns:dgm="http://schemas.openxmlformats.org/drawingml/2006/diagram" xmlns:o="urn:schemas-microsoft-com:office:office" xmlns:v="urn:schemas-microsoft-com:vml" xmlns:pvml="urn:schemas-microsoft-com:office:powerpoint" xmlns:com="http://schemas.openxmlformats.org/drawingml/2006/compatibility" xmlns:p14="http://schemas.microsoft.com/office/powerpoint/2010/main" xmlns:p15="http://schemas.microsoft.com/office/powerpoint/2012/main" xmlns:go="http://customooxmlschemas.google.com/" cellId="224:3:2"/>
                       </a:ext>
                     </a:extLst>
                   </a:tcPr>
@@ -36845,7 +36816,7 @@
                     </a:solidFill>
                     <a:extLst>
                       <a:ext uri="http://customooxmlschemas.google.com/">
-                        <go:slidesCustomData xmlns:go="http://customooxmlschemas.google.com/" xmlns:p15="http://schemas.microsoft.com/office/powerpoint/2012/main" xmlns:p14="http://schemas.microsoft.com/office/powerpoint/2010/main" xmlns:com="http://schemas.openxmlformats.org/drawingml/2006/compatibility" xmlns:pvml="urn:schemas-microsoft-com:office:powerpoint" xmlns:v="urn:schemas-microsoft-com:vml" xmlns:o="urn:schemas-microsoft-com:office:office" xmlns:dgm="http://schemas.openxmlformats.org/drawingml/2006/diagram" xmlns:c="http://schemas.openxmlformats.org/drawingml/2006/chart" xmlns:mv="urn:schemas-microsoft-com:mac:vml" xmlns:mc="http://schemas.openxmlformats.org/markup-compatibility/2006" xmlns="" cellId="224:3:3"/>
+                        <go:slidesCustomData xmlns="" xmlns:mc="http://schemas.openxmlformats.org/markup-compatibility/2006" xmlns:mv="urn:schemas-microsoft-com:mac:vml" xmlns:c="http://schemas.openxmlformats.org/drawingml/2006/chart" xmlns:dgm="http://schemas.openxmlformats.org/drawingml/2006/diagram" xmlns:o="urn:schemas-microsoft-com:office:office" xmlns:v="urn:schemas-microsoft-com:vml" xmlns:pvml="urn:schemas-microsoft-com:office:powerpoint" xmlns:com="http://schemas.openxmlformats.org/drawingml/2006/compatibility" xmlns:p14="http://schemas.microsoft.com/office/powerpoint/2010/main" xmlns:p15="http://schemas.microsoft.com/office/powerpoint/2012/main" xmlns:go="http://customooxmlschemas.google.com/" cellId="224:3:3"/>
                       </a:ext>
                     </a:extLst>
                   </a:tcPr>
@@ -36917,7 +36888,7 @@
                     </a:solidFill>
                     <a:extLst>
                       <a:ext uri="http://customooxmlschemas.google.com/">
-                        <go:slidesCustomData xmlns:go="http://customooxmlschemas.google.com/" xmlns:p15="http://schemas.microsoft.com/office/powerpoint/2012/main" xmlns:p14="http://schemas.microsoft.com/office/powerpoint/2010/main" xmlns:com="http://schemas.openxmlformats.org/drawingml/2006/compatibility" xmlns:pvml="urn:schemas-microsoft-com:office:powerpoint" xmlns:v="urn:schemas-microsoft-com:vml" xmlns:o="urn:schemas-microsoft-com:office:office" xmlns:dgm="http://schemas.openxmlformats.org/drawingml/2006/diagram" xmlns:c="http://schemas.openxmlformats.org/drawingml/2006/chart" xmlns:mv="urn:schemas-microsoft-com:mac:vml" xmlns:mc="http://schemas.openxmlformats.org/markup-compatibility/2006" xmlns="" cellId="224:3:4"/>
+                        <go:slidesCustomData xmlns="" xmlns:mc="http://schemas.openxmlformats.org/markup-compatibility/2006" xmlns:mv="urn:schemas-microsoft-com:mac:vml" xmlns:c="http://schemas.openxmlformats.org/drawingml/2006/chart" xmlns:dgm="http://schemas.openxmlformats.org/drawingml/2006/diagram" xmlns:o="urn:schemas-microsoft-com:office:office" xmlns:v="urn:schemas-microsoft-com:vml" xmlns:pvml="urn:schemas-microsoft-com:office:powerpoint" xmlns:com="http://schemas.openxmlformats.org/drawingml/2006/compatibility" xmlns:p14="http://schemas.microsoft.com/office/powerpoint/2010/main" xmlns:p15="http://schemas.microsoft.com/office/powerpoint/2012/main" xmlns:go="http://customooxmlschemas.google.com/" cellId="224:3:4"/>
                       </a:ext>
                     </a:extLst>
                   </a:tcPr>
@@ -36989,7 +36960,7 @@
                     </a:solidFill>
                     <a:extLst>
                       <a:ext uri="http://customooxmlschemas.google.com/">
-                        <go:slidesCustomData xmlns:go="http://customooxmlschemas.google.com/" xmlns:p15="http://schemas.microsoft.com/office/powerpoint/2012/main" xmlns:p14="http://schemas.microsoft.com/office/powerpoint/2010/main" xmlns:com="http://schemas.openxmlformats.org/drawingml/2006/compatibility" xmlns:pvml="urn:schemas-microsoft-com:office:powerpoint" xmlns:v="urn:schemas-microsoft-com:vml" xmlns:o="urn:schemas-microsoft-com:office:office" xmlns:dgm="http://schemas.openxmlformats.org/drawingml/2006/diagram" xmlns:c="http://schemas.openxmlformats.org/drawingml/2006/chart" xmlns:mv="urn:schemas-microsoft-com:mac:vml" xmlns:mc="http://schemas.openxmlformats.org/markup-compatibility/2006" xmlns="" cellId="224:3:5"/>
+                        <go:slidesCustomData xmlns="" xmlns:mc="http://schemas.openxmlformats.org/markup-compatibility/2006" xmlns:mv="urn:schemas-microsoft-com:mac:vml" xmlns:c="http://schemas.openxmlformats.org/drawingml/2006/chart" xmlns:dgm="http://schemas.openxmlformats.org/drawingml/2006/diagram" xmlns:o="urn:schemas-microsoft-com:office:office" xmlns:v="urn:schemas-microsoft-com:vml" xmlns:pvml="urn:schemas-microsoft-com:office:powerpoint" xmlns:com="http://schemas.openxmlformats.org/drawingml/2006/compatibility" xmlns:p14="http://schemas.microsoft.com/office/powerpoint/2010/main" xmlns:p15="http://schemas.microsoft.com/office/powerpoint/2012/main" xmlns:go="http://customooxmlschemas.google.com/" cellId="224:3:5"/>
                       </a:ext>
                     </a:extLst>
                   </a:tcPr>
@@ -37061,7 +37032,7 @@
                     </a:solidFill>
                     <a:extLst>
                       <a:ext uri="http://customooxmlschemas.google.com/">
-                        <go:slidesCustomData xmlns:go="http://customooxmlschemas.google.com/" xmlns:p15="http://schemas.microsoft.com/office/powerpoint/2012/main" xmlns:p14="http://schemas.microsoft.com/office/powerpoint/2010/main" xmlns:com="http://schemas.openxmlformats.org/drawingml/2006/compatibility" xmlns:pvml="urn:schemas-microsoft-com:office:powerpoint" xmlns:v="urn:schemas-microsoft-com:vml" xmlns:o="urn:schemas-microsoft-com:office:office" xmlns:dgm="http://schemas.openxmlformats.org/drawingml/2006/diagram" xmlns:c="http://schemas.openxmlformats.org/drawingml/2006/chart" xmlns:mv="urn:schemas-microsoft-com:mac:vml" xmlns:mc="http://schemas.openxmlformats.org/markup-compatibility/2006" xmlns="" cellId="224:3:6"/>
+                        <go:slidesCustomData xmlns="" xmlns:mc="http://schemas.openxmlformats.org/markup-compatibility/2006" xmlns:mv="urn:schemas-microsoft-com:mac:vml" xmlns:c="http://schemas.openxmlformats.org/drawingml/2006/chart" xmlns:dgm="http://schemas.openxmlformats.org/drawingml/2006/diagram" xmlns:o="urn:schemas-microsoft-com:office:office" xmlns:v="urn:schemas-microsoft-com:vml" xmlns:pvml="urn:schemas-microsoft-com:office:powerpoint" xmlns:com="http://schemas.openxmlformats.org/drawingml/2006/compatibility" xmlns:p14="http://schemas.microsoft.com/office/powerpoint/2010/main" xmlns:p15="http://schemas.microsoft.com/office/powerpoint/2012/main" xmlns:go="http://customooxmlschemas.google.com/" cellId="224:3:6"/>
                       </a:ext>
                     </a:extLst>
                   </a:tcPr>
@@ -37149,7 +37120,7 @@
                     </a:lnB>
                     <a:extLst>
                       <a:ext uri="http://customooxmlschemas.google.com/">
-                        <go:slidesCustomData xmlns:go="http://customooxmlschemas.google.com/" xmlns:p15="http://schemas.microsoft.com/office/powerpoint/2012/main" xmlns:p14="http://schemas.microsoft.com/office/powerpoint/2010/main" xmlns:com="http://schemas.openxmlformats.org/drawingml/2006/compatibility" xmlns:pvml="urn:schemas-microsoft-com:office:powerpoint" xmlns:v="urn:schemas-microsoft-com:vml" xmlns:o="urn:schemas-microsoft-com:office:office" xmlns:dgm="http://schemas.openxmlformats.org/drawingml/2006/diagram" xmlns:c="http://schemas.openxmlformats.org/drawingml/2006/chart" xmlns:mv="urn:schemas-microsoft-com:mac:vml" xmlns:mc="http://schemas.openxmlformats.org/markup-compatibility/2006" xmlns="" cellId="224:4:0"/>
+                        <go:slidesCustomData xmlns="" xmlns:mc="http://schemas.openxmlformats.org/markup-compatibility/2006" xmlns:mv="urn:schemas-microsoft-com:mac:vml" xmlns:c="http://schemas.openxmlformats.org/drawingml/2006/chart" xmlns:dgm="http://schemas.openxmlformats.org/drawingml/2006/diagram" xmlns:o="urn:schemas-microsoft-com:office:office" xmlns:v="urn:schemas-microsoft-com:vml" xmlns:pvml="urn:schemas-microsoft-com:office:powerpoint" xmlns:com="http://schemas.openxmlformats.org/drawingml/2006/compatibility" xmlns:p14="http://schemas.microsoft.com/office/powerpoint/2010/main" xmlns:p15="http://schemas.microsoft.com/office/powerpoint/2012/main" xmlns:go="http://customooxmlschemas.google.com/" cellId="224:4:0"/>
                       </a:ext>
                     </a:extLst>
                   </a:tcPr>
@@ -37230,7 +37201,7 @@
                     </a:lnB>
                     <a:extLst>
                       <a:ext uri="http://customooxmlschemas.google.com/">
-                        <go:slidesCustomData xmlns:go="http://customooxmlschemas.google.com/" xmlns:p15="http://schemas.microsoft.com/office/powerpoint/2012/main" xmlns:p14="http://schemas.microsoft.com/office/powerpoint/2010/main" xmlns:com="http://schemas.openxmlformats.org/drawingml/2006/compatibility" xmlns:pvml="urn:schemas-microsoft-com:office:powerpoint" xmlns:v="urn:schemas-microsoft-com:vml" xmlns:o="urn:schemas-microsoft-com:office:office" xmlns:dgm="http://schemas.openxmlformats.org/drawingml/2006/diagram" xmlns:c="http://schemas.openxmlformats.org/drawingml/2006/chart" xmlns:mv="urn:schemas-microsoft-com:mac:vml" xmlns:mc="http://schemas.openxmlformats.org/markup-compatibility/2006" xmlns="" cellId="224:4:1"/>
+                        <go:slidesCustomData xmlns="" xmlns:mc="http://schemas.openxmlformats.org/markup-compatibility/2006" xmlns:mv="urn:schemas-microsoft-com:mac:vml" xmlns:c="http://schemas.openxmlformats.org/drawingml/2006/chart" xmlns:dgm="http://schemas.openxmlformats.org/drawingml/2006/diagram" xmlns:o="urn:schemas-microsoft-com:office:office" xmlns:v="urn:schemas-microsoft-com:vml" xmlns:pvml="urn:schemas-microsoft-com:office:powerpoint" xmlns:com="http://schemas.openxmlformats.org/drawingml/2006/compatibility" xmlns:p14="http://schemas.microsoft.com/office/powerpoint/2010/main" xmlns:p15="http://schemas.microsoft.com/office/powerpoint/2012/main" xmlns:go="http://customooxmlschemas.google.com/" cellId="224:4:1"/>
                       </a:ext>
                     </a:extLst>
                   </a:tcPr>
@@ -37311,7 +37282,7 @@
                     </a:lnB>
                     <a:extLst>
                       <a:ext uri="http://customooxmlschemas.google.com/">
-                        <go:slidesCustomData xmlns:go="http://customooxmlschemas.google.com/" xmlns:p15="http://schemas.microsoft.com/office/powerpoint/2012/main" xmlns:p14="http://schemas.microsoft.com/office/powerpoint/2010/main" xmlns:com="http://schemas.openxmlformats.org/drawingml/2006/compatibility" xmlns:pvml="urn:schemas-microsoft-com:office:powerpoint" xmlns:v="urn:schemas-microsoft-com:vml" xmlns:o="urn:schemas-microsoft-com:office:office" xmlns:dgm="http://schemas.openxmlformats.org/drawingml/2006/diagram" xmlns:c="http://schemas.openxmlformats.org/drawingml/2006/chart" xmlns:mv="urn:schemas-microsoft-com:mac:vml" xmlns:mc="http://schemas.openxmlformats.org/markup-compatibility/2006" xmlns="" cellId="224:4:2"/>
+                        <go:slidesCustomData xmlns="" xmlns:mc="http://schemas.openxmlformats.org/markup-compatibility/2006" xmlns:mv="urn:schemas-microsoft-com:mac:vml" xmlns:c="http://schemas.openxmlformats.org/drawingml/2006/chart" xmlns:dgm="http://schemas.openxmlformats.org/drawingml/2006/diagram" xmlns:o="urn:schemas-microsoft-com:office:office" xmlns:v="urn:schemas-microsoft-com:vml" xmlns:pvml="urn:schemas-microsoft-com:office:powerpoint" xmlns:com="http://schemas.openxmlformats.org/drawingml/2006/compatibility" xmlns:p14="http://schemas.microsoft.com/office/powerpoint/2010/main" xmlns:p15="http://schemas.microsoft.com/office/powerpoint/2012/main" xmlns:go="http://customooxmlschemas.google.com/" cellId="224:4:2"/>
                       </a:ext>
                     </a:extLst>
                   </a:tcPr>
@@ -37392,7 +37363,7 @@
                     </a:lnB>
                     <a:extLst>
                       <a:ext uri="http://customooxmlschemas.google.com/">
-                        <go:slidesCustomData xmlns:go="http://customooxmlschemas.google.com/" xmlns:p15="http://schemas.microsoft.com/office/powerpoint/2012/main" xmlns:p14="http://schemas.microsoft.com/office/powerpoint/2010/main" xmlns:com="http://schemas.openxmlformats.org/drawingml/2006/compatibility" xmlns:pvml="urn:schemas-microsoft-com:office:powerpoint" xmlns:v="urn:schemas-microsoft-com:vml" xmlns:o="urn:schemas-microsoft-com:office:office" xmlns:dgm="http://schemas.openxmlformats.org/drawingml/2006/diagram" xmlns:c="http://schemas.openxmlformats.org/drawingml/2006/chart" xmlns:mv="urn:schemas-microsoft-com:mac:vml" xmlns:mc="http://schemas.openxmlformats.org/markup-compatibility/2006" xmlns="" cellId="224:4:3"/>
+                        <go:slidesCustomData xmlns="" xmlns:mc="http://schemas.openxmlformats.org/markup-compatibility/2006" xmlns:mv="urn:schemas-microsoft-com:mac:vml" xmlns:c="http://schemas.openxmlformats.org/drawingml/2006/chart" xmlns:dgm="http://schemas.openxmlformats.org/drawingml/2006/diagram" xmlns:o="urn:schemas-microsoft-com:office:office" xmlns:v="urn:schemas-microsoft-com:vml" xmlns:pvml="urn:schemas-microsoft-com:office:powerpoint" xmlns:com="http://schemas.openxmlformats.org/drawingml/2006/compatibility" xmlns:p14="http://schemas.microsoft.com/office/powerpoint/2010/main" xmlns:p15="http://schemas.microsoft.com/office/powerpoint/2012/main" xmlns:go="http://customooxmlschemas.google.com/" cellId="224:4:3"/>
                       </a:ext>
                     </a:extLst>
                   </a:tcPr>
@@ -37473,7 +37444,7 @@
                     </a:lnB>
                     <a:extLst>
                       <a:ext uri="http://customooxmlschemas.google.com/">
-                        <go:slidesCustomData xmlns:go="http://customooxmlschemas.google.com/" xmlns:p15="http://schemas.microsoft.com/office/powerpoint/2012/main" xmlns:p14="http://schemas.microsoft.com/office/powerpoint/2010/main" xmlns:com="http://schemas.openxmlformats.org/drawingml/2006/compatibility" xmlns:pvml="urn:schemas-microsoft-com:office:powerpoint" xmlns:v="urn:schemas-microsoft-com:vml" xmlns:o="urn:schemas-microsoft-com:office:office" xmlns:dgm="http://schemas.openxmlformats.org/drawingml/2006/diagram" xmlns:c="http://schemas.openxmlformats.org/drawingml/2006/chart" xmlns:mv="urn:schemas-microsoft-com:mac:vml" xmlns:mc="http://schemas.openxmlformats.org/markup-compatibility/2006" xmlns="" cellId="224:4:4"/>
+                        <go:slidesCustomData xmlns="" xmlns:mc="http://schemas.openxmlformats.org/markup-compatibility/2006" xmlns:mv="urn:schemas-microsoft-com:mac:vml" xmlns:c="http://schemas.openxmlformats.org/drawingml/2006/chart" xmlns:dgm="http://schemas.openxmlformats.org/drawingml/2006/diagram" xmlns:o="urn:schemas-microsoft-com:office:office" xmlns:v="urn:schemas-microsoft-com:vml" xmlns:pvml="urn:schemas-microsoft-com:office:powerpoint" xmlns:com="http://schemas.openxmlformats.org/drawingml/2006/compatibility" xmlns:p14="http://schemas.microsoft.com/office/powerpoint/2010/main" xmlns:p15="http://schemas.microsoft.com/office/powerpoint/2012/main" xmlns:go="http://customooxmlschemas.google.com/" cellId="224:4:4"/>
                       </a:ext>
                     </a:extLst>
                   </a:tcPr>
@@ -37554,7 +37525,7 @@
                     </a:lnB>
                     <a:extLst>
                       <a:ext uri="http://customooxmlschemas.google.com/">
-                        <go:slidesCustomData xmlns:go="http://customooxmlschemas.google.com/" xmlns:p15="http://schemas.microsoft.com/office/powerpoint/2012/main" xmlns:p14="http://schemas.microsoft.com/office/powerpoint/2010/main" xmlns:com="http://schemas.openxmlformats.org/drawingml/2006/compatibility" xmlns:pvml="urn:schemas-microsoft-com:office:powerpoint" xmlns:v="urn:schemas-microsoft-com:vml" xmlns:o="urn:schemas-microsoft-com:office:office" xmlns:dgm="http://schemas.openxmlformats.org/drawingml/2006/diagram" xmlns:c="http://schemas.openxmlformats.org/drawingml/2006/chart" xmlns:mv="urn:schemas-microsoft-com:mac:vml" xmlns:mc="http://schemas.openxmlformats.org/markup-compatibility/2006" xmlns="" cellId="224:4:5"/>
+                        <go:slidesCustomData xmlns="" xmlns:mc="http://schemas.openxmlformats.org/markup-compatibility/2006" xmlns:mv="urn:schemas-microsoft-com:mac:vml" xmlns:c="http://schemas.openxmlformats.org/drawingml/2006/chart" xmlns:dgm="http://schemas.openxmlformats.org/drawingml/2006/diagram" xmlns:o="urn:schemas-microsoft-com:office:office" xmlns:v="urn:schemas-microsoft-com:vml" xmlns:pvml="urn:schemas-microsoft-com:office:powerpoint" xmlns:com="http://schemas.openxmlformats.org/drawingml/2006/compatibility" xmlns:p14="http://schemas.microsoft.com/office/powerpoint/2010/main" xmlns:p15="http://schemas.microsoft.com/office/powerpoint/2012/main" xmlns:go="http://customooxmlschemas.google.com/" cellId="224:4:5"/>
                       </a:ext>
                     </a:extLst>
                   </a:tcPr>
@@ -37635,7 +37606,7 @@
                     </a:lnB>
                     <a:extLst>
                       <a:ext uri="http://customooxmlschemas.google.com/">
-                        <go:slidesCustomData xmlns:go="http://customooxmlschemas.google.com/" xmlns:p15="http://schemas.microsoft.com/office/powerpoint/2012/main" xmlns:p14="http://schemas.microsoft.com/office/powerpoint/2010/main" xmlns:com="http://schemas.openxmlformats.org/drawingml/2006/compatibility" xmlns:pvml="urn:schemas-microsoft-com:office:powerpoint" xmlns:v="urn:schemas-microsoft-com:vml" xmlns:o="urn:schemas-microsoft-com:office:office" xmlns:dgm="http://schemas.openxmlformats.org/drawingml/2006/diagram" xmlns:c="http://schemas.openxmlformats.org/drawingml/2006/chart" xmlns:mv="urn:schemas-microsoft-com:mac:vml" xmlns:mc="http://schemas.openxmlformats.org/markup-compatibility/2006" xmlns="" cellId="224:4:6"/>
+                        <go:slidesCustomData xmlns="" xmlns:mc="http://schemas.openxmlformats.org/markup-compatibility/2006" xmlns:mv="urn:schemas-microsoft-com:mac:vml" xmlns:c="http://schemas.openxmlformats.org/drawingml/2006/chart" xmlns:dgm="http://schemas.openxmlformats.org/drawingml/2006/diagram" xmlns:o="urn:schemas-microsoft-com:office:office" xmlns:v="urn:schemas-microsoft-com:vml" xmlns:pvml="urn:schemas-microsoft-com:office:powerpoint" xmlns:com="http://schemas.openxmlformats.org/drawingml/2006/compatibility" xmlns:p14="http://schemas.microsoft.com/office/powerpoint/2010/main" xmlns:p15="http://schemas.microsoft.com/office/powerpoint/2012/main" xmlns:go="http://customooxmlschemas.google.com/" cellId="224:4:6"/>
                       </a:ext>
                     </a:extLst>
                   </a:tcPr>
@@ -37711,7 +37682,7 @@
                     </a:lnB>
                     <a:extLst>
                       <a:ext uri="http://customooxmlschemas.google.com/">
-                        <go:slidesCustomData xmlns:go="http://customooxmlschemas.google.com/" xmlns:p15="http://schemas.microsoft.com/office/powerpoint/2012/main" xmlns:p14="http://schemas.microsoft.com/office/powerpoint/2010/main" xmlns:com="http://schemas.openxmlformats.org/drawingml/2006/compatibility" xmlns:pvml="urn:schemas-microsoft-com:office:powerpoint" xmlns:v="urn:schemas-microsoft-com:vml" xmlns:o="urn:schemas-microsoft-com:office:office" xmlns:dgm="http://schemas.openxmlformats.org/drawingml/2006/diagram" xmlns:c="http://schemas.openxmlformats.org/drawingml/2006/chart" xmlns:mv="urn:schemas-microsoft-com:mac:vml" xmlns:mc="http://schemas.openxmlformats.org/markup-compatibility/2006" xmlns="" cellId="224:5:0"/>
+                        <go:slidesCustomData xmlns="" xmlns:mc="http://schemas.openxmlformats.org/markup-compatibility/2006" xmlns:mv="urn:schemas-microsoft-com:mac:vml" xmlns:c="http://schemas.openxmlformats.org/drawingml/2006/chart" xmlns:dgm="http://schemas.openxmlformats.org/drawingml/2006/diagram" xmlns:o="urn:schemas-microsoft-com:office:office" xmlns:v="urn:schemas-microsoft-com:vml" xmlns:pvml="urn:schemas-microsoft-com:office:powerpoint" xmlns:com="http://schemas.openxmlformats.org/drawingml/2006/compatibility" xmlns:p14="http://schemas.microsoft.com/office/powerpoint/2010/main" xmlns:p15="http://schemas.microsoft.com/office/powerpoint/2012/main" xmlns:go="http://customooxmlschemas.google.com/" cellId="224:5:0"/>
                       </a:ext>
                     </a:extLst>
                   </a:tcPr>
@@ -37780,7 +37751,7 @@
                     </a:lnB>
                     <a:extLst>
                       <a:ext uri="http://customooxmlschemas.google.com/">
-                        <go:slidesCustomData xmlns:go="http://customooxmlschemas.google.com/" xmlns:p15="http://schemas.microsoft.com/office/powerpoint/2012/main" xmlns:p14="http://schemas.microsoft.com/office/powerpoint/2010/main" xmlns:com="http://schemas.openxmlformats.org/drawingml/2006/compatibility" xmlns:pvml="urn:schemas-microsoft-com:office:powerpoint" xmlns:v="urn:schemas-microsoft-com:vml" xmlns:o="urn:schemas-microsoft-com:office:office" xmlns:dgm="http://schemas.openxmlformats.org/drawingml/2006/diagram" xmlns:c="http://schemas.openxmlformats.org/drawingml/2006/chart" xmlns:mv="urn:schemas-microsoft-com:mac:vml" xmlns:mc="http://schemas.openxmlformats.org/markup-compatibility/2006" xmlns="" cellId="224:5:1"/>
+                        <go:slidesCustomData xmlns="" xmlns:mc="http://schemas.openxmlformats.org/markup-compatibility/2006" xmlns:mv="urn:schemas-microsoft-com:mac:vml" xmlns:c="http://schemas.openxmlformats.org/drawingml/2006/chart" xmlns:dgm="http://schemas.openxmlformats.org/drawingml/2006/diagram" xmlns:o="urn:schemas-microsoft-com:office:office" xmlns:v="urn:schemas-microsoft-com:vml" xmlns:pvml="urn:schemas-microsoft-com:office:powerpoint" xmlns:com="http://schemas.openxmlformats.org/drawingml/2006/compatibility" xmlns:p14="http://schemas.microsoft.com/office/powerpoint/2010/main" xmlns:p15="http://schemas.microsoft.com/office/powerpoint/2012/main" xmlns:go="http://customooxmlschemas.google.com/" cellId="224:5:1"/>
                       </a:ext>
                     </a:extLst>
                   </a:tcPr>
@@ -37849,7 +37820,7 @@
                     </a:lnB>
                     <a:extLst>
                       <a:ext uri="http://customooxmlschemas.google.com/">
-                        <go:slidesCustomData xmlns:go="http://customooxmlschemas.google.com/" xmlns:p15="http://schemas.microsoft.com/office/powerpoint/2012/main" xmlns:p14="http://schemas.microsoft.com/office/powerpoint/2010/main" xmlns:com="http://schemas.openxmlformats.org/drawingml/2006/compatibility" xmlns:pvml="urn:schemas-microsoft-com:office:powerpoint" xmlns:v="urn:schemas-microsoft-com:vml" xmlns:o="urn:schemas-microsoft-com:office:office" xmlns:dgm="http://schemas.openxmlformats.org/drawingml/2006/diagram" xmlns:c="http://schemas.openxmlformats.org/drawingml/2006/chart" xmlns:mv="urn:schemas-microsoft-com:mac:vml" xmlns:mc="http://schemas.openxmlformats.org/markup-compatibility/2006" xmlns="" cellId="224:5:2"/>
+                        <go:slidesCustomData xmlns="" xmlns:mc="http://schemas.openxmlformats.org/markup-compatibility/2006" xmlns:mv="urn:schemas-microsoft-com:mac:vml" xmlns:c="http://schemas.openxmlformats.org/drawingml/2006/chart" xmlns:dgm="http://schemas.openxmlformats.org/drawingml/2006/diagram" xmlns:o="urn:schemas-microsoft-com:office:office" xmlns:v="urn:schemas-microsoft-com:vml" xmlns:pvml="urn:schemas-microsoft-com:office:powerpoint" xmlns:com="http://schemas.openxmlformats.org/drawingml/2006/compatibility" xmlns:p14="http://schemas.microsoft.com/office/powerpoint/2010/main" xmlns:p15="http://schemas.microsoft.com/office/powerpoint/2012/main" xmlns:go="http://customooxmlschemas.google.com/" cellId="224:5:2"/>
                       </a:ext>
                     </a:extLst>
                   </a:tcPr>
@@ -37918,7 +37889,7 @@
                     </a:lnB>
                     <a:extLst>
                       <a:ext uri="http://customooxmlschemas.google.com/">
-                        <go:slidesCustomData xmlns:go="http://customooxmlschemas.google.com/" xmlns:p15="http://schemas.microsoft.com/office/powerpoint/2012/main" xmlns:p14="http://schemas.microsoft.com/office/powerpoint/2010/main" xmlns:com="http://schemas.openxmlformats.org/drawingml/2006/compatibility" xmlns:pvml="urn:schemas-microsoft-com:office:powerpoint" xmlns:v="urn:schemas-microsoft-com:vml" xmlns:o="urn:schemas-microsoft-com:office:office" xmlns:dgm="http://schemas.openxmlformats.org/drawingml/2006/diagram" xmlns:c="http://schemas.openxmlformats.org/drawingml/2006/chart" xmlns:mv="urn:schemas-microsoft-com:mac:vml" xmlns:mc="http://schemas.openxmlformats.org/markup-compatibility/2006" xmlns="" cellId="224:5:3"/>
+                        <go:slidesCustomData xmlns="" xmlns:mc="http://schemas.openxmlformats.org/markup-compatibility/2006" xmlns:mv="urn:schemas-microsoft-com:mac:vml" xmlns:c="http://schemas.openxmlformats.org/drawingml/2006/chart" xmlns:dgm="http://schemas.openxmlformats.org/drawingml/2006/diagram" xmlns:o="urn:schemas-microsoft-com:office:office" xmlns:v="urn:schemas-microsoft-com:vml" xmlns:pvml="urn:schemas-microsoft-com:office:powerpoint" xmlns:com="http://schemas.openxmlformats.org/drawingml/2006/compatibility" xmlns:p14="http://schemas.microsoft.com/office/powerpoint/2010/main" xmlns:p15="http://schemas.microsoft.com/office/powerpoint/2012/main" xmlns:go="http://customooxmlschemas.google.com/" cellId="224:5:3"/>
                       </a:ext>
                     </a:extLst>
                   </a:tcPr>
@@ -37987,7 +37958,7 @@
                     </a:lnB>
                     <a:extLst>
                       <a:ext uri="http://customooxmlschemas.google.com/">
-                        <go:slidesCustomData xmlns:go="http://customooxmlschemas.google.com/" xmlns:p15="http://schemas.microsoft.com/office/powerpoint/2012/main" xmlns:p14="http://schemas.microsoft.com/office/powerpoint/2010/main" xmlns:com="http://schemas.openxmlformats.org/drawingml/2006/compatibility" xmlns:pvml="urn:schemas-microsoft-com:office:powerpoint" xmlns:v="urn:schemas-microsoft-com:vml" xmlns:o="urn:schemas-microsoft-com:office:office" xmlns:dgm="http://schemas.openxmlformats.org/drawingml/2006/diagram" xmlns:c="http://schemas.openxmlformats.org/drawingml/2006/chart" xmlns:mv="urn:schemas-microsoft-com:mac:vml" xmlns:mc="http://schemas.openxmlformats.org/markup-compatibility/2006" xmlns="" cellId="224:5:4"/>
+                        <go:slidesCustomData xmlns="" xmlns:mc="http://schemas.openxmlformats.org/markup-compatibility/2006" xmlns:mv="urn:schemas-microsoft-com:mac:vml" xmlns:c="http://schemas.openxmlformats.org/drawingml/2006/chart" xmlns:dgm="http://schemas.openxmlformats.org/drawingml/2006/diagram" xmlns:o="urn:schemas-microsoft-com:office:office" xmlns:v="urn:schemas-microsoft-com:vml" xmlns:pvml="urn:schemas-microsoft-com:office:powerpoint" xmlns:com="http://schemas.openxmlformats.org/drawingml/2006/compatibility" xmlns:p14="http://schemas.microsoft.com/office/powerpoint/2010/main" xmlns:p15="http://schemas.microsoft.com/office/powerpoint/2012/main" xmlns:go="http://customooxmlschemas.google.com/" cellId="224:5:4"/>
                       </a:ext>
                     </a:extLst>
                   </a:tcPr>
@@ -38056,7 +38027,7 @@
                     </a:lnB>
                     <a:extLst>
                       <a:ext uri="http://customooxmlschemas.google.com/">
-                        <go:slidesCustomData xmlns:go="http://customooxmlschemas.google.com/" xmlns:p15="http://schemas.microsoft.com/office/powerpoint/2012/main" xmlns:p14="http://schemas.microsoft.com/office/powerpoint/2010/main" xmlns:com="http://schemas.openxmlformats.org/drawingml/2006/compatibility" xmlns:pvml="urn:schemas-microsoft-com:office:powerpoint" xmlns:v="urn:schemas-microsoft-com:vml" xmlns:o="urn:schemas-microsoft-com:office:office" xmlns:dgm="http://schemas.openxmlformats.org/drawingml/2006/diagram" xmlns:c="http://schemas.openxmlformats.org/drawingml/2006/chart" xmlns:mv="urn:schemas-microsoft-com:mac:vml" xmlns:mc="http://schemas.openxmlformats.org/markup-compatibility/2006" xmlns="" cellId="224:5:5"/>
+                        <go:slidesCustomData xmlns="" xmlns:mc="http://schemas.openxmlformats.org/markup-compatibility/2006" xmlns:mv="urn:schemas-microsoft-com:mac:vml" xmlns:c="http://schemas.openxmlformats.org/drawingml/2006/chart" xmlns:dgm="http://schemas.openxmlformats.org/drawingml/2006/diagram" xmlns:o="urn:schemas-microsoft-com:office:office" xmlns:v="urn:schemas-microsoft-com:vml" xmlns:pvml="urn:schemas-microsoft-com:office:powerpoint" xmlns:com="http://schemas.openxmlformats.org/drawingml/2006/compatibility" xmlns:p14="http://schemas.microsoft.com/office/powerpoint/2010/main" xmlns:p15="http://schemas.microsoft.com/office/powerpoint/2012/main" xmlns:go="http://customooxmlschemas.google.com/" cellId="224:5:5"/>
                       </a:ext>
                     </a:extLst>
                   </a:tcPr>
@@ -38125,7 +38096,7 @@
                     </a:lnB>
                     <a:extLst>
                       <a:ext uri="http://customooxmlschemas.google.com/">
-                        <go:slidesCustomData xmlns:go="http://customooxmlschemas.google.com/" xmlns:p15="http://schemas.microsoft.com/office/powerpoint/2012/main" xmlns:p14="http://schemas.microsoft.com/office/powerpoint/2010/main" xmlns:com="http://schemas.openxmlformats.org/drawingml/2006/compatibility" xmlns:pvml="urn:schemas-microsoft-com:office:powerpoint" xmlns:v="urn:schemas-microsoft-com:vml" xmlns:o="urn:schemas-microsoft-com:office:office" xmlns:dgm="http://schemas.openxmlformats.org/drawingml/2006/diagram" xmlns:c="http://schemas.openxmlformats.org/drawingml/2006/chart" xmlns:mv="urn:schemas-microsoft-com:mac:vml" xmlns:mc="http://schemas.openxmlformats.org/markup-compatibility/2006" xmlns="" cellId="224:5:6"/>
+                        <go:slidesCustomData xmlns="" xmlns:mc="http://schemas.openxmlformats.org/markup-compatibility/2006" xmlns:mv="urn:schemas-microsoft-com:mac:vml" xmlns:c="http://schemas.openxmlformats.org/drawingml/2006/chart" xmlns:dgm="http://schemas.openxmlformats.org/drawingml/2006/diagram" xmlns:o="urn:schemas-microsoft-com:office:office" xmlns:v="urn:schemas-microsoft-com:vml" xmlns:pvml="urn:schemas-microsoft-com:office:powerpoint" xmlns:com="http://schemas.openxmlformats.org/drawingml/2006/compatibility" xmlns:p14="http://schemas.microsoft.com/office/powerpoint/2010/main" xmlns:p15="http://schemas.microsoft.com/office/powerpoint/2012/main" xmlns:go="http://customooxmlschemas.google.com/" cellId="224:5:6"/>
                       </a:ext>
                     </a:extLst>
                   </a:tcPr>
@@ -38213,7 +38184,7 @@
                     </a:lnB>
                     <a:extLst>
                       <a:ext uri="http://customooxmlschemas.google.com/">
-                        <go:slidesCustomData xmlns:go="http://customooxmlschemas.google.com/" xmlns:p15="http://schemas.microsoft.com/office/powerpoint/2012/main" xmlns:p14="http://schemas.microsoft.com/office/powerpoint/2010/main" xmlns:com="http://schemas.openxmlformats.org/drawingml/2006/compatibility" xmlns:pvml="urn:schemas-microsoft-com:office:powerpoint" xmlns:v="urn:schemas-microsoft-com:vml" xmlns:o="urn:schemas-microsoft-com:office:office" xmlns:dgm="http://schemas.openxmlformats.org/drawingml/2006/diagram" xmlns:c="http://schemas.openxmlformats.org/drawingml/2006/chart" xmlns:mv="urn:schemas-microsoft-com:mac:vml" xmlns:mc="http://schemas.openxmlformats.org/markup-compatibility/2006" xmlns="" cellId="224:6:0"/>
+                        <go:slidesCustomData xmlns="" xmlns:mc="http://schemas.openxmlformats.org/markup-compatibility/2006" xmlns:mv="urn:schemas-microsoft-com:mac:vml" xmlns:c="http://schemas.openxmlformats.org/drawingml/2006/chart" xmlns:dgm="http://schemas.openxmlformats.org/drawingml/2006/diagram" xmlns:o="urn:schemas-microsoft-com:office:office" xmlns:v="urn:schemas-microsoft-com:vml" xmlns:pvml="urn:schemas-microsoft-com:office:powerpoint" xmlns:com="http://schemas.openxmlformats.org/drawingml/2006/compatibility" xmlns:p14="http://schemas.microsoft.com/office/powerpoint/2010/main" xmlns:p15="http://schemas.microsoft.com/office/powerpoint/2012/main" xmlns:go="http://customooxmlschemas.google.com/" cellId="224:6:0"/>
                       </a:ext>
                     </a:extLst>
                   </a:tcPr>
@@ -38295,7 +38266,7 @@
                     <a:noFill/>
                     <a:extLst>
                       <a:ext uri="http://customooxmlschemas.google.com/">
-                        <go:slidesCustomData xmlns:go="http://customooxmlschemas.google.com/" xmlns:p15="http://schemas.microsoft.com/office/powerpoint/2012/main" xmlns:p14="http://schemas.microsoft.com/office/powerpoint/2010/main" xmlns:com="http://schemas.openxmlformats.org/drawingml/2006/compatibility" xmlns:pvml="urn:schemas-microsoft-com:office:powerpoint" xmlns:v="urn:schemas-microsoft-com:vml" xmlns:o="urn:schemas-microsoft-com:office:office" xmlns:dgm="http://schemas.openxmlformats.org/drawingml/2006/diagram" xmlns:c="http://schemas.openxmlformats.org/drawingml/2006/chart" xmlns:mv="urn:schemas-microsoft-com:mac:vml" xmlns:mc="http://schemas.openxmlformats.org/markup-compatibility/2006" xmlns="" cellId="224:6:1"/>
+                        <go:slidesCustomData xmlns="" xmlns:mc="http://schemas.openxmlformats.org/markup-compatibility/2006" xmlns:mv="urn:schemas-microsoft-com:mac:vml" xmlns:c="http://schemas.openxmlformats.org/drawingml/2006/chart" xmlns:dgm="http://schemas.openxmlformats.org/drawingml/2006/diagram" xmlns:o="urn:schemas-microsoft-com:office:office" xmlns:v="urn:schemas-microsoft-com:vml" xmlns:pvml="urn:schemas-microsoft-com:office:powerpoint" xmlns:com="http://schemas.openxmlformats.org/drawingml/2006/compatibility" xmlns:p14="http://schemas.microsoft.com/office/powerpoint/2010/main" xmlns:p15="http://schemas.microsoft.com/office/powerpoint/2012/main" xmlns:go="http://customooxmlschemas.google.com/" cellId="224:6:1"/>
                       </a:ext>
                     </a:extLst>
                   </a:tcPr>
@@ -38376,7 +38347,7 @@
                     </a:lnB>
                     <a:extLst>
                       <a:ext uri="http://customooxmlschemas.google.com/">
-                        <go:slidesCustomData xmlns:go="http://customooxmlschemas.google.com/" xmlns:p15="http://schemas.microsoft.com/office/powerpoint/2012/main" xmlns:p14="http://schemas.microsoft.com/office/powerpoint/2010/main" xmlns:com="http://schemas.openxmlformats.org/drawingml/2006/compatibility" xmlns:pvml="urn:schemas-microsoft-com:office:powerpoint" xmlns:v="urn:schemas-microsoft-com:vml" xmlns:o="urn:schemas-microsoft-com:office:office" xmlns:dgm="http://schemas.openxmlformats.org/drawingml/2006/diagram" xmlns:c="http://schemas.openxmlformats.org/drawingml/2006/chart" xmlns:mv="urn:schemas-microsoft-com:mac:vml" xmlns:mc="http://schemas.openxmlformats.org/markup-compatibility/2006" xmlns="" cellId="224:6:2"/>
+                        <go:slidesCustomData xmlns="" xmlns:mc="http://schemas.openxmlformats.org/markup-compatibility/2006" xmlns:mv="urn:schemas-microsoft-com:mac:vml" xmlns:c="http://schemas.openxmlformats.org/drawingml/2006/chart" xmlns:dgm="http://schemas.openxmlformats.org/drawingml/2006/diagram" xmlns:o="urn:schemas-microsoft-com:office:office" xmlns:v="urn:schemas-microsoft-com:vml" xmlns:pvml="urn:schemas-microsoft-com:office:powerpoint" xmlns:com="http://schemas.openxmlformats.org/drawingml/2006/compatibility" xmlns:p14="http://schemas.microsoft.com/office/powerpoint/2010/main" xmlns:p15="http://schemas.microsoft.com/office/powerpoint/2012/main" xmlns:go="http://customooxmlschemas.google.com/" cellId="224:6:2"/>
                       </a:ext>
                     </a:extLst>
                   </a:tcPr>
@@ -38457,7 +38428,7 @@
                     </a:lnB>
                     <a:extLst>
                       <a:ext uri="http://customooxmlschemas.google.com/">
-                        <go:slidesCustomData xmlns:go="http://customooxmlschemas.google.com/" xmlns:p15="http://schemas.microsoft.com/office/powerpoint/2012/main" xmlns:p14="http://schemas.microsoft.com/office/powerpoint/2010/main" xmlns:com="http://schemas.openxmlformats.org/drawingml/2006/compatibility" xmlns:pvml="urn:schemas-microsoft-com:office:powerpoint" xmlns:v="urn:schemas-microsoft-com:vml" xmlns:o="urn:schemas-microsoft-com:office:office" xmlns:dgm="http://schemas.openxmlformats.org/drawingml/2006/diagram" xmlns:c="http://schemas.openxmlformats.org/drawingml/2006/chart" xmlns:mv="urn:schemas-microsoft-com:mac:vml" xmlns:mc="http://schemas.openxmlformats.org/markup-compatibility/2006" xmlns="" cellId="224:6:3"/>
+                        <go:slidesCustomData xmlns="" xmlns:mc="http://schemas.openxmlformats.org/markup-compatibility/2006" xmlns:mv="urn:schemas-microsoft-com:mac:vml" xmlns:c="http://schemas.openxmlformats.org/drawingml/2006/chart" xmlns:dgm="http://schemas.openxmlformats.org/drawingml/2006/diagram" xmlns:o="urn:schemas-microsoft-com:office:office" xmlns:v="urn:schemas-microsoft-com:vml" xmlns:pvml="urn:schemas-microsoft-com:office:powerpoint" xmlns:com="http://schemas.openxmlformats.org/drawingml/2006/compatibility" xmlns:p14="http://schemas.microsoft.com/office/powerpoint/2010/main" xmlns:p15="http://schemas.microsoft.com/office/powerpoint/2012/main" xmlns:go="http://customooxmlschemas.google.com/" cellId="224:6:3"/>
                       </a:ext>
                     </a:extLst>
                   </a:tcPr>
@@ -38538,7 +38509,7 @@
                     </a:lnB>
                     <a:extLst>
                       <a:ext uri="http://customooxmlschemas.google.com/">
-                        <go:slidesCustomData xmlns:go="http://customooxmlschemas.google.com/" xmlns:p15="http://schemas.microsoft.com/office/powerpoint/2012/main" xmlns:p14="http://schemas.microsoft.com/office/powerpoint/2010/main" xmlns:com="http://schemas.openxmlformats.org/drawingml/2006/compatibility" xmlns:pvml="urn:schemas-microsoft-com:office:powerpoint" xmlns:v="urn:schemas-microsoft-com:vml" xmlns:o="urn:schemas-microsoft-com:office:office" xmlns:dgm="http://schemas.openxmlformats.org/drawingml/2006/diagram" xmlns:c="http://schemas.openxmlformats.org/drawingml/2006/chart" xmlns:mv="urn:schemas-microsoft-com:mac:vml" xmlns:mc="http://schemas.openxmlformats.org/markup-compatibility/2006" xmlns="" cellId="224:6:4"/>
+                        <go:slidesCustomData xmlns="" xmlns:mc="http://schemas.openxmlformats.org/markup-compatibility/2006" xmlns:mv="urn:schemas-microsoft-com:mac:vml" xmlns:c="http://schemas.openxmlformats.org/drawingml/2006/chart" xmlns:dgm="http://schemas.openxmlformats.org/drawingml/2006/diagram" xmlns:o="urn:schemas-microsoft-com:office:office" xmlns:v="urn:schemas-microsoft-com:vml" xmlns:pvml="urn:schemas-microsoft-com:office:powerpoint" xmlns:com="http://schemas.openxmlformats.org/drawingml/2006/compatibility" xmlns:p14="http://schemas.microsoft.com/office/powerpoint/2010/main" xmlns:p15="http://schemas.microsoft.com/office/powerpoint/2012/main" xmlns:go="http://customooxmlschemas.google.com/" cellId="224:6:4"/>
                       </a:ext>
                     </a:extLst>
                   </a:tcPr>
@@ -38619,7 +38590,7 @@
                     </a:lnB>
                     <a:extLst>
                       <a:ext uri="http://customooxmlschemas.google.com/">
-                        <go:slidesCustomData xmlns:go="http://customooxmlschemas.google.com/" xmlns:p15="http://schemas.microsoft.com/office/powerpoint/2012/main" xmlns:p14="http://schemas.microsoft.com/office/powerpoint/2010/main" xmlns:com="http://schemas.openxmlformats.org/drawingml/2006/compatibility" xmlns:pvml="urn:schemas-microsoft-com:office:powerpoint" xmlns:v="urn:schemas-microsoft-com:vml" xmlns:o="urn:schemas-microsoft-com:office:office" xmlns:dgm="http://schemas.openxmlformats.org/drawingml/2006/diagram" xmlns:c="http://schemas.openxmlformats.org/drawingml/2006/chart" xmlns:mv="urn:schemas-microsoft-com:mac:vml" xmlns:mc="http://schemas.openxmlformats.org/markup-compatibility/2006" xmlns="" cellId="224:6:5"/>
+                        <go:slidesCustomData xmlns="" xmlns:mc="http://schemas.openxmlformats.org/markup-compatibility/2006" xmlns:mv="urn:schemas-microsoft-com:mac:vml" xmlns:c="http://schemas.openxmlformats.org/drawingml/2006/chart" xmlns:dgm="http://schemas.openxmlformats.org/drawingml/2006/diagram" xmlns:o="urn:schemas-microsoft-com:office:office" xmlns:v="urn:schemas-microsoft-com:vml" xmlns:pvml="urn:schemas-microsoft-com:office:powerpoint" xmlns:com="http://schemas.openxmlformats.org/drawingml/2006/compatibility" xmlns:p14="http://schemas.microsoft.com/office/powerpoint/2010/main" xmlns:p15="http://schemas.microsoft.com/office/powerpoint/2012/main" xmlns:go="http://customooxmlschemas.google.com/" cellId="224:6:5"/>
                       </a:ext>
                     </a:extLst>
                   </a:tcPr>
@@ -38700,7 +38671,7 @@
                     </a:lnB>
                     <a:extLst>
                       <a:ext uri="http://customooxmlschemas.google.com/">
-                        <go:slidesCustomData xmlns:go="http://customooxmlschemas.google.com/" xmlns:p15="http://schemas.microsoft.com/office/powerpoint/2012/main" xmlns:p14="http://schemas.microsoft.com/office/powerpoint/2010/main" xmlns:com="http://schemas.openxmlformats.org/drawingml/2006/compatibility" xmlns:pvml="urn:schemas-microsoft-com:office:powerpoint" xmlns:v="urn:schemas-microsoft-com:vml" xmlns:o="urn:schemas-microsoft-com:office:office" xmlns:dgm="http://schemas.openxmlformats.org/drawingml/2006/diagram" xmlns:c="http://schemas.openxmlformats.org/drawingml/2006/chart" xmlns:mv="urn:schemas-microsoft-com:mac:vml" xmlns:mc="http://schemas.openxmlformats.org/markup-compatibility/2006" xmlns="" cellId="224:6:6"/>
+                        <go:slidesCustomData xmlns="" xmlns:mc="http://schemas.openxmlformats.org/markup-compatibility/2006" xmlns:mv="urn:schemas-microsoft-com:mac:vml" xmlns:c="http://schemas.openxmlformats.org/drawingml/2006/chart" xmlns:dgm="http://schemas.openxmlformats.org/drawingml/2006/diagram" xmlns:o="urn:schemas-microsoft-com:office:office" xmlns:v="urn:schemas-microsoft-com:vml" xmlns:pvml="urn:schemas-microsoft-com:office:powerpoint" xmlns:com="http://schemas.openxmlformats.org/drawingml/2006/compatibility" xmlns:p14="http://schemas.microsoft.com/office/powerpoint/2010/main" xmlns:p15="http://schemas.microsoft.com/office/powerpoint/2012/main" xmlns:go="http://customooxmlschemas.google.com/" cellId="224:6:6"/>
                       </a:ext>
                     </a:extLst>
                   </a:tcPr>
@@ -38776,7 +38747,7 @@
                     </a:lnB>
                     <a:extLst>
                       <a:ext uri="http://customooxmlschemas.google.com/">
-                        <go:slidesCustomData xmlns:go="http://customooxmlschemas.google.com/" xmlns:p15="http://schemas.microsoft.com/office/powerpoint/2012/main" xmlns:p14="http://schemas.microsoft.com/office/powerpoint/2010/main" xmlns:com="http://schemas.openxmlformats.org/drawingml/2006/compatibility" xmlns:pvml="urn:schemas-microsoft-com:office:powerpoint" xmlns:v="urn:schemas-microsoft-com:vml" xmlns:o="urn:schemas-microsoft-com:office:office" xmlns:dgm="http://schemas.openxmlformats.org/drawingml/2006/diagram" xmlns:c="http://schemas.openxmlformats.org/drawingml/2006/chart" xmlns:mv="urn:schemas-microsoft-com:mac:vml" xmlns:mc="http://schemas.openxmlformats.org/markup-compatibility/2006" xmlns="" cellId="224:7:0"/>
+                        <go:slidesCustomData xmlns="" xmlns:mc="http://schemas.openxmlformats.org/markup-compatibility/2006" xmlns:mv="urn:schemas-microsoft-com:mac:vml" xmlns:c="http://schemas.openxmlformats.org/drawingml/2006/chart" xmlns:dgm="http://schemas.openxmlformats.org/drawingml/2006/diagram" xmlns:o="urn:schemas-microsoft-com:office:office" xmlns:v="urn:schemas-microsoft-com:vml" xmlns:pvml="urn:schemas-microsoft-com:office:powerpoint" xmlns:com="http://schemas.openxmlformats.org/drawingml/2006/compatibility" xmlns:p14="http://schemas.microsoft.com/office/powerpoint/2010/main" xmlns:p15="http://schemas.microsoft.com/office/powerpoint/2012/main" xmlns:go="http://customooxmlschemas.google.com/" cellId="224:7:0"/>
                       </a:ext>
                     </a:extLst>
                   </a:tcPr>
@@ -38858,7 +38829,7 @@
                     <a:noFill/>
                     <a:extLst>
                       <a:ext uri="http://customooxmlschemas.google.com/">
-                        <go:slidesCustomData xmlns:go="http://customooxmlschemas.google.com/" xmlns:p15="http://schemas.microsoft.com/office/powerpoint/2012/main" xmlns:p14="http://schemas.microsoft.com/office/powerpoint/2010/main" xmlns:com="http://schemas.openxmlformats.org/drawingml/2006/compatibility" xmlns:pvml="urn:schemas-microsoft-com:office:powerpoint" xmlns:v="urn:schemas-microsoft-com:vml" xmlns:o="urn:schemas-microsoft-com:office:office" xmlns:dgm="http://schemas.openxmlformats.org/drawingml/2006/diagram" xmlns:c="http://schemas.openxmlformats.org/drawingml/2006/chart" xmlns:mv="urn:schemas-microsoft-com:mac:vml" xmlns:mc="http://schemas.openxmlformats.org/markup-compatibility/2006" xmlns="" cellId="224:7:1"/>
+                        <go:slidesCustomData xmlns="" xmlns:mc="http://schemas.openxmlformats.org/markup-compatibility/2006" xmlns:mv="urn:schemas-microsoft-com:mac:vml" xmlns:c="http://schemas.openxmlformats.org/drawingml/2006/chart" xmlns:dgm="http://schemas.openxmlformats.org/drawingml/2006/diagram" xmlns:o="urn:schemas-microsoft-com:office:office" xmlns:v="urn:schemas-microsoft-com:vml" xmlns:pvml="urn:schemas-microsoft-com:office:powerpoint" xmlns:com="http://schemas.openxmlformats.org/drawingml/2006/compatibility" xmlns:p14="http://schemas.microsoft.com/office/powerpoint/2010/main" xmlns:p15="http://schemas.microsoft.com/office/powerpoint/2012/main" xmlns:go="http://customooxmlschemas.google.com/" cellId="224:7:1"/>
                       </a:ext>
                     </a:extLst>
                   </a:tcPr>
@@ -38939,7 +38910,7 @@
                     </a:lnB>
                     <a:extLst>
                       <a:ext uri="http://customooxmlschemas.google.com/">
-                        <go:slidesCustomData xmlns:go="http://customooxmlschemas.google.com/" xmlns:p15="http://schemas.microsoft.com/office/powerpoint/2012/main" xmlns:p14="http://schemas.microsoft.com/office/powerpoint/2010/main" xmlns:com="http://schemas.openxmlformats.org/drawingml/2006/compatibility" xmlns:pvml="urn:schemas-microsoft-com:office:powerpoint" xmlns:v="urn:schemas-microsoft-com:vml" xmlns:o="urn:schemas-microsoft-com:office:office" xmlns:dgm="http://schemas.openxmlformats.org/drawingml/2006/diagram" xmlns:c="http://schemas.openxmlformats.org/drawingml/2006/chart" xmlns:mv="urn:schemas-microsoft-com:mac:vml" xmlns:mc="http://schemas.openxmlformats.org/markup-compatibility/2006" xmlns="" cellId="224:7:2"/>
+                        <go:slidesCustomData xmlns="" xmlns:mc="http://schemas.openxmlformats.org/markup-compatibility/2006" xmlns:mv="urn:schemas-microsoft-com:mac:vml" xmlns:c="http://schemas.openxmlformats.org/drawingml/2006/chart" xmlns:dgm="http://schemas.openxmlformats.org/drawingml/2006/diagram" xmlns:o="urn:schemas-microsoft-com:office:office" xmlns:v="urn:schemas-microsoft-com:vml" xmlns:pvml="urn:schemas-microsoft-com:office:powerpoint" xmlns:com="http://schemas.openxmlformats.org/drawingml/2006/compatibility" xmlns:p14="http://schemas.microsoft.com/office/powerpoint/2010/main" xmlns:p15="http://schemas.microsoft.com/office/powerpoint/2012/main" xmlns:go="http://customooxmlschemas.google.com/" cellId="224:7:2"/>
                       </a:ext>
                     </a:extLst>
                   </a:tcPr>
@@ -39020,7 +38991,7 @@
                     </a:lnB>
                     <a:extLst>
                       <a:ext uri="http://customooxmlschemas.google.com/">
-                        <go:slidesCustomData xmlns:go="http://customooxmlschemas.google.com/" xmlns:p15="http://schemas.microsoft.com/office/powerpoint/2012/main" xmlns:p14="http://schemas.microsoft.com/office/powerpoint/2010/main" xmlns:com="http://schemas.openxmlformats.org/drawingml/2006/compatibility" xmlns:pvml="urn:schemas-microsoft-com:office:powerpoint" xmlns:v="urn:schemas-microsoft-com:vml" xmlns:o="urn:schemas-microsoft-com:office:office" xmlns:dgm="http://schemas.openxmlformats.org/drawingml/2006/diagram" xmlns:c="http://schemas.openxmlformats.org/drawingml/2006/chart" xmlns:mv="urn:schemas-microsoft-com:mac:vml" xmlns:mc="http://schemas.openxmlformats.org/markup-compatibility/2006" xmlns="" cellId="224:7:3"/>
+                        <go:slidesCustomData xmlns="" xmlns:mc="http://schemas.openxmlformats.org/markup-compatibility/2006" xmlns:mv="urn:schemas-microsoft-com:mac:vml" xmlns:c="http://schemas.openxmlformats.org/drawingml/2006/chart" xmlns:dgm="http://schemas.openxmlformats.org/drawingml/2006/diagram" xmlns:o="urn:schemas-microsoft-com:office:office" xmlns:v="urn:schemas-microsoft-com:vml" xmlns:pvml="urn:schemas-microsoft-com:office:powerpoint" xmlns:com="http://schemas.openxmlformats.org/drawingml/2006/compatibility" xmlns:p14="http://schemas.microsoft.com/office/powerpoint/2010/main" xmlns:p15="http://schemas.microsoft.com/office/powerpoint/2012/main" xmlns:go="http://customooxmlschemas.google.com/" cellId="224:7:3"/>
                       </a:ext>
                     </a:extLst>
                   </a:tcPr>
@@ -39089,7 +39060,7 @@
                     </a:lnB>
                     <a:extLst>
                       <a:ext uri="http://customooxmlschemas.google.com/">
-                        <go:slidesCustomData xmlns:go="http://customooxmlschemas.google.com/" xmlns:p15="http://schemas.microsoft.com/office/powerpoint/2012/main" xmlns:p14="http://schemas.microsoft.com/office/powerpoint/2010/main" xmlns:com="http://schemas.openxmlformats.org/drawingml/2006/compatibility" xmlns:pvml="urn:schemas-microsoft-com:office:powerpoint" xmlns:v="urn:schemas-microsoft-com:vml" xmlns:o="urn:schemas-microsoft-com:office:office" xmlns:dgm="http://schemas.openxmlformats.org/drawingml/2006/diagram" xmlns:c="http://schemas.openxmlformats.org/drawingml/2006/chart" xmlns:mv="urn:schemas-microsoft-com:mac:vml" xmlns:mc="http://schemas.openxmlformats.org/markup-compatibility/2006" xmlns="" cellId="224:7:4"/>
+                        <go:slidesCustomData xmlns="" xmlns:mc="http://schemas.openxmlformats.org/markup-compatibility/2006" xmlns:mv="urn:schemas-microsoft-com:mac:vml" xmlns:c="http://schemas.openxmlformats.org/drawingml/2006/chart" xmlns:dgm="http://schemas.openxmlformats.org/drawingml/2006/diagram" xmlns:o="urn:schemas-microsoft-com:office:office" xmlns:v="urn:schemas-microsoft-com:vml" xmlns:pvml="urn:schemas-microsoft-com:office:powerpoint" xmlns:com="http://schemas.openxmlformats.org/drawingml/2006/compatibility" xmlns:p14="http://schemas.microsoft.com/office/powerpoint/2010/main" xmlns:p15="http://schemas.microsoft.com/office/powerpoint/2012/main" xmlns:go="http://customooxmlschemas.google.com/" cellId="224:7:4"/>
                       </a:ext>
                     </a:extLst>
                   </a:tcPr>
@@ -39158,7 +39129,7 @@
                     </a:lnB>
                     <a:extLst>
                       <a:ext uri="http://customooxmlschemas.google.com/">
-                        <go:slidesCustomData xmlns:go="http://customooxmlschemas.google.com/" xmlns:p15="http://schemas.microsoft.com/office/powerpoint/2012/main" xmlns:p14="http://schemas.microsoft.com/office/powerpoint/2010/main" xmlns:com="http://schemas.openxmlformats.org/drawingml/2006/compatibility" xmlns:pvml="urn:schemas-microsoft-com:office:powerpoint" xmlns:v="urn:schemas-microsoft-com:vml" xmlns:o="urn:schemas-microsoft-com:office:office" xmlns:dgm="http://schemas.openxmlformats.org/drawingml/2006/diagram" xmlns:c="http://schemas.openxmlformats.org/drawingml/2006/chart" xmlns:mv="urn:schemas-microsoft-com:mac:vml" xmlns:mc="http://schemas.openxmlformats.org/markup-compatibility/2006" xmlns="" cellId="224:7:5"/>
+                        <go:slidesCustomData xmlns="" xmlns:mc="http://schemas.openxmlformats.org/markup-compatibility/2006" xmlns:mv="urn:schemas-microsoft-com:mac:vml" xmlns:c="http://schemas.openxmlformats.org/drawingml/2006/chart" xmlns:dgm="http://schemas.openxmlformats.org/drawingml/2006/diagram" xmlns:o="urn:schemas-microsoft-com:office:office" xmlns:v="urn:schemas-microsoft-com:vml" xmlns:pvml="urn:schemas-microsoft-com:office:powerpoint" xmlns:com="http://schemas.openxmlformats.org/drawingml/2006/compatibility" xmlns:p14="http://schemas.microsoft.com/office/powerpoint/2010/main" xmlns:p15="http://schemas.microsoft.com/office/powerpoint/2012/main" xmlns:go="http://customooxmlschemas.google.com/" cellId="224:7:5"/>
                       </a:ext>
                     </a:extLst>
                   </a:tcPr>
@@ -39227,7 +39198,7 @@
                     </a:lnB>
                     <a:extLst>
                       <a:ext uri="http://customooxmlschemas.google.com/">
-                        <go:slidesCustomData xmlns:go="http://customooxmlschemas.google.com/" xmlns:p15="http://schemas.microsoft.com/office/powerpoint/2012/main" xmlns:p14="http://schemas.microsoft.com/office/powerpoint/2010/main" xmlns:com="http://schemas.openxmlformats.org/drawingml/2006/compatibility" xmlns:pvml="urn:schemas-microsoft-com:office:powerpoint" xmlns:v="urn:schemas-microsoft-com:vml" xmlns:o="urn:schemas-microsoft-com:office:office" xmlns:dgm="http://schemas.openxmlformats.org/drawingml/2006/diagram" xmlns:c="http://schemas.openxmlformats.org/drawingml/2006/chart" xmlns:mv="urn:schemas-microsoft-com:mac:vml" xmlns:mc="http://schemas.openxmlformats.org/markup-compatibility/2006" xmlns="" cellId="224:7:6"/>
+                        <go:slidesCustomData xmlns="" xmlns:mc="http://schemas.openxmlformats.org/markup-compatibility/2006" xmlns:mv="urn:schemas-microsoft-com:mac:vml" xmlns:c="http://schemas.openxmlformats.org/drawingml/2006/chart" xmlns:dgm="http://schemas.openxmlformats.org/drawingml/2006/diagram" xmlns:o="urn:schemas-microsoft-com:office:office" xmlns:v="urn:schemas-microsoft-com:vml" xmlns:pvml="urn:schemas-microsoft-com:office:powerpoint" xmlns:com="http://schemas.openxmlformats.org/drawingml/2006/compatibility" xmlns:p14="http://schemas.microsoft.com/office/powerpoint/2010/main" xmlns:p15="http://schemas.microsoft.com/office/powerpoint/2012/main" xmlns:go="http://customooxmlschemas.google.com/" cellId="224:7:6"/>
                       </a:ext>
                     </a:extLst>
                   </a:tcPr>
@@ -39315,7 +39286,7 @@
                     </a:lnB>
                     <a:extLst>
                       <a:ext uri="http://customooxmlschemas.google.com/">
-                        <go:slidesCustomData xmlns:go="http://customooxmlschemas.google.com/" xmlns:p15="http://schemas.microsoft.com/office/powerpoint/2012/main" xmlns:p14="http://schemas.microsoft.com/office/powerpoint/2010/main" xmlns:com="http://schemas.openxmlformats.org/drawingml/2006/compatibility" xmlns:pvml="urn:schemas-microsoft-com:office:powerpoint" xmlns:v="urn:schemas-microsoft-com:vml" xmlns:o="urn:schemas-microsoft-com:office:office" xmlns:dgm="http://schemas.openxmlformats.org/drawingml/2006/diagram" xmlns:c="http://schemas.openxmlformats.org/drawingml/2006/chart" xmlns:mv="urn:schemas-microsoft-com:mac:vml" xmlns:mc="http://schemas.openxmlformats.org/markup-compatibility/2006" xmlns="" cellId="224:8:0"/>
+                        <go:slidesCustomData xmlns="" xmlns:mc="http://schemas.openxmlformats.org/markup-compatibility/2006" xmlns:mv="urn:schemas-microsoft-com:mac:vml" xmlns:c="http://schemas.openxmlformats.org/drawingml/2006/chart" xmlns:dgm="http://schemas.openxmlformats.org/drawingml/2006/diagram" xmlns:o="urn:schemas-microsoft-com:office:office" xmlns:v="urn:schemas-microsoft-com:vml" xmlns:pvml="urn:schemas-microsoft-com:office:powerpoint" xmlns:com="http://schemas.openxmlformats.org/drawingml/2006/compatibility" xmlns:p14="http://schemas.microsoft.com/office/powerpoint/2010/main" xmlns:p15="http://schemas.microsoft.com/office/powerpoint/2012/main" xmlns:go="http://customooxmlschemas.google.com/" cellId="224:8:0"/>
                       </a:ext>
                     </a:extLst>
                   </a:tcPr>
@@ -39399,7 +39370,7 @@
                     </a:solidFill>
                     <a:extLst>
                       <a:ext uri="http://customooxmlschemas.google.com/">
-                        <go:slidesCustomData xmlns:go="http://customooxmlschemas.google.com/" xmlns:p15="http://schemas.microsoft.com/office/powerpoint/2012/main" xmlns:p14="http://schemas.microsoft.com/office/powerpoint/2010/main" xmlns:com="http://schemas.openxmlformats.org/drawingml/2006/compatibility" xmlns:pvml="urn:schemas-microsoft-com:office:powerpoint" xmlns:v="urn:schemas-microsoft-com:vml" xmlns:o="urn:schemas-microsoft-com:office:office" xmlns:dgm="http://schemas.openxmlformats.org/drawingml/2006/diagram" xmlns:c="http://schemas.openxmlformats.org/drawingml/2006/chart" xmlns:mv="urn:schemas-microsoft-com:mac:vml" xmlns:mc="http://schemas.openxmlformats.org/markup-compatibility/2006" xmlns="" cellId="224:8:1"/>
+                        <go:slidesCustomData xmlns="" xmlns:mc="http://schemas.openxmlformats.org/markup-compatibility/2006" xmlns:mv="urn:schemas-microsoft-com:mac:vml" xmlns:c="http://schemas.openxmlformats.org/drawingml/2006/chart" xmlns:dgm="http://schemas.openxmlformats.org/drawingml/2006/diagram" xmlns:o="urn:schemas-microsoft-com:office:office" xmlns:v="urn:schemas-microsoft-com:vml" xmlns:pvml="urn:schemas-microsoft-com:office:powerpoint" xmlns:com="http://schemas.openxmlformats.org/drawingml/2006/compatibility" xmlns:p14="http://schemas.microsoft.com/office/powerpoint/2010/main" xmlns:p15="http://schemas.microsoft.com/office/powerpoint/2012/main" xmlns:go="http://customooxmlschemas.google.com/" cellId="224:8:1"/>
                       </a:ext>
                     </a:extLst>
                   </a:tcPr>
@@ -39480,7 +39451,7 @@
                     </a:lnB>
                     <a:extLst>
                       <a:ext uri="http://customooxmlschemas.google.com/">
-                        <go:slidesCustomData xmlns:go="http://customooxmlschemas.google.com/" xmlns:p15="http://schemas.microsoft.com/office/powerpoint/2012/main" xmlns:p14="http://schemas.microsoft.com/office/powerpoint/2010/main" xmlns:com="http://schemas.openxmlformats.org/drawingml/2006/compatibility" xmlns:pvml="urn:schemas-microsoft-com:office:powerpoint" xmlns:v="urn:schemas-microsoft-com:vml" xmlns:o="urn:schemas-microsoft-com:office:office" xmlns:dgm="http://schemas.openxmlformats.org/drawingml/2006/diagram" xmlns:c="http://schemas.openxmlformats.org/drawingml/2006/chart" xmlns:mv="urn:schemas-microsoft-com:mac:vml" xmlns:mc="http://schemas.openxmlformats.org/markup-compatibility/2006" xmlns="" cellId="224:8:2"/>
+                        <go:slidesCustomData xmlns="" xmlns:mc="http://schemas.openxmlformats.org/markup-compatibility/2006" xmlns:mv="urn:schemas-microsoft-com:mac:vml" xmlns:c="http://schemas.openxmlformats.org/drawingml/2006/chart" xmlns:dgm="http://schemas.openxmlformats.org/drawingml/2006/diagram" xmlns:o="urn:schemas-microsoft-com:office:office" xmlns:v="urn:schemas-microsoft-com:vml" xmlns:pvml="urn:schemas-microsoft-com:office:powerpoint" xmlns:com="http://schemas.openxmlformats.org/drawingml/2006/compatibility" xmlns:p14="http://schemas.microsoft.com/office/powerpoint/2010/main" xmlns:p15="http://schemas.microsoft.com/office/powerpoint/2012/main" xmlns:go="http://customooxmlschemas.google.com/" cellId="224:8:2"/>
                       </a:ext>
                     </a:extLst>
                   </a:tcPr>
@@ -39561,7 +39532,7 @@
                     </a:lnB>
                     <a:extLst>
                       <a:ext uri="http://customooxmlschemas.google.com/">
-                        <go:slidesCustomData xmlns:go="http://customooxmlschemas.google.com/" xmlns:p15="http://schemas.microsoft.com/office/powerpoint/2012/main" xmlns:p14="http://schemas.microsoft.com/office/powerpoint/2010/main" xmlns:com="http://schemas.openxmlformats.org/drawingml/2006/compatibility" xmlns:pvml="urn:schemas-microsoft-com:office:powerpoint" xmlns:v="urn:schemas-microsoft-com:vml" xmlns:o="urn:schemas-microsoft-com:office:office" xmlns:dgm="http://schemas.openxmlformats.org/drawingml/2006/diagram" xmlns:c="http://schemas.openxmlformats.org/drawingml/2006/chart" xmlns:mv="urn:schemas-microsoft-com:mac:vml" xmlns:mc="http://schemas.openxmlformats.org/markup-compatibility/2006" xmlns="" cellId="224:8:3"/>
+                        <go:slidesCustomData xmlns="" xmlns:mc="http://schemas.openxmlformats.org/markup-compatibility/2006" xmlns:mv="urn:schemas-microsoft-com:mac:vml" xmlns:c="http://schemas.openxmlformats.org/drawingml/2006/chart" xmlns:dgm="http://schemas.openxmlformats.org/drawingml/2006/diagram" xmlns:o="urn:schemas-microsoft-com:office:office" xmlns:v="urn:schemas-microsoft-com:vml" xmlns:pvml="urn:schemas-microsoft-com:office:powerpoint" xmlns:com="http://schemas.openxmlformats.org/drawingml/2006/compatibility" xmlns:p14="http://schemas.microsoft.com/office/powerpoint/2010/main" xmlns:p15="http://schemas.microsoft.com/office/powerpoint/2012/main" xmlns:go="http://customooxmlschemas.google.com/" cellId="224:8:3"/>
                       </a:ext>
                     </a:extLst>
                   </a:tcPr>
@@ -39642,7 +39613,7 @@
                     </a:lnB>
                     <a:extLst>
                       <a:ext uri="http://customooxmlschemas.google.com/">
-                        <go:slidesCustomData xmlns:go="http://customooxmlschemas.google.com/" xmlns:p15="http://schemas.microsoft.com/office/powerpoint/2012/main" xmlns:p14="http://schemas.microsoft.com/office/powerpoint/2010/main" xmlns:com="http://schemas.openxmlformats.org/drawingml/2006/compatibility" xmlns:pvml="urn:schemas-microsoft-com:office:powerpoint" xmlns:v="urn:schemas-microsoft-com:vml" xmlns:o="urn:schemas-microsoft-com:office:office" xmlns:dgm="http://schemas.openxmlformats.org/drawingml/2006/diagram" xmlns:c="http://schemas.openxmlformats.org/drawingml/2006/chart" xmlns:mv="urn:schemas-microsoft-com:mac:vml" xmlns:mc="http://schemas.openxmlformats.org/markup-compatibility/2006" xmlns="" cellId="224:8:4"/>
+                        <go:slidesCustomData xmlns="" xmlns:mc="http://schemas.openxmlformats.org/markup-compatibility/2006" xmlns:mv="urn:schemas-microsoft-com:mac:vml" xmlns:c="http://schemas.openxmlformats.org/drawingml/2006/chart" xmlns:dgm="http://schemas.openxmlformats.org/drawingml/2006/diagram" xmlns:o="urn:schemas-microsoft-com:office:office" xmlns:v="urn:schemas-microsoft-com:vml" xmlns:pvml="urn:schemas-microsoft-com:office:powerpoint" xmlns:com="http://schemas.openxmlformats.org/drawingml/2006/compatibility" xmlns:p14="http://schemas.microsoft.com/office/powerpoint/2010/main" xmlns:p15="http://schemas.microsoft.com/office/powerpoint/2012/main" xmlns:go="http://customooxmlschemas.google.com/" cellId="224:8:4"/>
                       </a:ext>
                     </a:extLst>
                   </a:tcPr>
@@ -39723,7 +39694,7 @@
                     </a:lnB>
                     <a:extLst>
                       <a:ext uri="http://customooxmlschemas.google.com/">
-                        <go:slidesCustomData xmlns:go="http://customooxmlschemas.google.com/" xmlns:p15="http://schemas.microsoft.com/office/powerpoint/2012/main" xmlns:p14="http://schemas.microsoft.com/office/powerpoint/2010/main" xmlns:com="http://schemas.openxmlformats.org/drawingml/2006/compatibility" xmlns:pvml="urn:schemas-microsoft-com:office:powerpoint" xmlns:v="urn:schemas-microsoft-com:vml" xmlns:o="urn:schemas-microsoft-com:office:office" xmlns:dgm="http://schemas.openxmlformats.org/drawingml/2006/diagram" xmlns:c="http://schemas.openxmlformats.org/drawingml/2006/chart" xmlns:mv="urn:schemas-microsoft-com:mac:vml" xmlns:mc="http://schemas.openxmlformats.org/markup-compatibility/2006" xmlns="" cellId="224:8:5"/>
+                        <go:slidesCustomData xmlns="" xmlns:mc="http://schemas.openxmlformats.org/markup-compatibility/2006" xmlns:mv="urn:schemas-microsoft-com:mac:vml" xmlns:c="http://schemas.openxmlformats.org/drawingml/2006/chart" xmlns:dgm="http://schemas.openxmlformats.org/drawingml/2006/diagram" xmlns:o="urn:schemas-microsoft-com:office:office" xmlns:v="urn:schemas-microsoft-com:vml" xmlns:pvml="urn:schemas-microsoft-com:office:powerpoint" xmlns:com="http://schemas.openxmlformats.org/drawingml/2006/compatibility" xmlns:p14="http://schemas.microsoft.com/office/powerpoint/2010/main" xmlns:p15="http://schemas.microsoft.com/office/powerpoint/2012/main" xmlns:go="http://customooxmlschemas.google.com/" cellId="224:8:5"/>
                       </a:ext>
                     </a:extLst>
                   </a:tcPr>
@@ -39804,7 +39775,7 @@
                     </a:lnB>
                     <a:extLst>
                       <a:ext uri="http://customooxmlschemas.google.com/">
-                        <go:slidesCustomData xmlns:go="http://customooxmlschemas.google.com/" xmlns:p15="http://schemas.microsoft.com/office/powerpoint/2012/main" xmlns:p14="http://schemas.microsoft.com/office/powerpoint/2010/main" xmlns:com="http://schemas.openxmlformats.org/drawingml/2006/compatibility" xmlns:pvml="urn:schemas-microsoft-com:office:powerpoint" xmlns:v="urn:schemas-microsoft-com:vml" xmlns:o="urn:schemas-microsoft-com:office:office" xmlns:dgm="http://schemas.openxmlformats.org/drawingml/2006/diagram" xmlns:c="http://schemas.openxmlformats.org/drawingml/2006/chart" xmlns:mv="urn:schemas-microsoft-com:mac:vml" xmlns:mc="http://schemas.openxmlformats.org/markup-compatibility/2006" xmlns="" cellId="224:8:6"/>
+                        <go:slidesCustomData xmlns="" xmlns:mc="http://schemas.openxmlformats.org/markup-compatibility/2006" xmlns:mv="urn:schemas-microsoft-com:mac:vml" xmlns:c="http://schemas.openxmlformats.org/drawingml/2006/chart" xmlns:dgm="http://schemas.openxmlformats.org/drawingml/2006/diagram" xmlns:o="urn:schemas-microsoft-com:office:office" xmlns:v="urn:schemas-microsoft-com:vml" xmlns:pvml="urn:schemas-microsoft-com:office:powerpoint" xmlns:com="http://schemas.openxmlformats.org/drawingml/2006/compatibility" xmlns:p14="http://schemas.microsoft.com/office/powerpoint/2010/main" xmlns:p15="http://schemas.microsoft.com/office/powerpoint/2012/main" xmlns:go="http://customooxmlschemas.google.com/" cellId="224:8:6"/>
                       </a:ext>
                     </a:extLst>
                   </a:tcPr>
@@ -39880,7 +39851,7 @@
                     </a:lnB>
                     <a:extLst>
                       <a:ext uri="http://customooxmlschemas.google.com/">
-                        <go:slidesCustomData xmlns:go="http://customooxmlschemas.google.com/" xmlns:p15="http://schemas.microsoft.com/office/powerpoint/2012/main" xmlns:p14="http://schemas.microsoft.com/office/powerpoint/2010/main" xmlns:com="http://schemas.openxmlformats.org/drawingml/2006/compatibility" xmlns:pvml="urn:schemas-microsoft-com:office:powerpoint" xmlns:v="urn:schemas-microsoft-com:vml" xmlns:o="urn:schemas-microsoft-com:office:office" xmlns:dgm="http://schemas.openxmlformats.org/drawingml/2006/diagram" xmlns:c="http://schemas.openxmlformats.org/drawingml/2006/chart" xmlns:mv="urn:schemas-microsoft-com:mac:vml" xmlns:mc="http://schemas.openxmlformats.org/markup-compatibility/2006" xmlns="" cellId="224:9:0"/>
+                        <go:slidesCustomData xmlns="" xmlns:mc="http://schemas.openxmlformats.org/markup-compatibility/2006" xmlns:mv="urn:schemas-microsoft-com:mac:vml" xmlns:c="http://schemas.openxmlformats.org/drawingml/2006/chart" xmlns:dgm="http://schemas.openxmlformats.org/drawingml/2006/diagram" xmlns:o="urn:schemas-microsoft-com:office:office" xmlns:v="urn:schemas-microsoft-com:vml" xmlns:pvml="urn:schemas-microsoft-com:office:powerpoint" xmlns:com="http://schemas.openxmlformats.org/drawingml/2006/compatibility" xmlns:p14="http://schemas.microsoft.com/office/powerpoint/2010/main" xmlns:p15="http://schemas.microsoft.com/office/powerpoint/2012/main" xmlns:go="http://customooxmlschemas.google.com/" cellId="224:9:0"/>
                       </a:ext>
                     </a:extLst>
                   </a:tcPr>
@@ -39952,7 +39923,7 @@
                     </a:solidFill>
                     <a:extLst>
                       <a:ext uri="http://customooxmlschemas.google.com/">
-                        <go:slidesCustomData xmlns:go="http://customooxmlschemas.google.com/" xmlns:p15="http://schemas.microsoft.com/office/powerpoint/2012/main" xmlns:p14="http://schemas.microsoft.com/office/powerpoint/2010/main" xmlns:com="http://schemas.openxmlformats.org/drawingml/2006/compatibility" xmlns:pvml="urn:schemas-microsoft-com:office:powerpoint" xmlns:v="urn:schemas-microsoft-com:vml" xmlns:o="urn:schemas-microsoft-com:office:office" xmlns:dgm="http://schemas.openxmlformats.org/drawingml/2006/diagram" xmlns:c="http://schemas.openxmlformats.org/drawingml/2006/chart" xmlns:mv="urn:schemas-microsoft-com:mac:vml" xmlns:mc="http://schemas.openxmlformats.org/markup-compatibility/2006" xmlns="" cellId="224:9:1"/>
+                        <go:slidesCustomData xmlns="" xmlns:mc="http://schemas.openxmlformats.org/markup-compatibility/2006" xmlns:mv="urn:schemas-microsoft-com:mac:vml" xmlns:c="http://schemas.openxmlformats.org/drawingml/2006/chart" xmlns:dgm="http://schemas.openxmlformats.org/drawingml/2006/diagram" xmlns:o="urn:schemas-microsoft-com:office:office" xmlns:v="urn:schemas-microsoft-com:vml" xmlns:pvml="urn:schemas-microsoft-com:office:powerpoint" xmlns:com="http://schemas.openxmlformats.org/drawingml/2006/compatibility" xmlns:p14="http://schemas.microsoft.com/office/powerpoint/2010/main" xmlns:p15="http://schemas.microsoft.com/office/powerpoint/2012/main" xmlns:go="http://customooxmlschemas.google.com/" cellId="224:9:1"/>
                       </a:ext>
                     </a:extLst>
                   </a:tcPr>
@@ -40021,7 +39992,7 @@
                     </a:lnB>
                     <a:extLst>
                       <a:ext uri="http://customooxmlschemas.google.com/">
-                        <go:slidesCustomData xmlns:go="http://customooxmlschemas.google.com/" xmlns:p15="http://schemas.microsoft.com/office/powerpoint/2012/main" xmlns:p14="http://schemas.microsoft.com/office/powerpoint/2010/main" xmlns:com="http://schemas.openxmlformats.org/drawingml/2006/compatibility" xmlns:pvml="urn:schemas-microsoft-com:office:powerpoint" xmlns:v="urn:schemas-microsoft-com:vml" xmlns:o="urn:schemas-microsoft-com:office:office" xmlns:dgm="http://schemas.openxmlformats.org/drawingml/2006/diagram" xmlns:c="http://schemas.openxmlformats.org/drawingml/2006/chart" xmlns:mv="urn:schemas-microsoft-com:mac:vml" xmlns:mc="http://schemas.openxmlformats.org/markup-compatibility/2006" xmlns="" cellId="224:9:2"/>
+                        <go:slidesCustomData xmlns="" xmlns:mc="http://schemas.openxmlformats.org/markup-compatibility/2006" xmlns:mv="urn:schemas-microsoft-com:mac:vml" xmlns:c="http://schemas.openxmlformats.org/drawingml/2006/chart" xmlns:dgm="http://schemas.openxmlformats.org/drawingml/2006/diagram" xmlns:o="urn:schemas-microsoft-com:office:office" xmlns:v="urn:schemas-microsoft-com:vml" xmlns:pvml="urn:schemas-microsoft-com:office:powerpoint" xmlns:com="http://schemas.openxmlformats.org/drawingml/2006/compatibility" xmlns:p14="http://schemas.microsoft.com/office/powerpoint/2010/main" xmlns:p15="http://schemas.microsoft.com/office/powerpoint/2012/main" xmlns:go="http://customooxmlschemas.google.com/" cellId="224:9:2"/>
                       </a:ext>
                     </a:extLst>
                   </a:tcPr>
@@ -40090,7 +40061,7 @@
                     </a:lnB>
                     <a:extLst>
                       <a:ext uri="http://customooxmlschemas.google.com/">
-                        <go:slidesCustomData xmlns:go="http://customooxmlschemas.google.com/" xmlns:p15="http://schemas.microsoft.com/office/powerpoint/2012/main" xmlns:p14="http://schemas.microsoft.com/office/powerpoint/2010/main" xmlns:com="http://schemas.openxmlformats.org/drawingml/2006/compatibility" xmlns:pvml="urn:schemas-microsoft-com:office:powerpoint" xmlns:v="urn:schemas-microsoft-com:vml" xmlns:o="urn:schemas-microsoft-com:office:office" xmlns:dgm="http://schemas.openxmlformats.org/drawingml/2006/diagram" xmlns:c="http://schemas.openxmlformats.org/drawingml/2006/chart" xmlns:mv="urn:schemas-microsoft-com:mac:vml" xmlns:mc="http://schemas.openxmlformats.org/markup-compatibility/2006" xmlns="" cellId="224:9:3"/>
+                        <go:slidesCustomData xmlns="" xmlns:mc="http://schemas.openxmlformats.org/markup-compatibility/2006" xmlns:mv="urn:schemas-microsoft-com:mac:vml" xmlns:c="http://schemas.openxmlformats.org/drawingml/2006/chart" xmlns:dgm="http://schemas.openxmlformats.org/drawingml/2006/diagram" xmlns:o="urn:schemas-microsoft-com:office:office" xmlns:v="urn:schemas-microsoft-com:vml" xmlns:pvml="urn:schemas-microsoft-com:office:powerpoint" xmlns:com="http://schemas.openxmlformats.org/drawingml/2006/compatibility" xmlns:p14="http://schemas.microsoft.com/office/powerpoint/2010/main" xmlns:p15="http://schemas.microsoft.com/office/powerpoint/2012/main" xmlns:go="http://customooxmlschemas.google.com/" cellId="224:9:3"/>
                       </a:ext>
                     </a:extLst>
                   </a:tcPr>
@@ -40159,7 +40130,7 @@
                     </a:lnB>
                     <a:extLst>
                       <a:ext uri="http://customooxmlschemas.google.com/">
-                        <go:slidesCustomData xmlns:go="http://customooxmlschemas.google.com/" xmlns:p15="http://schemas.microsoft.com/office/powerpoint/2012/main" xmlns:p14="http://schemas.microsoft.com/office/powerpoint/2010/main" xmlns:com="http://schemas.openxmlformats.org/drawingml/2006/compatibility" xmlns:pvml="urn:schemas-microsoft-com:office:powerpoint" xmlns:v="urn:schemas-microsoft-com:vml" xmlns:o="urn:schemas-microsoft-com:office:office" xmlns:dgm="http://schemas.openxmlformats.org/drawingml/2006/diagram" xmlns:c="http://schemas.openxmlformats.org/drawingml/2006/chart" xmlns:mv="urn:schemas-microsoft-com:mac:vml" xmlns:mc="http://schemas.openxmlformats.org/markup-compatibility/2006" xmlns="" cellId="224:9:4"/>
+                        <go:slidesCustomData xmlns="" xmlns:mc="http://schemas.openxmlformats.org/markup-compatibility/2006" xmlns:mv="urn:schemas-microsoft-com:mac:vml" xmlns:c="http://schemas.openxmlformats.org/drawingml/2006/chart" xmlns:dgm="http://schemas.openxmlformats.org/drawingml/2006/diagram" xmlns:o="urn:schemas-microsoft-com:office:office" xmlns:v="urn:schemas-microsoft-com:vml" xmlns:pvml="urn:schemas-microsoft-com:office:powerpoint" xmlns:com="http://schemas.openxmlformats.org/drawingml/2006/compatibility" xmlns:p14="http://schemas.microsoft.com/office/powerpoint/2010/main" xmlns:p15="http://schemas.microsoft.com/office/powerpoint/2012/main" xmlns:go="http://customooxmlschemas.google.com/" cellId="224:9:4"/>
                       </a:ext>
                     </a:extLst>
                   </a:tcPr>
@@ -40232,7 +40203,7 @@
                     </a:lnB>
                     <a:extLst>
                       <a:ext uri="http://customooxmlschemas.google.com/">
-                        <go:slidesCustomData xmlns:go="http://customooxmlschemas.google.com/" xmlns:p15="http://schemas.microsoft.com/office/powerpoint/2012/main" xmlns:p14="http://schemas.microsoft.com/office/powerpoint/2010/main" xmlns:com="http://schemas.openxmlformats.org/drawingml/2006/compatibility" xmlns:pvml="urn:schemas-microsoft-com:office:powerpoint" xmlns:v="urn:schemas-microsoft-com:vml" xmlns:o="urn:schemas-microsoft-com:office:office" xmlns:dgm="http://schemas.openxmlformats.org/drawingml/2006/diagram" xmlns:c="http://schemas.openxmlformats.org/drawingml/2006/chart" xmlns:mv="urn:schemas-microsoft-com:mac:vml" xmlns:mc="http://schemas.openxmlformats.org/markup-compatibility/2006" xmlns="" cellId="224:9:5"/>
+                        <go:slidesCustomData xmlns="" xmlns:mc="http://schemas.openxmlformats.org/markup-compatibility/2006" xmlns:mv="urn:schemas-microsoft-com:mac:vml" xmlns:c="http://schemas.openxmlformats.org/drawingml/2006/chart" xmlns:dgm="http://schemas.openxmlformats.org/drawingml/2006/diagram" xmlns:o="urn:schemas-microsoft-com:office:office" xmlns:v="urn:schemas-microsoft-com:vml" xmlns:pvml="urn:schemas-microsoft-com:office:powerpoint" xmlns:com="http://schemas.openxmlformats.org/drawingml/2006/compatibility" xmlns:p14="http://schemas.microsoft.com/office/powerpoint/2010/main" xmlns:p15="http://schemas.microsoft.com/office/powerpoint/2012/main" xmlns:go="http://customooxmlschemas.google.com/" cellId="224:9:5"/>
                       </a:ext>
                     </a:extLst>
                   </a:tcPr>
@@ -40301,7 +40272,7 @@
                     </a:lnB>
                     <a:extLst>
                       <a:ext uri="http://customooxmlschemas.google.com/">
-                        <go:slidesCustomData xmlns:go="http://customooxmlschemas.google.com/" xmlns:p15="http://schemas.microsoft.com/office/powerpoint/2012/main" xmlns:p14="http://schemas.microsoft.com/office/powerpoint/2010/main" xmlns:com="http://schemas.openxmlformats.org/drawingml/2006/compatibility" xmlns:pvml="urn:schemas-microsoft-com:office:powerpoint" xmlns:v="urn:schemas-microsoft-com:vml" xmlns:o="urn:schemas-microsoft-com:office:office" xmlns:dgm="http://schemas.openxmlformats.org/drawingml/2006/diagram" xmlns:c="http://schemas.openxmlformats.org/drawingml/2006/chart" xmlns:mv="urn:schemas-microsoft-com:mac:vml" xmlns:mc="http://schemas.openxmlformats.org/markup-compatibility/2006" xmlns="" cellId="224:9:6"/>
+                        <go:slidesCustomData xmlns="" xmlns:mc="http://schemas.openxmlformats.org/markup-compatibility/2006" xmlns:mv="urn:schemas-microsoft-com:mac:vml" xmlns:c="http://schemas.openxmlformats.org/drawingml/2006/chart" xmlns:dgm="http://schemas.openxmlformats.org/drawingml/2006/diagram" xmlns:o="urn:schemas-microsoft-com:office:office" xmlns:v="urn:schemas-microsoft-com:vml" xmlns:pvml="urn:schemas-microsoft-com:office:powerpoint" xmlns:com="http://schemas.openxmlformats.org/drawingml/2006/compatibility" xmlns:p14="http://schemas.microsoft.com/office/powerpoint/2010/main" xmlns:p15="http://schemas.microsoft.com/office/powerpoint/2012/main" xmlns:go="http://customooxmlschemas.google.com/" cellId="224:9:6"/>
                       </a:ext>
                     </a:extLst>
                   </a:tcPr>
@@ -40389,7 +40360,7 @@
                     </a:lnB>
                     <a:extLst>
                       <a:ext uri="http://customooxmlschemas.google.com/">
-                        <go:slidesCustomData xmlns:go="http://customooxmlschemas.google.com/" xmlns:p15="http://schemas.microsoft.com/office/powerpoint/2012/main" xmlns:p14="http://schemas.microsoft.com/office/powerpoint/2010/main" xmlns:com="http://schemas.openxmlformats.org/drawingml/2006/compatibility" xmlns:pvml="urn:schemas-microsoft-com:office:powerpoint" xmlns:v="urn:schemas-microsoft-com:vml" xmlns:o="urn:schemas-microsoft-com:office:office" xmlns:dgm="http://schemas.openxmlformats.org/drawingml/2006/diagram" xmlns:c="http://schemas.openxmlformats.org/drawingml/2006/chart" xmlns:mv="urn:schemas-microsoft-com:mac:vml" xmlns:mc="http://schemas.openxmlformats.org/markup-compatibility/2006" xmlns="" cellId="224:10:0"/>
+                        <go:slidesCustomData xmlns="" xmlns:mc="http://schemas.openxmlformats.org/markup-compatibility/2006" xmlns:mv="urn:schemas-microsoft-com:mac:vml" xmlns:c="http://schemas.openxmlformats.org/drawingml/2006/chart" xmlns:dgm="http://schemas.openxmlformats.org/drawingml/2006/diagram" xmlns:o="urn:schemas-microsoft-com:office:office" xmlns:v="urn:schemas-microsoft-com:vml" xmlns:pvml="urn:schemas-microsoft-com:office:powerpoint" xmlns:com="http://schemas.openxmlformats.org/drawingml/2006/compatibility" xmlns:p14="http://schemas.microsoft.com/office/powerpoint/2010/main" xmlns:p15="http://schemas.microsoft.com/office/powerpoint/2012/main" xmlns:go="http://customooxmlschemas.google.com/" cellId="224:10:0"/>
                       </a:ext>
                     </a:extLst>
                   </a:tcPr>
@@ -40470,7 +40441,7 @@
                     </a:lnB>
                     <a:extLst>
                       <a:ext uri="http://customooxmlschemas.google.com/">
-                        <go:slidesCustomData xmlns:go="http://customooxmlschemas.google.com/" xmlns:p15="http://schemas.microsoft.com/office/powerpoint/2012/main" xmlns:p14="http://schemas.microsoft.com/office/powerpoint/2010/main" xmlns:com="http://schemas.openxmlformats.org/drawingml/2006/compatibility" xmlns:pvml="urn:schemas-microsoft-com:office:powerpoint" xmlns:v="urn:schemas-microsoft-com:vml" xmlns:o="urn:schemas-microsoft-com:office:office" xmlns:dgm="http://schemas.openxmlformats.org/drawingml/2006/diagram" xmlns:c="http://schemas.openxmlformats.org/drawingml/2006/chart" xmlns:mv="urn:schemas-microsoft-com:mac:vml" xmlns:mc="http://schemas.openxmlformats.org/markup-compatibility/2006" xmlns="" cellId="224:10:1"/>
+                        <go:slidesCustomData xmlns="" xmlns:mc="http://schemas.openxmlformats.org/markup-compatibility/2006" xmlns:mv="urn:schemas-microsoft-com:mac:vml" xmlns:c="http://schemas.openxmlformats.org/drawingml/2006/chart" xmlns:dgm="http://schemas.openxmlformats.org/drawingml/2006/diagram" xmlns:o="urn:schemas-microsoft-com:office:office" xmlns:v="urn:schemas-microsoft-com:vml" xmlns:pvml="urn:schemas-microsoft-com:office:powerpoint" xmlns:com="http://schemas.openxmlformats.org/drawingml/2006/compatibility" xmlns:p14="http://schemas.microsoft.com/office/powerpoint/2010/main" xmlns:p15="http://schemas.microsoft.com/office/powerpoint/2012/main" xmlns:go="http://customooxmlschemas.google.com/" cellId="224:10:1"/>
                       </a:ext>
                     </a:extLst>
                   </a:tcPr>
@@ -40551,7 +40522,7 @@
                     </a:lnB>
                     <a:extLst>
                       <a:ext uri="http://customooxmlschemas.google.com/">
-                        <go:slidesCustomData xmlns:go="http://customooxmlschemas.google.com/" xmlns:p15="http://schemas.microsoft.com/office/powerpoint/2012/main" xmlns:p14="http://schemas.microsoft.com/office/powerpoint/2010/main" xmlns:com="http://schemas.openxmlformats.org/drawingml/2006/compatibility" xmlns:pvml="urn:schemas-microsoft-com:office:powerpoint" xmlns:v="urn:schemas-microsoft-com:vml" xmlns:o="urn:schemas-microsoft-com:office:office" xmlns:dgm="http://schemas.openxmlformats.org/drawingml/2006/diagram" xmlns:c="http://schemas.openxmlformats.org/drawingml/2006/chart" xmlns:mv="urn:schemas-microsoft-com:mac:vml" xmlns:mc="http://schemas.openxmlformats.org/markup-compatibility/2006" xmlns="" cellId="224:10:2"/>
+                        <go:slidesCustomData xmlns="" xmlns:mc="http://schemas.openxmlformats.org/markup-compatibility/2006" xmlns:mv="urn:schemas-microsoft-com:mac:vml" xmlns:c="http://schemas.openxmlformats.org/drawingml/2006/chart" xmlns:dgm="http://schemas.openxmlformats.org/drawingml/2006/diagram" xmlns:o="urn:schemas-microsoft-com:office:office" xmlns:v="urn:schemas-microsoft-com:vml" xmlns:pvml="urn:schemas-microsoft-com:office:powerpoint" xmlns:com="http://schemas.openxmlformats.org/drawingml/2006/compatibility" xmlns:p14="http://schemas.microsoft.com/office/powerpoint/2010/main" xmlns:p15="http://schemas.microsoft.com/office/powerpoint/2012/main" xmlns:go="http://customooxmlschemas.google.com/" cellId="224:10:2"/>
                       </a:ext>
                     </a:extLst>
                   </a:tcPr>
@@ -40632,7 +40603,7 @@
                     </a:lnB>
                     <a:extLst>
                       <a:ext uri="http://customooxmlschemas.google.com/">
-                        <go:slidesCustomData xmlns:go="http://customooxmlschemas.google.com/" xmlns:p15="http://schemas.microsoft.com/office/powerpoint/2012/main" xmlns:p14="http://schemas.microsoft.com/office/powerpoint/2010/main" xmlns:com="http://schemas.openxmlformats.org/drawingml/2006/compatibility" xmlns:pvml="urn:schemas-microsoft-com:office:powerpoint" xmlns:v="urn:schemas-microsoft-com:vml" xmlns:o="urn:schemas-microsoft-com:office:office" xmlns:dgm="http://schemas.openxmlformats.org/drawingml/2006/diagram" xmlns:c="http://schemas.openxmlformats.org/drawingml/2006/chart" xmlns:mv="urn:schemas-microsoft-com:mac:vml" xmlns:mc="http://schemas.openxmlformats.org/markup-compatibility/2006" xmlns="" cellId="224:10:3"/>
+                        <go:slidesCustomData xmlns="" xmlns:mc="http://schemas.openxmlformats.org/markup-compatibility/2006" xmlns:mv="urn:schemas-microsoft-com:mac:vml" xmlns:c="http://schemas.openxmlformats.org/drawingml/2006/chart" xmlns:dgm="http://schemas.openxmlformats.org/drawingml/2006/diagram" xmlns:o="urn:schemas-microsoft-com:office:office" xmlns:v="urn:schemas-microsoft-com:vml" xmlns:pvml="urn:schemas-microsoft-com:office:powerpoint" xmlns:com="http://schemas.openxmlformats.org/drawingml/2006/compatibility" xmlns:p14="http://schemas.microsoft.com/office/powerpoint/2010/main" xmlns:p15="http://schemas.microsoft.com/office/powerpoint/2012/main" xmlns:go="http://customooxmlschemas.google.com/" cellId="224:10:3"/>
                       </a:ext>
                     </a:extLst>
                   </a:tcPr>
@@ -40713,7 +40684,7 @@
                     </a:lnB>
                     <a:extLst>
                       <a:ext uri="http://customooxmlschemas.google.com/">
-                        <go:slidesCustomData xmlns:go="http://customooxmlschemas.google.com/" xmlns:p15="http://schemas.microsoft.com/office/powerpoint/2012/main" xmlns:p14="http://schemas.microsoft.com/office/powerpoint/2010/main" xmlns:com="http://schemas.openxmlformats.org/drawingml/2006/compatibility" xmlns:pvml="urn:schemas-microsoft-com:office:powerpoint" xmlns:v="urn:schemas-microsoft-com:vml" xmlns:o="urn:schemas-microsoft-com:office:office" xmlns:dgm="http://schemas.openxmlformats.org/drawingml/2006/diagram" xmlns:c="http://schemas.openxmlformats.org/drawingml/2006/chart" xmlns:mv="urn:schemas-microsoft-com:mac:vml" xmlns:mc="http://schemas.openxmlformats.org/markup-compatibility/2006" xmlns="" cellId="224:10:4"/>
+                        <go:slidesCustomData xmlns="" xmlns:mc="http://schemas.openxmlformats.org/markup-compatibility/2006" xmlns:mv="urn:schemas-microsoft-com:mac:vml" xmlns:c="http://schemas.openxmlformats.org/drawingml/2006/chart" xmlns:dgm="http://schemas.openxmlformats.org/drawingml/2006/diagram" xmlns:o="urn:schemas-microsoft-com:office:office" xmlns:v="urn:schemas-microsoft-com:vml" xmlns:pvml="urn:schemas-microsoft-com:office:powerpoint" xmlns:com="http://schemas.openxmlformats.org/drawingml/2006/compatibility" xmlns:p14="http://schemas.microsoft.com/office/powerpoint/2010/main" xmlns:p15="http://schemas.microsoft.com/office/powerpoint/2012/main" xmlns:go="http://customooxmlschemas.google.com/" cellId="224:10:4"/>
                       </a:ext>
                     </a:extLst>
                   </a:tcPr>
@@ -40794,7 +40765,7 @@
                     </a:lnB>
                     <a:extLst>
                       <a:ext uri="http://customooxmlschemas.google.com/">
-                        <go:slidesCustomData xmlns:go="http://customooxmlschemas.google.com/" xmlns:p15="http://schemas.microsoft.com/office/powerpoint/2012/main" xmlns:p14="http://schemas.microsoft.com/office/powerpoint/2010/main" xmlns:com="http://schemas.openxmlformats.org/drawingml/2006/compatibility" xmlns:pvml="urn:schemas-microsoft-com:office:powerpoint" xmlns:v="urn:schemas-microsoft-com:vml" xmlns:o="urn:schemas-microsoft-com:office:office" xmlns:dgm="http://schemas.openxmlformats.org/drawingml/2006/diagram" xmlns:c="http://schemas.openxmlformats.org/drawingml/2006/chart" xmlns:mv="urn:schemas-microsoft-com:mac:vml" xmlns:mc="http://schemas.openxmlformats.org/markup-compatibility/2006" xmlns="" cellId="224:10:5"/>
+                        <go:slidesCustomData xmlns="" xmlns:mc="http://schemas.openxmlformats.org/markup-compatibility/2006" xmlns:mv="urn:schemas-microsoft-com:mac:vml" xmlns:c="http://schemas.openxmlformats.org/drawingml/2006/chart" xmlns:dgm="http://schemas.openxmlformats.org/drawingml/2006/diagram" xmlns:o="urn:schemas-microsoft-com:office:office" xmlns:v="urn:schemas-microsoft-com:vml" xmlns:pvml="urn:schemas-microsoft-com:office:powerpoint" xmlns:com="http://schemas.openxmlformats.org/drawingml/2006/compatibility" xmlns:p14="http://schemas.microsoft.com/office/powerpoint/2010/main" xmlns:p15="http://schemas.microsoft.com/office/powerpoint/2012/main" xmlns:go="http://customooxmlschemas.google.com/" cellId="224:10:5"/>
                       </a:ext>
                     </a:extLst>
                   </a:tcPr>
@@ -40875,7 +40846,7 @@
                     </a:lnB>
                     <a:extLst>
                       <a:ext uri="http://customooxmlschemas.google.com/">
-                        <go:slidesCustomData xmlns:go="http://customooxmlschemas.google.com/" xmlns:p15="http://schemas.microsoft.com/office/powerpoint/2012/main" xmlns:p14="http://schemas.microsoft.com/office/powerpoint/2010/main" xmlns:com="http://schemas.openxmlformats.org/drawingml/2006/compatibility" xmlns:pvml="urn:schemas-microsoft-com:office:powerpoint" xmlns:v="urn:schemas-microsoft-com:vml" xmlns:o="urn:schemas-microsoft-com:office:office" xmlns:dgm="http://schemas.openxmlformats.org/drawingml/2006/diagram" xmlns:c="http://schemas.openxmlformats.org/drawingml/2006/chart" xmlns:mv="urn:schemas-microsoft-com:mac:vml" xmlns:mc="http://schemas.openxmlformats.org/markup-compatibility/2006" xmlns="" cellId="224:10:6"/>
+                        <go:slidesCustomData xmlns="" xmlns:mc="http://schemas.openxmlformats.org/markup-compatibility/2006" xmlns:mv="urn:schemas-microsoft-com:mac:vml" xmlns:c="http://schemas.openxmlformats.org/drawingml/2006/chart" xmlns:dgm="http://schemas.openxmlformats.org/drawingml/2006/diagram" xmlns:o="urn:schemas-microsoft-com:office:office" xmlns:v="urn:schemas-microsoft-com:vml" xmlns:pvml="urn:schemas-microsoft-com:office:powerpoint" xmlns:com="http://schemas.openxmlformats.org/drawingml/2006/compatibility" xmlns:p14="http://schemas.microsoft.com/office/powerpoint/2010/main" xmlns:p15="http://schemas.microsoft.com/office/powerpoint/2012/main" xmlns:go="http://customooxmlschemas.google.com/" cellId="224:10:6"/>
                       </a:ext>
                     </a:extLst>
                   </a:tcPr>
@@ -40951,7 +40922,7 @@
                     </a:lnB>
                     <a:extLst>
                       <a:ext uri="http://customooxmlschemas.google.com/">
-                        <go:slidesCustomData xmlns:go="http://customooxmlschemas.google.com/" xmlns:p15="http://schemas.microsoft.com/office/powerpoint/2012/main" xmlns:p14="http://schemas.microsoft.com/office/powerpoint/2010/main" xmlns:com="http://schemas.openxmlformats.org/drawingml/2006/compatibility" xmlns:pvml="urn:schemas-microsoft-com:office:powerpoint" xmlns:v="urn:schemas-microsoft-com:vml" xmlns:o="urn:schemas-microsoft-com:office:office" xmlns:dgm="http://schemas.openxmlformats.org/drawingml/2006/diagram" xmlns:c="http://schemas.openxmlformats.org/drawingml/2006/chart" xmlns:mv="urn:schemas-microsoft-com:mac:vml" xmlns:mc="http://schemas.openxmlformats.org/markup-compatibility/2006" xmlns="" cellId="224:11:0"/>
+                        <go:slidesCustomData xmlns="" xmlns:mc="http://schemas.openxmlformats.org/markup-compatibility/2006" xmlns:mv="urn:schemas-microsoft-com:mac:vml" xmlns:c="http://schemas.openxmlformats.org/drawingml/2006/chart" xmlns:dgm="http://schemas.openxmlformats.org/drawingml/2006/diagram" xmlns:o="urn:schemas-microsoft-com:office:office" xmlns:v="urn:schemas-microsoft-com:vml" xmlns:pvml="urn:schemas-microsoft-com:office:powerpoint" xmlns:com="http://schemas.openxmlformats.org/drawingml/2006/compatibility" xmlns:p14="http://schemas.microsoft.com/office/powerpoint/2010/main" xmlns:p15="http://schemas.microsoft.com/office/powerpoint/2012/main" xmlns:go="http://customooxmlschemas.google.com/" cellId="224:11:0"/>
                       </a:ext>
                     </a:extLst>
                   </a:tcPr>
@@ -41020,7 +40991,7 @@
                     </a:lnB>
                     <a:extLst>
                       <a:ext uri="http://customooxmlschemas.google.com/">
-                        <go:slidesCustomData xmlns:go="http://customooxmlschemas.google.com/" xmlns:p15="http://schemas.microsoft.com/office/powerpoint/2012/main" xmlns:p14="http://schemas.microsoft.com/office/powerpoint/2010/main" xmlns:com="http://schemas.openxmlformats.org/drawingml/2006/compatibility" xmlns:pvml="urn:schemas-microsoft-com:office:powerpoint" xmlns:v="urn:schemas-microsoft-com:vml" xmlns:o="urn:schemas-microsoft-com:office:office" xmlns:dgm="http://schemas.openxmlformats.org/drawingml/2006/diagram" xmlns:c="http://schemas.openxmlformats.org/drawingml/2006/chart" xmlns:mv="urn:schemas-microsoft-com:mac:vml" xmlns:mc="http://schemas.openxmlformats.org/markup-compatibility/2006" xmlns="" cellId="224:11:1"/>
+                        <go:slidesCustomData xmlns="" xmlns:mc="http://schemas.openxmlformats.org/markup-compatibility/2006" xmlns:mv="urn:schemas-microsoft-com:mac:vml" xmlns:c="http://schemas.openxmlformats.org/drawingml/2006/chart" xmlns:dgm="http://schemas.openxmlformats.org/drawingml/2006/diagram" xmlns:o="urn:schemas-microsoft-com:office:office" xmlns:v="urn:schemas-microsoft-com:vml" xmlns:pvml="urn:schemas-microsoft-com:office:powerpoint" xmlns:com="http://schemas.openxmlformats.org/drawingml/2006/compatibility" xmlns:p14="http://schemas.microsoft.com/office/powerpoint/2010/main" xmlns:p15="http://schemas.microsoft.com/office/powerpoint/2012/main" xmlns:go="http://customooxmlschemas.google.com/" cellId="224:11:1"/>
                       </a:ext>
                     </a:extLst>
                   </a:tcPr>
@@ -41089,7 +41060,7 @@
                     </a:lnB>
                     <a:extLst>
                       <a:ext uri="http://customooxmlschemas.google.com/">
-                        <go:slidesCustomData xmlns:go="http://customooxmlschemas.google.com/" xmlns:p15="http://schemas.microsoft.com/office/powerpoint/2012/main" xmlns:p14="http://schemas.microsoft.com/office/powerpoint/2010/main" xmlns:com="http://schemas.openxmlformats.org/drawingml/2006/compatibility" xmlns:pvml="urn:schemas-microsoft-com:office:powerpoint" xmlns:v="urn:schemas-microsoft-com:vml" xmlns:o="urn:schemas-microsoft-com:office:office" xmlns:dgm="http://schemas.openxmlformats.org/drawingml/2006/diagram" xmlns:c="http://schemas.openxmlformats.org/drawingml/2006/chart" xmlns:mv="urn:schemas-microsoft-com:mac:vml" xmlns:mc="http://schemas.openxmlformats.org/markup-compatibility/2006" xmlns="" cellId="224:11:2"/>
+                        <go:slidesCustomData xmlns="" xmlns:mc="http://schemas.openxmlformats.org/markup-compatibility/2006" xmlns:mv="urn:schemas-microsoft-com:mac:vml" xmlns:c="http://schemas.openxmlformats.org/drawingml/2006/chart" xmlns:dgm="http://schemas.openxmlformats.org/drawingml/2006/diagram" xmlns:o="urn:schemas-microsoft-com:office:office" xmlns:v="urn:schemas-microsoft-com:vml" xmlns:pvml="urn:schemas-microsoft-com:office:powerpoint" xmlns:com="http://schemas.openxmlformats.org/drawingml/2006/compatibility" xmlns:p14="http://schemas.microsoft.com/office/powerpoint/2010/main" xmlns:p15="http://schemas.microsoft.com/office/powerpoint/2012/main" xmlns:go="http://customooxmlschemas.google.com/" cellId="224:11:2"/>
                       </a:ext>
                     </a:extLst>
                   </a:tcPr>
@@ -41158,7 +41129,7 @@
                     </a:lnB>
                     <a:extLst>
                       <a:ext uri="http://customooxmlschemas.google.com/">
-                        <go:slidesCustomData xmlns:go="http://customooxmlschemas.google.com/" xmlns:p15="http://schemas.microsoft.com/office/powerpoint/2012/main" xmlns:p14="http://schemas.microsoft.com/office/powerpoint/2010/main" xmlns:com="http://schemas.openxmlformats.org/drawingml/2006/compatibility" xmlns:pvml="urn:schemas-microsoft-com:office:powerpoint" xmlns:v="urn:schemas-microsoft-com:vml" xmlns:o="urn:schemas-microsoft-com:office:office" xmlns:dgm="http://schemas.openxmlformats.org/drawingml/2006/diagram" xmlns:c="http://schemas.openxmlformats.org/drawingml/2006/chart" xmlns:mv="urn:schemas-microsoft-com:mac:vml" xmlns:mc="http://schemas.openxmlformats.org/markup-compatibility/2006" xmlns="" cellId="224:11:3"/>
+                        <go:slidesCustomData xmlns="" xmlns:mc="http://schemas.openxmlformats.org/markup-compatibility/2006" xmlns:mv="urn:schemas-microsoft-com:mac:vml" xmlns:c="http://schemas.openxmlformats.org/drawingml/2006/chart" xmlns:dgm="http://schemas.openxmlformats.org/drawingml/2006/diagram" xmlns:o="urn:schemas-microsoft-com:office:office" xmlns:v="urn:schemas-microsoft-com:vml" xmlns:pvml="urn:schemas-microsoft-com:office:powerpoint" xmlns:com="http://schemas.openxmlformats.org/drawingml/2006/compatibility" xmlns:p14="http://schemas.microsoft.com/office/powerpoint/2010/main" xmlns:p15="http://schemas.microsoft.com/office/powerpoint/2012/main" xmlns:go="http://customooxmlschemas.google.com/" cellId="224:11:3"/>
                       </a:ext>
                     </a:extLst>
                   </a:tcPr>
@@ -41227,7 +41198,7 @@
                     </a:lnB>
                     <a:extLst>
                       <a:ext uri="http://customooxmlschemas.google.com/">
-                        <go:slidesCustomData xmlns:go="http://customooxmlschemas.google.com/" xmlns:p15="http://schemas.microsoft.com/office/powerpoint/2012/main" xmlns:p14="http://schemas.microsoft.com/office/powerpoint/2010/main" xmlns:com="http://schemas.openxmlformats.org/drawingml/2006/compatibility" xmlns:pvml="urn:schemas-microsoft-com:office:powerpoint" xmlns:v="urn:schemas-microsoft-com:vml" xmlns:o="urn:schemas-microsoft-com:office:office" xmlns:dgm="http://schemas.openxmlformats.org/drawingml/2006/diagram" xmlns:c="http://schemas.openxmlformats.org/drawingml/2006/chart" xmlns:mv="urn:schemas-microsoft-com:mac:vml" xmlns:mc="http://schemas.openxmlformats.org/markup-compatibility/2006" xmlns="" cellId="224:11:4"/>
+                        <go:slidesCustomData xmlns="" xmlns:mc="http://schemas.openxmlformats.org/markup-compatibility/2006" xmlns:mv="urn:schemas-microsoft-com:mac:vml" xmlns:c="http://schemas.openxmlformats.org/drawingml/2006/chart" xmlns:dgm="http://schemas.openxmlformats.org/drawingml/2006/diagram" xmlns:o="urn:schemas-microsoft-com:office:office" xmlns:v="urn:schemas-microsoft-com:vml" xmlns:pvml="urn:schemas-microsoft-com:office:powerpoint" xmlns:com="http://schemas.openxmlformats.org/drawingml/2006/compatibility" xmlns:p14="http://schemas.microsoft.com/office/powerpoint/2010/main" xmlns:p15="http://schemas.microsoft.com/office/powerpoint/2012/main" xmlns:go="http://customooxmlschemas.google.com/" cellId="224:11:4"/>
                       </a:ext>
                     </a:extLst>
                   </a:tcPr>
@@ -41314,7 +41285,7 @@
                     </a:lnB>
                     <a:extLst>
                       <a:ext uri="http://customooxmlschemas.google.com/">
-                        <go:slidesCustomData xmlns:go="http://customooxmlschemas.google.com/" xmlns:p15="http://schemas.microsoft.com/office/powerpoint/2012/main" xmlns:p14="http://schemas.microsoft.com/office/powerpoint/2010/main" xmlns:com="http://schemas.openxmlformats.org/drawingml/2006/compatibility" xmlns:pvml="urn:schemas-microsoft-com:office:powerpoint" xmlns:v="urn:schemas-microsoft-com:vml" xmlns:o="urn:schemas-microsoft-com:office:office" xmlns:dgm="http://schemas.openxmlformats.org/drawingml/2006/diagram" xmlns:c="http://schemas.openxmlformats.org/drawingml/2006/chart" xmlns:mv="urn:schemas-microsoft-com:mac:vml" xmlns:mc="http://schemas.openxmlformats.org/markup-compatibility/2006" xmlns="" cellId="224:11:5"/>
+                        <go:slidesCustomData xmlns="" xmlns:mc="http://schemas.openxmlformats.org/markup-compatibility/2006" xmlns:mv="urn:schemas-microsoft-com:mac:vml" xmlns:c="http://schemas.openxmlformats.org/drawingml/2006/chart" xmlns:dgm="http://schemas.openxmlformats.org/drawingml/2006/diagram" xmlns:o="urn:schemas-microsoft-com:office:office" xmlns:v="urn:schemas-microsoft-com:vml" xmlns:pvml="urn:schemas-microsoft-com:office:powerpoint" xmlns:com="http://schemas.openxmlformats.org/drawingml/2006/compatibility" xmlns:p14="http://schemas.microsoft.com/office/powerpoint/2010/main" xmlns:p15="http://schemas.microsoft.com/office/powerpoint/2012/main" xmlns:go="http://customooxmlschemas.google.com/" cellId="224:11:5"/>
                       </a:ext>
                     </a:extLst>
                   </a:tcPr>
@@ -41395,7 +41366,7 @@
                     </a:lnB>
                     <a:extLst>
                       <a:ext uri="http://customooxmlschemas.google.com/">
-                        <go:slidesCustomData xmlns:go="http://customooxmlschemas.google.com/" xmlns:p15="http://schemas.microsoft.com/office/powerpoint/2012/main" xmlns:p14="http://schemas.microsoft.com/office/powerpoint/2010/main" xmlns:com="http://schemas.openxmlformats.org/drawingml/2006/compatibility" xmlns:pvml="urn:schemas-microsoft-com:office:powerpoint" xmlns:v="urn:schemas-microsoft-com:vml" xmlns:o="urn:schemas-microsoft-com:office:office" xmlns:dgm="http://schemas.openxmlformats.org/drawingml/2006/diagram" xmlns:c="http://schemas.openxmlformats.org/drawingml/2006/chart" xmlns:mv="urn:schemas-microsoft-com:mac:vml" xmlns:mc="http://schemas.openxmlformats.org/markup-compatibility/2006" xmlns="" cellId="224:11:6"/>
+                        <go:slidesCustomData xmlns="" xmlns:mc="http://schemas.openxmlformats.org/markup-compatibility/2006" xmlns:mv="urn:schemas-microsoft-com:mac:vml" xmlns:c="http://schemas.openxmlformats.org/drawingml/2006/chart" xmlns:dgm="http://schemas.openxmlformats.org/drawingml/2006/diagram" xmlns:o="urn:schemas-microsoft-com:office:office" xmlns:v="urn:schemas-microsoft-com:vml" xmlns:pvml="urn:schemas-microsoft-com:office:powerpoint" xmlns:com="http://schemas.openxmlformats.org/drawingml/2006/compatibility" xmlns:p14="http://schemas.microsoft.com/office/powerpoint/2010/main" xmlns:p15="http://schemas.microsoft.com/office/powerpoint/2012/main" xmlns:go="http://customooxmlschemas.google.com/" cellId="224:11:6"/>
                       </a:ext>
                     </a:extLst>
                   </a:tcPr>
@@ -41684,7 +41655,7 @@
                     </a:lnB>
                     <a:extLst>
                       <a:ext uri="http://customooxmlschemas.google.com/">
-                        <go:slidesCustomData xmlns:go="http://customooxmlschemas.google.com/" xmlns:p15="http://schemas.microsoft.com/office/powerpoint/2012/main" xmlns:p14="http://schemas.microsoft.com/office/powerpoint/2010/main" xmlns:com="http://schemas.openxmlformats.org/drawingml/2006/compatibility" xmlns:pvml="urn:schemas-microsoft-com:office:powerpoint" xmlns:v="urn:schemas-microsoft-com:vml" xmlns:o="urn:schemas-microsoft-com:office:office" xmlns:dgm="http://schemas.openxmlformats.org/drawingml/2006/diagram" xmlns:c="http://schemas.openxmlformats.org/drawingml/2006/chart" xmlns:mv="urn:schemas-microsoft-com:mac:vml" xmlns:mc="http://schemas.openxmlformats.org/markup-compatibility/2006" xmlns="" cellId="232:0:0"/>
+                        <go:slidesCustomData xmlns="" xmlns:mc="http://schemas.openxmlformats.org/markup-compatibility/2006" xmlns:mv="urn:schemas-microsoft-com:mac:vml" xmlns:c="http://schemas.openxmlformats.org/drawingml/2006/chart" xmlns:dgm="http://schemas.openxmlformats.org/drawingml/2006/diagram" xmlns:o="urn:schemas-microsoft-com:office:office" xmlns:v="urn:schemas-microsoft-com:vml" xmlns:pvml="urn:schemas-microsoft-com:office:powerpoint" xmlns:com="http://schemas.openxmlformats.org/drawingml/2006/compatibility" xmlns:p14="http://schemas.microsoft.com/office/powerpoint/2010/main" xmlns:p15="http://schemas.microsoft.com/office/powerpoint/2012/main" xmlns:go="http://customooxmlschemas.google.com/" cellId="232:0:0"/>
                       </a:ext>
                     </a:extLst>
                   </a:tcPr>
@@ -41798,7 +41769,7 @@
                     </a:solidFill>
                     <a:extLst>
                       <a:ext uri="http://customooxmlschemas.google.com/">
-                        <go:slidesCustomData xmlns:go="http://customooxmlschemas.google.com/" xmlns:p15="http://schemas.microsoft.com/office/powerpoint/2012/main" xmlns:p14="http://schemas.microsoft.com/office/powerpoint/2010/main" xmlns:com="http://schemas.openxmlformats.org/drawingml/2006/compatibility" xmlns:pvml="urn:schemas-microsoft-com:office:powerpoint" xmlns:v="urn:schemas-microsoft-com:vml" xmlns:o="urn:schemas-microsoft-com:office:office" xmlns:dgm="http://schemas.openxmlformats.org/drawingml/2006/diagram" xmlns:c="http://schemas.openxmlformats.org/drawingml/2006/chart" xmlns:mv="urn:schemas-microsoft-com:mac:vml" xmlns:mc="http://schemas.openxmlformats.org/markup-compatibility/2006" xmlns="" cellId="232:0:4"/>
+                        <go:slidesCustomData xmlns="" xmlns:mc="http://schemas.openxmlformats.org/markup-compatibility/2006" xmlns:mv="urn:schemas-microsoft-com:mac:vml" xmlns:c="http://schemas.openxmlformats.org/drawingml/2006/chart" xmlns:dgm="http://schemas.openxmlformats.org/drawingml/2006/diagram" xmlns:o="urn:schemas-microsoft-com:office:office" xmlns:v="urn:schemas-microsoft-com:vml" xmlns:pvml="urn:schemas-microsoft-com:office:powerpoint" xmlns:com="http://schemas.openxmlformats.org/drawingml/2006/compatibility" xmlns:p14="http://schemas.microsoft.com/office/powerpoint/2010/main" xmlns:p15="http://schemas.microsoft.com/office/powerpoint/2012/main" xmlns:go="http://customooxmlschemas.google.com/" cellId="232:0:4"/>
                       </a:ext>
                     </a:extLst>
                   </a:tcPr>
@@ -41909,7 +41880,7 @@
                     </a:solidFill>
                     <a:extLst>
                       <a:ext uri="http://customooxmlschemas.google.com/">
-                        <go:slidesCustomData xmlns:go="http://customooxmlschemas.google.com/" xmlns:p15="http://schemas.microsoft.com/office/powerpoint/2012/main" xmlns:p14="http://schemas.microsoft.com/office/powerpoint/2010/main" xmlns:com="http://schemas.openxmlformats.org/drawingml/2006/compatibility" xmlns:pvml="urn:schemas-microsoft-com:office:powerpoint" xmlns:v="urn:schemas-microsoft-com:vml" xmlns:o="urn:schemas-microsoft-com:office:office" xmlns:dgm="http://schemas.openxmlformats.org/drawingml/2006/diagram" xmlns:c="http://schemas.openxmlformats.org/drawingml/2006/chart" xmlns:mv="urn:schemas-microsoft-com:mac:vml" xmlns:mc="http://schemas.openxmlformats.org/markup-compatibility/2006" xmlns="" cellId="232:1:0"/>
+                        <go:slidesCustomData xmlns="" xmlns:mc="http://schemas.openxmlformats.org/markup-compatibility/2006" xmlns:mv="urn:schemas-microsoft-com:mac:vml" xmlns:c="http://schemas.openxmlformats.org/drawingml/2006/chart" xmlns:dgm="http://schemas.openxmlformats.org/drawingml/2006/diagram" xmlns:o="urn:schemas-microsoft-com:office:office" xmlns:v="urn:schemas-microsoft-com:vml" xmlns:pvml="urn:schemas-microsoft-com:office:powerpoint" xmlns:com="http://schemas.openxmlformats.org/drawingml/2006/compatibility" xmlns:p14="http://schemas.microsoft.com/office/powerpoint/2010/main" xmlns:p15="http://schemas.microsoft.com/office/powerpoint/2012/main" xmlns:go="http://customooxmlschemas.google.com/" cellId="232:1:0"/>
                       </a:ext>
                     </a:extLst>
                   </a:tcPr>
@@ -41993,7 +41964,7 @@
                     </a:solidFill>
                     <a:extLst>
                       <a:ext uri="http://customooxmlschemas.google.com/">
-                        <go:slidesCustomData xmlns:go="http://customooxmlschemas.google.com/" xmlns:p15="http://schemas.microsoft.com/office/powerpoint/2012/main" xmlns:p14="http://schemas.microsoft.com/office/powerpoint/2010/main" xmlns:com="http://schemas.openxmlformats.org/drawingml/2006/compatibility" xmlns:pvml="urn:schemas-microsoft-com:office:powerpoint" xmlns:v="urn:schemas-microsoft-com:vml" xmlns:o="urn:schemas-microsoft-com:office:office" xmlns:dgm="http://schemas.openxmlformats.org/drawingml/2006/diagram" xmlns:c="http://schemas.openxmlformats.org/drawingml/2006/chart" xmlns:mv="urn:schemas-microsoft-com:mac:vml" xmlns:mc="http://schemas.openxmlformats.org/markup-compatibility/2006" xmlns="" cellId="232:1:1"/>
+                        <go:slidesCustomData xmlns="" xmlns:mc="http://schemas.openxmlformats.org/markup-compatibility/2006" xmlns:mv="urn:schemas-microsoft-com:mac:vml" xmlns:c="http://schemas.openxmlformats.org/drawingml/2006/chart" xmlns:dgm="http://schemas.openxmlformats.org/drawingml/2006/diagram" xmlns:o="urn:schemas-microsoft-com:office:office" xmlns:v="urn:schemas-microsoft-com:vml" xmlns:pvml="urn:schemas-microsoft-com:office:powerpoint" xmlns:com="http://schemas.openxmlformats.org/drawingml/2006/compatibility" xmlns:p14="http://schemas.microsoft.com/office/powerpoint/2010/main" xmlns:p15="http://schemas.microsoft.com/office/powerpoint/2012/main" xmlns:go="http://customooxmlschemas.google.com/" cellId="232:1:1"/>
                       </a:ext>
                     </a:extLst>
                   </a:tcPr>
@@ -42077,7 +42048,7 @@
                     </a:solidFill>
                     <a:extLst>
                       <a:ext uri="http://customooxmlschemas.google.com/">
-                        <go:slidesCustomData xmlns:go="http://customooxmlschemas.google.com/" xmlns:p15="http://schemas.microsoft.com/office/powerpoint/2012/main" xmlns:p14="http://schemas.microsoft.com/office/powerpoint/2010/main" xmlns:com="http://schemas.openxmlformats.org/drawingml/2006/compatibility" xmlns:pvml="urn:schemas-microsoft-com:office:powerpoint" xmlns:v="urn:schemas-microsoft-com:vml" xmlns:o="urn:schemas-microsoft-com:office:office" xmlns:dgm="http://schemas.openxmlformats.org/drawingml/2006/diagram" xmlns:c="http://schemas.openxmlformats.org/drawingml/2006/chart" xmlns:mv="urn:schemas-microsoft-com:mac:vml" xmlns:mc="http://schemas.openxmlformats.org/markup-compatibility/2006" xmlns="" cellId="232:1:2"/>
+                        <go:slidesCustomData xmlns="" xmlns:mc="http://schemas.openxmlformats.org/markup-compatibility/2006" xmlns:mv="urn:schemas-microsoft-com:mac:vml" xmlns:c="http://schemas.openxmlformats.org/drawingml/2006/chart" xmlns:dgm="http://schemas.openxmlformats.org/drawingml/2006/diagram" xmlns:o="urn:schemas-microsoft-com:office:office" xmlns:v="urn:schemas-microsoft-com:vml" xmlns:pvml="urn:schemas-microsoft-com:office:powerpoint" xmlns:com="http://schemas.openxmlformats.org/drawingml/2006/compatibility" xmlns:p14="http://schemas.microsoft.com/office/powerpoint/2010/main" xmlns:p15="http://schemas.microsoft.com/office/powerpoint/2012/main" xmlns:go="http://customooxmlschemas.google.com/" cellId="232:1:2"/>
                       </a:ext>
                     </a:extLst>
                   </a:tcPr>
@@ -42161,7 +42132,7 @@
                     </a:solidFill>
                     <a:extLst>
                       <a:ext uri="http://customooxmlschemas.google.com/">
-                        <go:slidesCustomData xmlns:go="http://customooxmlschemas.google.com/" xmlns:p15="http://schemas.microsoft.com/office/powerpoint/2012/main" xmlns:p14="http://schemas.microsoft.com/office/powerpoint/2010/main" xmlns:com="http://schemas.openxmlformats.org/drawingml/2006/compatibility" xmlns:pvml="urn:schemas-microsoft-com:office:powerpoint" xmlns:v="urn:schemas-microsoft-com:vml" xmlns:o="urn:schemas-microsoft-com:office:office" xmlns:dgm="http://schemas.openxmlformats.org/drawingml/2006/diagram" xmlns:c="http://schemas.openxmlformats.org/drawingml/2006/chart" xmlns:mv="urn:schemas-microsoft-com:mac:vml" xmlns:mc="http://schemas.openxmlformats.org/markup-compatibility/2006" xmlns="" cellId="232:1:3"/>
+                        <go:slidesCustomData xmlns="" xmlns:mc="http://schemas.openxmlformats.org/markup-compatibility/2006" xmlns:mv="urn:schemas-microsoft-com:mac:vml" xmlns:c="http://schemas.openxmlformats.org/drawingml/2006/chart" xmlns:dgm="http://schemas.openxmlformats.org/drawingml/2006/diagram" xmlns:o="urn:schemas-microsoft-com:office:office" xmlns:v="urn:schemas-microsoft-com:vml" xmlns:pvml="urn:schemas-microsoft-com:office:powerpoint" xmlns:com="http://schemas.openxmlformats.org/drawingml/2006/compatibility" xmlns:p14="http://schemas.microsoft.com/office/powerpoint/2010/main" xmlns:p15="http://schemas.microsoft.com/office/powerpoint/2012/main" xmlns:go="http://customooxmlschemas.google.com/" cellId="232:1:3"/>
                       </a:ext>
                     </a:extLst>
                   </a:tcPr>
@@ -42245,7 +42216,7 @@
                     </a:solidFill>
                     <a:extLst>
                       <a:ext uri="http://customooxmlschemas.google.com/">
-                        <go:slidesCustomData xmlns:go="http://customooxmlschemas.google.com/" xmlns:p15="http://schemas.microsoft.com/office/powerpoint/2012/main" xmlns:p14="http://schemas.microsoft.com/office/powerpoint/2010/main" xmlns:com="http://schemas.openxmlformats.org/drawingml/2006/compatibility" xmlns:pvml="urn:schemas-microsoft-com:office:powerpoint" xmlns:v="urn:schemas-microsoft-com:vml" xmlns:o="urn:schemas-microsoft-com:office:office" xmlns:dgm="http://schemas.openxmlformats.org/drawingml/2006/diagram" xmlns:c="http://schemas.openxmlformats.org/drawingml/2006/chart" xmlns:mv="urn:schemas-microsoft-com:mac:vml" xmlns:mc="http://schemas.openxmlformats.org/markup-compatibility/2006" xmlns="" cellId="232:1:4"/>
+                        <go:slidesCustomData xmlns="" xmlns:mc="http://schemas.openxmlformats.org/markup-compatibility/2006" xmlns:mv="urn:schemas-microsoft-com:mac:vml" xmlns:c="http://schemas.openxmlformats.org/drawingml/2006/chart" xmlns:dgm="http://schemas.openxmlformats.org/drawingml/2006/diagram" xmlns:o="urn:schemas-microsoft-com:office:office" xmlns:v="urn:schemas-microsoft-com:vml" xmlns:pvml="urn:schemas-microsoft-com:office:powerpoint" xmlns:com="http://schemas.openxmlformats.org/drawingml/2006/compatibility" xmlns:p14="http://schemas.microsoft.com/office/powerpoint/2010/main" xmlns:p15="http://schemas.microsoft.com/office/powerpoint/2012/main" xmlns:go="http://customooxmlschemas.google.com/" cellId="232:1:4"/>
                       </a:ext>
                     </a:extLst>
                   </a:tcPr>
@@ -42329,7 +42300,7 @@
                     </a:solidFill>
                     <a:extLst>
                       <a:ext uri="http://customooxmlschemas.google.com/">
-                        <go:slidesCustomData xmlns:go="http://customooxmlschemas.google.com/" xmlns:p15="http://schemas.microsoft.com/office/powerpoint/2012/main" xmlns:p14="http://schemas.microsoft.com/office/powerpoint/2010/main" xmlns:com="http://schemas.openxmlformats.org/drawingml/2006/compatibility" xmlns:pvml="urn:schemas-microsoft-com:office:powerpoint" xmlns:v="urn:schemas-microsoft-com:vml" xmlns:o="urn:schemas-microsoft-com:office:office" xmlns:dgm="http://schemas.openxmlformats.org/drawingml/2006/diagram" xmlns:c="http://schemas.openxmlformats.org/drawingml/2006/chart" xmlns:mv="urn:schemas-microsoft-com:mac:vml" xmlns:mc="http://schemas.openxmlformats.org/markup-compatibility/2006" xmlns="" cellId="232:1:5"/>
+                        <go:slidesCustomData xmlns="" xmlns:mc="http://schemas.openxmlformats.org/markup-compatibility/2006" xmlns:mv="urn:schemas-microsoft-com:mac:vml" xmlns:c="http://schemas.openxmlformats.org/drawingml/2006/chart" xmlns:dgm="http://schemas.openxmlformats.org/drawingml/2006/diagram" xmlns:o="urn:schemas-microsoft-com:office:office" xmlns:v="urn:schemas-microsoft-com:vml" xmlns:pvml="urn:schemas-microsoft-com:office:powerpoint" xmlns:com="http://schemas.openxmlformats.org/drawingml/2006/compatibility" xmlns:p14="http://schemas.microsoft.com/office/powerpoint/2010/main" xmlns:p15="http://schemas.microsoft.com/office/powerpoint/2012/main" xmlns:go="http://customooxmlschemas.google.com/" cellId="232:1:5"/>
                       </a:ext>
                     </a:extLst>
                   </a:tcPr>
@@ -42413,7 +42384,7 @@
                     </a:solidFill>
                     <a:extLst>
                       <a:ext uri="http://customooxmlschemas.google.com/">
-                        <go:slidesCustomData xmlns:go="http://customooxmlschemas.google.com/" xmlns:p15="http://schemas.microsoft.com/office/powerpoint/2012/main" xmlns:p14="http://schemas.microsoft.com/office/powerpoint/2010/main" xmlns:com="http://schemas.openxmlformats.org/drawingml/2006/compatibility" xmlns:pvml="urn:schemas-microsoft-com:office:powerpoint" xmlns:v="urn:schemas-microsoft-com:vml" xmlns:o="urn:schemas-microsoft-com:office:office" xmlns:dgm="http://schemas.openxmlformats.org/drawingml/2006/diagram" xmlns:c="http://schemas.openxmlformats.org/drawingml/2006/chart" xmlns:mv="urn:schemas-microsoft-com:mac:vml" xmlns:mc="http://schemas.openxmlformats.org/markup-compatibility/2006" xmlns="" cellId="232:1:6"/>
+                        <go:slidesCustomData xmlns="" xmlns:mc="http://schemas.openxmlformats.org/markup-compatibility/2006" xmlns:mv="urn:schemas-microsoft-com:mac:vml" xmlns:c="http://schemas.openxmlformats.org/drawingml/2006/chart" xmlns:dgm="http://schemas.openxmlformats.org/drawingml/2006/diagram" xmlns:o="urn:schemas-microsoft-com:office:office" xmlns:v="urn:schemas-microsoft-com:vml" xmlns:pvml="urn:schemas-microsoft-com:office:powerpoint" xmlns:com="http://schemas.openxmlformats.org/drawingml/2006/compatibility" xmlns:p14="http://schemas.microsoft.com/office/powerpoint/2010/main" xmlns:p15="http://schemas.microsoft.com/office/powerpoint/2012/main" xmlns:go="http://customooxmlschemas.google.com/" cellId="232:1:6"/>
                       </a:ext>
                     </a:extLst>
                   </a:tcPr>
@@ -42501,7 +42472,7 @@
                     </a:lnB>
                     <a:extLst>
                       <a:ext uri="http://customooxmlschemas.google.com/">
-                        <go:slidesCustomData xmlns:go="http://customooxmlschemas.google.com/" xmlns:p15="http://schemas.microsoft.com/office/powerpoint/2012/main" xmlns:p14="http://schemas.microsoft.com/office/powerpoint/2010/main" xmlns:com="http://schemas.openxmlformats.org/drawingml/2006/compatibility" xmlns:pvml="urn:schemas-microsoft-com:office:powerpoint" xmlns:v="urn:schemas-microsoft-com:vml" xmlns:o="urn:schemas-microsoft-com:office:office" xmlns:dgm="http://schemas.openxmlformats.org/drawingml/2006/diagram" xmlns:c="http://schemas.openxmlformats.org/drawingml/2006/chart" xmlns:mv="urn:schemas-microsoft-com:mac:vml" xmlns:mc="http://schemas.openxmlformats.org/markup-compatibility/2006" xmlns="" cellId="232:2:0"/>
+                        <go:slidesCustomData xmlns="" xmlns:mc="http://schemas.openxmlformats.org/markup-compatibility/2006" xmlns:mv="urn:schemas-microsoft-com:mac:vml" xmlns:c="http://schemas.openxmlformats.org/drawingml/2006/chart" xmlns:dgm="http://schemas.openxmlformats.org/drawingml/2006/diagram" xmlns:o="urn:schemas-microsoft-com:office:office" xmlns:v="urn:schemas-microsoft-com:vml" xmlns:pvml="urn:schemas-microsoft-com:office:powerpoint" xmlns:com="http://schemas.openxmlformats.org/drawingml/2006/compatibility" xmlns:p14="http://schemas.microsoft.com/office/powerpoint/2010/main" xmlns:p15="http://schemas.microsoft.com/office/powerpoint/2012/main" xmlns:go="http://customooxmlschemas.google.com/" cellId="232:2:0"/>
                       </a:ext>
                     </a:extLst>
                   </a:tcPr>
@@ -42582,7 +42553,7 @@
                     </a:lnB>
                     <a:extLst>
                       <a:ext uri="http://customooxmlschemas.google.com/">
-                        <go:slidesCustomData xmlns:go="http://customooxmlschemas.google.com/" xmlns:p15="http://schemas.microsoft.com/office/powerpoint/2012/main" xmlns:p14="http://schemas.microsoft.com/office/powerpoint/2010/main" xmlns:com="http://schemas.openxmlformats.org/drawingml/2006/compatibility" xmlns:pvml="urn:schemas-microsoft-com:office:powerpoint" xmlns:v="urn:schemas-microsoft-com:vml" xmlns:o="urn:schemas-microsoft-com:office:office" xmlns:dgm="http://schemas.openxmlformats.org/drawingml/2006/diagram" xmlns:c="http://schemas.openxmlformats.org/drawingml/2006/chart" xmlns:mv="urn:schemas-microsoft-com:mac:vml" xmlns:mc="http://schemas.openxmlformats.org/markup-compatibility/2006" xmlns="" cellId="232:2:1"/>
+                        <go:slidesCustomData xmlns="" xmlns:mc="http://schemas.openxmlformats.org/markup-compatibility/2006" xmlns:mv="urn:schemas-microsoft-com:mac:vml" xmlns:c="http://schemas.openxmlformats.org/drawingml/2006/chart" xmlns:dgm="http://schemas.openxmlformats.org/drawingml/2006/diagram" xmlns:o="urn:schemas-microsoft-com:office:office" xmlns:v="urn:schemas-microsoft-com:vml" xmlns:pvml="urn:schemas-microsoft-com:office:powerpoint" xmlns:com="http://schemas.openxmlformats.org/drawingml/2006/compatibility" xmlns:p14="http://schemas.microsoft.com/office/powerpoint/2010/main" xmlns:p15="http://schemas.microsoft.com/office/powerpoint/2012/main" xmlns:go="http://customooxmlschemas.google.com/" cellId="232:2:1"/>
                       </a:ext>
                     </a:extLst>
                   </a:tcPr>
@@ -42663,7 +42634,7 @@
                     </a:lnB>
                     <a:extLst>
                       <a:ext uri="http://customooxmlschemas.google.com/">
-                        <go:slidesCustomData xmlns:go="http://customooxmlschemas.google.com/" xmlns:p15="http://schemas.microsoft.com/office/powerpoint/2012/main" xmlns:p14="http://schemas.microsoft.com/office/powerpoint/2010/main" xmlns:com="http://schemas.openxmlformats.org/drawingml/2006/compatibility" xmlns:pvml="urn:schemas-microsoft-com:office:powerpoint" xmlns:v="urn:schemas-microsoft-com:vml" xmlns:o="urn:schemas-microsoft-com:office:office" xmlns:dgm="http://schemas.openxmlformats.org/drawingml/2006/diagram" xmlns:c="http://schemas.openxmlformats.org/drawingml/2006/chart" xmlns:mv="urn:schemas-microsoft-com:mac:vml" xmlns:mc="http://schemas.openxmlformats.org/markup-compatibility/2006" xmlns="" cellId="232:2:2"/>
+                        <go:slidesCustomData xmlns="" xmlns:mc="http://schemas.openxmlformats.org/markup-compatibility/2006" xmlns:mv="urn:schemas-microsoft-com:mac:vml" xmlns:c="http://schemas.openxmlformats.org/drawingml/2006/chart" xmlns:dgm="http://schemas.openxmlformats.org/drawingml/2006/diagram" xmlns:o="urn:schemas-microsoft-com:office:office" xmlns:v="urn:schemas-microsoft-com:vml" xmlns:pvml="urn:schemas-microsoft-com:office:powerpoint" xmlns:com="http://schemas.openxmlformats.org/drawingml/2006/compatibility" xmlns:p14="http://schemas.microsoft.com/office/powerpoint/2010/main" xmlns:p15="http://schemas.microsoft.com/office/powerpoint/2012/main" xmlns:go="http://customooxmlschemas.google.com/" cellId="232:2:2"/>
                       </a:ext>
                     </a:extLst>
                   </a:tcPr>
@@ -42744,7 +42715,7 @@
                     </a:lnB>
                     <a:extLst>
                       <a:ext uri="http://customooxmlschemas.google.com/">
-                        <go:slidesCustomData xmlns:go="http://customooxmlschemas.google.com/" xmlns:p15="http://schemas.microsoft.com/office/powerpoint/2012/main" xmlns:p14="http://schemas.microsoft.com/office/powerpoint/2010/main" xmlns:com="http://schemas.openxmlformats.org/drawingml/2006/compatibility" xmlns:pvml="urn:schemas-microsoft-com:office:powerpoint" xmlns:v="urn:schemas-microsoft-com:vml" xmlns:o="urn:schemas-microsoft-com:office:office" xmlns:dgm="http://schemas.openxmlformats.org/drawingml/2006/diagram" xmlns:c="http://schemas.openxmlformats.org/drawingml/2006/chart" xmlns:mv="urn:schemas-microsoft-com:mac:vml" xmlns:mc="http://schemas.openxmlformats.org/markup-compatibility/2006" xmlns="" cellId="232:2:3"/>
+                        <go:slidesCustomData xmlns="" xmlns:mc="http://schemas.openxmlformats.org/markup-compatibility/2006" xmlns:mv="urn:schemas-microsoft-com:mac:vml" xmlns:c="http://schemas.openxmlformats.org/drawingml/2006/chart" xmlns:dgm="http://schemas.openxmlformats.org/drawingml/2006/diagram" xmlns:o="urn:schemas-microsoft-com:office:office" xmlns:v="urn:schemas-microsoft-com:vml" xmlns:pvml="urn:schemas-microsoft-com:office:powerpoint" xmlns:com="http://schemas.openxmlformats.org/drawingml/2006/compatibility" xmlns:p14="http://schemas.microsoft.com/office/powerpoint/2010/main" xmlns:p15="http://schemas.microsoft.com/office/powerpoint/2012/main" xmlns:go="http://customooxmlschemas.google.com/" cellId="232:2:3"/>
                       </a:ext>
                     </a:extLst>
                   </a:tcPr>
@@ -42825,7 +42796,7 @@
                     </a:lnB>
                     <a:extLst>
                       <a:ext uri="http://customooxmlschemas.google.com/">
-                        <go:slidesCustomData xmlns:go="http://customooxmlschemas.google.com/" xmlns:p15="http://schemas.microsoft.com/office/powerpoint/2012/main" xmlns:p14="http://schemas.microsoft.com/office/powerpoint/2010/main" xmlns:com="http://schemas.openxmlformats.org/drawingml/2006/compatibility" xmlns:pvml="urn:schemas-microsoft-com:office:powerpoint" xmlns:v="urn:schemas-microsoft-com:vml" xmlns:o="urn:schemas-microsoft-com:office:office" xmlns:dgm="http://schemas.openxmlformats.org/drawingml/2006/diagram" xmlns:c="http://schemas.openxmlformats.org/drawingml/2006/chart" xmlns:mv="urn:schemas-microsoft-com:mac:vml" xmlns:mc="http://schemas.openxmlformats.org/markup-compatibility/2006" xmlns="" cellId="232:2:4"/>
+                        <go:slidesCustomData xmlns="" xmlns:mc="http://schemas.openxmlformats.org/markup-compatibility/2006" xmlns:mv="urn:schemas-microsoft-com:mac:vml" xmlns:c="http://schemas.openxmlformats.org/drawingml/2006/chart" xmlns:dgm="http://schemas.openxmlformats.org/drawingml/2006/diagram" xmlns:o="urn:schemas-microsoft-com:office:office" xmlns:v="urn:schemas-microsoft-com:vml" xmlns:pvml="urn:schemas-microsoft-com:office:powerpoint" xmlns:com="http://schemas.openxmlformats.org/drawingml/2006/compatibility" xmlns:p14="http://schemas.microsoft.com/office/powerpoint/2010/main" xmlns:p15="http://schemas.microsoft.com/office/powerpoint/2012/main" xmlns:go="http://customooxmlschemas.google.com/" cellId="232:2:4"/>
                       </a:ext>
                     </a:extLst>
                   </a:tcPr>
@@ -42906,7 +42877,7 @@
                     </a:lnB>
                     <a:extLst>
                       <a:ext uri="http://customooxmlschemas.google.com/">
-                        <go:slidesCustomData xmlns:go="http://customooxmlschemas.google.com/" xmlns:p15="http://schemas.microsoft.com/office/powerpoint/2012/main" xmlns:p14="http://schemas.microsoft.com/office/powerpoint/2010/main" xmlns:com="http://schemas.openxmlformats.org/drawingml/2006/compatibility" xmlns:pvml="urn:schemas-microsoft-com:office:powerpoint" xmlns:v="urn:schemas-microsoft-com:vml" xmlns:o="urn:schemas-microsoft-com:office:office" xmlns:dgm="http://schemas.openxmlformats.org/drawingml/2006/diagram" xmlns:c="http://schemas.openxmlformats.org/drawingml/2006/chart" xmlns:mv="urn:schemas-microsoft-com:mac:vml" xmlns:mc="http://schemas.openxmlformats.org/markup-compatibility/2006" xmlns="" cellId="232:2:5"/>
+                        <go:slidesCustomData xmlns="" xmlns:mc="http://schemas.openxmlformats.org/markup-compatibility/2006" xmlns:mv="urn:schemas-microsoft-com:mac:vml" xmlns:c="http://schemas.openxmlformats.org/drawingml/2006/chart" xmlns:dgm="http://schemas.openxmlformats.org/drawingml/2006/diagram" xmlns:o="urn:schemas-microsoft-com:office:office" xmlns:v="urn:schemas-microsoft-com:vml" xmlns:pvml="urn:schemas-microsoft-com:office:powerpoint" xmlns:com="http://schemas.openxmlformats.org/drawingml/2006/compatibility" xmlns:p14="http://schemas.microsoft.com/office/powerpoint/2010/main" xmlns:p15="http://schemas.microsoft.com/office/powerpoint/2012/main" xmlns:go="http://customooxmlschemas.google.com/" cellId="232:2:5"/>
                       </a:ext>
                     </a:extLst>
                   </a:tcPr>
@@ -42987,7 +42958,7 @@
                     </a:lnB>
                     <a:extLst>
                       <a:ext uri="http://customooxmlschemas.google.com/">
-                        <go:slidesCustomData xmlns:go="http://customooxmlschemas.google.com/" xmlns:p15="http://schemas.microsoft.com/office/powerpoint/2012/main" xmlns:p14="http://schemas.microsoft.com/office/powerpoint/2010/main" xmlns:com="http://schemas.openxmlformats.org/drawingml/2006/compatibility" xmlns:pvml="urn:schemas-microsoft-com:office:powerpoint" xmlns:v="urn:schemas-microsoft-com:vml" xmlns:o="urn:schemas-microsoft-com:office:office" xmlns:dgm="http://schemas.openxmlformats.org/drawingml/2006/diagram" xmlns:c="http://schemas.openxmlformats.org/drawingml/2006/chart" xmlns:mv="urn:schemas-microsoft-com:mac:vml" xmlns:mc="http://schemas.openxmlformats.org/markup-compatibility/2006" xmlns="" cellId="232:2:6"/>
+                        <go:slidesCustomData xmlns="" xmlns:mc="http://schemas.openxmlformats.org/markup-compatibility/2006" xmlns:mv="urn:schemas-microsoft-com:mac:vml" xmlns:c="http://schemas.openxmlformats.org/drawingml/2006/chart" xmlns:dgm="http://schemas.openxmlformats.org/drawingml/2006/diagram" xmlns:o="urn:schemas-microsoft-com:office:office" xmlns:v="urn:schemas-microsoft-com:vml" xmlns:pvml="urn:schemas-microsoft-com:office:powerpoint" xmlns:com="http://schemas.openxmlformats.org/drawingml/2006/compatibility" xmlns:p14="http://schemas.microsoft.com/office/powerpoint/2010/main" xmlns:p15="http://schemas.microsoft.com/office/powerpoint/2012/main" xmlns:go="http://customooxmlschemas.google.com/" cellId="232:2:6"/>
                       </a:ext>
                     </a:extLst>
                   </a:tcPr>
@@ -43063,7 +43034,7 @@
                     </a:lnB>
                     <a:extLst>
                       <a:ext uri="http://customooxmlschemas.google.com/">
-                        <go:slidesCustomData xmlns:go="http://customooxmlschemas.google.com/" xmlns:p15="http://schemas.microsoft.com/office/powerpoint/2012/main" xmlns:p14="http://schemas.microsoft.com/office/powerpoint/2010/main" xmlns:com="http://schemas.openxmlformats.org/drawingml/2006/compatibility" xmlns:pvml="urn:schemas-microsoft-com:office:powerpoint" xmlns:v="urn:schemas-microsoft-com:vml" xmlns:o="urn:schemas-microsoft-com:office:office" xmlns:dgm="http://schemas.openxmlformats.org/drawingml/2006/diagram" xmlns:c="http://schemas.openxmlformats.org/drawingml/2006/chart" xmlns:mv="urn:schemas-microsoft-com:mac:vml" xmlns:mc="http://schemas.openxmlformats.org/markup-compatibility/2006" xmlns="" cellId="232:3:0"/>
+                        <go:slidesCustomData xmlns="" xmlns:mc="http://schemas.openxmlformats.org/markup-compatibility/2006" xmlns:mv="urn:schemas-microsoft-com:mac:vml" xmlns:c="http://schemas.openxmlformats.org/drawingml/2006/chart" xmlns:dgm="http://schemas.openxmlformats.org/drawingml/2006/diagram" xmlns:o="urn:schemas-microsoft-com:office:office" xmlns:v="urn:schemas-microsoft-com:vml" xmlns:pvml="urn:schemas-microsoft-com:office:powerpoint" xmlns:com="http://schemas.openxmlformats.org/drawingml/2006/compatibility" xmlns:p14="http://schemas.microsoft.com/office/powerpoint/2010/main" xmlns:p15="http://schemas.microsoft.com/office/powerpoint/2012/main" xmlns:go="http://customooxmlschemas.google.com/" cellId="232:3:0"/>
                       </a:ext>
                     </a:extLst>
                   </a:tcPr>
@@ -43132,7 +43103,7 @@
                     </a:lnB>
                     <a:extLst>
                       <a:ext uri="http://customooxmlschemas.google.com/">
-                        <go:slidesCustomData xmlns:go="http://customooxmlschemas.google.com/" xmlns:p15="http://schemas.microsoft.com/office/powerpoint/2012/main" xmlns:p14="http://schemas.microsoft.com/office/powerpoint/2010/main" xmlns:com="http://schemas.openxmlformats.org/drawingml/2006/compatibility" xmlns:pvml="urn:schemas-microsoft-com:office:powerpoint" xmlns:v="urn:schemas-microsoft-com:vml" xmlns:o="urn:schemas-microsoft-com:office:office" xmlns:dgm="http://schemas.openxmlformats.org/drawingml/2006/diagram" xmlns:c="http://schemas.openxmlformats.org/drawingml/2006/chart" xmlns:mv="urn:schemas-microsoft-com:mac:vml" xmlns:mc="http://schemas.openxmlformats.org/markup-compatibility/2006" xmlns="" cellId="232:3:1"/>
+                        <go:slidesCustomData xmlns="" xmlns:mc="http://schemas.openxmlformats.org/markup-compatibility/2006" xmlns:mv="urn:schemas-microsoft-com:mac:vml" xmlns:c="http://schemas.openxmlformats.org/drawingml/2006/chart" xmlns:dgm="http://schemas.openxmlformats.org/drawingml/2006/diagram" xmlns:o="urn:schemas-microsoft-com:office:office" xmlns:v="urn:schemas-microsoft-com:vml" xmlns:pvml="urn:schemas-microsoft-com:office:powerpoint" xmlns:com="http://schemas.openxmlformats.org/drawingml/2006/compatibility" xmlns:p14="http://schemas.microsoft.com/office/powerpoint/2010/main" xmlns:p15="http://schemas.microsoft.com/office/powerpoint/2012/main" xmlns:go="http://customooxmlschemas.google.com/" cellId="232:3:1"/>
                       </a:ext>
                     </a:extLst>
                   </a:tcPr>
@@ -43201,7 +43172,7 @@
                     </a:lnB>
                     <a:extLst>
                       <a:ext uri="http://customooxmlschemas.google.com/">
-                        <go:slidesCustomData xmlns:go="http://customooxmlschemas.google.com/" xmlns:p15="http://schemas.microsoft.com/office/powerpoint/2012/main" xmlns:p14="http://schemas.microsoft.com/office/powerpoint/2010/main" xmlns:com="http://schemas.openxmlformats.org/drawingml/2006/compatibility" xmlns:pvml="urn:schemas-microsoft-com:office:powerpoint" xmlns:v="urn:schemas-microsoft-com:vml" xmlns:o="urn:schemas-microsoft-com:office:office" xmlns:dgm="http://schemas.openxmlformats.org/drawingml/2006/diagram" xmlns:c="http://schemas.openxmlformats.org/drawingml/2006/chart" xmlns:mv="urn:schemas-microsoft-com:mac:vml" xmlns:mc="http://schemas.openxmlformats.org/markup-compatibility/2006" xmlns="" cellId="232:3:2"/>
+                        <go:slidesCustomData xmlns="" xmlns:mc="http://schemas.openxmlformats.org/markup-compatibility/2006" xmlns:mv="urn:schemas-microsoft-com:mac:vml" xmlns:c="http://schemas.openxmlformats.org/drawingml/2006/chart" xmlns:dgm="http://schemas.openxmlformats.org/drawingml/2006/diagram" xmlns:o="urn:schemas-microsoft-com:office:office" xmlns:v="urn:schemas-microsoft-com:vml" xmlns:pvml="urn:schemas-microsoft-com:office:powerpoint" xmlns:com="http://schemas.openxmlformats.org/drawingml/2006/compatibility" xmlns:p14="http://schemas.microsoft.com/office/powerpoint/2010/main" xmlns:p15="http://schemas.microsoft.com/office/powerpoint/2012/main" xmlns:go="http://customooxmlschemas.google.com/" cellId="232:3:2"/>
                       </a:ext>
                     </a:extLst>
                   </a:tcPr>
@@ -43270,7 +43241,7 @@
                     </a:lnB>
                     <a:extLst>
                       <a:ext uri="http://customooxmlschemas.google.com/">
-                        <go:slidesCustomData xmlns:go="http://customooxmlschemas.google.com/" xmlns:p15="http://schemas.microsoft.com/office/powerpoint/2012/main" xmlns:p14="http://schemas.microsoft.com/office/powerpoint/2010/main" xmlns:com="http://schemas.openxmlformats.org/drawingml/2006/compatibility" xmlns:pvml="urn:schemas-microsoft-com:office:powerpoint" xmlns:v="urn:schemas-microsoft-com:vml" xmlns:o="urn:schemas-microsoft-com:office:office" xmlns:dgm="http://schemas.openxmlformats.org/drawingml/2006/diagram" xmlns:c="http://schemas.openxmlformats.org/drawingml/2006/chart" xmlns:mv="urn:schemas-microsoft-com:mac:vml" xmlns:mc="http://schemas.openxmlformats.org/markup-compatibility/2006" xmlns="" cellId="232:3:3"/>
+                        <go:slidesCustomData xmlns="" xmlns:mc="http://schemas.openxmlformats.org/markup-compatibility/2006" xmlns:mv="urn:schemas-microsoft-com:mac:vml" xmlns:c="http://schemas.openxmlformats.org/drawingml/2006/chart" xmlns:dgm="http://schemas.openxmlformats.org/drawingml/2006/diagram" xmlns:o="urn:schemas-microsoft-com:office:office" xmlns:v="urn:schemas-microsoft-com:vml" xmlns:pvml="urn:schemas-microsoft-com:office:powerpoint" xmlns:com="http://schemas.openxmlformats.org/drawingml/2006/compatibility" xmlns:p14="http://schemas.microsoft.com/office/powerpoint/2010/main" xmlns:p15="http://schemas.microsoft.com/office/powerpoint/2012/main" xmlns:go="http://customooxmlschemas.google.com/" cellId="232:3:3"/>
                       </a:ext>
                     </a:extLst>
                   </a:tcPr>
@@ -43339,7 +43310,7 @@
                     </a:lnB>
                     <a:extLst>
                       <a:ext uri="http://customooxmlschemas.google.com/">
-                        <go:slidesCustomData xmlns:go="http://customooxmlschemas.google.com/" xmlns:p15="http://schemas.microsoft.com/office/powerpoint/2012/main" xmlns:p14="http://schemas.microsoft.com/office/powerpoint/2010/main" xmlns:com="http://schemas.openxmlformats.org/drawingml/2006/compatibility" xmlns:pvml="urn:schemas-microsoft-com:office:powerpoint" xmlns:v="urn:schemas-microsoft-com:vml" xmlns:o="urn:schemas-microsoft-com:office:office" xmlns:dgm="http://schemas.openxmlformats.org/drawingml/2006/diagram" xmlns:c="http://schemas.openxmlformats.org/drawingml/2006/chart" xmlns:mv="urn:schemas-microsoft-com:mac:vml" xmlns:mc="http://schemas.openxmlformats.org/markup-compatibility/2006" xmlns="" cellId="232:3:4"/>
+                        <go:slidesCustomData xmlns="" xmlns:mc="http://schemas.openxmlformats.org/markup-compatibility/2006" xmlns:mv="urn:schemas-microsoft-com:mac:vml" xmlns:c="http://schemas.openxmlformats.org/drawingml/2006/chart" xmlns:dgm="http://schemas.openxmlformats.org/drawingml/2006/diagram" xmlns:o="urn:schemas-microsoft-com:office:office" xmlns:v="urn:schemas-microsoft-com:vml" xmlns:pvml="urn:schemas-microsoft-com:office:powerpoint" xmlns:com="http://schemas.openxmlformats.org/drawingml/2006/compatibility" xmlns:p14="http://schemas.microsoft.com/office/powerpoint/2010/main" xmlns:p15="http://schemas.microsoft.com/office/powerpoint/2012/main" xmlns:go="http://customooxmlschemas.google.com/" cellId="232:3:4"/>
                       </a:ext>
                     </a:extLst>
                   </a:tcPr>
@@ -43408,7 +43379,7 @@
                     </a:lnB>
                     <a:extLst>
                       <a:ext uri="http://customooxmlschemas.google.com/">
-                        <go:slidesCustomData xmlns:go="http://customooxmlschemas.google.com/" xmlns:p15="http://schemas.microsoft.com/office/powerpoint/2012/main" xmlns:p14="http://schemas.microsoft.com/office/powerpoint/2010/main" xmlns:com="http://schemas.openxmlformats.org/drawingml/2006/compatibility" xmlns:pvml="urn:schemas-microsoft-com:office:powerpoint" xmlns:v="urn:schemas-microsoft-com:vml" xmlns:o="urn:schemas-microsoft-com:office:office" xmlns:dgm="http://schemas.openxmlformats.org/drawingml/2006/diagram" xmlns:c="http://schemas.openxmlformats.org/drawingml/2006/chart" xmlns:mv="urn:schemas-microsoft-com:mac:vml" xmlns:mc="http://schemas.openxmlformats.org/markup-compatibility/2006" xmlns="" cellId="232:3:5"/>
+                        <go:slidesCustomData xmlns="" xmlns:mc="http://schemas.openxmlformats.org/markup-compatibility/2006" xmlns:mv="urn:schemas-microsoft-com:mac:vml" xmlns:c="http://schemas.openxmlformats.org/drawingml/2006/chart" xmlns:dgm="http://schemas.openxmlformats.org/drawingml/2006/diagram" xmlns:o="urn:schemas-microsoft-com:office:office" xmlns:v="urn:schemas-microsoft-com:vml" xmlns:pvml="urn:schemas-microsoft-com:office:powerpoint" xmlns:com="http://schemas.openxmlformats.org/drawingml/2006/compatibility" xmlns:p14="http://schemas.microsoft.com/office/powerpoint/2010/main" xmlns:p15="http://schemas.microsoft.com/office/powerpoint/2012/main" xmlns:go="http://customooxmlschemas.google.com/" cellId="232:3:5"/>
                       </a:ext>
                     </a:extLst>
                   </a:tcPr>
@@ -43489,7 +43460,7 @@
                     </a:lnB>
                     <a:extLst>
                       <a:ext uri="http://customooxmlschemas.google.com/">
-                        <go:slidesCustomData xmlns:go="http://customooxmlschemas.google.com/" xmlns:p15="http://schemas.microsoft.com/office/powerpoint/2012/main" xmlns:p14="http://schemas.microsoft.com/office/powerpoint/2010/main" xmlns:com="http://schemas.openxmlformats.org/drawingml/2006/compatibility" xmlns:pvml="urn:schemas-microsoft-com:office:powerpoint" xmlns:v="urn:schemas-microsoft-com:vml" xmlns:o="urn:schemas-microsoft-com:office:office" xmlns:dgm="http://schemas.openxmlformats.org/drawingml/2006/diagram" xmlns:c="http://schemas.openxmlformats.org/drawingml/2006/chart" xmlns:mv="urn:schemas-microsoft-com:mac:vml" xmlns:mc="http://schemas.openxmlformats.org/markup-compatibility/2006" xmlns="" cellId="232:3:6"/>
+                        <go:slidesCustomData xmlns="" xmlns:mc="http://schemas.openxmlformats.org/markup-compatibility/2006" xmlns:mv="urn:schemas-microsoft-com:mac:vml" xmlns:c="http://schemas.openxmlformats.org/drawingml/2006/chart" xmlns:dgm="http://schemas.openxmlformats.org/drawingml/2006/diagram" xmlns:o="urn:schemas-microsoft-com:office:office" xmlns:v="urn:schemas-microsoft-com:vml" xmlns:pvml="urn:schemas-microsoft-com:office:powerpoint" xmlns:com="http://schemas.openxmlformats.org/drawingml/2006/compatibility" xmlns:p14="http://schemas.microsoft.com/office/powerpoint/2010/main" xmlns:p15="http://schemas.microsoft.com/office/powerpoint/2012/main" xmlns:go="http://customooxmlschemas.google.com/" cellId="232:3:6"/>
                       </a:ext>
                     </a:extLst>
                   </a:tcPr>
@@ -43577,7 +43548,7 @@
                     </a:lnB>
                     <a:extLst>
                       <a:ext uri="http://customooxmlschemas.google.com/">
-                        <go:slidesCustomData xmlns:go="http://customooxmlschemas.google.com/" xmlns:p15="http://schemas.microsoft.com/office/powerpoint/2012/main" xmlns:p14="http://schemas.microsoft.com/office/powerpoint/2010/main" xmlns:com="http://schemas.openxmlformats.org/drawingml/2006/compatibility" xmlns:pvml="urn:schemas-microsoft-com:office:powerpoint" xmlns:v="urn:schemas-microsoft-com:vml" xmlns:o="urn:schemas-microsoft-com:office:office" xmlns:dgm="http://schemas.openxmlformats.org/drawingml/2006/diagram" xmlns:c="http://schemas.openxmlformats.org/drawingml/2006/chart" xmlns:mv="urn:schemas-microsoft-com:mac:vml" xmlns:mc="http://schemas.openxmlformats.org/markup-compatibility/2006" xmlns="" cellId="232:4:0"/>
+                        <go:slidesCustomData xmlns="" xmlns:mc="http://schemas.openxmlformats.org/markup-compatibility/2006" xmlns:mv="urn:schemas-microsoft-com:mac:vml" xmlns:c="http://schemas.openxmlformats.org/drawingml/2006/chart" xmlns:dgm="http://schemas.openxmlformats.org/drawingml/2006/diagram" xmlns:o="urn:schemas-microsoft-com:office:office" xmlns:v="urn:schemas-microsoft-com:vml" xmlns:pvml="urn:schemas-microsoft-com:office:powerpoint" xmlns:com="http://schemas.openxmlformats.org/drawingml/2006/compatibility" xmlns:p14="http://schemas.microsoft.com/office/powerpoint/2010/main" xmlns:p15="http://schemas.microsoft.com/office/powerpoint/2012/main" xmlns:go="http://customooxmlschemas.google.com/" cellId="232:4:0"/>
                       </a:ext>
                     </a:extLst>
                   </a:tcPr>
@@ -43658,7 +43629,7 @@
                     </a:lnB>
                     <a:extLst>
                       <a:ext uri="http://customooxmlschemas.google.com/">
-                        <go:slidesCustomData xmlns:go="http://customooxmlschemas.google.com/" xmlns:p15="http://schemas.microsoft.com/office/powerpoint/2012/main" xmlns:p14="http://schemas.microsoft.com/office/powerpoint/2010/main" xmlns:com="http://schemas.openxmlformats.org/drawingml/2006/compatibility" xmlns:pvml="urn:schemas-microsoft-com:office:powerpoint" xmlns:v="urn:schemas-microsoft-com:vml" xmlns:o="urn:schemas-microsoft-com:office:office" xmlns:dgm="http://schemas.openxmlformats.org/drawingml/2006/diagram" xmlns:c="http://schemas.openxmlformats.org/drawingml/2006/chart" xmlns:mv="urn:schemas-microsoft-com:mac:vml" xmlns:mc="http://schemas.openxmlformats.org/markup-compatibility/2006" xmlns="" cellId="232:4:1"/>
+                        <go:slidesCustomData xmlns="" xmlns:mc="http://schemas.openxmlformats.org/markup-compatibility/2006" xmlns:mv="urn:schemas-microsoft-com:mac:vml" xmlns:c="http://schemas.openxmlformats.org/drawingml/2006/chart" xmlns:dgm="http://schemas.openxmlformats.org/drawingml/2006/diagram" xmlns:o="urn:schemas-microsoft-com:office:office" xmlns:v="urn:schemas-microsoft-com:vml" xmlns:pvml="urn:schemas-microsoft-com:office:powerpoint" xmlns:com="http://schemas.openxmlformats.org/drawingml/2006/compatibility" xmlns:p14="http://schemas.microsoft.com/office/powerpoint/2010/main" xmlns:p15="http://schemas.microsoft.com/office/powerpoint/2012/main" xmlns:go="http://customooxmlschemas.google.com/" cellId="232:4:1"/>
                       </a:ext>
                     </a:extLst>
                   </a:tcPr>
@@ -43739,7 +43710,7 @@
                     </a:lnB>
                     <a:extLst>
                       <a:ext uri="http://customooxmlschemas.google.com/">
-                        <go:slidesCustomData xmlns:go="http://customooxmlschemas.google.com/" xmlns:p15="http://schemas.microsoft.com/office/powerpoint/2012/main" xmlns:p14="http://schemas.microsoft.com/office/powerpoint/2010/main" xmlns:com="http://schemas.openxmlformats.org/drawingml/2006/compatibility" xmlns:pvml="urn:schemas-microsoft-com:office:powerpoint" xmlns:v="urn:schemas-microsoft-com:vml" xmlns:o="urn:schemas-microsoft-com:office:office" xmlns:dgm="http://schemas.openxmlformats.org/drawingml/2006/diagram" xmlns:c="http://schemas.openxmlformats.org/drawingml/2006/chart" xmlns:mv="urn:schemas-microsoft-com:mac:vml" xmlns:mc="http://schemas.openxmlformats.org/markup-compatibility/2006" xmlns="" cellId="232:4:2"/>
+                        <go:slidesCustomData xmlns="" xmlns:mc="http://schemas.openxmlformats.org/markup-compatibility/2006" xmlns:mv="urn:schemas-microsoft-com:mac:vml" xmlns:c="http://schemas.openxmlformats.org/drawingml/2006/chart" xmlns:dgm="http://schemas.openxmlformats.org/drawingml/2006/diagram" xmlns:o="urn:schemas-microsoft-com:office:office" xmlns:v="urn:schemas-microsoft-com:vml" xmlns:pvml="urn:schemas-microsoft-com:office:powerpoint" xmlns:com="http://schemas.openxmlformats.org/drawingml/2006/compatibility" xmlns:p14="http://schemas.microsoft.com/office/powerpoint/2010/main" xmlns:p15="http://schemas.microsoft.com/office/powerpoint/2012/main" xmlns:go="http://customooxmlschemas.google.com/" cellId="232:4:2"/>
                       </a:ext>
                     </a:extLst>
                   </a:tcPr>
@@ -43820,7 +43791,7 @@
                     </a:lnB>
                     <a:extLst>
                       <a:ext uri="http://customooxmlschemas.google.com/">
-                        <go:slidesCustomData xmlns:go="http://customooxmlschemas.google.com/" xmlns:p15="http://schemas.microsoft.com/office/powerpoint/2012/main" xmlns:p14="http://schemas.microsoft.com/office/powerpoint/2010/main" xmlns:com="http://schemas.openxmlformats.org/drawingml/2006/compatibility" xmlns:pvml="urn:schemas-microsoft-com:office:powerpoint" xmlns:v="urn:schemas-microsoft-com:vml" xmlns:o="urn:schemas-microsoft-com:office:office" xmlns:dgm="http://schemas.openxmlformats.org/drawingml/2006/diagram" xmlns:c="http://schemas.openxmlformats.org/drawingml/2006/chart" xmlns:mv="urn:schemas-microsoft-com:mac:vml" xmlns:mc="http://schemas.openxmlformats.org/markup-compatibility/2006" xmlns="" cellId="232:4:3"/>
+                        <go:slidesCustomData xmlns="" xmlns:mc="http://schemas.openxmlformats.org/markup-compatibility/2006" xmlns:mv="urn:schemas-microsoft-com:mac:vml" xmlns:c="http://schemas.openxmlformats.org/drawingml/2006/chart" xmlns:dgm="http://schemas.openxmlformats.org/drawingml/2006/diagram" xmlns:o="urn:schemas-microsoft-com:office:office" xmlns:v="urn:schemas-microsoft-com:vml" xmlns:pvml="urn:schemas-microsoft-com:office:powerpoint" xmlns:com="http://schemas.openxmlformats.org/drawingml/2006/compatibility" xmlns:p14="http://schemas.microsoft.com/office/powerpoint/2010/main" xmlns:p15="http://schemas.microsoft.com/office/powerpoint/2012/main" xmlns:go="http://customooxmlschemas.google.com/" cellId="232:4:3"/>
                       </a:ext>
                     </a:extLst>
                   </a:tcPr>
@@ -43901,7 +43872,7 @@
                     </a:lnB>
                     <a:extLst>
                       <a:ext uri="http://customooxmlschemas.google.com/">
-                        <go:slidesCustomData xmlns:go="http://customooxmlschemas.google.com/" xmlns:p15="http://schemas.microsoft.com/office/powerpoint/2012/main" xmlns:p14="http://schemas.microsoft.com/office/powerpoint/2010/main" xmlns:com="http://schemas.openxmlformats.org/drawingml/2006/compatibility" xmlns:pvml="urn:schemas-microsoft-com:office:powerpoint" xmlns:v="urn:schemas-microsoft-com:vml" xmlns:o="urn:schemas-microsoft-com:office:office" xmlns:dgm="http://schemas.openxmlformats.org/drawingml/2006/diagram" xmlns:c="http://schemas.openxmlformats.org/drawingml/2006/chart" xmlns:mv="urn:schemas-microsoft-com:mac:vml" xmlns:mc="http://schemas.openxmlformats.org/markup-compatibility/2006" xmlns="" cellId="232:4:4"/>
+                        <go:slidesCustomData xmlns="" xmlns:mc="http://schemas.openxmlformats.org/markup-compatibility/2006" xmlns:mv="urn:schemas-microsoft-com:mac:vml" xmlns:c="http://schemas.openxmlformats.org/drawingml/2006/chart" xmlns:dgm="http://schemas.openxmlformats.org/drawingml/2006/diagram" xmlns:o="urn:schemas-microsoft-com:office:office" xmlns:v="urn:schemas-microsoft-com:vml" xmlns:pvml="urn:schemas-microsoft-com:office:powerpoint" xmlns:com="http://schemas.openxmlformats.org/drawingml/2006/compatibility" xmlns:p14="http://schemas.microsoft.com/office/powerpoint/2010/main" xmlns:p15="http://schemas.microsoft.com/office/powerpoint/2012/main" xmlns:go="http://customooxmlschemas.google.com/" cellId="232:4:4"/>
                       </a:ext>
                     </a:extLst>
                   </a:tcPr>
@@ -43982,7 +43953,7 @@
                     </a:lnB>
                     <a:extLst>
                       <a:ext uri="http://customooxmlschemas.google.com/">
-                        <go:slidesCustomData xmlns:go="http://customooxmlschemas.google.com/" xmlns:p15="http://schemas.microsoft.com/office/powerpoint/2012/main" xmlns:p14="http://schemas.microsoft.com/office/powerpoint/2010/main" xmlns:com="http://schemas.openxmlformats.org/drawingml/2006/compatibility" xmlns:pvml="urn:schemas-microsoft-com:office:powerpoint" xmlns:v="urn:schemas-microsoft-com:vml" xmlns:o="urn:schemas-microsoft-com:office:office" xmlns:dgm="http://schemas.openxmlformats.org/drawingml/2006/diagram" xmlns:c="http://schemas.openxmlformats.org/drawingml/2006/chart" xmlns:mv="urn:schemas-microsoft-com:mac:vml" xmlns:mc="http://schemas.openxmlformats.org/markup-compatibility/2006" xmlns="" cellId="232:4:5"/>
+                        <go:slidesCustomData xmlns="" xmlns:mc="http://schemas.openxmlformats.org/markup-compatibility/2006" xmlns:mv="urn:schemas-microsoft-com:mac:vml" xmlns:c="http://schemas.openxmlformats.org/drawingml/2006/chart" xmlns:dgm="http://schemas.openxmlformats.org/drawingml/2006/diagram" xmlns:o="urn:schemas-microsoft-com:office:office" xmlns:v="urn:schemas-microsoft-com:vml" xmlns:pvml="urn:schemas-microsoft-com:office:powerpoint" xmlns:com="http://schemas.openxmlformats.org/drawingml/2006/compatibility" xmlns:p14="http://schemas.microsoft.com/office/powerpoint/2010/main" xmlns:p15="http://schemas.microsoft.com/office/powerpoint/2012/main" xmlns:go="http://customooxmlschemas.google.com/" cellId="232:4:5"/>
                       </a:ext>
                     </a:extLst>
                   </a:tcPr>
@@ -44063,7 +44034,7 @@
                     </a:lnB>
                     <a:extLst>
                       <a:ext uri="http://customooxmlschemas.google.com/">
-                        <go:slidesCustomData xmlns:go="http://customooxmlschemas.google.com/" xmlns:p15="http://schemas.microsoft.com/office/powerpoint/2012/main" xmlns:p14="http://schemas.microsoft.com/office/powerpoint/2010/main" xmlns:com="http://schemas.openxmlformats.org/drawingml/2006/compatibility" xmlns:pvml="urn:schemas-microsoft-com:office:powerpoint" xmlns:v="urn:schemas-microsoft-com:vml" xmlns:o="urn:schemas-microsoft-com:office:office" xmlns:dgm="http://schemas.openxmlformats.org/drawingml/2006/diagram" xmlns:c="http://schemas.openxmlformats.org/drawingml/2006/chart" xmlns:mv="urn:schemas-microsoft-com:mac:vml" xmlns:mc="http://schemas.openxmlformats.org/markup-compatibility/2006" xmlns="" cellId="232:4:6"/>
+                        <go:slidesCustomData xmlns="" xmlns:mc="http://schemas.openxmlformats.org/markup-compatibility/2006" xmlns:mv="urn:schemas-microsoft-com:mac:vml" xmlns:c="http://schemas.openxmlformats.org/drawingml/2006/chart" xmlns:dgm="http://schemas.openxmlformats.org/drawingml/2006/diagram" xmlns:o="urn:schemas-microsoft-com:office:office" xmlns:v="urn:schemas-microsoft-com:vml" xmlns:pvml="urn:schemas-microsoft-com:office:powerpoint" xmlns:com="http://schemas.openxmlformats.org/drawingml/2006/compatibility" xmlns:p14="http://schemas.microsoft.com/office/powerpoint/2010/main" xmlns:p15="http://schemas.microsoft.com/office/powerpoint/2012/main" xmlns:go="http://customooxmlschemas.google.com/" cellId="232:4:6"/>
                       </a:ext>
                     </a:extLst>
                   </a:tcPr>
@@ -44139,7 +44110,7 @@
                     </a:lnB>
                     <a:extLst>
                       <a:ext uri="http://customooxmlschemas.google.com/">
-                        <go:slidesCustomData xmlns:go="http://customooxmlschemas.google.com/" xmlns:p15="http://schemas.microsoft.com/office/powerpoint/2012/main" xmlns:p14="http://schemas.microsoft.com/office/powerpoint/2010/main" xmlns:com="http://schemas.openxmlformats.org/drawingml/2006/compatibility" xmlns:pvml="urn:schemas-microsoft-com:office:powerpoint" xmlns:v="urn:schemas-microsoft-com:vml" xmlns:o="urn:schemas-microsoft-com:office:office" xmlns:dgm="http://schemas.openxmlformats.org/drawingml/2006/diagram" xmlns:c="http://schemas.openxmlformats.org/drawingml/2006/chart" xmlns:mv="urn:schemas-microsoft-com:mac:vml" xmlns:mc="http://schemas.openxmlformats.org/markup-compatibility/2006" xmlns="" cellId="232:5:0"/>
+                        <go:slidesCustomData xmlns="" xmlns:mc="http://schemas.openxmlformats.org/markup-compatibility/2006" xmlns:mv="urn:schemas-microsoft-com:mac:vml" xmlns:c="http://schemas.openxmlformats.org/drawingml/2006/chart" xmlns:dgm="http://schemas.openxmlformats.org/drawingml/2006/diagram" xmlns:o="urn:schemas-microsoft-com:office:office" xmlns:v="urn:schemas-microsoft-com:vml" xmlns:pvml="urn:schemas-microsoft-com:office:powerpoint" xmlns:com="http://schemas.openxmlformats.org/drawingml/2006/compatibility" xmlns:p14="http://schemas.microsoft.com/office/powerpoint/2010/main" xmlns:p15="http://schemas.microsoft.com/office/powerpoint/2012/main" xmlns:go="http://customooxmlschemas.google.com/" cellId="232:5:0"/>
                       </a:ext>
                     </a:extLst>
                   </a:tcPr>
@@ -44208,7 +44179,7 @@
                     </a:lnB>
                     <a:extLst>
                       <a:ext uri="http://customooxmlschemas.google.com/">
-                        <go:slidesCustomData xmlns:go="http://customooxmlschemas.google.com/" xmlns:p15="http://schemas.microsoft.com/office/powerpoint/2012/main" xmlns:p14="http://schemas.microsoft.com/office/powerpoint/2010/main" xmlns:com="http://schemas.openxmlformats.org/drawingml/2006/compatibility" xmlns:pvml="urn:schemas-microsoft-com:office:powerpoint" xmlns:v="urn:schemas-microsoft-com:vml" xmlns:o="urn:schemas-microsoft-com:office:office" xmlns:dgm="http://schemas.openxmlformats.org/drawingml/2006/diagram" xmlns:c="http://schemas.openxmlformats.org/drawingml/2006/chart" xmlns:mv="urn:schemas-microsoft-com:mac:vml" xmlns:mc="http://schemas.openxmlformats.org/markup-compatibility/2006" xmlns="" cellId="232:5:1"/>
+                        <go:slidesCustomData xmlns="" xmlns:mc="http://schemas.openxmlformats.org/markup-compatibility/2006" xmlns:mv="urn:schemas-microsoft-com:mac:vml" xmlns:c="http://schemas.openxmlformats.org/drawingml/2006/chart" xmlns:dgm="http://schemas.openxmlformats.org/drawingml/2006/diagram" xmlns:o="urn:schemas-microsoft-com:office:office" xmlns:v="urn:schemas-microsoft-com:vml" xmlns:pvml="urn:schemas-microsoft-com:office:powerpoint" xmlns:com="http://schemas.openxmlformats.org/drawingml/2006/compatibility" xmlns:p14="http://schemas.microsoft.com/office/powerpoint/2010/main" xmlns:p15="http://schemas.microsoft.com/office/powerpoint/2012/main" xmlns:go="http://customooxmlschemas.google.com/" cellId="232:5:1"/>
                       </a:ext>
                     </a:extLst>
                   </a:tcPr>
@@ -44277,7 +44248,7 @@
                     </a:lnB>
                     <a:extLst>
                       <a:ext uri="http://customooxmlschemas.google.com/">
-                        <go:slidesCustomData xmlns:go="http://customooxmlschemas.google.com/" xmlns:p15="http://schemas.microsoft.com/office/powerpoint/2012/main" xmlns:p14="http://schemas.microsoft.com/office/powerpoint/2010/main" xmlns:com="http://schemas.openxmlformats.org/drawingml/2006/compatibility" xmlns:pvml="urn:schemas-microsoft-com:office:powerpoint" xmlns:v="urn:schemas-microsoft-com:vml" xmlns:o="urn:schemas-microsoft-com:office:office" xmlns:dgm="http://schemas.openxmlformats.org/drawingml/2006/diagram" xmlns:c="http://schemas.openxmlformats.org/drawingml/2006/chart" xmlns:mv="urn:schemas-microsoft-com:mac:vml" xmlns:mc="http://schemas.openxmlformats.org/markup-compatibility/2006" xmlns="" cellId="232:5:2"/>
+                        <go:slidesCustomData xmlns="" xmlns:mc="http://schemas.openxmlformats.org/markup-compatibility/2006" xmlns:mv="urn:schemas-microsoft-com:mac:vml" xmlns:c="http://schemas.openxmlformats.org/drawingml/2006/chart" xmlns:dgm="http://schemas.openxmlformats.org/drawingml/2006/diagram" xmlns:o="urn:schemas-microsoft-com:office:office" xmlns:v="urn:schemas-microsoft-com:vml" xmlns:pvml="urn:schemas-microsoft-com:office:powerpoint" xmlns:com="http://schemas.openxmlformats.org/drawingml/2006/compatibility" xmlns:p14="http://schemas.microsoft.com/office/powerpoint/2010/main" xmlns:p15="http://schemas.microsoft.com/office/powerpoint/2012/main" xmlns:go="http://customooxmlschemas.google.com/" cellId="232:5:2"/>
                       </a:ext>
                     </a:extLst>
                   </a:tcPr>
@@ -44346,7 +44317,7 @@
                     </a:lnB>
                     <a:extLst>
                       <a:ext uri="http://customooxmlschemas.google.com/">
-                        <go:slidesCustomData xmlns:go="http://customooxmlschemas.google.com/" xmlns:p15="http://schemas.microsoft.com/office/powerpoint/2012/main" xmlns:p14="http://schemas.microsoft.com/office/powerpoint/2010/main" xmlns:com="http://schemas.openxmlformats.org/drawingml/2006/compatibility" xmlns:pvml="urn:schemas-microsoft-com:office:powerpoint" xmlns:v="urn:schemas-microsoft-com:vml" xmlns:o="urn:schemas-microsoft-com:office:office" xmlns:dgm="http://schemas.openxmlformats.org/drawingml/2006/diagram" xmlns:c="http://schemas.openxmlformats.org/drawingml/2006/chart" xmlns:mv="urn:schemas-microsoft-com:mac:vml" xmlns:mc="http://schemas.openxmlformats.org/markup-compatibility/2006" xmlns="" cellId="232:5:3"/>
+                        <go:slidesCustomData xmlns="" xmlns:mc="http://schemas.openxmlformats.org/markup-compatibility/2006" xmlns:mv="urn:schemas-microsoft-com:mac:vml" xmlns:c="http://schemas.openxmlformats.org/drawingml/2006/chart" xmlns:dgm="http://schemas.openxmlformats.org/drawingml/2006/diagram" xmlns:o="urn:schemas-microsoft-com:office:office" xmlns:v="urn:schemas-microsoft-com:vml" xmlns:pvml="urn:schemas-microsoft-com:office:powerpoint" xmlns:com="http://schemas.openxmlformats.org/drawingml/2006/compatibility" xmlns:p14="http://schemas.microsoft.com/office/powerpoint/2010/main" xmlns:p15="http://schemas.microsoft.com/office/powerpoint/2012/main" xmlns:go="http://customooxmlschemas.google.com/" cellId="232:5:3"/>
                       </a:ext>
                     </a:extLst>
                   </a:tcPr>
@@ -44415,7 +44386,7 @@
                     </a:lnB>
                     <a:extLst>
                       <a:ext uri="http://customooxmlschemas.google.com/">
-                        <go:slidesCustomData xmlns:go="http://customooxmlschemas.google.com/" xmlns:p15="http://schemas.microsoft.com/office/powerpoint/2012/main" xmlns:p14="http://schemas.microsoft.com/office/powerpoint/2010/main" xmlns:com="http://schemas.openxmlformats.org/drawingml/2006/compatibility" xmlns:pvml="urn:schemas-microsoft-com:office:powerpoint" xmlns:v="urn:schemas-microsoft-com:vml" xmlns:o="urn:schemas-microsoft-com:office:office" xmlns:dgm="http://schemas.openxmlformats.org/drawingml/2006/diagram" xmlns:c="http://schemas.openxmlformats.org/drawingml/2006/chart" xmlns:mv="urn:schemas-microsoft-com:mac:vml" xmlns:mc="http://schemas.openxmlformats.org/markup-compatibility/2006" xmlns="" cellId="232:5:4"/>
+                        <go:slidesCustomData xmlns="" xmlns:mc="http://schemas.openxmlformats.org/markup-compatibility/2006" xmlns:mv="urn:schemas-microsoft-com:mac:vml" xmlns:c="http://schemas.openxmlformats.org/drawingml/2006/chart" xmlns:dgm="http://schemas.openxmlformats.org/drawingml/2006/diagram" xmlns:o="urn:schemas-microsoft-com:office:office" xmlns:v="urn:schemas-microsoft-com:vml" xmlns:pvml="urn:schemas-microsoft-com:office:powerpoint" xmlns:com="http://schemas.openxmlformats.org/drawingml/2006/compatibility" xmlns:p14="http://schemas.microsoft.com/office/powerpoint/2010/main" xmlns:p15="http://schemas.microsoft.com/office/powerpoint/2012/main" xmlns:go="http://customooxmlschemas.google.com/" cellId="232:5:4"/>
                       </a:ext>
                     </a:extLst>
                   </a:tcPr>
@@ -44484,7 +44455,7 @@
                     </a:lnB>
                     <a:extLst>
                       <a:ext uri="http://customooxmlschemas.google.com/">
-                        <go:slidesCustomData xmlns:go="http://customooxmlschemas.google.com/" xmlns:p15="http://schemas.microsoft.com/office/powerpoint/2012/main" xmlns:p14="http://schemas.microsoft.com/office/powerpoint/2010/main" xmlns:com="http://schemas.openxmlformats.org/drawingml/2006/compatibility" xmlns:pvml="urn:schemas-microsoft-com:office:powerpoint" xmlns:v="urn:schemas-microsoft-com:vml" xmlns:o="urn:schemas-microsoft-com:office:office" xmlns:dgm="http://schemas.openxmlformats.org/drawingml/2006/diagram" xmlns:c="http://schemas.openxmlformats.org/drawingml/2006/chart" xmlns:mv="urn:schemas-microsoft-com:mac:vml" xmlns:mc="http://schemas.openxmlformats.org/markup-compatibility/2006" xmlns="" cellId="232:5:5"/>
+                        <go:slidesCustomData xmlns="" xmlns:mc="http://schemas.openxmlformats.org/markup-compatibility/2006" xmlns:mv="urn:schemas-microsoft-com:mac:vml" xmlns:c="http://schemas.openxmlformats.org/drawingml/2006/chart" xmlns:dgm="http://schemas.openxmlformats.org/drawingml/2006/diagram" xmlns:o="urn:schemas-microsoft-com:office:office" xmlns:v="urn:schemas-microsoft-com:vml" xmlns:pvml="urn:schemas-microsoft-com:office:powerpoint" xmlns:com="http://schemas.openxmlformats.org/drawingml/2006/compatibility" xmlns:p14="http://schemas.microsoft.com/office/powerpoint/2010/main" xmlns:p15="http://schemas.microsoft.com/office/powerpoint/2012/main" xmlns:go="http://customooxmlschemas.google.com/" cellId="232:5:5"/>
                       </a:ext>
                     </a:extLst>
                   </a:tcPr>
@@ -44553,7 +44524,7 @@
                     </a:lnB>
                     <a:extLst>
                       <a:ext uri="http://customooxmlschemas.google.com/">
-                        <go:slidesCustomData xmlns:go="http://customooxmlschemas.google.com/" xmlns:p15="http://schemas.microsoft.com/office/powerpoint/2012/main" xmlns:p14="http://schemas.microsoft.com/office/powerpoint/2010/main" xmlns:com="http://schemas.openxmlformats.org/drawingml/2006/compatibility" xmlns:pvml="urn:schemas-microsoft-com:office:powerpoint" xmlns:v="urn:schemas-microsoft-com:vml" xmlns:o="urn:schemas-microsoft-com:office:office" xmlns:dgm="http://schemas.openxmlformats.org/drawingml/2006/diagram" xmlns:c="http://schemas.openxmlformats.org/drawingml/2006/chart" xmlns:mv="urn:schemas-microsoft-com:mac:vml" xmlns:mc="http://schemas.openxmlformats.org/markup-compatibility/2006" xmlns="" cellId="232:5:6"/>
+                        <go:slidesCustomData xmlns="" xmlns:mc="http://schemas.openxmlformats.org/markup-compatibility/2006" xmlns:mv="urn:schemas-microsoft-com:mac:vml" xmlns:c="http://schemas.openxmlformats.org/drawingml/2006/chart" xmlns:dgm="http://schemas.openxmlformats.org/drawingml/2006/diagram" xmlns:o="urn:schemas-microsoft-com:office:office" xmlns:v="urn:schemas-microsoft-com:vml" xmlns:pvml="urn:schemas-microsoft-com:office:powerpoint" xmlns:com="http://schemas.openxmlformats.org/drawingml/2006/compatibility" xmlns:p14="http://schemas.microsoft.com/office/powerpoint/2010/main" xmlns:p15="http://schemas.microsoft.com/office/powerpoint/2012/main" xmlns:go="http://customooxmlschemas.google.com/" cellId="232:5:6"/>
                       </a:ext>
                     </a:extLst>
                   </a:tcPr>
@@ -44641,7 +44612,7 @@
                     </a:lnB>
                     <a:extLst>
                       <a:ext uri="http://customooxmlschemas.google.com/">
-                        <go:slidesCustomData xmlns:go="http://customooxmlschemas.google.com/" xmlns:p15="http://schemas.microsoft.com/office/powerpoint/2012/main" xmlns:p14="http://schemas.microsoft.com/office/powerpoint/2010/main" xmlns:com="http://schemas.openxmlformats.org/drawingml/2006/compatibility" xmlns:pvml="urn:schemas-microsoft-com:office:powerpoint" xmlns:v="urn:schemas-microsoft-com:vml" xmlns:o="urn:schemas-microsoft-com:office:office" xmlns:dgm="http://schemas.openxmlformats.org/drawingml/2006/diagram" xmlns:c="http://schemas.openxmlformats.org/drawingml/2006/chart" xmlns:mv="urn:schemas-microsoft-com:mac:vml" xmlns:mc="http://schemas.openxmlformats.org/markup-compatibility/2006" xmlns="" cellId="232:6:0"/>
+                        <go:slidesCustomData xmlns="" xmlns:mc="http://schemas.openxmlformats.org/markup-compatibility/2006" xmlns:mv="urn:schemas-microsoft-com:mac:vml" xmlns:c="http://schemas.openxmlformats.org/drawingml/2006/chart" xmlns:dgm="http://schemas.openxmlformats.org/drawingml/2006/diagram" xmlns:o="urn:schemas-microsoft-com:office:office" xmlns:v="urn:schemas-microsoft-com:vml" xmlns:pvml="urn:schemas-microsoft-com:office:powerpoint" xmlns:com="http://schemas.openxmlformats.org/drawingml/2006/compatibility" xmlns:p14="http://schemas.microsoft.com/office/powerpoint/2010/main" xmlns:p15="http://schemas.microsoft.com/office/powerpoint/2012/main" xmlns:go="http://customooxmlschemas.google.com/" cellId="232:6:0"/>
                       </a:ext>
                     </a:extLst>
                   </a:tcPr>
@@ -44722,7 +44693,7 @@
                     </a:lnB>
                     <a:extLst>
                       <a:ext uri="http://customooxmlschemas.google.com/">
-                        <go:slidesCustomData xmlns:go="http://customooxmlschemas.google.com/" xmlns:p15="http://schemas.microsoft.com/office/powerpoint/2012/main" xmlns:p14="http://schemas.microsoft.com/office/powerpoint/2010/main" xmlns:com="http://schemas.openxmlformats.org/drawingml/2006/compatibility" xmlns:pvml="urn:schemas-microsoft-com:office:powerpoint" xmlns:v="urn:schemas-microsoft-com:vml" xmlns:o="urn:schemas-microsoft-com:office:office" xmlns:dgm="http://schemas.openxmlformats.org/drawingml/2006/diagram" xmlns:c="http://schemas.openxmlformats.org/drawingml/2006/chart" xmlns:mv="urn:schemas-microsoft-com:mac:vml" xmlns:mc="http://schemas.openxmlformats.org/markup-compatibility/2006" xmlns="" cellId="232:6:1"/>
+                        <go:slidesCustomData xmlns="" xmlns:mc="http://schemas.openxmlformats.org/markup-compatibility/2006" xmlns:mv="urn:schemas-microsoft-com:mac:vml" xmlns:c="http://schemas.openxmlformats.org/drawingml/2006/chart" xmlns:dgm="http://schemas.openxmlformats.org/drawingml/2006/diagram" xmlns:o="urn:schemas-microsoft-com:office:office" xmlns:v="urn:schemas-microsoft-com:vml" xmlns:pvml="urn:schemas-microsoft-com:office:powerpoint" xmlns:com="http://schemas.openxmlformats.org/drawingml/2006/compatibility" xmlns:p14="http://schemas.microsoft.com/office/powerpoint/2010/main" xmlns:p15="http://schemas.microsoft.com/office/powerpoint/2012/main" xmlns:go="http://customooxmlschemas.google.com/" cellId="232:6:1"/>
                       </a:ext>
                     </a:extLst>
                   </a:tcPr>
@@ -44803,7 +44774,7 @@
                     </a:lnB>
                     <a:extLst>
                       <a:ext uri="http://customooxmlschemas.google.com/">
-                        <go:slidesCustomData xmlns:go="http://customooxmlschemas.google.com/" xmlns:p15="http://schemas.microsoft.com/office/powerpoint/2012/main" xmlns:p14="http://schemas.microsoft.com/office/powerpoint/2010/main" xmlns:com="http://schemas.openxmlformats.org/drawingml/2006/compatibility" xmlns:pvml="urn:schemas-microsoft-com:office:powerpoint" xmlns:v="urn:schemas-microsoft-com:vml" xmlns:o="urn:schemas-microsoft-com:office:office" xmlns:dgm="http://schemas.openxmlformats.org/drawingml/2006/diagram" xmlns:c="http://schemas.openxmlformats.org/drawingml/2006/chart" xmlns:mv="urn:schemas-microsoft-com:mac:vml" xmlns:mc="http://schemas.openxmlformats.org/markup-compatibility/2006" xmlns="" cellId="232:6:2"/>
+                        <go:slidesCustomData xmlns="" xmlns:mc="http://schemas.openxmlformats.org/markup-compatibility/2006" xmlns:mv="urn:schemas-microsoft-com:mac:vml" xmlns:c="http://schemas.openxmlformats.org/drawingml/2006/chart" xmlns:dgm="http://schemas.openxmlformats.org/drawingml/2006/diagram" xmlns:o="urn:schemas-microsoft-com:office:office" xmlns:v="urn:schemas-microsoft-com:vml" xmlns:pvml="urn:schemas-microsoft-com:office:powerpoint" xmlns:com="http://schemas.openxmlformats.org/drawingml/2006/compatibility" xmlns:p14="http://schemas.microsoft.com/office/powerpoint/2010/main" xmlns:p15="http://schemas.microsoft.com/office/powerpoint/2012/main" xmlns:go="http://customooxmlschemas.google.com/" cellId="232:6:2"/>
                       </a:ext>
                     </a:extLst>
                   </a:tcPr>
@@ -44884,7 +44855,7 @@
                     </a:lnB>
                     <a:extLst>
                       <a:ext uri="http://customooxmlschemas.google.com/">
-                        <go:slidesCustomData xmlns:go="http://customooxmlschemas.google.com/" xmlns:p15="http://schemas.microsoft.com/office/powerpoint/2012/main" xmlns:p14="http://schemas.microsoft.com/office/powerpoint/2010/main" xmlns:com="http://schemas.openxmlformats.org/drawingml/2006/compatibility" xmlns:pvml="urn:schemas-microsoft-com:office:powerpoint" xmlns:v="urn:schemas-microsoft-com:vml" xmlns:o="urn:schemas-microsoft-com:office:office" xmlns:dgm="http://schemas.openxmlformats.org/drawingml/2006/diagram" xmlns:c="http://schemas.openxmlformats.org/drawingml/2006/chart" xmlns:mv="urn:schemas-microsoft-com:mac:vml" xmlns:mc="http://schemas.openxmlformats.org/markup-compatibility/2006" xmlns="" cellId="232:6:3"/>
+                        <go:slidesCustomData xmlns="" xmlns:mc="http://schemas.openxmlformats.org/markup-compatibility/2006" xmlns:mv="urn:schemas-microsoft-com:mac:vml" xmlns:c="http://schemas.openxmlformats.org/drawingml/2006/chart" xmlns:dgm="http://schemas.openxmlformats.org/drawingml/2006/diagram" xmlns:o="urn:schemas-microsoft-com:office:office" xmlns:v="urn:schemas-microsoft-com:vml" xmlns:pvml="urn:schemas-microsoft-com:office:powerpoint" xmlns:com="http://schemas.openxmlformats.org/drawingml/2006/compatibility" xmlns:p14="http://schemas.microsoft.com/office/powerpoint/2010/main" xmlns:p15="http://schemas.microsoft.com/office/powerpoint/2012/main" xmlns:go="http://customooxmlschemas.google.com/" cellId="232:6:3"/>
                       </a:ext>
                     </a:extLst>
                   </a:tcPr>
@@ -44965,7 +44936,7 @@
                     </a:lnB>
                     <a:extLst>
                       <a:ext uri="http://customooxmlschemas.google.com/">
-                        <go:slidesCustomData xmlns:go="http://customooxmlschemas.google.com/" xmlns:p15="http://schemas.microsoft.com/office/powerpoint/2012/main" xmlns:p14="http://schemas.microsoft.com/office/powerpoint/2010/main" xmlns:com="http://schemas.openxmlformats.org/drawingml/2006/compatibility" xmlns:pvml="urn:schemas-microsoft-com:office:powerpoint" xmlns:v="urn:schemas-microsoft-com:vml" xmlns:o="urn:schemas-microsoft-com:office:office" xmlns:dgm="http://schemas.openxmlformats.org/drawingml/2006/diagram" xmlns:c="http://schemas.openxmlformats.org/drawingml/2006/chart" xmlns:mv="urn:schemas-microsoft-com:mac:vml" xmlns:mc="http://schemas.openxmlformats.org/markup-compatibility/2006" xmlns="" cellId="232:6:4"/>
+                        <go:slidesCustomData xmlns="" xmlns:mc="http://schemas.openxmlformats.org/markup-compatibility/2006" xmlns:mv="urn:schemas-microsoft-com:mac:vml" xmlns:c="http://schemas.openxmlformats.org/drawingml/2006/chart" xmlns:dgm="http://schemas.openxmlformats.org/drawingml/2006/diagram" xmlns:o="urn:schemas-microsoft-com:office:office" xmlns:v="urn:schemas-microsoft-com:vml" xmlns:pvml="urn:schemas-microsoft-com:office:powerpoint" xmlns:com="http://schemas.openxmlformats.org/drawingml/2006/compatibility" xmlns:p14="http://schemas.microsoft.com/office/powerpoint/2010/main" xmlns:p15="http://schemas.microsoft.com/office/powerpoint/2012/main" xmlns:go="http://customooxmlschemas.google.com/" cellId="232:6:4"/>
                       </a:ext>
                     </a:extLst>
                   </a:tcPr>
@@ -45046,7 +45017,7 @@
                     </a:lnB>
                     <a:extLst>
                       <a:ext uri="http://customooxmlschemas.google.com/">
-                        <go:slidesCustomData xmlns:go="http://customooxmlschemas.google.com/" xmlns:p15="http://schemas.microsoft.com/office/powerpoint/2012/main" xmlns:p14="http://schemas.microsoft.com/office/powerpoint/2010/main" xmlns:com="http://schemas.openxmlformats.org/drawingml/2006/compatibility" xmlns:pvml="urn:schemas-microsoft-com:office:powerpoint" xmlns:v="urn:schemas-microsoft-com:vml" xmlns:o="urn:schemas-microsoft-com:office:office" xmlns:dgm="http://schemas.openxmlformats.org/drawingml/2006/diagram" xmlns:c="http://schemas.openxmlformats.org/drawingml/2006/chart" xmlns:mv="urn:schemas-microsoft-com:mac:vml" xmlns:mc="http://schemas.openxmlformats.org/markup-compatibility/2006" xmlns="" cellId="232:6:5"/>
+                        <go:slidesCustomData xmlns="" xmlns:mc="http://schemas.openxmlformats.org/markup-compatibility/2006" xmlns:mv="urn:schemas-microsoft-com:mac:vml" xmlns:c="http://schemas.openxmlformats.org/drawingml/2006/chart" xmlns:dgm="http://schemas.openxmlformats.org/drawingml/2006/diagram" xmlns:o="urn:schemas-microsoft-com:office:office" xmlns:v="urn:schemas-microsoft-com:vml" xmlns:pvml="urn:schemas-microsoft-com:office:powerpoint" xmlns:com="http://schemas.openxmlformats.org/drawingml/2006/compatibility" xmlns:p14="http://schemas.microsoft.com/office/powerpoint/2010/main" xmlns:p15="http://schemas.microsoft.com/office/powerpoint/2012/main" xmlns:go="http://customooxmlschemas.google.com/" cellId="232:6:5"/>
                       </a:ext>
                     </a:extLst>
                   </a:tcPr>
@@ -45127,7 +45098,7 @@
                     </a:lnB>
                     <a:extLst>
                       <a:ext uri="http://customooxmlschemas.google.com/">
-                        <go:slidesCustomData xmlns:go="http://customooxmlschemas.google.com/" xmlns:p15="http://schemas.microsoft.com/office/powerpoint/2012/main" xmlns:p14="http://schemas.microsoft.com/office/powerpoint/2010/main" xmlns:com="http://schemas.openxmlformats.org/drawingml/2006/compatibility" xmlns:pvml="urn:schemas-microsoft-com:office:powerpoint" xmlns:v="urn:schemas-microsoft-com:vml" xmlns:o="urn:schemas-microsoft-com:office:office" xmlns:dgm="http://schemas.openxmlformats.org/drawingml/2006/diagram" xmlns:c="http://schemas.openxmlformats.org/drawingml/2006/chart" xmlns:mv="urn:schemas-microsoft-com:mac:vml" xmlns:mc="http://schemas.openxmlformats.org/markup-compatibility/2006" xmlns="" cellId="232:6:6"/>
+                        <go:slidesCustomData xmlns="" xmlns:mc="http://schemas.openxmlformats.org/markup-compatibility/2006" xmlns:mv="urn:schemas-microsoft-com:mac:vml" xmlns:c="http://schemas.openxmlformats.org/drawingml/2006/chart" xmlns:dgm="http://schemas.openxmlformats.org/drawingml/2006/diagram" xmlns:o="urn:schemas-microsoft-com:office:office" xmlns:v="urn:schemas-microsoft-com:vml" xmlns:pvml="urn:schemas-microsoft-com:office:powerpoint" xmlns:com="http://schemas.openxmlformats.org/drawingml/2006/compatibility" xmlns:p14="http://schemas.microsoft.com/office/powerpoint/2010/main" xmlns:p15="http://schemas.microsoft.com/office/powerpoint/2012/main" xmlns:go="http://customooxmlschemas.google.com/" cellId="232:6:6"/>
                       </a:ext>
                     </a:extLst>
                   </a:tcPr>
@@ -45207,7 +45178,7 @@
                     </a:lnB>
                     <a:extLst>
                       <a:ext uri="http://customooxmlschemas.google.com/">
-                        <go:slidesCustomData xmlns:go="http://customooxmlschemas.google.com/" xmlns:p15="http://schemas.microsoft.com/office/powerpoint/2012/main" xmlns:p14="http://schemas.microsoft.com/office/powerpoint/2010/main" xmlns:com="http://schemas.openxmlformats.org/drawingml/2006/compatibility" xmlns:pvml="urn:schemas-microsoft-com:office:powerpoint" xmlns:v="urn:schemas-microsoft-com:vml" xmlns:o="urn:schemas-microsoft-com:office:office" xmlns:dgm="http://schemas.openxmlformats.org/drawingml/2006/diagram" xmlns:c="http://schemas.openxmlformats.org/drawingml/2006/chart" xmlns:mv="urn:schemas-microsoft-com:mac:vml" xmlns:mc="http://schemas.openxmlformats.org/markup-compatibility/2006" xmlns="" cellId="232:7:0"/>
+                        <go:slidesCustomData xmlns="" xmlns:mc="http://schemas.openxmlformats.org/markup-compatibility/2006" xmlns:mv="urn:schemas-microsoft-com:mac:vml" xmlns:c="http://schemas.openxmlformats.org/drawingml/2006/chart" xmlns:dgm="http://schemas.openxmlformats.org/drawingml/2006/diagram" xmlns:o="urn:schemas-microsoft-com:office:office" xmlns:v="urn:schemas-microsoft-com:vml" xmlns:pvml="urn:schemas-microsoft-com:office:powerpoint" xmlns:com="http://schemas.openxmlformats.org/drawingml/2006/compatibility" xmlns:p14="http://schemas.microsoft.com/office/powerpoint/2010/main" xmlns:p15="http://schemas.microsoft.com/office/powerpoint/2012/main" xmlns:go="http://customooxmlschemas.google.com/" cellId="232:7:0"/>
                       </a:ext>
                     </a:extLst>
                   </a:tcPr>
@@ -45276,7 +45247,7 @@
                     </a:lnB>
                     <a:extLst>
                       <a:ext uri="http://customooxmlschemas.google.com/">
-                        <go:slidesCustomData xmlns:go="http://customooxmlschemas.google.com/" xmlns:p15="http://schemas.microsoft.com/office/powerpoint/2012/main" xmlns:p14="http://schemas.microsoft.com/office/powerpoint/2010/main" xmlns:com="http://schemas.openxmlformats.org/drawingml/2006/compatibility" xmlns:pvml="urn:schemas-microsoft-com:office:powerpoint" xmlns:v="urn:schemas-microsoft-com:vml" xmlns:o="urn:schemas-microsoft-com:office:office" xmlns:dgm="http://schemas.openxmlformats.org/drawingml/2006/diagram" xmlns:c="http://schemas.openxmlformats.org/drawingml/2006/chart" xmlns:mv="urn:schemas-microsoft-com:mac:vml" xmlns:mc="http://schemas.openxmlformats.org/markup-compatibility/2006" xmlns="" cellId="232:7:1"/>
+                        <go:slidesCustomData xmlns="" xmlns:mc="http://schemas.openxmlformats.org/markup-compatibility/2006" xmlns:mv="urn:schemas-microsoft-com:mac:vml" xmlns:c="http://schemas.openxmlformats.org/drawingml/2006/chart" xmlns:dgm="http://schemas.openxmlformats.org/drawingml/2006/diagram" xmlns:o="urn:schemas-microsoft-com:office:office" xmlns:v="urn:schemas-microsoft-com:vml" xmlns:pvml="urn:schemas-microsoft-com:office:powerpoint" xmlns:com="http://schemas.openxmlformats.org/drawingml/2006/compatibility" xmlns:p14="http://schemas.microsoft.com/office/powerpoint/2010/main" xmlns:p15="http://schemas.microsoft.com/office/powerpoint/2012/main" xmlns:go="http://customooxmlschemas.google.com/" cellId="232:7:1"/>
                       </a:ext>
                     </a:extLst>
                   </a:tcPr>
@@ -45345,7 +45316,7 @@
                     </a:lnB>
                     <a:extLst>
                       <a:ext uri="http://customooxmlschemas.google.com/">
-                        <go:slidesCustomData xmlns:go="http://customooxmlschemas.google.com/" xmlns:p15="http://schemas.microsoft.com/office/powerpoint/2012/main" xmlns:p14="http://schemas.microsoft.com/office/powerpoint/2010/main" xmlns:com="http://schemas.openxmlformats.org/drawingml/2006/compatibility" xmlns:pvml="urn:schemas-microsoft-com:office:powerpoint" xmlns:v="urn:schemas-microsoft-com:vml" xmlns:o="urn:schemas-microsoft-com:office:office" xmlns:dgm="http://schemas.openxmlformats.org/drawingml/2006/diagram" xmlns:c="http://schemas.openxmlformats.org/drawingml/2006/chart" xmlns:mv="urn:schemas-microsoft-com:mac:vml" xmlns:mc="http://schemas.openxmlformats.org/markup-compatibility/2006" xmlns="" cellId="232:7:2"/>
+                        <go:slidesCustomData xmlns="" xmlns:mc="http://schemas.openxmlformats.org/markup-compatibility/2006" xmlns:mv="urn:schemas-microsoft-com:mac:vml" xmlns:c="http://schemas.openxmlformats.org/drawingml/2006/chart" xmlns:dgm="http://schemas.openxmlformats.org/drawingml/2006/diagram" xmlns:o="urn:schemas-microsoft-com:office:office" xmlns:v="urn:schemas-microsoft-com:vml" xmlns:pvml="urn:schemas-microsoft-com:office:powerpoint" xmlns:com="http://schemas.openxmlformats.org/drawingml/2006/compatibility" xmlns:p14="http://schemas.microsoft.com/office/powerpoint/2010/main" xmlns:p15="http://schemas.microsoft.com/office/powerpoint/2012/main" xmlns:go="http://customooxmlschemas.google.com/" cellId="232:7:2"/>
                       </a:ext>
                     </a:extLst>
                   </a:tcPr>
@@ -45414,7 +45385,7 @@
                     </a:lnB>
                     <a:extLst>
                       <a:ext uri="http://customooxmlschemas.google.com/">
-                        <go:slidesCustomData xmlns:go="http://customooxmlschemas.google.com/" xmlns:p15="http://schemas.microsoft.com/office/powerpoint/2012/main" xmlns:p14="http://schemas.microsoft.com/office/powerpoint/2010/main" xmlns:com="http://schemas.openxmlformats.org/drawingml/2006/compatibility" xmlns:pvml="urn:schemas-microsoft-com:office:powerpoint" xmlns:v="urn:schemas-microsoft-com:vml" xmlns:o="urn:schemas-microsoft-com:office:office" xmlns:dgm="http://schemas.openxmlformats.org/drawingml/2006/diagram" xmlns:c="http://schemas.openxmlformats.org/drawingml/2006/chart" xmlns:mv="urn:schemas-microsoft-com:mac:vml" xmlns:mc="http://schemas.openxmlformats.org/markup-compatibility/2006" xmlns="" cellId="232:7:3"/>
+                        <go:slidesCustomData xmlns="" xmlns:mc="http://schemas.openxmlformats.org/markup-compatibility/2006" xmlns:mv="urn:schemas-microsoft-com:mac:vml" xmlns:c="http://schemas.openxmlformats.org/drawingml/2006/chart" xmlns:dgm="http://schemas.openxmlformats.org/drawingml/2006/diagram" xmlns:o="urn:schemas-microsoft-com:office:office" xmlns:v="urn:schemas-microsoft-com:vml" xmlns:pvml="urn:schemas-microsoft-com:office:powerpoint" xmlns:com="http://schemas.openxmlformats.org/drawingml/2006/compatibility" xmlns:p14="http://schemas.microsoft.com/office/powerpoint/2010/main" xmlns:p15="http://schemas.microsoft.com/office/powerpoint/2012/main" xmlns:go="http://customooxmlschemas.google.com/" cellId="232:7:3"/>
                       </a:ext>
                     </a:extLst>
                   </a:tcPr>
@@ -45483,7 +45454,7 @@
                     </a:lnB>
                     <a:extLst>
                       <a:ext uri="http://customooxmlschemas.google.com/">
-                        <go:slidesCustomData xmlns:go="http://customooxmlschemas.google.com/" xmlns:p15="http://schemas.microsoft.com/office/powerpoint/2012/main" xmlns:p14="http://schemas.microsoft.com/office/powerpoint/2010/main" xmlns:com="http://schemas.openxmlformats.org/drawingml/2006/compatibility" xmlns:pvml="urn:schemas-microsoft-com:office:powerpoint" xmlns:v="urn:schemas-microsoft-com:vml" xmlns:o="urn:schemas-microsoft-com:office:office" xmlns:dgm="http://schemas.openxmlformats.org/drawingml/2006/diagram" xmlns:c="http://schemas.openxmlformats.org/drawingml/2006/chart" xmlns:mv="urn:schemas-microsoft-com:mac:vml" xmlns:mc="http://schemas.openxmlformats.org/markup-compatibility/2006" xmlns="" cellId="232:7:4"/>
+                        <go:slidesCustomData xmlns="" xmlns:mc="http://schemas.openxmlformats.org/markup-compatibility/2006" xmlns:mv="urn:schemas-microsoft-com:mac:vml" xmlns:c="http://schemas.openxmlformats.org/drawingml/2006/chart" xmlns:dgm="http://schemas.openxmlformats.org/drawingml/2006/diagram" xmlns:o="urn:schemas-microsoft-com:office:office" xmlns:v="urn:schemas-microsoft-com:vml" xmlns:pvml="urn:schemas-microsoft-com:office:powerpoint" xmlns:com="http://schemas.openxmlformats.org/drawingml/2006/compatibility" xmlns:p14="http://schemas.microsoft.com/office/powerpoint/2010/main" xmlns:p15="http://schemas.microsoft.com/office/powerpoint/2012/main" xmlns:go="http://customooxmlschemas.google.com/" cellId="232:7:4"/>
                       </a:ext>
                     </a:extLst>
                   </a:tcPr>
@@ -45552,7 +45523,7 @@
                     </a:lnB>
                     <a:extLst>
                       <a:ext uri="http://customooxmlschemas.google.com/">
-                        <go:slidesCustomData xmlns:go="http://customooxmlschemas.google.com/" xmlns:p15="http://schemas.microsoft.com/office/powerpoint/2012/main" xmlns:p14="http://schemas.microsoft.com/office/powerpoint/2010/main" xmlns:com="http://schemas.openxmlformats.org/drawingml/2006/compatibility" xmlns:pvml="urn:schemas-microsoft-com:office:powerpoint" xmlns:v="urn:schemas-microsoft-com:vml" xmlns:o="urn:schemas-microsoft-com:office:office" xmlns:dgm="http://schemas.openxmlformats.org/drawingml/2006/diagram" xmlns:c="http://schemas.openxmlformats.org/drawingml/2006/chart" xmlns:mv="urn:schemas-microsoft-com:mac:vml" xmlns:mc="http://schemas.openxmlformats.org/markup-compatibility/2006" xmlns="" cellId="232:7:5"/>
+                        <go:slidesCustomData xmlns="" xmlns:mc="http://schemas.openxmlformats.org/markup-compatibility/2006" xmlns:mv="urn:schemas-microsoft-com:mac:vml" xmlns:c="http://schemas.openxmlformats.org/drawingml/2006/chart" xmlns:dgm="http://schemas.openxmlformats.org/drawingml/2006/diagram" xmlns:o="urn:schemas-microsoft-com:office:office" xmlns:v="urn:schemas-microsoft-com:vml" xmlns:pvml="urn:schemas-microsoft-com:office:powerpoint" xmlns:com="http://schemas.openxmlformats.org/drawingml/2006/compatibility" xmlns:p14="http://schemas.microsoft.com/office/powerpoint/2010/main" xmlns:p15="http://schemas.microsoft.com/office/powerpoint/2012/main" xmlns:go="http://customooxmlschemas.google.com/" cellId="232:7:5"/>
                       </a:ext>
                     </a:extLst>
                   </a:tcPr>
@@ -45621,7 +45592,7 @@
                     </a:lnB>
                     <a:extLst>
                       <a:ext uri="http://customooxmlschemas.google.com/">
-                        <go:slidesCustomData xmlns:go="http://customooxmlschemas.google.com/" xmlns:p15="http://schemas.microsoft.com/office/powerpoint/2012/main" xmlns:p14="http://schemas.microsoft.com/office/powerpoint/2010/main" xmlns:com="http://schemas.openxmlformats.org/drawingml/2006/compatibility" xmlns:pvml="urn:schemas-microsoft-com:office:powerpoint" xmlns:v="urn:schemas-microsoft-com:vml" xmlns:o="urn:schemas-microsoft-com:office:office" xmlns:dgm="http://schemas.openxmlformats.org/drawingml/2006/diagram" xmlns:c="http://schemas.openxmlformats.org/drawingml/2006/chart" xmlns:mv="urn:schemas-microsoft-com:mac:vml" xmlns:mc="http://schemas.openxmlformats.org/markup-compatibility/2006" xmlns="" cellId="232:7:6"/>
+                        <go:slidesCustomData xmlns="" xmlns:mc="http://schemas.openxmlformats.org/markup-compatibility/2006" xmlns:mv="urn:schemas-microsoft-com:mac:vml" xmlns:c="http://schemas.openxmlformats.org/drawingml/2006/chart" xmlns:dgm="http://schemas.openxmlformats.org/drawingml/2006/diagram" xmlns:o="urn:schemas-microsoft-com:office:office" xmlns:v="urn:schemas-microsoft-com:vml" xmlns:pvml="urn:schemas-microsoft-com:office:powerpoint" xmlns:com="http://schemas.openxmlformats.org/drawingml/2006/compatibility" xmlns:p14="http://schemas.microsoft.com/office/powerpoint/2010/main" xmlns:p15="http://schemas.microsoft.com/office/powerpoint/2012/main" xmlns:go="http://customooxmlschemas.google.com/" cellId="232:7:6"/>
                       </a:ext>
                     </a:extLst>
                   </a:tcPr>
@@ -45709,7 +45680,7 @@
                     </a:lnB>
                     <a:extLst>
                       <a:ext uri="http://customooxmlschemas.google.com/">
-                        <go:slidesCustomData xmlns:go="http://customooxmlschemas.google.com/" xmlns:p15="http://schemas.microsoft.com/office/powerpoint/2012/main" xmlns:p14="http://schemas.microsoft.com/office/powerpoint/2010/main" xmlns:com="http://schemas.openxmlformats.org/drawingml/2006/compatibility" xmlns:pvml="urn:schemas-microsoft-com:office:powerpoint" xmlns:v="urn:schemas-microsoft-com:vml" xmlns:o="urn:schemas-microsoft-com:office:office" xmlns:dgm="http://schemas.openxmlformats.org/drawingml/2006/diagram" xmlns:c="http://schemas.openxmlformats.org/drawingml/2006/chart" xmlns:mv="urn:schemas-microsoft-com:mac:vml" xmlns:mc="http://schemas.openxmlformats.org/markup-compatibility/2006" xmlns="" cellId="232:8:0"/>
+                        <go:slidesCustomData xmlns="" xmlns:mc="http://schemas.openxmlformats.org/markup-compatibility/2006" xmlns:mv="urn:schemas-microsoft-com:mac:vml" xmlns:c="http://schemas.openxmlformats.org/drawingml/2006/chart" xmlns:dgm="http://schemas.openxmlformats.org/drawingml/2006/diagram" xmlns:o="urn:schemas-microsoft-com:office:office" xmlns:v="urn:schemas-microsoft-com:vml" xmlns:pvml="urn:schemas-microsoft-com:office:powerpoint" xmlns:com="http://schemas.openxmlformats.org/drawingml/2006/compatibility" xmlns:p14="http://schemas.microsoft.com/office/powerpoint/2010/main" xmlns:p15="http://schemas.microsoft.com/office/powerpoint/2012/main" xmlns:go="http://customooxmlschemas.google.com/" cellId="232:8:0"/>
                       </a:ext>
                     </a:extLst>
                   </a:tcPr>
@@ -45790,7 +45761,7 @@
                     </a:lnB>
                     <a:extLst>
                       <a:ext uri="http://customooxmlschemas.google.com/">
-                        <go:slidesCustomData xmlns:go="http://customooxmlschemas.google.com/" xmlns:p15="http://schemas.microsoft.com/office/powerpoint/2012/main" xmlns:p14="http://schemas.microsoft.com/office/powerpoint/2010/main" xmlns:com="http://schemas.openxmlformats.org/drawingml/2006/compatibility" xmlns:pvml="urn:schemas-microsoft-com:office:powerpoint" xmlns:v="urn:schemas-microsoft-com:vml" xmlns:o="urn:schemas-microsoft-com:office:office" xmlns:dgm="http://schemas.openxmlformats.org/drawingml/2006/diagram" xmlns:c="http://schemas.openxmlformats.org/drawingml/2006/chart" xmlns:mv="urn:schemas-microsoft-com:mac:vml" xmlns:mc="http://schemas.openxmlformats.org/markup-compatibility/2006" xmlns="" cellId="232:8:1"/>
+                        <go:slidesCustomData xmlns="" xmlns:mc="http://schemas.openxmlformats.org/markup-compatibility/2006" xmlns:mv="urn:schemas-microsoft-com:mac:vml" xmlns:c="http://schemas.openxmlformats.org/drawingml/2006/chart" xmlns:dgm="http://schemas.openxmlformats.org/drawingml/2006/diagram" xmlns:o="urn:schemas-microsoft-com:office:office" xmlns:v="urn:schemas-microsoft-com:vml" xmlns:pvml="urn:schemas-microsoft-com:office:powerpoint" xmlns:com="http://schemas.openxmlformats.org/drawingml/2006/compatibility" xmlns:p14="http://schemas.microsoft.com/office/powerpoint/2010/main" xmlns:p15="http://schemas.microsoft.com/office/powerpoint/2012/main" xmlns:go="http://customooxmlschemas.google.com/" cellId="232:8:1"/>
                       </a:ext>
                     </a:extLst>
                   </a:tcPr>
@@ -45871,7 +45842,7 @@
                     </a:lnB>
                     <a:extLst>
                       <a:ext uri="http://customooxmlschemas.google.com/">
-                        <go:slidesCustomData xmlns:go="http://customooxmlschemas.google.com/" xmlns:p15="http://schemas.microsoft.com/office/powerpoint/2012/main" xmlns:p14="http://schemas.microsoft.com/office/powerpoint/2010/main" xmlns:com="http://schemas.openxmlformats.org/drawingml/2006/compatibility" xmlns:pvml="urn:schemas-microsoft-com:office:powerpoint" xmlns:v="urn:schemas-microsoft-com:vml" xmlns:o="urn:schemas-microsoft-com:office:office" xmlns:dgm="http://schemas.openxmlformats.org/drawingml/2006/diagram" xmlns:c="http://schemas.openxmlformats.org/drawingml/2006/chart" xmlns:mv="urn:schemas-microsoft-com:mac:vml" xmlns:mc="http://schemas.openxmlformats.org/markup-compatibility/2006" xmlns="" cellId="232:8:2"/>
+                        <go:slidesCustomData xmlns="" xmlns:mc="http://schemas.openxmlformats.org/markup-compatibility/2006" xmlns:mv="urn:schemas-microsoft-com:mac:vml" xmlns:c="http://schemas.openxmlformats.org/drawingml/2006/chart" xmlns:dgm="http://schemas.openxmlformats.org/drawingml/2006/diagram" xmlns:o="urn:schemas-microsoft-com:office:office" xmlns:v="urn:schemas-microsoft-com:vml" xmlns:pvml="urn:schemas-microsoft-com:office:powerpoint" xmlns:com="http://schemas.openxmlformats.org/drawingml/2006/compatibility" xmlns:p14="http://schemas.microsoft.com/office/powerpoint/2010/main" xmlns:p15="http://schemas.microsoft.com/office/powerpoint/2012/main" xmlns:go="http://customooxmlschemas.google.com/" cellId="232:8:2"/>
                       </a:ext>
                     </a:extLst>
                   </a:tcPr>
@@ -45952,7 +45923,7 @@
                     </a:lnB>
                     <a:extLst>
                       <a:ext uri="http://customooxmlschemas.google.com/">
-                        <go:slidesCustomData xmlns:go="http://customooxmlschemas.google.com/" xmlns:p15="http://schemas.microsoft.com/office/powerpoint/2012/main" xmlns:p14="http://schemas.microsoft.com/office/powerpoint/2010/main" xmlns:com="http://schemas.openxmlformats.org/drawingml/2006/compatibility" xmlns:pvml="urn:schemas-microsoft-com:office:powerpoint" xmlns:v="urn:schemas-microsoft-com:vml" xmlns:o="urn:schemas-microsoft-com:office:office" xmlns:dgm="http://schemas.openxmlformats.org/drawingml/2006/diagram" xmlns:c="http://schemas.openxmlformats.org/drawingml/2006/chart" xmlns:mv="urn:schemas-microsoft-com:mac:vml" xmlns:mc="http://schemas.openxmlformats.org/markup-compatibility/2006" xmlns="" cellId="232:8:3"/>
+                        <go:slidesCustomData xmlns="" xmlns:mc="http://schemas.openxmlformats.org/markup-compatibility/2006" xmlns:mv="urn:schemas-microsoft-com:mac:vml" xmlns:c="http://schemas.openxmlformats.org/drawingml/2006/chart" xmlns:dgm="http://schemas.openxmlformats.org/drawingml/2006/diagram" xmlns:o="urn:schemas-microsoft-com:office:office" xmlns:v="urn:schemas-microsoft-com:vml" xmlns:pvml="urn:schemas-microsoft-com:office:powerpoint" xmlns:com="http://schemas.openxmlformats.org/drawingml/2006/compatibility" xmlns:p14="http://schemas.microsoft.com/office/powerpoint/2010/main" xmlns:p15="http://schemas.microsoft.com/office/powerpoint/2012/main" xmlns:go="http://customooxmlschemas.google.com/" cellId="232:8:3"/>
                       </a:ext>
                     </a:extLst>
                   </a:tcPr>
@@ -46033,7 +46004,7 @@
                     </a:lnB>
                     <a:extLst>
                       <a:ext uri="http://customooxmlschemas.google.com/">
-                        <go:slidesCustomData xmlns:go="http://customooxmlschemas.google.com/" xmlns:p15="http://schemas.microsoft.com/office/powerpoint/2012/main" xmlns:p14="http://schemas.microsoft.com/office/powerpoint/2010/main" xmlns:com="http://schemas.openxmlformats.org/drawingml/2006/compatibility" xmlns:pvml="urn:schemas-microsoft-com:office:powerpoint" xmlns:v="urn:schemas-microsoft-com:vml" xmlns:o="urn:schemas-microsoft-com:office:office" xmlns:dgm="http://schemas.openxmlformats.org/drawingml/2006/diagram" xmlns:c="http://schemas.openxmlformats.org/drawingml/2006/chart" xmlns:mv="urn:schemas-microsoft-com:mac:vml" xmlns:mc="http://schemas.openxmlformats.org/markup-compatibility/2006" xmlns="" cellId="232:8:4"/>
+                        <go:slidesCustomData xmlns="" xmlns:mc="http://schemas.openxmlformats.org/markup-compatibility/2006" xmlns:mv="urn:schemas-microsoft-com:mac:vml" xmlns:c="http://schemas.openxmlformats.org/drawingml/2006/chart" xmlns:dgm="http://schemas.openxmlformats.org/drawingml/2006/diagram" xmlns:o="urn:schemas-microsoft-com:office:office" xmlns:v="urn:schemas-microsoft-com:vml" xmlns:pvml="urn:schemas-microsoft-com:office:powerpoint" xmlns:com="http://schemas.openxmlformats.org/drawingml/2006/compatibility" xmlns:p14="http://schemas.microsoft.com/office/powerpoint/2010/main" xmlns:p15="http://schemas.microsoft.com/office/powerpoint/2012/main" xmlns:go="http://customooxmlschemas.google.com/" cellId="232:8:4"/>
                       </a:ext>
                     </a:extLst>
                   </a:tcPr>
@@ -46117,7 +46088,7 @@
                     </a:solidFill>
                     <a:extLst>
                       <a:ext uri="http://customooxmlschemas.google.com/">
-                        <go:slidesCustomData xmlns:go="http://customooxmlschemas.google.com/" xmlns:p15="http://schemas.microsoft.com/office/powerpoint/2012/main" xmlns:p14="http://schemas.microsoft.com/office/powerpoint/2010/main" xmlns:com="http://schemas.openxmlformats.org/drawingml/2006/compatibility" xmlns:pvml="urn:schemas-microsoft-com:office:powerpoint" xmlns:v="urn:schemas-microsoft-com:vml" xmlns:o="urn:schemas-microsoft-com:office:office" xmlns:dgm="http://schemas.openxmlformats.org/drawingml/2006/diagram" xmlns:c="http://schemas.openxmlformats.org/drawingml/2006/chart" xmlns:mv="urn:schemas-microsoft-com:mac:vml" xmlns:mc="http://schemas.openxmlformats.org/markup-compatibility/2006" xmlns="" cellId="232:8:5"/>
+                        <go:slidesCustomData xmlns="" xmlns:mc="http://schemas.openxmlformats.org/markup-compatibility/2006" xmlns:mv="urn:schemas-microsoft-com:mac:vml" xmlns:c="http://schemas.openxmlformats.org/drawingml/2006/chart" xmlns:dgm="http://schemas.openxmlformats.org/drawingml/2006/diagram" xmlns:o="urn:schemas-microsoft-com:office:office" xmlns:v="urn:schemas-microsoft-com:vml" xmlns:pvml="urn:schemas-microsoft-com:office:powerpoint" xmlns:com="http://schemas.openxmlformats.org/drawingml/2006/compatibility" xmlns:p14="http://schemas.microsoft.com/office/powerpoint/2010/main" xmlns:p15="http://schemas.microsoft.com/office/powerpoint/2012/main" xmlns:go="http://customooxmlschemas.google.com/" cellId="232:8:5"/>
                       </a:ext>
                     </a:extLst>
                   </a:tcPr>
@@ -46201,7 +46172,7 @@
                     </a:solidFill>
                     <a:extLst>
                       <a:ext uri="http://customooxmlschemas.google.com/">
-                        <go:slidesCustomData xmlns:go="http://customooxmlschemas.google.com/" xmlns:p15="http://schemas.microsoft.com/office/powerpoint/2012/main" xmlns:p14="http://schemas.microsoft.com/office/powerpoint/2010/main" xmlns:com="http://schemas.openxmlformats.org/drawingml/2006/compatibility" xmlns:pvml="urn:schemas-microsoft-com:office:powerpoint" xmlns:v="urn:schemas-microsoft-com:vml" xmlns:o="urn:schemas-microsoft-com:office:office" xmlns:dgm="http://schemas.openxmlformats.org/drawingml/2006/diagram" xmlns:c="http://schemas.openxmlformats.org/drawingml/2006/chart" xmlns:mv="urn:schemas-microsoft-com:mac:vml" xmlns:mc="http://schemas.openxmlformats.org/markup-compatibility/2006" xmlns="" cellId="232:8:6"/>
+                        <go:slidesCustomData xmlns="" xmlns:mc="http://schemas.openxmlformats.org/markup-compatibility/2006" xmlns:mv="urn:schemas-microsoft-com:mac:vml" xmlns:c="http://schemas.openxmlformats.org/drawingml/2006/chart" xmlns:dgm="http://schemas.openxmlformats.org/drawingml/2006/diagram" xmlns:o="urn:schemas-microsoft-com:office:office" xmlns:v="urn:schemas-microsoft-com:vml" xmlns:pvml="urn:schemas-microsoft-com:office:powerpoint" xmlns:com="http://schemas.openxmlformats.org/drawingml/2006/compatibility" xmlns:p14="http://schemas.microsoft.com/office/powerpoint/2010/main" xmlns:p15="http://schemas.microsoft.com/office/powerpoint/2012/main" xmlns:go="http://customooxmlschemas.google.com/" cellId="232:8:6"/>
                       </a:ext>
                     </a:extLst>
                   </a:tcPr>
@@ -46277,7 +46248,7 @@
                     </a:lnB>
                     <a:extLst>
                       <a:ext uri="http://customooxmlschemas.google.com/">
-                        <go:slidesCustomData xmlns:go="http://customooxmlschemas.google.com/" xmlns:p15="http://schemas.microsoft.com/office/powerpoint/2012/main" xmlns:p14="http://schemas.microsoft.com/office/powerpoint/2010/main" xmlns:com="http://schemas.openxmlformats.org/drawingml/2006/compatibility" xmlns:pvml="urn:schemas-microsoft-com:office:powerpoint" xmlns:v="urn:schemas-microsoft-com:vml" xmlns:o="urn:schemas-microsoft-com:office:office" xmlns:dgm="http://schemas.openxmlformats.org/drawingml/2006/diagram" xmlns:c="http://schemas.openxmlformats.org/drawingml/2006/chart" xmlns:mv="urn:schemas-microsoft-com:mac:vml" xmlns:mc="http://schemas.openxmlformats.org/markup-compatibility/2006" xmlns="" cellId="232:9:0"/>
+                        <go:slidesCustomData xmlns="" xmlns:mc="http://schemas.openxmlformats.org/markup-compatibility/2006" xmlns:mv="urn:schemas-microsoft-com:mac:vml" xmlns:c="http://schemas.openxmlformats.org/drawingml/2006/chart" xmlns:dgm="http://schemas.openxmlformats.org/drawingml/2006/diagram" xmlns:o="urn:schemas-microsoft-com:office:office" xmlns:v="urn:schemas-microsoft-com:vml" xmlns:pvml="urn:schemas-microsoft-com:office:powerpoint" xmlns:com="http://schemas.openxmlformats.org/drawingml/2006/compatibility" xmlns:p14="http://schemas.microsoft.com/office/powerpoint/2010/main" xmlns:p15="http://schemas.microsoft.com/office/powerpoint/2012/main" xmlns:go="http://customooxmlschemas.google.com/" cellId="232:9:0"/>
                       </a:ext>
                     </a:extLst>
                   </a:tcPr>
@@ -46346,7 +46317,7 @@
                     </a:lnB>
                     <a:extLst>
                       <a:ext uri="http://customooxmlschemas.google.com/">
-                        <go:slidesCustomData xmlns:go="http://customooxmlschemas.google.com/" xmlns:p15="http://schemas.microsoft.com/office/powerpoint/2012/main" xmlns:p14="http://schemas.microsoft.com/office/powerpoint/2010/main" xmlns:com="http://schemas.openxmlformats.org/drawingml/2006/compatibility" xmlns:pvml="urn:schemas-microsoft-com:office:powerpoint" xmlns:v="urn:schemas-microsoft-com:vml" xmlns:o="urn:schemas-microsoft-com:office:office" xmlns:dgm="http://schemas.openxmlformats.org/drawingml/2006/diagram" xmlns:c="http://schemas.openxmlformats.org/drawingml/2006/chart" xmlns:mv="urn:schemas-microsoft-com:mac:vml" xmlns:mc="http://schemas.openxmlformats.org/markup-compatibility/2006" xmlns="" cellId="232:9:1"/>
+                        <go:slidesCustomData xmlns="" xmlns:mc="http://schemas.openxmlformats.org/markup-compatibility/2006" xmlns:mv="urn:schemas-microsoft-com:mac:vml" xmlns:c="http://schemas.openxmlformats.org/drawingml/2006/chart" xmlns:dgm="http://schemas.openxmlformats.org/drawingml/2006/diagram" xmlns:o="urn:schemas-microsoft-com:office:office" xmlns:v="urn:schemas-microsoft-com:vml" xmlns:pvml="urn:schemas-microsoft-com:office:powerpoint" xmlns:com="http://schemas.openxmlformats.org/drawingml/2006/compatibility" xmlns:p14="http://schemas.microsoft.com/office/powerpoint/2010/main" xmlns:p15="http://schemas.microsoft.com/office/powerpoint/2012/main" xmlns:go="http://customooxmlschemas.google.com/" cellId="232:9:1"/>
                       </a:ext>
                     </a:extLst>
                   </a:tcPr>
@@ -46415,7 +46386,7 @@
                     </a:lnB>
                     <a:extLst>
                       <a:ext uri="http://customooxmlschemas.google.com/">
-                        <go:slidesCustomData xmlns:go="http://customooxmlschemas.google.com/" xmlns:p15="http://schemas.microsoft.com/office/powerpoint/2012/main" xmlns:p14="http://schemas.microsoft.com/office/powerpoint/2010/main" xmlns:com="http://schemas.openxmlformats.org/drawingml/2006/compatibility" xmlns:pvml="urn:schemas-microsoft-com:office:powerpoint" xmlns:v="urn:schemas-microsoft-com:vml" xmlns:o="urn:schemas-microsoft-com:office:office" xmlns:dgm="http://schemas.openxmlformats.org/drawingml/2006/diagram" xmlns:c="http://schemas.openxmlformats.org/drawingml/2006/chart" xmlns:mv="urn:schemas-microsoft-com:mac:vml" xmlns:mc="http://schemas.openxmlformats.org/markup-compatibility/2006" xmlns="" cellId="232:9:2"/>
+                        <go:slidesCustomData xmlns="" xmlns:mc="http://schemas.openxmlformats.org/markup-compatibility/2006" xmlns:mv="urn:schemas-microsoft-com:mac:vml" xmlns:c="http://schemas.openxmlformats.org/drawingml/2006/chart" xmlns:dgm="http://schemas.openxmlformats.org/drawingml/2006/diagram" xmlns:o="urn:schemas-microsoft-com:office:office" xmlns:v="urn:schemas-microsoft-com:vml" xmlns:pvml="urn:schemas-microsoft-com:office:powerpoint" xmlns:com="http://schemas.openxmlformats.org/drawingml/2006/compatibility" xmlns:p14="http://schemas.microsoft.com/office/powerpoint/2010/main" xmlns:p15="http://schemas.microsoft.com/office/powerpoint/2012/main" xmlns:go="http://customooxmlschemas.google.com/" cellId="232:9:2"/>
                       </a:ext>
                     </a:extLst>
                   </a:tcPr>
@@ -46484,7 +46455,7 @@
                     </a:lnB>
                     <a:extLst>
                       <a:ext uri="http://customooxmlschemas.google.com/">
-                        <go:slidesCustomData xmlns:go="http://customooxmlschemas.google.com/" xmlns:p15="http://schemas.microsoft.com/office/powerpoint/2012/main" xmlns:p14="http://schemas.microsoft.com/office/powerpoint/2010/main" xmlns:com="http://schemas.openxmlformats.org/drawingml/2006/compatibility" xmlns:pvml="urn:schemas-microsoft-com:office:powerpoint" xmlns:v="urn:schemas-microsoft-com:vml" xmlns:o="urn:schemas-microsoft-com:office:office" xmlns:dgm="http://schemas.openxmlformats.org/drawingml/2006/diagram" xmlns:c="http://schemas.openxmlformats.org/drawingml/2006/chart" xmlns:mv="urn:schemas-microsoft-com:mac:vml" xmlns:mc="http://schemas.openxmlformats.org/markup-compatibility/2006" xmlns="" cellId="232:9:3"/>
+                        <go:slidesCustomData xmlns="" xmlns:mc="http://schemas.openxmlformats.org/markup-compatibility/2006" xmlns:mv="urn:schemas-microsoft-com:mac:vml" xmlns:c="http://schemas.openxmlformats.org/drawingml/2006/chart" xmlns:dgm="http://schemas.openxmlformats.org/drawingml/2006/diagram" xmlns:o="urn:schemas-microsoft-com:office:office" xmlns:v="urn:schemas-microsoft-com:vml" xmlns:pvml="urn:schemas-microsoft-com:office:powerpoint" xmlns:com="http://schemas.openxmlformats.org/drawingml/2006/compatibility" xmlns:p14="http://schemas.microsoft.com/office/powerpoint/2010/main" xmlns:p15="http://schemas.microsoft.com/office/powerpoint/2012/main" xmlns:go="http://customooxmlschemas.google.com/" cellId="232:9:3"/>
                       </a:ext>
                     </a:extLst>
                   </a:tcPr>
@@ -46553,7 +46524,7 @@
                     </a:lnB>
                     <a:extLst>
                       <a:ext uri="http://customooxmlschemas.google.com/">
-                        <go:slidesCustomData xmlns:go="http://customooxmlschemas.google.com/" xmlns:p15="http://schemas.microsoft.com/office/powerpoint/2012/main" xmlns:p14="http://schemas.microsoft.com/office/powerpoint/2010/main" xmlns:com="http://schemas.openxmlformats.org/drawingml/2006/compatibility" xmlns:pvml="urn:schemas-microsoft-com:office:powerpoint" xmlns:v="urn:schemas-microsoft-com:vml" xmlns:o="urn:schemas-microsoft-com:office:office" xmlns:dgm="http://schemas.openxmlformats.org/drawingml/2006/diagram" xmlns:c="http://schemas.openxmlformats.org/drawingml/2006/chart" xmlns:mv="urn:schemas-microsoft-com:mac:vml" xmlns:mc="http://schemas.openxmlformats.org/markup-compatibility/2006" xmlns="" cellId="232:9:4"/>
+                        <go:slidesCustomData xmlns="" xmlns:mc="http://schemas.openxmlformats.org/markup-compatibility/2006" xmlns:mv="urn:schemas-microsoft-com:mac:vml" xmlns:c="http://schemas.openxmlformats.org/drawingml/2006/chart" xmlns:dgm="http://schemas.openxmlformats.org/drawingml/2006/diagram" xmlns:o="urn:schemas-microsoft-com:office:office" xmlns:v="urn:schemas-microsoft-com:vml" xmlns:pvml="urn:schemas-microsoft-com:office:powerpoint" xmlns:com="http://schemas.openxmlformats.org/drawingml/2006/compatibility" xmlns:p14="http://schemas.microsoft.com/office/powerpoint/2010/main" xmlns:p15="http://schemas.microsoft.com/office/powerpoint/2012/main" xmlns:go="http://customooxmlschemas.google.com/" cellId="232:9:4"/>
                       </a:ext>
                     </a:extLst>
                   </a:tcPr>
@@ -46625,7 +46596,7 @@
                     </a:solidFill>
                     <a:extLst>
                       <a:ext uri="http://customooxmlschemas.google.com/">
-                        <go:slidesCustomData xmlns:go="http://customooxmlschemas.google.com/" xmlns:p15="http://schemas.microsoft.com/office/powerpoint/2012/main" xmlns:p14="http://schemas.microsoft.com/office/powerpoint/2010/main" xmlns:com="http://schemas.openxmlformats.org/drawingml/2006/compatibility" xmlns:pvml="urn:schemas-microsoft-com:office:powerpoint" xmlns:v="urn:schemas-microsoft-com:vml" xmlns:o="urn:schemas-microsoft-com:office:office" xmlns:dgm="http://schemas.openxmlformats.org/drawingml/2006/diagram" xmlns:c="http://schemas.openxmlformats.org/drawingml/2006/chart" xmlns:mv="urn:schemas-microsoft-com:mac:vml" xmlns:mc="http://schemas.openxmlformats.org/markup-compatibility/2006" xmlns="" cellId="232:9:5"/>
+                        <go:slidesCustomData xmlns="" xmlns:mc="http://schemas.openxmlformats.org/markup-compatibility/2006" xmlns:mv="urn:schemas-microsoft-com:mac:vml" xmlns:c="http://schemas.openxmlformats.org/drawingml/2006/chart" xmlns:dgm="http://schemas.openxmlformats.org/drawingml/2006/diagram" xmlns:o="urn:schemas-microsoft-com:office:office" xmlns:v="urn:schemas-microsoft-com:vml" xmlns:pvml="urn:schemas-microsoft-com:office:powerpoint" xmlns:com="http://schemas.openxmlformats.org/drawingml/2006/compatibility" xmlns:p14="http://schemas.microsoft.com/office/powerpoint/2010/main" xmlns:p15="http://schemas.microsoft.com/office/powerpoint/2012/main" xmlns:go="http://customooxmlschemas.google.com/" cellId="232:9:5"/>
                       </a:ext>
                     </a:extLst>
                   </a:tcPr>
@@ -46697,7 +46668,7 @@
                     </a:solidFill>
                     <a:extLst>
                       <a:ext uri="http://customooxmlschemas.google.com/">
-                        <go:slidesCustomData xmlns:go="http://customooxmlschemas.google.com/" xmlns:p15="http://schemas.microsoft.com/office/powerpoint/2012/main" xmlns:p14="http://schemas.microsoft.com/office/powerpoint/2010/main" xmlns:com="http://schemas.openxmlformats.org/drawingml/2006/compatibility" xmlns:pvml="urn:schemas-microsoft-com:office:powerpoint" xmlns:v="urn:schemas-microsoft-com:vml" xmlns:o="urn:schemas-microsoft-com:office:office" xmlns:dgm="http://schemas.openxmlformats.org/drawingml/2006/diagram" xmlns:c="http://schemas.openxmlformats.org/drawingml/2006/chart" xmlns:mv="urn:schemas-microsoft-com:mac:vml" xmlns:mc="http://schemas.openxmlformats.org/markup-compatibility/2006" xmlns="" cellId="232:9:6"/>
+                        <go:slidesCustomData xmlns="" xmlns:mc="http://schemas.openxmlformats.org/markup-compatibility/2006" xmlns:mv="urn:schemas-microsoft-com:mac:vml" xmlns:c="http://schemas.openxmlformats.org/drawingml/2006/chart" xmlns:dgm="http://schemas.openxmlformats.org/drawingml/2006/diagram" xmlns:o="urn:schemas-microsoft-com:office:office" xmlns:v="urn:schemas-microsoft-com:vml" xmlns:pvml="urn:schemas-microsoft-com:office:powerpoint" xmlns:com="http://schemas.openxmlformats.org/drawingml/2006/compatibility" xmlns:p14="http://schemas.microsoft.com/office/powerpoint/2010/main" xmlns:p15="http://schemas.microsoft.com/office/powerpoint/2012/main" xmlns:go="http://customooxmlschemas.google.com/" cellId="232:9:6"/>
                       </a:ext>
                     </a:extLst>
                   </a:tcPr>
@@ -46788,7 +46759,7 @@
                     </a:solidFill>
                     <a:extLst>
                       <a:ext uri="http://customooxmlschemas.google.com/">
-                        <go:slidesCustomData xmlns:go="http://customooxmlschemas.google.com/" xmlns:p15="http://schemas.microsoft.com/office/powerpoint/2012/main" xmlns:p14="http://schemas.microsoft.com/office/powerpoint/2010/main" xmlns:com="http://schemas.openxmlformats.org/drawingml/2006/compatibility" xmlns:pvml="urn:schemas-microsoft-com:office:powerpoint" xmlns:v="urn:schemas-microsoft-com:vml" xmlns:o="urn:schemas-microsoft-com:office:office" xmlns:dgm="http://schemas.openxmlformats.org/drawingml/2006/diagram" xmlns:c="http://schemas.openxmlformats.org/drawingml/2006/chart" xmlns:mv="urn:schemas-microsoft-com:mac:vml" xmlns:mc="http://schemas.openxmlformats.org/markup-compatibility/2006" xmlns="" cellId="232:10:0"/>
+                        <go:slidesCustomData xmlns="" xmlns:mc="http://schemas.openxmlformats.org/markup-compatibility/2006" xmlns:mv="urn:schemas-microsoft-com:mac:vml" xmlns:c="http://schemas.openxmlformats.org/drawingml/2006/chart" xmlns:dgm="http://schemas.openxmlformats.org/drawingml/2006/diagram" xmlns:o="urn:schemas-microsoft-com:office:office" xmlns:v="urn:schemas-microsoft-com:vml" xmlns:pvml="urn:schemas-microsoft-com:office:powerpoint" xmlns:com="http://schemas.openxmlformats.org/drawingml/2006/compatibility" xmlns:p14="http://schemas.microsoft.com/office/powerpoint/2010/main" xmlns:p15="http://schemas.microsoft.com/office/powerpoint/2012/main" xmlns:go="http://customooxmlschemas.google.com/" cellId="232:10:0"/>
                       </a:ext>
                     </a:extLst>
                   </a:tcPr>
@@ -46872,7 +46843,7 @@
                     </a:solidFill>
                     <a:extLst>
                       <a:ext uri="http://customooxmlschemas.google.com/">
-                        <go:slidesCustomData xmlns:go="http://customooxmlschemas.google.com/" xmlns:p15="http://schemas.microsoft.com/office/powerpoint/2012/main" xmlns:p14="http://schemas.microsoft.com/office/powerpoint/2010/main" xmlns:com="http://schemas.openxmlformats.org/drawingml/2006/compatibility" xmlns:pvml="urn:schemas-microsoft-com:office:powerpoint" xmlns:v="urn:schemas-microsoft-com:vml" xmlns:o="urn:schemas-microsoft-com:office:office" xmlns:dgm="http://schemas.openxmlformats.org/drawingml/2006/diagram" xmlns:c="http://schemas.openxmlformats.org/drawingml/2006/chart" xmlns:mv="urn:schemas-microsoft-com:mac:vml" xmlns:mc="http://schemas.openxmlformats.org/markup-compatibility/2006" xmlns="" cellId="232:10:1"/>
+                        <go:slidesCustomData xmlns="" xmlns:mc="http://schemas.openxmlformats.org/markup-compatibility/2006" xmlns:mv="urn:schemas-microsoft-com:mac:vml" xmlns:c="http://schemas.openxmlformats.org/drawingml/2006/chart" xmlns:dgm="http://schemas.openxmlformats.org/drawingml/2006/diagram" xmlns:o="urn:schemas-microsoft-com:office:office" xmlns:v="urn:schemas-microsoft-com:vml" xmlns:pvml="urn:schemas-microsoft-com:office:powerpoint" xmlns:com="http://schemas.openxmlformats.org/drawingml/2006/compatibility" xmlns:p14="http://schemas.microsoft.com/office/powerpoint/2010/main" xmlns:p15="http://schemas.microsoft.com/office/powerpoint/2012/main" xmlns:go="http://customooxmlschemas.google.com/" cellId="232:10:1"/>
                       </a:ext>
                     </a:extLst>
                   </a:tcPr>
@@ -46956,7 +46927,7 @@
                     </a:solidFill>
                     <a:extLst>
                       <a:ext uri="http://customooxmlschemas.google.com/">
-                        <go:slidesCustomData xmlns:go="http://customooxmlschemas.google.com/" xmlns:p15="http://schemas.microsoft.com/office/powerpoint/2012/main" xmlns:p14="http://schemas.microsoft.com/office/powerpoint/2010/main" xmlns:com="http://schemas.openxmlformats.org/drawingml/2006/compatibility" xmlns:pvml="urn:schemas-microsoft-com:office:powerpoint" xmlns:v="urn:schemas-microsoft-com:vml" xmlns:o="urn:schemas-microsoft-com:office:office" xmlns:dgm="http://schemas.openxmlformats.org/drawingml/2006/diagram" xmlns:c="http://schemas.openxmlformats.org/drawingml/2006/chart" xmlns:mv="urn:schemas-microsoft-com:mac:vml" xmlns:mc="http://schemas.openxmlformats.org/markup-compatibility/2006" xmlns="" cellId="232:10:2"/>
+                        <go:slidesCustomData xmlns="" xmlns:mc="http://schemas.openxmlformats.org/markup-compatibility/2006" xmlns:mv="urn:schemas-microsoft-com:mac:vml" xmlns:c="http://schemas.openxmlformats.org/drawingml/2006/chart" xmlns:dgm="http://schemas.openxmlformats.org/drawingml/2006/diagram" xmlns:o="urn:schemas-microsoft-com:office:office" xmlns:v="urn:schemas-microsoft-com:vml" xmlns:pvml="urn:schemas-microsoft-com:office:powerpoint" xmlns:com="http://schemas.openxmlformats.org/drawingml/2006/compatibility" xmlns:p14="http://schemas.microsoft.com/office/powerpoint/2010/main" xmlns:p15="http://schemas.microsoft.com/office/powerpoint/2012/main" xmlns:go="http://customooxmlschemas.google.com/" cellId="232:10:2"/>
                       </a:ext>
                     </a:extLst>
                   </a:tcPr>
@@ -47040,7 +47011,7 @@
                     </a:solidFill>
                     <a:extLst>
                       <a:ext uri="http://customooxmlschemas.google.com/">
-                        <go:slidesCustomData xmlns:go="http://customooxmlschemas.google.com/" xmlns:p15="http://schemas.microsoft.com/office/powerpoint/2012/main" xmlns:p14="http://schemas.microsoft.com/office/powerpoint/2010/main" xmlns:com="http://schemas.openxmlformats.org/drawingml/2006/compatibility" xmlns:pvml="urn:schemas-microsoft-com:office:powerpoint" xmlns:v="urn:schemas-microsoft-com:vml" xmlns:o="urn:schemas-microsoft-com:office:office" xmlns:dgm="http://schemas.openxmlformats.org/drawingml/2006/diagram" xmlns:c="http://schemas.openxmlformats.org/drawingml/2006/chart" xmlns:mv="urn:schemas-microsoft-com:mac:vml" xmlns:mc="http://schemas.openxmlformats.org/markup-compatibility/2006" xmlns="" cellId="232:10:3"/>
+                        <go:slidesCustomData xmlns="" xmlns:mc="http://schemas.openxmlformats.org/markup-compatibility/2006" xmlns:mv="urn:schemas-microsoft-com:mac:vml" xmlns:c="http://schemas.openxmlformats.org/drawingml/2006/chart" xmlns:dgm="http://schemas.openxmlformats.org/drawingml/2006/diagram" xmlns:o="urn:schemas-microsoft-com:office:office" xmlns:v="urn:schemas-microsoft-com:vml" xmlns:pvml="urn:schemas-microsoft-com:office:powerpoint" xmlns:com="http://schemas.openxmlformats.org/drawingml/2006/compatibility" xmlns:p14="http://schemas.microsoft.com/office/powerpoint/2010/main" xmlns:p15="http://schemas.microsoft.com/office/powerpoint/2012/main" xmlns:go="http://customooxmlschemas.google.com/" cellId="232:10:3"/>
                       </a:ext>
                     </a:extLst>
                   </a:tcPr>
@@ -47124,7 +47095,7 @@
                     </a:solidFill>
                     <a:extLst>
                       <a:ext uri="http://customooxmlschemas.google.com/">
-                        <go:slidesCustomData xmlns:go="http://customooxmlschemas.google.com/" xmlns:p15="http://schemas.microsoft.com/office/powerpoint/2012/main" xmlns:p14="http://schemas.microsoft.com/office/powerpoint/2010/main" xmlns:com="http://schemas.openxmlformats.org/drawingml/2006/compatibility" xmlns:pvml="urn:schemas-microsoft-com:office:powerpoint" xmlns:v="urn:schemas-microsoft-com:vml" xmlns:o="urn:schemas-microsoft-com:office:office" xmlns:dgm="http://schemas.openxmlformats.org/drawingml/2006/diagram" xmlns:c="http://schemas.openxmlformats.org/drawingml/2006/chart" xmlns:mv="urn:schemas-microsoft-com:mac:vml" xmlns:mc="http://schemas.openxmlformats.org/markup-compatibility/2006" xmlns="" cellId="232:10:4"/>
+                        <go:slidesCustomData xmlns="" xmlns:mc="http://schemas.openxmlformats.org/markup-compatibility/2006" xmlns:mv="urn:schemas-microsoft-com:mac:vml" xmlns:c="http://schemas.openxmlformats.org/drawingml/2006/chart" xmlns:dgm="http://schemas.openxmlformats.org/drawingml/2006/diagram" xmlns:o="urn:schemas-microsoft-com:office:office" xmlns:v="urn:schemas-microsoft-com:vml" xmlns:pvml="urn:schemas-microsoft-com:office:powerpoint" xmlns:com="http://schemas.openxmlformats.org/drawingml/2006/compatibility" xmlns:p14="http://schemas.microsoft.com/office/powerpoint/2010/main" xmlns:p15="http://schemas.microsoft.com/office/powerpoint/2012/main" xmlns:go="http://customooxmlschemas.google.com/" cellId="232:10:4"/>
                       </a:ext>
                     </a:extLst>
                   </a:tcPr>
@@ -47208,7 +47179,7 @@
                     </a:solidFill>
                     <a:extLst>
                       <a:ext uri="http://customooxmlschemas.google.com/">
-                        <go:slidesCustomData xmlns:go="http://customooxmlschemas.google.com/" xmlns:p15="http://schemas.microsoft.com/office/powerpoint/2012/main" xmlns:p14="http://schemas.microsoft.com/office/powerpoint/2010/main" xmlns:com="http://schemas.openxmlformats.org/drawingml/2006/compatibility" xmlns:pvml="urn:schemas-microsoft-com:office:powerpoint" xmlns:v="urn:schemas-microsoft-com:vml" xmlns:o="urn:schemas-microsoft-com:office:office" xmlns:dgm="http://schemas.openxmlformats.org/drawingml/2006/diagram" xmlns:c="http://schemas.openxmlformats.org/drawingml/2006/chart" xmlns:mv="urn:schemas-microsoft-com:mac:vml" xmlns:mc="http://schemas.openxmlformats.org/markup-compatibility/2006" xmlns="" cellId="232:10:5"/>
+                        <go:slidesCustomData xmlns="" xmlns:mc="http://schemas.openxmlformats.org/markup-compatibility/2006" xmlns:mv="urn:schemas-microsoft-com:mac:vml" xmlns:c="http://schemas.openxmlformats.org/drawingml/2006/chart" xmlns:dgm="http://schemas.openxmlformats.org/drawingml/2006/diagram" xmlns:o="urn:schemas-microsoft-com:office:office" xmlns:v="urn:schemas-microsoft-com:vml" xmlns:pvml="urn:schemas-microsoft-com:office:powerpoint" xmlns:com="http://schemas.openxmlformats.org/drawingml/2006/compatibility" xmlns:p14="http://schemas.microsoft.com/office/powerpoint/2010/main" xmlns:p15="http://schemas.microsoft.com/office/powerpoint/2012/main" xmlns:go="http://customooxmlschemas.google.com/" cellId="232:10:5"/>
                       </a:ext>
                     </a:extLst>
                   </a:tcPr>
@@ -47292,7 +47263,7 @@
                     </a:solidFill>
                     <a:extLst>
                       <a:ext uri="http://customooxmlschemas.google.com/">
-                        <go:slidesCustomData xmlns:go="http://customooxmlschemas.google.com/" xmlns:p15="http://schemas.microsoft.com/office/powerpoint/2012/main" xmlns:p14="http://schemas.microsoft.com/office/powerpoint/2010/main" xmlns:com="http://schemas.openxmlformats.org/drawingml/2006/compatibility" xmlns:pvml="urn:schemas-microsoft-com:office:powerpoint" xmlns:v="urn:schemas-microsoft-com:vml" xmlns:o="urn:schemas-microsoft-com:office:office" xmlns:dgm="http://schemas.openxmlformats.org/drawingml/2006/diagram" xmlns:c="http://schemas.openxmlformats.org/drawingml/2006/chart" xmlns:mv="urn:schemas-microsoft-com:mac:vml" xmlns:mc="http://schemas.openxmlformats.org/markup-compatibility/2006" xmlns="" cellId="232:10:6"/>
+                        <go:slidesCustomData xmlns="" xmlns:mc="http://schemas.openxmlformats.org/markup-compatibility/2006" xmlns:mv="urn:schemas-microsoft-com:mac:vml" xmlns:c="http://schemas.openxmlformats.org/drawingml/2006/chart" xmlns:dgm="http://schemas.openxmlformats.org/drawingml/2006/diagram" xmlns:o="urn:schemas-microsoft-com:office:office" xmlns:v="urn:schemas-microsoft-com:vml" xmlns:pvml="urn:schemas-microsoft-com:office:powerpoint" xmlns:com="http://schemas.openxmlformats.org/drawingml/2006/compatibility" xmlns:p14="http://schemas.microsoft.com/office/powerpoint/2010/main" xmlns:p15="http://schemas.microsoft.com/office/powerpoint/2012/main" xmlns:go="http://customooxmlschemas.google.com/" cellId="232:10:6"/>
                       </a:ext>
                     </a:extLst>
                   </a:tcPr>
@@ -47371,7 +47342,7 @@
                     </a:solidFill>
                     <a:extLst>
                       <a:ext uri="http://customooxmlschemas.google.com/">
-                        <go:slidesCustomData xmlns:go="http://customooxmlschemas.google.com/" xmlns:p15="http://schemas.microsoft.com/office/powerpoint/2012/main" xmlns:p14="http://schemas.microsoft.com/office/powerpoint/2010/main" xmlns:com="http://schemas.openxmlformats.org/drawingml/2006/compatibility" xmlns:pvml="urn:schemas-microsoft-com:office:powerpoint" xmlns:v="urn:schemas-microsoft-com:vml" xmlns:o="urn:schemas-microsoft-com:office:office" xmlns:dgm="http://schemas.openxmlformats.org/drawingml/2006/diagram" xmlns:c="http://schemas.openxmlformats.org/drawingml/2006/chart" xmlns:mv="urn:schemas-microsoft-com:mac:vml" xmlns:mc="http://schemas.openxmlformats.org/markup-compatibility/2006" xmlns="" cellId="232:11:0"/>
+                        <go:slidesCustomData xmlns="" xmlns:mc="http://schemas.openxmlformats.org/markup-compatibility/2006" xmlns:mv="urn:schemas-microsoft-com:mac:vml" xmlns:c="http://schemas.openxmlformats.org/drawingml/2006/chart" xmlns:dgm="http://schemas.openxmlformats.org/drawingml/2006/diagram" xmlns:o="urn:schemas-microsoft-com:office:office" xmlns:v="urn:schemas-microsoft-com:vml" xmlns:pvml="urn:schemas-microsoft-com:office:powerpoint" xmlns:com="http://schemas.openxmlformats.org/drawingml/2006/compatibility" xmlns:p14="http://schemas.microsoft.com/office/powerpoint/2010/main" xmlns:p15="http://schemas.microsoft.com/office/powerpoint/2012/main" xmlns:go="http://customooxmlschemas.google.com/" cellId="232:11:0"/>
                       </a:ext>
                     </a:extLst>
                   </a:tcPr>
@@ -47443,7 +47414,7 @@
                     </a:solidFill>
                     <a:extLst>
                       <a:ext uri="http://customooxmlschemas.google.com/">
-                        <go:slidesCustomData xmlns:go="http://customooxmlschemas.google.com/" xmlns:p15="http://schemas.microsoft.com/office/powerpoint/2012/main" xmlns:p14="http://schemas.microsoft.com/office/powerpoint/2010/main" xmlns:com="http://schemas.openxmlformats.org/drawingml/2006/compatibility" xmlns:pvml="urn:schemas-microsoft-com:office:powerpoint" xmlns:v="urn:schemas-microsoft-com:vml" xmlns:o="urn:schemas-microsoft-com:office:office" xmlns:dgm="http://schemas.openxmlformats.org/drawingml/2006/diagram" xmlns:c="http://schemas.openxmlformats.org/drawingml/2006/chart" xmlns:mv="urn:schemas-microsoft-com:mac:vml" xmlns:mc="http://schemas.openxmlformats.org/markup-compatibility/2006" xmlns="" cellId="232:11:1"/>
+                        <go:slidesCustomData xmlns="" xmlns:mc="http://schemas.openxmlformats.org/markup-compatibility/2006" xmlns:mv="urn:schemas-microsoft-com:mac:vml" xmlns:c="http://schemas.openxmlformats.org/drawingml/2006/chart" xmlns:dgm="http://schemas.openxmlformats.org/drawingml/2006/diagram" xmlns:o="urn:schemas-microsoft-com:office:office" xmlns:v="urn:schemas-microsoft-com:vml" xmlns:pvml="urn:schemas-microsoft-com:office:powerpoint" xmlns:com="http://schemas.openxmlformats.org/drawingml/2006/compatibility" xmlns:p14="http://schemas.microsoft.com/office/powerpoint/2010/main" xmlns:p15="http://schemas.microsoft.com/office/powerpoint/2012/main" xmlns:go="http://customooxmlschemas.google.com/" cellId="232:11:1"/>
                       </a:ext>
                     </a:extLst>
                   </a:tcPr>
@@ -47515,7 +47486,7 @@
                     </a:solidFill>
                     <a:extLst>
                       <a:ext uri="http://customooxmlschemas.google.com/">
-                        <go:slidesCustomData xmlns:go="http://customooxmlschemas.google.com/" xmlns:p15="http://schemas.microsoft.com/office/powerpoint/2012/main" xmlns:p14="http://schemas.microsoft.com/office/powerpoint/2010/main" xmlns:com="http://schemas.openxmlformats.org/drawingml/2006/compatibility" xmlns:pvml="urn:schemas-microsoft-com:office:powerpoint" xmlns:v="urn:schemas-microsoft-com:vml" xmlns:o="urn:schemas-microsoft-com:office:office" xmlns:dgm="http://schemas.openxmlformats.org/drawingml/2006/diagram" xmlns:c="http://schemas.openxmlformats.org/drawingml/2006/chart" xmlns:mv="urn:schemas-microsoft-com:mac:vml" xmlns:mc="http://schemas.openxmlformats.org/markup-compatibility/2006" xmlns="" cellId="232:11:2"/>
+                        <go:slidesCustomData xmlns="" xmlns:mc="http://schemas.openxmlformats.org/markup-compatibility/2006" xmlns:mv="urn:schemas-microsoft-com:mac:vml" xmlns:c="http://schemas.openxmlformats.org/drawingml/2006/chart" xmlns:dgm="http://schemas.openxmlformats.org/drawingml/2006/diagram" xmlns:o="urn:schemas-microsoft-com:office:office" xmlns:v="urn:schemas-microsoft-com:vml" xmlns:pvml="urn:schemas-microsoft-com:office:powerpoint" xmlns:com="http://schemas.openxmlformats.org/drawingml/2006/compatibility" xmlns:p14="http://schemas.microsoft.com/office/powerpoint/2010/main" xmlns:p15="http://schemas.microsoft.com/office/powerpoint/2012/main" xmlns:go="http://customooxmlschemas.google.com/" cellId="232:11:2"/>
                       </a:ext>
                     </a:extLst>
                   </a:tcPr>
@@ -47587,7 +47558,7 @@
                     </a:solidFill>
                     <a:extLst>
                       <a:ext uri="http://customooxmlschemas.google.com/">
-                        <go:slidesCustomData xmlns:go="http://customooxmlschemas.google.com/" xmlns:p15="http://schemas.microsoft.com/office/powerpoint/2012/main" xmlns:p14="http://schemas.microsoft.com/office/powerpoint/2010/main" xmlns:com="http://schemas.openxmlformats.org/drawingml/2006/compatibility" xmlns:pvml="urn:schemas-microsoft-com:office:powerpoint" xmlns:v="urn:schemas-microsoft-com:vml" xmlns:o="urn:schemas-microsoft-com:office:office" xmlns:dgm="http://schemas.openxmlformats.org/drawingml/2006/diagram" xmlns:c="http://schemas.openxmlformats.org/drawingml/2006/chart" xmlns:mv="urn:schemas-microsoft-com:mac:vml" xmlns:mc="http://schemas.openxmlformats.org/markup-compatibility/2006" xmlns="" cellId="232:11:3"/>
+                        <go:slidesCustomData xmlns="" xmlns:mc="http://schemas.openxmlformats.org/markup-compatibility/2006" xmlns:mv="urn:schemas-microsoft-com:mac:vml" xmlns:c="http://schemas.openxmlformats.org/drawingml/2006/chart" xmlns:dgm="http://schemas.openxmlformats.org/drawingml/2006/diagram" xmlns:o="urn:schemas-microsoft-com:office:office" xmlns:v="urn:schemas-microsoft-com:vml" xmlns:pvml="urn:schemas-microsoft-com:office:powerpoint" xmlns:com="http://schemas.openxmlformats.org/drawingml/2006/compatibility" xmlns:p14="http://schemas.microsoft.com/office/powerpoint/2010/main" xmlns:p15="http://schemas.microsoft.com/office/powerpoint/2012/main" xmlns:go="http://customooxmlschemas.google.com/" cellId="232:11:3"/>
                       </a:ext>
                     </a:extLst>
                   </a:tcPr>
@@ -47659,7 +47630,7 @@
                     </a:solidFill>
                     <a:extLst>
                       <a:ext uri="http://customooxmlschemas.google.com/">
-                        <go:slidesCustomData xmlns:go="http://customooxmlschemas.google.com/" xmlns:p15="http://schemas.microsoft.com/office/powerpoint/2012/main" xmlns:p14="http://schemas.microsoft.com/office/powerpoint/2010/main" xmlns:com="http://schemas.openxmlformats.org/drawingml/2006/compatibility" xmlns:pvml="urn:schemas-microsoft-com:office:powerpoint" xmlns:v="urn:schemas-microsoft-com:vml" xmlns:o="urn:schemas-microsoft-com:office:office" xmlns:dgm="http://schemas.openxmlformats.org/drawingml/2006/diagram" xmlns:c="http://schemas.openxmlformats.org/drawingml/2006/chart" xmlns:mv="urn:schemas-microsoft-com:mac:vml" xmlns:mc="http://schemas.openxmlformats.org/markup-compatibility/2006" xmlns="" cellId="232:11:4"/>
+                        <go:slidesCustomData xmlns="" xmlns:mc="http://schemas.openxmlformats.org/markup-compatibility/2006" xmlns:mv="urn:schemas-microsoft-com:mac:vml" xmlns:c="http://schemas.openxmlformats.org/drawingml/2006/chart" xmlns:dgm="http://schemas.openxmlformats.org/drawingml/2006/diagram" xmlns:o="urn:schemas-microsoft-com:office:office" xmlns:v="urn:schemas-microsoft-com:vml" xmlns:pvml="urn:schemas-microsoft-com:office:powerpoint" xmlns:com="http://schemas.openxmlformats.org/drawingml/2006/compatibility" xmlns:p14="http://schemas.microsoft.com/office/powerpoint/2010/main" xmlns:p15="http://schemas.microsoft.com/office/powerpoint/2012/main" xmlns:go="http://customooxmlschemas.google.com/" cellId="232:11:4"/>
                       </a:ext>
                     </a:extLst>
                   </a:tcPr>
@@ -47731,7 +47702,7 @@
                     </a:solidFill>
                     <a:extLst>
                       <a:ext uri="http://customooxmlschemas.google.com/">
-                        <go:slidesCustomData xmlns:go="http://customooxmlschemas.google.com/" xmlns:p15="http://schemas.microsoft.com/office/powerpoint/2012/main" xmlns:p14="http://schemas.microsoft.com/office/powerpoint/2010/main" xmlns:com="http://schemas.openxmlformats.org/drawingml/2006/compatibility" xmlns:pvml="urn:schemas-microsoft-com:office:powerpoint" xmlns:v="urn:schemas-microsoft-com:vml" xmlns:o="urn:schemas-microsoft-com:office:office" xmlns:dgm="http://schemas.openxmlformats.org/drawingml/2006/diagram" xmlns:c="http://schemas.openxmlformats.org/drawingml/2006/chart" xmlns:mv="urn:schemas-microsoft-com:mac:vml" xmlns:mc="http://schemas.openxmlformats.org/markup-compatibility/2006" xmlns="" cellId="232:11:5"/>
+                        <go:slidesCustomData xmlns="" xmlns:mc="http://schemas.openxmlformats.org/markup-compatibility/2006" xmlns:mv="urn:schemas-microsoft-com:mac:vml" xmlns:c="http://schemas.openxmlformats.org/drawingml/2006/chart" xmlns:dgm="http://schemas.openxmlformats.org/drawingml/2006/diagram" xmlns:o="urn:schemas-microsoft-com:office:office" xmlns:v="urn:schemas-microsoft-com:vml" xmlns:pvml="urn:schemas-microsoft-com:office:powerpoint" xmlns:com="http://schemas.openxmlformats.org/drawingml/2006/compatibility" xmlns:p14="http://schemas.microsoft.com/office/powerpoint/2010/main" xmlns:p15="http://schemas.microsoft.com/office/powerpoint/2012/main" xmlns:go="http://customooxmlschemas.google.com/" cellId="232:11:5"/>
                       </a:ext>
                     </a:extLst>
                   </a:tcPr>
@@ -47803,7 +47774,7 @@
                     </a:solidFill>
                     <a:extLst>
                       <a:ext uri="http://customooxmlschemas.google.com/">
-                        <go:slidesCustomData xmlns:go="http://customooxmlschemas.google.com/" xmlns:p15="http://schemas.microsoft.com/office/powerpoint/2012/main" xmlns:p14="http://schemas.microsoft.com/office/powerpoint/2010/main" xmlns:com="http://schemas.openxmlformats.org/drawingml/2006/compatibility" xmlns:pvml="urn:schemas-microsoft-com:office:powerpoint" xmlns:v="urn:schemas-microsoft-com:vml" xmlns:o="urn:schemas-microsoft-com:office:office" xmlns:dgm="http://schemas.openxmlformats.org/drawingml/2006/diagram" xmlns:c="http://schemas.openxmlformats.org/drawingml/2006/chart" xmlns:mv="urn:schemas-microsoft-com:mac:vml" xmlns:mc="http://schemas.openxmlformats.org/markup-compatibility/2006" xmlns="" cellId="232:11:6"/>
+                        <go:slidesCustomData xmlns="" xmlns:mc="http://schemas.openxmlformats.org/markup-compatibility/2006" xmlns:mv="urn:schemas-microsoft-com:mac:vml" xmlns:c="http://schemas.openxmlformats.org/drawingml/2006/chart" xmlns:dgm="http://schemas.openxmlformats.org/drawingml/2006/diagram" xmlns:o="urn:schemas-microsoft-com:office:office" xmlns:v="urn:schemas-microsoft-com:vml" xmlns:pvml="urn:schemas-microsoft-com:office:powerpoint" xmlns:com="http://schemas.openxmlformats.org/drawingml/2006/compatibility" xmlns:p14="http://schemas.microsoft.com/office/powerpoint/2010/main" xmlns:p15="http://schemas.microsoft.com/office/powerpoint/2012/main" xmlns:go="http://customooxmlschemas.google.com/" cellId="232:11:6"/>
                       </a:ext>
                     </a:extLst>
                   </a:tcPr>
@@ -47827,7 +47798,7 @@
 </file>
 
 <file path=ppt/slides/slide7.xml><?xml version="1.0" encoding="utf-8"?>
-<p:sld xmlns:a="http://schemas.openxmlformats.org/drawingml/2006/main" xmlns:r="http://schemas.openxmlformats.org/officeDocument/2006/relationships" xmlns:p="http://schemas.openxmlformats.org/presentationml/2006/main" show="0">
+<p:sld xmlns:a="http://schemas.openxmlformats.org/drawingml/2006/main" xmlns:r="http://schemas.openxmlformats.org/officeDocument/2006/relationships" xmlns:p="http://schemas.openxmlformats.org/presentationml/2006/main">
   <p:cSld>
     <p:spTree>
       <p:nvGrpSpPr>
@@ -47959,7 +47930,13 @@
         <p:nvGraphicFramePr>
           <p:cNvPr id="239" name="Google Shape;239;p5"/>
           <p:cNvGraphicFramePr/>
-          <p:nvPr/>
+          <p:nvPr>
+            <p:extLst>
+              <p:ext uri="{D42A27DB-BD31-4B8C-83A1-F6EECF244321}">
+                <p14:modId xmlns:p14="http://schemas.microsoft.com/office/powerpoint/2010/main" val="3584723315"/>
+              </p:ext>
+            </p:extLst>
+          </p:nvPr>
         </p:nvGraphicFramePr>
         <p:xfrm>
           <a:off x="584784" y="1073150"/>
@@ -48190,21 +48167,21 @@
                         <a:buNone/>
                       </a:pPr>
                       <a:r>
-                        <a:rPr lang="fr-FR" sz="1400" b="1" u="none" strike="noStrike" cap="none">
+                        <a:rPr lang="fr-FR" sz="1400" b="1" u="none" strike="noStrike" cap="none" dirty="0">
                           <a:solidFill>
                             <a:schemeClr val="dk1"/>
                           </a:solidFill>
                           <a:highlight>
-                            <a:srgbClr val="FF0000"/>
+                            <a:srgbClr val="00B050"/>
                           </a:highlight>
                           <a:latin typeface="Corbel"/>
                           <a:ea typeface="Corbel"/>
                           <a:cs typeface="Corbel"/>
                           <a:sym typeface="Corbel"/>
                         </a:rPr>
-                        <a:t>⬊➞⬈</a:t>
+                        <a:t>➞</a:t>
                       </a:r>
-                      <a:endParaRPr sz="1400" b="1" u="none" strike="noStrike" cap="none">
+                      <a:endParaRPr sz="1400" b="1" u="none" strike="noStrike" cap="none" dirty="0">
                         <a:highlight>
                           <a:srgbClr val="FF0000"/>
                         </a:highlight>
@@ -48240,15 +48217,15 @@
                         <a:buNone/>
                       </a:pPr>
                       <a:r>
-                        <a:rPr lang="fr-FR" sz="1400" b="1" u="none" strike="noStrike" cap="none">
+                        <a:rPr lang="fr-FR" sz="1400" b="1" u="none" strike="noStrike" cap="none" dirty="0">
                           <a:latin typeface="Corbel"/>
                           <a:ea typeface="Corbel"/>
                           <a:cs typeface="Corbel"/>
                           <a:sym typeface="Corbel"/>
                         </a:rPr>
-                        <a:t>Pourquoi je suis dans cet état</a:t>
+                        <a:t>Points de LAS fixés</a:t>
                       </a:r>
-                      <a:endParaRPr sz="1400" b="1" u="none" strike="noStrike" cap="none">
+                      <a:endParaRPr sz="1400" b="1" u="none" strike="noStrike" cap="none" dirty="0">
                         <a:latin typeface="Corbel"/>
                         <a:ea typeface="Corbel"/>
                         <a:cs typeface="Corbel"/>
@@ -48329,21 +48306,21 @@
                         <a:buNone/>
                       </a:pPr>
                       <a:r>
-                        <a:rPr lang="fr-FR" sz="1400" b="1" u="none" strike="noStrike" cap="none">
+                        <a:rPr lang="fr-FR" sz="1400" b="1" u="none" strike="noStrike" cap="none" dirty="0">
                           <a:solidFill>
                             <a:schemeClr val="dk1"/>
                           </a:solidFill>
                           <a:highlight>
-                            <a:srgbClr val="FFC000"/>
+                            <a:srgbClr val="00B050"/>
                           </a:highlight>
                           <a:latin typeface="Corbel"/>
                           <a:ea typeface="Corbel"/>
                           <a:cs typeface="Corbel"/>
                           <a:sym typeface="Corbel"/>
                         </a:rPr>
-                        <a:t>⬊➞⬈</a:t>
+                        <a:t>➞</a:t>
                       </a:r>
-                      <a:endParaRPr sz="1400" b="1" u="none" strike="noStrike" cap="none">
+                      <a:endParaRPr sz="1400" b="1" u="none" strike="noStrike" cap="none" dirty="0">
                         <a:highlight>
                           <a:srgbClr val="FFC000"/>
                         </a:highlight>
@@ -48378,7 +48355,16 @@
                         <a:buFont typeface="Calibri"/>
                         <a:buNone/>
                       </a:pPr>
-                      <a:endParaRPr sz="1400" b="1" u="none" strike="noStrike" cap="none">
+                      <a:r>
+                        <a:rPr lang="fr-FR" sz="1400" b="1" u="none" strike="noStrike" cap="none" dirty="0">
+                          <a:latin typeface="Corbel"/>
+                          <a:ea typeface="Corbel"/>
+                          <a:cs typeface="Corbel"/>
+                          <a:sym typeface="Corbel"/>
+                        </a:rPr>
+                        <a:t>Position fixées</a:t>
+                      </a:r>
+                      <a:endParaRPr sz="1400" b="1" u="none" strike="noStrike" cap="none" dirty="0">
                         <a:latin typeface="Corbel"/>
                         <a:ea typeface="Corbel"/>
                         <a:cs typeface="Corbel"/>
@@ -48459,21 +48445,21 @@
                         <a:buNone/>
                       </a:pPr>
                       <a:r>
-                        <a:rPr lang="fr-FR" sz="1400" b="1" u="none" strike="noStrike" cap="none">
+                        <a:rPr lang="fr-FR" sz="1400" b="1" u="none" strike="noStrike" cap="none" dirty="0">
                           <a:solidFill>
                             <a:schemeClr val="dk1"/>
                           </a:solidFill>
                           <a:highlight>
-                            <a:srgbClr val="00B050"/>
+                            <a:srgbClr val="FFC000"/>
                           </a:highlight>
                           <a:latin typeface="Corbel"/>
                           <a:ea typeface="Corbel"/>
                           <a:cs typeface="Corbel"/>
                           <a:sym typeface="Corbel"/>
                         </a:rPr>
-                        <a:t>⬊➞⬈</a:t>
+                        <a:t>⬈</a:t>
                       </a:r>
-                      <a:endParaRPr sz="1400" b="1" u="none" strike="noStrike" cap="none">
+                      <a:endParaRPr sz="1400" b="1" u="none" strike="noStrike" cap="none" dirty="0">
                         <a:highlight>
                           <a:srgbClr val="00B050"/>
                         </a:highlight>
@@ -48508,7 +48494,16 @@
                         <a:buFont typeface="Calibri"/>
                         <a:buNone/>
                       </a:pPr>
-                      <a:endParaRPr sz="1400" b="1" u="none" strike="noStrike" cap="none">
+                      <a:r>
+                        <a:rPr lang="fr-FR" sz="1400" b="1" u="none" strike="noStrike" cap="none" dirty="0">
+                          <a:latin typeface="Corbel"/>
+                          <a:ea typeface="Corbel"/>
+                          <a:cs typeface="Corbel"/>
+                          <a:sym typeface="Corbel"/>
+                        </a:rPr>
+                        <a:t>Design terminé, reste les chapes</a:t>
+                      </a:r>
+                      <a:endParaRPr sz="1400" b="1" u="none" strike="noStrike" cap="none" dirty="0">
                         <a:latin typeface="Corbel"/>
                         <a:ea typeface="Corbel"/>
                         <a:cs typeface="Corbel"/>
@@ -48589,18 +48584,21 @@
                         <a:buNone/>
                       </a:pPr>
                       <a:r>
-                        <a:rPr lang="fr-FR" sz="1400" b="1" u="none" strike="noStrike" cap="none">
+                        <a:rPr lang="fr-FR" sz="1400" b="1" u="none" strike="noStrike" cap="none" dirty="0">
                           <a:solidFill>
                             <a:schemeClr val="dk1"/>
                           </a:solidFill>
+                          <a:highlight>
+                            <a:srgbClr val="FFC000"/>
+                          </a:highlight>
                           <a:latin typeface="Corbel"/>
                           <a:ea typeface="Corbel"/>
                           <a:cs typeface="Corbel"/>
                           <a:sym typeface="Corbel"/>
                         </a:rPr>
-                        <a:t>⬊➞⬈</a:t>
+                        <a:t>⬈</a:t>
                       </a:r>
-                      <a:endParaRPr sz="1400" b="1" u="none" strike="noStrike" cap="none">
+                      <a:endParaRPr sz="1400" b="1" u="none" strike="noStrike" cap="none" dirty="0">
                         <a:latin typeface="Corbel"/>
                         <a:ea typeface="Corbel"/>
                         <a:cs typeface="Corbel"/>
@@ -48632,7 +48630,16 @@
                         <a:buFont typeface="Calibri"/>
                         <a:buNone/>
                       </a:pPr>
-                      <a:endParaRPr sz="1400" b="1" u="none" strike="noStrike" cap="none">
+                      <a:r>
+                        <a:rPr lang="fr-FR" sz="1400" b="1" u="none" strike="noStrike" cap="none" dirty="0">
+                          <a:latin typeface="Corbel"/>
+                          <a:ea typeface="Corbel"/>
+                          <a:cs typeface="Corbel"/>
+                          <a:sym typeface="Corbel"/>
+                        </a:rPr>
+                        <a:t>Simulations et dimensionnement en cours</a:t>
+                      </a:r>
+                      <a:endParaRPr sz="1400" b="1" u="none" strike="noStrike" cap="none" dirty="0">
                         <a:latin typeface="Corbel"/>
                         <a:ea typeface="Corbel"/>
                         <a:cs typeface="Corbel"/>
@@ -48713,18 +48720,21 @@
                         <a:buNone/>
                       </a:pPr>
                       <a:r>
-                        <a:rPr lang="fr-FR" sz="1400" b="1" u="none" strike="noStrike" cap="none">
+                        <a:rPr lang="fr-FR" sz="1400" b="1" u="none" strike="noStrike" cap="none" dirty="0">
                           <a:solidFill>
                             <a:schemeClr val="dk1"/>
                           </a:solidFill>
+                          <a:highlight>
+                            <a:srgbClr val="00B050"/>
+                          </a:highlight>
                           <a:latin typeface="Corbel"/>
                           <a:ea typeface="Corbel"/>
                           <a:cs typeface="Corbel"/>
                           <a:sym typeface="Corbel"/>
                         </a:rPr>
-                        <a:t>⬊➞⬈</a:t>
+                        <a:t>➞</a:t>
                       </a:r>
-                      <a:endParaRPr sz="1400" b="1" u="none" strike="noStrike" cap="none">
+                      <a:endParaRPr sz="1400" b="1" u="none" strike="noStrike" cap="none" dirty="0">
                         <a:latin typeface="Corbel"/>
                         <a:ea typeface="Corbel"/>
                         <a:cs typeface="Corbel"/>
@@ -48756,7 +48766,16 @@
                         <a:buFont typeface="Calibri"/>
                         <a:buNone/>
                       </a:pPr>
-                      <a:endParaRPr sz="1400" b="1" u="none" strike="noStrike" cap="none">
+                      <a:r>
+                        <a:rPr lang="fr-FR" sz="1400" b="1" u="none" strike="noStrike" cap="none" dirty="0">
+                          <a:latin typeface="Corbel"/>
+                          <a:ea typeface="Corbel"/>
+                          <a:cs typeface="Corbel"/>
+                          <a:sym typeface="Corbel"/>
+                        </a:rPr>
+                        <a:t>Inserts quasiment terminés</a:t>
+                      </a:r>
+                      <a:endParaRPr sz="1400" b="1" u="none" strike="noStrike" cap="none" dirty="0">
                         <a:latin typeface="Corbel"/>
                         <a:ea typeface="Corbel"/>
                         <a:cs typeface="Corbel"/>
@@ -48819,7 +48838,7 @@
                     <a:bodyPr/>
                     <a:lstStyle/>
                     <a:p>
-                      <a:pPr marL="0" marR="0" lvl="0" indent="0" algn="ctr" rtl="0">
+                      <a:pPr marL="0" marR="0" lvl="0" indent="0" algn="ctr" defTabSz="914400" rtl="0" eaLnBrk="1" fontAlgn="auto" latinLnBrk="0" hangingPunct="1">
                         <a:lnSpc>
                           <a:spcPct val="100000"/>
                         </a:lnSpc>
@@ -48835,20 +48854,25 @@
                         <a:buSzPts val="1400"/>
                         <a:buFont typeface="Corbel"/>
                         <a:buNone/>
+                        <a:tabLst/>
+                        <a:defRPr/>
                       </a:pPr>
                       <a:r>
-                        <a:rPr lang="fr-FR" sz="1400" b="1" u="none" strike="noStrike" cap="none">
+                        <a:rPr lang="fr-FR" sz="1400" b="1" u="none" strike="noStrike" cap="none" dirty="0">
                           <a:solidFill>
                             <a:schemeClr val="dk1"/>
                           </a:solidFill>
+                          <a:highlight>
+                            <a:srgbClr val="00B050"/>
+                          </a:highlight>
                           <a:latin typeface="Corbel"/>
                           <a:ea typeface="Corbel"/>
                           <a:cs typeface="Corbel"/>
                           <a:sym typeface="Corbel"/>
                         </a:rPr>
-                        <a:t>⬊➞⬈</a:t>
+                        <a:t>➞</a:t>
                       </a:r>
-                      <a:endParaRPr sz="1400" b="1" u="none" strike="noStrike" cap="none">
+                      <a:endParaRPr lang="fr-FR" sz="1400" b="1" u="none" strike="noStrike" cap="none" dirty="0">
                         <a:latin typeface="Corbel"/>
                         <a:ea typeface="Corbel"/>
                         <a:cs typeface="Corbel"/>
@@ -48880,7 +48904,16 @@
                         <a:buFont typeface="Calibri"/>
                         <a:buNone/>
                       </a:pPr>
-                      <a:endParaRPr sz="1400" b="1" u="none" strike="noStrike" cap="none">
+                      <a:r>
+                        <a:rPr lang="fr-FR" sz="1400" b="1" u="none" strike="noStrike" cap="none" dirty="0">
+                          <a:latin typeface="Corbel"/>
+                          <a:ea typeface="Corbel"/>
+                          <a:cs typeface="Corbel"/>
+                          <a:sym typeface="Corbel"/>
+                        </a:rPr>
+                        <a:t>Eléments choisis, placement quasiment terminé</a:t>
+                      </a:r>
+                      <a:endParaRPr sz="1400" b="1" u="none" strike="noStrike" cap="none" dirty="0">
                         <a:latin typeface="Corbel"/>
                         <a:ea typeface="Corbel"/>
                         <a:cs typeface="Corbel"/>
@@ -48960,7 +48993,22 @@
                         <a:buFont typeface="Calibri"/>
                         <a:buNone/>
                       </a:pPr>
-                      <a:endParaRPr sz="1400" b="1" u="none" strike="noStrike" cap="none">
+                      <a:r>
+                        <a:rPr lang="fr-FR" sz="1400" b="1" u="none" strike="noStrike" cap="none" dirty="0">
+                          <a:solidFill>
+                            <a:schemeClr val="dk1"/>
+                          </a:solidFill>
+                          <a:highlight>
+                            <a:srgbClr val="00B050"/>
+                          </a:highlight>
+                          <a:latin typeface="Corbel"/>
+                          <a:ea typeface="Corbel"/>
+                          <a:cs typeface="Corbel"/>
+                          <a:sym typeface="Corbel"/>
+                        </a:rPr>
+                        <a:t>➞</a:t>
+                      </a:r>
+                      <a:endParaRPr sz="1400" b="1" u="none" strike="noStrike" cap="none" dirty="0">
                         <a:solidFill>
                           <a:schemeClr val="dk1"/>
                         </a:solidFill>
@@ -48995,7 +49043,16 @@
                         <a:buFont typeface="Calibri"/>
                         <a:buNone/>
                       </a:pPr>
-                      <a:endParaRPr sz="1400" b="1" u="none" strike="noStrike" cap="none">
+                      <a:r>
+                        <a:rPr lang="fr-FR" sz="1400" b="1" u="none" strike="noStrike" cap="none" dirty="0">
+                          <a:latin typeface="Corbel"/>
+                          <a:ea typeface="Corbel"/>
+                          <a:cs typeface="Corbel"/>
+                          <a:sym typeface="Corbel"/>
+                        </a:rPr>
+                        <a:t>Finalisation du dimensionnement</a:t>
+                      </a:r>
+                      <a:endParaRPr sz="1400" b="1" u="none" strike="noStrike" cap="none" dirty="0">
                         <a:latin typeface="Corbel"/>
                         <a:ea typeface="Corbel"/>
                         <a:cs typeface="Corbel"/>
@@ -49075,7 +49132,22 @@
                         <a:buFont typeface="Calibri"/>
                         <a:buNone/>
                       </a:pPr>
-                      <a:endParaRPr sz="1400" b="1" u="none" strike="noStrike" cap="none">
+                      <a:r>
+                        <a:rPr lang="fr-FR" sz="1400" b="1" u="none" strike="noStrike" cap="none" dirty="0">
+                          <a:solidFill>
+                            <a:schemeClr val="dk1"/>
+                          </a:solidFill>
+                          <a:highlight>
+                            <a:srgbClr val="FF0000"/>
+                          </a:highlight>
+                          <a:latin typeface="Corbel"/>
+                          <a:ea typeface="Corbel"/>
+                          <a:cs typeface="Corbel"/>
+                          <a:sym typeface="Corbel"/>
+                        </a:rPr>
+                        <a:t>➞</a:t>
+                      </a:r>
+                      <a:endParaRPr sz="1400" b="1" u="none" strike="noStrike" cap="none" dirty="0">
                         <a:solidFill>
                           <a:schemeClr val="dk1"/>
                         </a:solidFill>
@@ -49110,7 +49182,16 @@
                         <a:buFont typeface="Calibri"/>
                         <a:buNone/>
                       </a:pPr>
-                      <a:endParaRPr sz="1400" b="1" u="none" strike="noStrike" cap="none">
+                      <a:r>
+                        <a:rPr lang="fr-FR" sz="1400" b="1" u="none" strike="noStrike" cap="none" dirty="0">
+                          <a:latin typeface="Corbel"/>
+                          <a:ea typeface="Corbel"/>
+                          <a:cs typeface="Corbel"/>
+                          <a:sym typeface="Corbel"/>
+                        </a:rPr>
+                        <a:t>Problème pour les disques arrières</a:t>
+                      </a:r>
+                      <a:endParaRPr sz="1400" b="1" u="none" strike="noStrike" cap="none" dirty="0">
                         <a:latin typeface="Corbel"/>
                         <a:ea typeface="Corbel"/>
                         <a:cs typeface="Corbel"/>
@@ -49139,7 +49220,7 @@
 </file>
 
 <file path=ppt/slides/slide8.xml><?xml version="1.0" encoding="utf-8"?>
-<p:sld xmlns:a="http://schemas.openxmlformats.org/drawingml/2006/main" xmlns:r="http://schemas.openxmlformats.org/officeDocument/2006/relationships" xmlns:p="http://schemas.openxmlformats.org/presentationml/2006/main" show="0">
+<p:sld xmlns:a="http://schemas.openxmlformats.org/drawingml/2006/main" xmlns:r="http://schemas.openxmlformats.org/officeDocument/2006/relationships" xmlns:p="http://schemas.openxmlformats.org/presentationml/2006/main">
   <p:cSld>
     <p:spTree>
       <p:nvGrpSpPr>
@@ -49271,11 +49352,17 @@
         <p:nvGraphicFramePr>
           <p:cNvPr id="246" name="Google Shape;246;p6"/>
           <p:cNvGraphicFramePr/>
-          <p:nvPr/>
+          <p:nvPr>
+            <p:extLst>
+              <p:ext uri="{D42A27DB-BD31-4B8C-83A1-F6EECF244321}">
+                <p14:modId xmlns:p14="http://schemas.microsoft.com/office/powerpoint/2010/main" val="4017006063"/>
+              </p:ext>
+            </p:extLst>
+          </p:nvPr>
         </p:nvGraphicFramePr>
         <p:xfrm>
           <a:off x="714375" y="1073150"/>
-          <a:ext cx="7715275" cy="2453570"/>
+          <a:ext cx="7715275" cy="2804080"/>
         </p:xfrm>
         <a:graphic>
           <a:graphicData uri="http://schemas.openxmlformats.org/drawingml/2006/table">
@@ -49502,21 +49589,21 @@
                         <a:buNone/>
                       </a:pPr>
                       <a:r>
-                        <a:rPr lang="fr-FR" sz="1400" b="1" u="none" strike="noStrike" cap="none">
+                        <a:rPr lang="fr-FR" sz="1400" b="1" u="none" strike="noStrike" cap="none" dirty="0">
                           <a:solidFill>
                             <a:schemeClr val="dk1"/>
                           </a:solidFill>
                           <a:highlight>
-                            <a:srgbClr val="FF0000"/>
+                            <a:srgbClr val="00B050"/>
                           </a:highlight>
                           <a:latin typeface="Corbel"/>
                           <a:ea typeface="Corbel"/>
                           <a:cs typeface="Corbel"/>
                           <a:sym typeface="Corbel"/>
                         </a:rPr>
-                        <a:t>⬊➞⬈</a:t>
+                        <a:t>➞</a:t>
                       </a:r>
-                      <a:endParaRPr sz="1400" b="1" u="none" strike="noStrike" cap="none">
+                      <a:endParaRPr sz="1400" b="1" u="none" strike="noStrike" cap="none" dirty="0">
                         <a:highlight>
                           <a:srgbClr val="FF0000"/>
                         </a:highlight>
@@ -49552,15 +49639,15 @@
                         <a:buNone/>
                       </a:pPr>
                       <a:r>
-                        <a:rPr lang="fr-FR" sz="1400" b="1" u="none" strike="noStrike" cap="none">
+                        <a:rPr lang="fr-FR" sz="1400" b="1" u="none" strike="noStrike" cap="none" dirty="0">
                           <a:latin typeface="Corbel"/>
                           <a:ea typeface="Corbel"/>
                           <a:cs typeface="Corbel"/>
                           <a:sym typeface="Corbel"/>
                         </a:rPr>
-                        <a:t>Pourquoi je suis dans cet état</a:t>
+                        <a:t>Dimensionnement effectué</a:t>
                       </a:r>
-                      <a:endParaRPr sz="1400" b="1" u="none" strike="noStrike" cap="none">
+                      <a:endParaRPr sz="1400" b="1" u="none" strike="noStrike" cap="none" dirty="0">
                         <a:latin typeface="Corbel"/>
                         <a:ea typeface="Corbel"/>
                         <a:cs typeface="Corbel"/>
@@ -49641,21 +49728,21 @@
                         <a:buNone/>
                       </a:pPr>
                       <a:r>
-                        <a:rPr lang="fr-FR" sz="1400" b="1" u="none" strike="noStrike" cap="none">
+                        <a:rPr lang="fr-FR" sz="1400" b="1" u="none" strike="noStrike" cap="none" dirty="0">
                           <a:solidFill>
                             <a:schemeClr val="dk1"/>
                           </a:solidFill>
                           <a:highlight>
-                            <a:srgbClr val="FFC000"/>
+                            <a:srgbClr val="00B050"/>
                           </a:highlight>
                           <a:latin typeface="Corbel"/>
                           <a:ea typeface="Corbel"/>
                           <a:cs typeface="Corbel"/>
                           <a:sym typeface="Corbel"/>
                         </a:rPr>
-                        <a:t>⬊➞⬈</a:t>
+                        <a:t>➞</a:t>
                       </a:r>
-                      <a:endParaRPr sz="1400" b="1" u="none" strike="noStrike" cap="none">
+                      <a:endParaRPr sz="1400" b="1" u="none" strike="noStrike" cap="none" dirty="0">
                         <a:highlight>
                           <a:srgbClr val="FFC000"/>
                         </a:highlight>
@@ -49690,7 +49777,16 @@
                         <a:buFont typeface="Calibri"/>
                         <a:buNone/>
                       </a:pPr>
-                      <a:endParaRPr sz="1400" b="1" u="none" strike="noStrike" cap="none">
+                      <a:r>
+                        <a:rPr lang="fr-FR" sz="1400" b="1" u="none" strike="noStrike" cap="none" dirty="0">
+                          <a:latin typeface="Corbel"/>
+                          <a:ea typeface="Corbel"/>
+                          <a:cs typeface="Corbel"/>
+                          <a:sym typeface="Corbel"/>
+                        </a:rPr>
+                        <a:t>Ajustements mineurs</a:t>
+                      </a:r>
+                      <a:endParaRPr sz="1400" b="1" u="none" strike="noStrike" cap="none" dirty="0">
                         <a:latin typeface="Corbel"/>
                         <a:ea typeface="Corbel"/>
                         <a:cs typeface="Corbel"/>
@@ -49771,7 +49867,7 @@
                         <a:buNone/>
                       </a:pPr>
                       <a:r>
-                        <a:rPr lang="fr-FR" sz="1400" b="1" u="none" strike="noStrike" cap="none">
+                        <a:rPr lang="fr-FR" sz="1400" b="1" u="none" strike="noStrike" cap="none" dirty="0">
                           <a:solidFill>
                             <a:schemeClr val="dk1"/>
                           </a:solidFill>
@@ -49783,9 +49879,9 @@
                           <a:cs typeface="Corbel"/>
                           <a:sym typeface="Corbel"/>
                         </a:rPr>
-                        <a:t>⬊➞⬈</a:t>
+                        <a:t>➞</a:t>
                       </a:r>
-                      <a:endParaRPr sz="1400" b="1" u="none" strike="noStrike" cap="none">
+                      <a:endParaRPr sz="1400" b="1" u="none" strike="noStrike" cap="none" dirty="0">
                         <a:highlight>
                           <a:srgbClr val="00B050"/>
                         </a:highlight>
@@ -49820,7 +49916,16 @@
                         <a:buFont typeface="Calibri"/>
                         <a:buNone/>
                       </a:pPr>
-                      <a:endParaRPr sz="1400" b="1" u="none" strike="noStrike" cap="none">
+                      <a:r>
+                        <a:rPr lang="fr-FR" sz="1400" b="1" u="none" strike="noStrike" cap="none" dirty="0">
+                          <a:latin typeface="Corbel"/>
+                          <a:ea typeface="Corbel"/>
+                          <a:cs typeface="Corbel"/>
+                          <a:sym typeface="Corbel"/>
+                        </a:rPr>
+                        <a:t>Reste la poignée d’embrayage</a:t>
+                      </a:r>
+                      <a:endParaRPr sz="1400" b="1" u="none" strike="noStrike" cap="none" dirty="0">
                         <a:latin typeface="Corbel"/>
                         <a:ea typeface="Corbel"/>
                         <a:cs typeface="Corbel"/>
@@ -49901,18 +50006,21 @@
                         <a:buNone/>
                       </a:pPr>
                       <a:r>
-                        <a:rPr lang="fr-FR" sz="1400" b="1" u="none" strike="noStrike" cap="none">
+                        <a:rPr lang="fr-FR" sz="1400" b="1" u="none" strike="noStrike" cap="none" dirty="0">
                           <a:solidFill>
                             <a:schemeClr val="dk1"/>
                           </a:solidFill>
+                          <a:highlight>
+                            <a:srgbClr val="00B050"/>
+                          </a:highlight>
                           <a:latin typeface="Corbel"/>
                           <a:ea typeface="Corbel"/>
                           <a:cs typeface="Corbel"/>
                           <a:sym typeface="Corbel"/>
                         </a:rPr>
-                        <a:t>⬊➞⬈</a:t>
+                        <a:t>➞</a:t>
                       </a:r>
-                      <a:endParaRPr sz="1400" b="1" u="none" strike="noStrike" cap="none">
+                      <a:endParaRPr sz="1400" b="1" u="none" strike="noStrike" cap="none" dirty="0">
                         <a:latin typeface="Corbel"/>
                         <a:ea typeface="Corbel"/>
                         <a:cs typeface="Corbel"/>
@@ -49944,7 +50052,16 @@
                         <a:buFont typeface="Calibri"/>
                         <a:buNone/>
                       </a:pPr>
-                      <a:endParaRPr sz="1400" b="1" u="none" strike="noStrike" cap="none">
+                      <a:r>
+                        <a:rPr lang="fr-FR" sz="1400" b="1" u="none" strike="noStrike" cap="none" dirty="0">
+                          <a:latin typeface="Corbel"/>
+                          <a:ea typeface="Corbel"/>
+                          <a:cs typeface="Corbel"/>
+                          <a:sym typeface="Corbel"/>
+                        </a:rPr>
+                        <a:t>Dessinée</a:t>
+                      </a:r>
+                      <a:endParaRPr sz="1400" b="1" u="none" strike="noStrike" cap="none" dirty="0">
                         <a:latin typeface="Corbel"/>
                         <a:ea typeface="Corbel"/>
                         <a:cs typeface="Corbel"/>
@@ -50025,18 +50142,21 @@
                         <a:buNone/>
                       </a:pPr>
                       <a:r>
-                        <a:rPr lang="fr-FR" sz="1400" b="1" u="none" strike="noStrike" cap="none">
+                        <a:rPr lang="fr-FR" sz="1400" b="1" u="none" strike="noStrike" cap="none" dirty="0">
                           <a:solidFill>
                             <a:schemeClr val="dk1"/>
                           </a:solidFill>
+                          <a:highlight>
+                            <a:srgbClr val="00B050"/>
+                          </a:highlight>
                           <a:latin typeface="Corbel"/>
                           <a:ea typeface="Corbel"/>
                           <a:cs typeface="Corbel"/>
                           <a:sym typeface="Corbel"/>
                         </a:rPr>
-                        <a:t>⬊➞⬈</a:t>
+                        <a:t>➞</a:t>
                       </a:r>
-                      <a:endParaRPr sz="1400" b="1" u="none" strike="noStrike" cap="none">
+                      <a:endParaRPr sz="1400" b="1" u="none" strike="noStrike" cap="none" dirty="0">
                         <a:latin typeface="Corbel"/>
                         <a:ea typeface="Corbel"/>
                         <a:cs typeface="Corbel"/>
@@ -50068,7 +50188,16 @@
                         <a:buFont typeface="Calibri"/>
                         <a:buNone/>
                       </a:pPr>
-                      <a:endParaRPr sz="1400" b="1" u="none" strike="noStrike" cap="none">
+                      <a:r>
+                        <a:rPr lang="fr-FR" sz="1400" b="1" u="none" strike="noStrike" cap="none" dirty="0">
+                          <a:latin typeface="Corbel"/>
+                          <a:ea typeface="Corbel"/>
+                          <a:cs typeface="Corbel"/>
+                          <a:sym typeface="Corbel"/>
+                        </a:rPr>
+                        <a:t>Dessiné et placé</a:t>
+                      </a:r>
+                      <a:endParaRPr sz="1400" b="1" u="none" strike="noStrike" cap="none" dirty="0">
                         <a:latin typeface="Corbel"/>
                         <a:ea typeface="Corbel"/>
                         <a:cs typeface="Corbel"/>
@@ -50108,7 +50237,7 @@
                         <a:buNone/>
                       </a:pPr>
                       <a:r>
-                        <a:rPr lang="fr-FR" sz="1400" b="1" u="none" strike="noStrike" cap="none">
+                        <a:rPr lang="fr-FR" sz="1400" b="1" u="none" strike="noStrike" cap="none" dirty="0">
                           <a:latin typeface="Corbel"/>
                           <a:ea typeface="Corbel"/>
                           <a:cs typeface="Corbel"/>
@@ -50116,7 +50245,7 @@
                         </a:rPr>
                         <a:t>Pédalier</a:t>
                       </a:r>
-                      <a:endParaRPr sz="1400" b="1" u="none" strike="noStrike" cap="none">
+                      <a:endParaRPr sz="1400" b="1" u="none" strike="noStrike" cap="none" dirty="0">
                         <a:latin typeface="Corbel"/>
                         <a:ea typeface="Corbel"/>
                         <a:cs typeface="Corbel"/>
@@ -50149,18 +50278,21 @@
                         <a:buNone/>
                       </a:pPr>
                       <a:r>
-                        <a:rPr lang="fr-FR" sz="1400" b="1" u="none" strike="noStrike" cap="none">
+                        <a:rPr lang="fr-FR" sz="1400" b="1" u="none" strike="noStrike" cap="none" dirty="0">
                           <a:solidFill>
                             <a:schemeClr val="dk1"/>
                           </a:solidFill>
+                          <a:highlight>
+                            <a:srgbClr val="00B050"/>
+                          </a:highlight>
                           <a:latin typeface="Corbel"/>
                           <a:ea typeface="Corbel"/>
                           <a:cs typeface="Corbel"/>
                           <a:sym typeface="Corbel"/>
                         </a:rPr>
-                        <a:t>⬊➞⬈</a:t>
+                        <a:t>➞</a:t>
                       </a:r>
-                      <a:endParaRPr sz="1400" b="1" u="none" strike="noStrike" cap="none">
+                      <a:endParaRPr sz="1400" b="1" u="none" strike="noStrike" cap="none" dirty="0">
                         <a:latin typeface="Corbel"/>
                         <a:ea typeface="Corbel"/>
                         <a:cs typeface="Corbel"/>
@@ -50192,7 +50324,16 @@
                         <a:buFont typeface="Calibri"/>
                         <a:buNone/>
                       </a:pPr>
-                      <a:endParaRPr sz="1400" b="1" u="none" strike="noStrike" cap="none">
+                      <a:r>
+                        <a:rPr lang="fr-FR" sz="1400" b="1" u="none" strike="noStrike" cap="none" dirty="0">
+                          <a:latin typeface="Corbel"/>
+                          <a:ea typeface="Corbel"/>
+                          <a:cs typeface="Corbel"/>
+                          <a:sym typeface="Corbel"/>
+                        </a:rPr>
+                        <a:t>Manque les cales et les chapes</a:t>
+                      </a:r>
+                      <a:endParaRPr sz="1400" b="1" u="none" strike="noStrike" cap="none" dirty="0">
                         <a:latin typeface="Corbel"/>
                         <a:ea typeface="Corbel"/>
                         <a:cs typeface="Corbel"/>
@@ -50205,6 +50346,142 @@
                 <a:extLst>
                   <a:ext uri="{0D108BD9-81ED-4DB2-BD59-A6C34878D82A}">
                     <a16:rowId xmlns:a16="http://schemas.microsoft.com/office/drawing/2014/main" val="10006"/>
+                  </a:ext>
+                </a:extLst>
+              </a:tr>
+              <a:tr h="342875">
+                <a:tc>
+                  <a:txBody>
+                    <a:bodyPr/>
+                    <a:lstStyle/>
+                    <a:p>
+                      <a:pPr marL="0" marR="0" lvl="0" indent="0" algn="l" rtl="0">
+                        <a:lnSpc>
+                          <a:spcPct val="100000"/>
+                        </a:lnSpc>
+                        <a:spcBef>
+                          <a:spcPts val="0"/>
+                        </a:spcBef>
+                        <a:spcAft>
+                          <a:spcPts val="0"/>
+                        </a:spcAft>
+                        <a:buClr>
+                          <a:schemeClr val="dk1"/>
+                        </a:buClr>
+                        <a:buSzPts val="1400"/>
+                        <a:buFont typeface="Corbel"/>
+                        <a:buNone/>
+                      </a:pPr>
+                      <a:r>
+                        <a:rPr lang="fr-FR" sz="1400" b="1" u="none" strike="noStrike" cap="none" dirty="0">
+                          <a:latin typeface="Corbel"/>
+                          <a:ea typeface="Corbel"/>
+                          <a:cs typeface="Corbel"/>
+                          <a:sym typeface="Corbel"/>
+                        </a:rPr>
+                        <a:t>Carrosserie</a:t>
+                      </a:r>
+                      <a:endParaRPr sz="1400" b="1" u="none" strike="noStrike" cap="none" dirty="0">
+                        <a:latin typeface="Corbel"/>
+                        <a:ea typeface="Corbel"/>
+                        <a:cs typeface="Corbel"/>
+                        <a:sym typeface="Corbel"/>
+                      </a:endParaRPr>
+                    </a:p>
+                  </a:txBody>
+                  <a:tcPr marL="68575" marR="68575" marT="68575" marB="68575"/>
+                </a:tc>
+                <a:tc>
+                  <a:txBody>
+                    <a:bodyPr/>
+                    <a:lstStyle/>
+                    <a:p>
+                      <a:pPr marL="0" marR="0" lvl="0" indent="0" algn="ctr" rtl="0">
+                        <a:lnSpc>
+                          <a:spcPct val="100000"/>
+                        </a:lnSpc>
+                        <a:spcBef>
+                          <a:spcPts val="0"/>
+                        </a:spcBef>
+                        <a:spcAft>
+                          <a:spcPts val="0"/>
+                        </a:spcAft>
+                        <a:buClr>
+                          <a:schemeClr val="dk1"/>
+                        </a:buClr>
+                        <a:buSzPts val="1100"/>
+                        <a:buFont typeface="Arial"/>
+                        <a:buNone/>
+                      </a:pPr>
+                      <a:r>
+                        <a:rPr lang="fr-FR" sz="1400" b="1" u="none" strike="noStrike" cap="none" dirty="0">
+                          <a:solidFill>
+                            <a:schemeClr val="dk1"/>
+                          </a:solidFill>
+                          <a:highlight>
+                            <a:srgbClr val="00B050"/>
+                          </a:highlight>
+                          <a:latin typeface="Corbel"/>
+                          <a:ea typeface="Corbel"/>
+                          <a:cs typeface="Corbel"/>
+                          <a:sym typeface="Corbel"/>
+                        </a:rPr>
+                        <a:t>➞</a:t>
+                      </a:r>
+                      <a:endParaRPr sz="1400" b="1" u="none" strike="noStrike" cap="none" dirty="0">
+                        <a:latin typeface="Corbel"/>
+                        <a:ea typeface="Corbel"/>
+                        <a:cs typeface="Corbel"/>
+                        <a:sym typeface="Corbel"/>
+                      </a:endParaRPr>
+                    </a:p>
+                  </a:txBody>
+                  <a:tcPr marL="68575" marR="68575" marT="68575" marB="68575"/>
+                </a:tc>
+                <a:tc>
+                  <a:txBody>
+                    <a:bodyPr/>
+                    <a:lstStyle/>
+                    <a:p>
+                      <a:pPr marL="0" marR="0" lvl="0" indent="0" algn="l" rtl="0">
+                        <a:lnSpc>
+                          <a:spcPct val="100000"/>
+                        </a:lnSpc>
+                        <a:spcBef>
+                          <a:spcPts val="0"/>
+                        </a:spcBef>
+                        <a:spcAft>
+                          <a:spcPts val="0"/>
+                        </a:spcAft>
+                        <a:buClr>
+                          <a:schemeClr val="dk1"/>
+                        </a:buClr>
+                        <a:buSzPts val="1400"/>
+                        <a:buFont typeface="Calibri"/>
+                        <a:buNone/>
+                      </a:pPr>
+                      <a:r>
+                        <a:rPr lang="fr-FR" sz="1400" b="1" u="none" strike="noStrike" cap="none" dirty="0">
+                          <a:latin typeface="Corbel"/>
+                          <a:ea typeface="Corbel"/>
+                          <a:cs typeface="Corbel"/>
+                          <a:sym typeface="Corbel"/>
+                        </a:rPr>
+                        <a:t>Suivi des modifications du châssis</a:t>
+                      </a:r>
+                      <a:endParaRPr sz="1400" b="1" u="none" strike="noStrike" cap="none" dirty="0">
+                        <a:latin typeface="Corbel"/>
+                        <a:ea typeface="Corbel"/>
+                        <a:cs typeface="Corbel"/>
+                        <a:sym typeface="Corbel"/>
+                      </a:endParaRPr>
+                    </a:p>
+                  </a:txBody>
+                  <a:tcPr marL="68575" marR="68575" marT="68575" marB="68575"/>
+                </a:tc>
+                <a:extLst>
+                  <a:ext uri="{0D108BD9-81ED-4DB2-BD59-A6C34878D82A}">
+                    <a16:rowId xmlns:a16="http://schemas.microsoft.com/office/drawing/2014/main" val="3437234331"/>
                   </a:ext>
                 </a:extLst>
               </a:tr>
@@ -50221,7 +50498,7 @@
 </file>
 
 <file path=ppt/slides/slide9.xml><?xml version="1.0" encoding="utf-8"?>
-<p:sld xmlns:a="http://schemas.openxmlformats.org/drawingml/2006/main" xmlns:r="http://schemas.openxmlformats.org/officeDocument/2006/relationships" xmlns:p="http://schemas.openxmlformats.org/presentationml/2006/main" show="0">
+<p:sld xmlns:a="http://schemas.openxmlformats.org/drawingml/2006/main" xmlns:r="http://schemas.openxmlformats.org/officeDocument/2006/relationships" xmlns:p="http://schemas.openxmlformats.org/presentationml/2006/main">
   <p:cSld>
     <p:spTree>
       <p:nvGrpSpPr>
@@ -50356,14 +50633,14 @@
           <p:nvPr>
             <p:extLst>
               <p:ext uri="{D42A27DB-BD31-4B8C-83A1-F6EECF244321}">
-                <p14:modId xmlns:p14="http://schemas.microsoft.com/office/powerpoint/2010/main" val="279684619"/>
+                <p14:modId xmlns:p14="http://schemas.microsoft.com/office/powerpoint/2010/main" val="3481911635"/>
               </p:ext>
             </p:extLst>
           </p:nvPr>
         </p:nvGraphicFramePr>
         <p:xfrm>
           <a:off x="714375" y="1073150"/>
-          <a:ext cx="7715275" cy="1752550"/>
+          <a:ext cx="7715275" cy="1402040"/>
         </p:xfrm>
         <a:graphic>
           <a:graphicData uri="http://schemas.openxmlformats.org/drawingml/2006/table">
@@ -50549,145 +50826,6 @@
                         <a:buNone/>
                       </a:pPr>
                       <a:r>
-                        <a:rPr lang="fr-FR" sz="1400" b="1" u="none" strike="noStrike" cap="none">
-                          <a:latin typeface="Corbel"/>
-                          <a:ea typeface="Corbel"/>
-                          <a:cs typeface="Corbel"/>
-                          <a:sym typeface="Corbel"/>
-                        </a:rPr>
-                        <a:t>Carrosserie</a:t>
-                      </a:r>
-                      <a:endParaRPr sz="1400" b="1" u="none" strike="noStrike" cap="none">
-                        <a:latin typeface="Corbel"/>
-                        <a:ea typeface="Corbel"/>
-                        <a:cs typeface="Corbel"/>
-                        <a:sym typeface="Corbel"/>
-                      </a:endParaRPr>
-                    </a:p>
-                  </a:txBody>
-                  <a:tcPr marL="68575" marR="68575" marT="68575" marB="68575"/>
-                </a:tc>
-                <a:tc>
-                  <a:txBody>
-                    <a:bodyPr/>
-                    <a:lstStyle/>
-                    <a:p>
-                      <a:pPr marL="0" marR="0" lvl="0" indent="0" algn="ctr" rtl="0">
-                        <a:lnSpc>
-                          <a:spcPct val="100000"/>
-                        </a:lnSpc>
-                        <a:spcBef>
-                          <a:spcPts val="0"/>
-                        </a:spcBef>
-                        <a:spcAft>
-                          <a:spcPts val="0"/>
-                        </a:spcAft>
-                        <a:buClr>
-                          <a:schemeClr val="dk1"/>
-                        </a:buClr>
-                        <a:buSzPts val="1400"/>
-                        <a:buFont typeface="Corbel"/>
-                        <a:buNone/>
-                      </a:pPr>
-                      <a:r>
-                        <a:rPr lang="fr-FR" sz="1400" b="1" u="none" strike="noStrike" cap="none">
-                          <a:solidFill>
-                            <a:schemeClr val="dk1"/>
-                          </a:solidFill>
-                          <a:highlight>
-                            <a:srgbClr val="FF0000"/>
-                          </a:highlight>
-                          <a:latin typeface="Corbel"/>
-                          <a:ea typeface="Corbel"/>
-                          <a:cs typeface="Corbel"/>
-                          <a:sym typeface="Corbel"/>
-                        </a:rPr>
-                        <a:t>⬊➞⬈</a:t>
-                      </a:r>
-                      <a:endParaRPr sz="1400" b="1" u="none" strike="noStrike" cap="none">
-                        <a:highlight>
-                          <a:srgbClr val="FF0000"/>
-                        </a:highlight>
-                        <a:latin typeface="Corbel"/>
-                        <a:ea typeface="Corbel"/>
-                        <a:cs typeface="Corbel"/>
-                        <a:sym typeface="Corbel"/>
-                      </a:endParaRPr>
-                    </a:p>
-                  </a:txBody>
-                  <a:tcPr marL="68575" marR="68575" marT="68575" marB="68575"/>
-                </a:tc>
-                <a:tc>
-                  <a:txBody>
-                    <a:bodyPr/>
-                    <a:lstStyle/>
-                    <a:p>
-                      <a:pPr marL="0" marR="0" lvl="0" indent="0" algn="l" rtl="0">
-                        <a:lnSpc>
-                          <a:spcPct val="100000"/>
-                        </a:lnSpc>
-                        <a:spcBef>
-                          <a:spcPts val="0"/>
-                        </a:spcBef>
-                        <a:spcAft>
-                          <a:spcPts val="0"/>
-                        </a:spcAft>
-                        <a:buClr>
-                          <a:schemeClr val="dk1"/>
-                        </a:buClr>
-                        <a:buSzPts val="1400"/>
-                        <a:buFont typeface="Corbel"/>
-                        <a:buNone/>
-                      </a:pPr>
-                      <a:r>
-                        <a:rPr lang="fr-FR" sz="1400" b="1" u="none" strike="noStrike" cap="none">
-                          <a:latin typeface="Corbel"/>
-                          <a:ea typeface="Corbel"/>
-                          <a:cs typeface="Corbel"/>
-                          <a:sym typeface="Corbel"/>
-                        </a:rPr>
-                        <a:t>Pourquoi je suis dans cet état</a:t>
-                      </a:r>
-                      <a:endParaRPr sz="1400" b="1" u="none" strike="noStrike" cap="none">
-                        <a:latin typeface="Corbel"/>
-                        <a:ea typeface="Corbel"/>
-                        <a:cs typeface="Corbel"/>
-                        <a:sym typeface="Corbel"/>
-                      </a:endParaRPr>
-                    </a:p>
-                  </a:txBody>
-                  <a:tcPr marL="68575" marR="68575" marT="68575" marB="68575"/>
-                </a:tc>
-                <a:extLst>
-                  <a:ext uri="{0D108BD9-81ED-4DB2-BD59-A6C34878D82A}">
-                    <a16:rowId xmlns:a16="http://schemas.microsoft.com/office/drawing/2014/main" val="10001"/>
-                  </a:ext>
-                </a:extLst>
-              </a:tr>
-              <a:tr h="342875">
-                <a:tc>
-                  <a:txBody>
-                    <a:bodyPr/>
-                    <a:lstStyle/>
-                    <a:p>
-                      <a:pPr marL="0" marR="0" lvl="0" indent="0" algn="l" rtl="0">
-                        <a:lnSpc>
-                          <a:spcPct val="100000"/>
-                        </a:lnSpc>
-                        <a:spcBef>
-                          <a:spcPts val="0"/>
-                        </a:spcBef>
-                        <a:spcAft>
-                          <a:spcPts val="0"/>
-                        </a:spcAft>
-                        <a:buClr>
-                          <a:schemeClr val="dk1"/>
-                        </a:buClr>
-                        <a:buSzPts val="1400"/>
-                        <a:buFont typeface="Corbel"/>
-                        <a:buNone/>
-                      </a:pPr>
-                      <a:r>
                         <a:rPr lang="fr-FR" sz="1400" b="1" u="none" strike="noStrike" cap="none" dirty="0">
                           <a:latin typeface="Corbel"/>
                           <a:ea typeface="Corbel"/>
@@ -50741,7 +50879,7 @@
                           <a:cs typeface="Corbel"/>
                           <a:sym typeface="Corbel"/>
                         </a:rPr>
-                        <a:t>⬊➞⬈</a:t>
+                        <a:t>➞</a:t>
                       </a:r>
                       <a:endParaRPr sz="1400" b="1" u="none" strike="noStrike" cap="none" dirty="0">
                         <a:highlight>
@@ -50778,6 +50916,15 @@
                         <a:buFont typeface="Calibri"/>
                         <a:buNone/>
                       </a:pPr>
+                      <a:r>
+                        <a:rPr lang="fr-FR" sz="1400" b="1" u="none" strike="noStrike" cap="none" dirty="0">
+                          <a:latin typeface="Corbel"/>
+                          <a:ea typeface="Corbel"/>
+                          <a:cs typeface="Corbel"/>
+                          <a:sym typeface="Corbel"/>
+                        </a:rPr>
+                        <a:t>Terminée</a:t>
+                      </a:r>
                       <a:endParaRPr sz="1400" b="1" u="none" strike="noStrike" cap="none" dirty="0">
                         <a:latin typeface="Corbel"/>
                         <a:ea typeface="Corbel"/>
@@ -50859,18 +51006,21 @@
                         <a:buNone/>
                       </a:pPr>
                       <a:r>
-                        <a:rPr lang="fr-FR" sz="1400" b="1" u="none" strike="noStrike" cap="none">
+                        <a:rPr lang="fr-FR" sz="1400" b="1" u="none" strike="noStrike" cap="none" dirty="0">
                           <a:solidFill>
                             <a:schemeClr val="dk1"/>
                           </a:solidFill>
+                          <a:highlight>
+                            <a:srgbClr val="00B050"/>
+                          </a:highlight>
                           <a:latin typeface="Corbel"/>
                           <a:ea typeface="Corbel"/>
                           <a:cs typeface="Corbel"/>
                           <a:sym typeface="Corbel"/>
                         </a:rPr>
-                        <a:t>⬊➞⬈</a:t>
+                        <a:t>➞</a:t>
                       </a:r>
-                      <a:endParaRPr sz="1400" b="1" u="none" strike="noStrike" cap="none">
+                      <a:endParaRPr sz="1400" b="1" u="none" strike="noStrike" cap="none" dirty="0">
                         <a:latin typeface="Corbel"/>
                         <a:ea typeface="Corbel"/>
                         <a:cs typeface="Corbel"/>
@@ -50902,6 +51052,15 @@
                         <a:buFont typeface="Calibri"/>
                         <a:buNone/>
                       </a:pPr>
+                      <a:r>
+                        <a:rPr lang="fr-FR" sz="1400" b="1" u="none" strike="noStrike" cap="none" dirty="0">
+                          <a:latin typeface="Corbel"/>
+                          <a:ea typeface="Corbel"/>
+                          <a:cs typeface="Corbel"/>
+                          <a:sym typeface="Corbel"/>
+                        </a:rPr>
+                        <a:t>Terminée</a:t>
+                      </a:r>
                       <a:endParaRPr sz="1400" b="1" u="none" strike="noStrike" cap="none" dirty="0">
                         <a:latin typeface="Corbel"/>
                         <a:ea typeface="Corbel"/>
@@ -50982,7 +51141,22 @@
                         <a:buFont typeface="Corbel"/>
                         <a:buNone/>
                       </a:pPr>
-                      <a:endParaRPr sz="1400" b="1" u="none" strike="noStrike" cap="none">
+                      <a:r>
+                        <a:rPr lang="fr-FR" sz="1400" b="1" u="none" strike="noStrike" cap="none" dirty="0">
+                          <a:solidFill>
+                            <a:schemeClr val="dk1"/>
+                          </a:solidFill>
+                          <a:highlight>
+                            <a:srgbClr val="FFC000"/>
+                          </a:highlight>
+                          <a:latin typeface="Corbel"/>
+                          <a:ea typeface="Corbel"/>
+                          <a:cs typeface="Corbel"/>
+                          <a:sym typeface="Corbel"/>
+                        </a:rPr>
+                        <a:t>⬈</a:t>
+                      </a:r>
+                      <a:endParaRPr sz="1400" b="1" u="none" strike="noStrike" cap="none" dirty="0">
                         <a:latin typeface="Corbel"/>
                         <a:ea typeface="Corbel"/>
                         <a:cs typeface="Corbel"/>
@@ -51014,6 +51188,15 @@
                         <a:buFont typeface="Calibri"/>
                         <a:buNone/>
                       </a:pPr>
+                      <a:r>
+                        <a:rPr lang="fr-FR" sz="1400" b="1" u="none" strike="noStrike" cap="none" dirty="0">
+                          <a:latin typeface="Corbel"/>
+                          <a:ea typeface="Corbel"/>
+                          <a:cs typeface="Corbel"/>
+                          <a:sym typeface="Corbel"/>
+                        </a:rPr>
+                        <a:t>Attente des inserts de LAS</a:t>
+                      </a:r>
                       <a:endParaRPr sz="1400" b="1" u="none" strike="noStrike" cap="none" dirty="0">
                         <a:latin typeface="Corbel"/>
                         <a:ea typeface="Corbel"/>
